--- a/Presentatie/Presentatie.pptx
+++ b/Presentatie/Presentatie.pptx
@@ -3,17 +3,28 @@
 <p:presentation xmlns:a="http://schemas.openxmlformats.org/drawingml/2006/main" xmlns:r="http://schemas.openxmlformats.org/officeDocument/2006/relationships" xmlns:p="http://schemas.openxmlformats.org/presentationml/2006/main" saveSubsetFonts="1" autoCompressPictures="0">
   <p:sldMasterIdLst>
     <p:sldMasterId id="2147483648" r:id="rId1"/>
-    <p:sldMasterId id="2147483660" r:id="rId2"/>
+    <p:sldMasterId id="2147483670" r:id="rId2"/>
+    <p:sldMasterId id="2147483674" r:id="rId3"/>
+    <p:sldMasterId id="2147483678" r:id="rId4"/>
+    <p:sldMasterId id="2147483682" r:id="rId5"/>
+    <p:sldMasterId id="2147483686" r:id="rId6"/>
+    <p:sldMasterId id="2147483690" r:id="rId7"/>
+    <p:sldMasterId id="2147483660" r:id="rId8"/>
   </p:sldMasterIdLst>
   <p:handoutMasterIdLst>
-    <p:handoutMasterId r:id="rId8"/>
+    <p:handoutMasterId r:id="rId19"/>
   </p:handoutMasterIdLst>
   <p:sldIdLst>
-    <p:sldId id="256" r:id="rId3"/>
-    <p:sldId id="266" r:id="rId4"/>
-    <p:sldId id="265" r:id="rId5"/>
-    <p:sldId id="268" r:id="rId6"/>
-    <p:sldId id="269" r:id="rId7"/>
+    <p:sldId id="256" r:id="rId9"/>
+    <p:sldId id="258" r:id="rId10"/>
+    <p:sldId id="257" r:id="rId11"/>
+    <p:sldId id="259" r:id="rId12"/>
+    <p:sldId id="260" r:id="rId13"/>
+    <p:sldId id="261" r:id="rId14"/>
+    <p:sldId id="262" r:id="rId15"/>
+    <p:sldId id="263" r:id="rId16"/>
+    <p:sldId id="264" r:id="rId17"/>
+    <p:sldId id="265" r:id="rId18"/>
   </p:sldIdLst>
   <p:sldSz cx="9144000" cy="5143500" type="screen16x9"/>
   <p:notesSz cx="6858000" cy="9144000"/>
@@ -213,7 +224,7 @@
           <a:p>
             <a:fld id="{DBAE3B3E-782A-9745-8E84-372F7B6771BF}" type="datetimeFigureOut">
               <a:rPr lang="en-US" smtClean="0"/>
-              <a:t>9/18/2018</a:t>
+              <a:t>9/19/2018</a:t>
             </a:fld>
             <a:endParaRPr lang="en-US" dirty="0"/>
           </a:p>
@@ -485,6 +496,1119 @@
 </p:sldLayout>
 </file>
 
+<file path=ppt/slideLayouts/slideLayout10.xml><?xml version="1.0" encoding="utf-8"?>
+<p:sldLayout xmlns:a="http://schemas.openxmlformats.org/drawingml/2006/main" xmlns:r="http://schemas.openxmlformats.org/officeDocument/2006/relationships" xmlns:p="http://schemas.openxmlformats.org/presentationml/2006/main" type="title" preserve="1">
+  <p:cSld name="Title Slide">
+    <p:spTree>
+      <p:nvGrpSpPr>
+        <p:cNvPr id="1" name=""/>
+        <p:cNvGrpSpPr/>
+        <p:nvPr/>
+      </p:nvGrpSpPr>
+      <p:grpSpPr>
+        <a:xfrm>
+          <a:off x="0" y="0"/>
+          <a:ext cx="0" cy="0"/>
+          <a:chOff x="0" y="0"/>
+          <a:chExt cx="0" cy="0"/>
+        </a:xfrm>
+      </p:grpSpPr>
+      <p:sp>
+        <p:nvSpPr>
+          <p:cNvPr id="2" name="Title 1"/>
+          <p:cNvSpPr>
+            <a:spLocks noGrp="1"/>
+          </p:cNvSpPr>
+          <p:nvPr>
+            <p:ph type="ctrTitle"/>
+          </p:nvPr>
+        </p:nvSpPr>
+        <p:spPr>
+          <a:xfrm>
+            <a:off x="1802192" y="617247"/>
+            <a:ext cx="7265534" cy="2229538"/>
+          </a:xfrm>
+        </p:spPr>
+        <p:txBody>
+          <a:bodyPr>
+            <a:noAutofit/>
+          </a:bodyPr>
+          <a:lstStyle>
+            <a:lvl1pPr algn="l">
+              <a:defRPr sz="7200">
+                <a:solidFill>
+                  <a:srgbClr val="00A6D6"/>
+                </a:solidFill>
+                <a:latin typeface="Arial"/>
+                <a:cs typeface="Arial"/>
+              </a:defRPr>
+            </a:lvl1pPr>
+          </a:lstStyle>
+          <a:p>
+            <a:r>
+              <a:rPr lang="en-US" dirty="0"/>
+              <a:t>Click to edit Master title style</a:t>
+            </a:r>
+          </a:p>
+        </p:txBody>
+      </p:sp>
+      <p:sp>
+        <p:nvSpPr>
+          <p:cNvPr id="3" name="Subtitle 2"/>
+          <p:cNvSpPr>
+            <a:spLocks noGrp="1"/>
+          </p:cNvSpPr>
+          <p:nvPr>
+            <p:ph type="subTitle" idx="1"/>
+          </p:nvPr>
+        </p:nvSpPr>
+        <p:spPr>
+          <a:xfrm>
+            <a:off x="1802192" y="3203297"/>
+            <a:ext cx="7067378" cy="1025802"/>
+          </a:xfrm>
+        </p:spPr>
+        <p:txBody>
+          <a:bodyPr>
+            <a:normAutofit/>
+          </a:bodyPr>
+          <a:lstStyle>
+            <a:lvl1pPr marL="0" indent="0" algn="l">
+              <a:buNone/>
+              <a:defRPr sz="2800">
+                <a:solidFill>
+                  <a:schemeClr val="tx1"/>
+                </a:solidFill>
+                <a:latin typeface="Arial"/>
+                <a:cs typeface="Arial"/>
+              </a:defRPr>
+            </a:lvl1pPr>
+            <a:lvl2pPr marL="457200" indent="0" algn="ctr">
+              <a:buNone/>
+              <a:defRPr>
+                <a:solidFill>
+                  <a:schemeClr val="tx1">
+                    <a:tint val="75000"/>
+                  </a:schemeClr>
+                </a:solidFill>
+              </a:defRPr>
+            </a:lvl2pPr>
+            <a:lvl3pPr marL="914400" indent="0" algn="ctr">
+              <a:buNone/>
+              <a:defRPr>
+                <a:solidFill>
+                  <a:schemeClr val="tx1">
+                    <a:tint val="75000"/>
+                  </a:schemeClr>
+                </a:solidFill>
+              </a:defRPr>
+            </a:lvl3pPr>
+            <a:lvl4pPr marL="1371600" indent="0" algn="ctr">
+              <a:buNone/>
+              <a:defRPr>
+                <a:solidFill>
+                  <a:schemeClr val="tx1">
+                    <a:tint val="75000"/>
+                  </a:schemeClr>
+                </a:solidFill>
+              </a:defRPr>
+            </a:lvl4pPr>
+            <a:lvl5pPr marL="1828800" indent="0" algn="ctr">
+              <a:buNone/>
+              <a:defRPr>
+                <a:solidFill>
+                  <a:schemeClr val="tx1">
+                    <a:tint val="75000"/>
+                  </a:schemeClr>
+                </a:solidFill>
+              </a:defRPr>
+            </a:lvl5pPr>
+            <a:lvl6pPr marL="2286000" indent="0" algn="ctr">
+              <a:buNone/>
+              <a:defRPr>
+                <a:solidFill>
+                  <a:schemeClr val="tx1">
+                    <a:tint val="75000"/>
+                  </a:schemeClr>
+                </a:solidFill>
+              </a:defRPr>
+            </a:lvl6pPr>
+            <a:lvl7pPr marL="2743200" indent="0" algn="ctr">
+              <a:buNone/>
+              <a:defRPr>
+                <a:solidFill>
+                  <a:schemeClr val="tx1">
+                    <a:tint val="75000"/>
+                  </a:schemeClr>
+                </a:solidFill>
+              </a:defRPr>
+            </a:lvl7pPr>
+            <a:lvl8pPr marL="3200400" indent="0" algn="ctr">
+              <a:buNone/>
+              <a:defRPr>
+                <a:solidFill>
+                  <a:schemeClr val="tx1">
+                    <a:tint val="75000"/>
+                  </a:schemeClr>
+                </a:solidFill>
+              </a:defRPr>
+            </a:lvl8pPr>
+            <a:lvl9pPr marL="3657600" indent="0" algn="ctr">
+              <a:buNone/>
+              <a:defRPr>
+                <a:solidFill>
+                  <a:schemeClr val="tx1">
+                    <a:tint val="75000"/>
+                  </a:schemeClr>
+                </a:solidFill>
+              </a:defRPr>
+            </a:lvl9pPr>
+          </a:lstStyle>
+          <a:p>
+            <a:r>
+              <a:rPr lang="en-US" dirty="0"/>
+              <a:t>Click to edit Master subtitle style</a:t>
+            </a:r>
+          </a:p>
+        </p:txBody>
+      </p:sp>
+    </p:spTree>
+    <p:extLst>
+      <p:ext uri="{BB962C8B-B14F-4D97-AF65-F5344CB8AC3E}">
+        <p14:creationId xmlns:p14="http://schemas.microsoft.com/office/powerpoint/2010/main" val="436922815"/>
+      </p:ext>
+    </p:extLst>
+  </p:cSld>
+  <p:clrMapOvr>
+    <a:masterClrMapping/>
+  </p:clrMapOvr>
+</p:sldLayout>
+</file>
+
+<file path=ppt/slideLayouts/slideLayout11.xml><?xml version="1.0" encoding="utf-8"?>
+<p:sldLayout xmlns:a="http://schemas.openxmlformats.org/drawingml/2006/main" xmlns:r="http://schemas.openxmlformats.org/officeDocument/2006/relationships" xmlns:p="http://schemas.openxmlformats.org/presentationml/2006/main" type="obj" preserve="1">
+  <p:cSld name="Title and Content">
+    <p:spTree>
+      <p:nvGrpSpPr>
+        <p:cNvPr id="1" name=""/>
+        <p:cNvGrpSpPr/>
+        <p:nvPr/>
+      </p:nvGrpSpPr>
+      <p:grpSpPr>
+        <a:xfrm>
+          <a:off x="0" y="0"/>
+          <a:ext cx="0" cy="0"/>
+          <a:chOff x="0" y="0"/>
+          <a:chExt cx="0" cy="0"/>
+        </a:xfrm>
+      </p:grpSpPr>
+      <p:sp>
+        <p:nvSpPr>
+          <p:cNvPr id="2" name="Title 1"/>
+          <p:cNvSpPr>
+            <a:spLocks noGrp="1"/>
+          </p:cNvSpPr>
+          <p:nvPr>
+            <p:ph type="title"/>
+          </p:nvPr>
+        </p:nvSpPr>
+        <p:spPr/>
+        <p:txBody>
+          <a:bodyPr/>
+          <a:lstStyle/>
+          <a:p>
+            <a:r>
+              <a:rPr lang="en-US"/>
+              <a:t>Click to edit Master title style</a:t>
+            </a:r>
+          </a:p>
+        </p:txBody>
+      </p:sp>
+      <p:sp>
+        <p:nvSpPr>
+          <p:cNvPr id="3" name="Content Placeholder 2"/>
+          <p:cNvSpPr>
+            <a:spLocks noGrp="1"/>
+          </p:cNvSpPr>
+          <p:nvPr>
+            <p:ph idx="1"/>
+          </p:nvPr>
+        </p:nvSpPr>
+        <p:spPr/>
+        <p:txBody>
+          <a:bodyPr/>
+          <a:lstStyle/>
+          <a:p>
+            <a:pPr lvl="0"/>
+            <a:r>
+              <a:rPr lang="en-US" dirty="0"/>
+              <a:t>Click to edit Master text styles</a:t>
+            </a:r>
+          </a:p>
+          <a:p>
+            <a:pPr lvl="1"/>
+            <a:r>
+              <a:rPr lang="en-US" dirty="0"/>
+              <a:t>Second level</a:t>
+            </a:r>
+          </a:p>
+          <a:p>
+            <a:pPr lvl="2"/>
+            <a:r>
+              <a:rPr lang="en-US" dirty="0"/>
+              <a:t>Third level</a:t>
+            </a:r>
+          </a:p>
+        </p:txBody>
+      </p:sp>
+    </p:spTree>
+    <p:extLst>
+      <p:ext uri="{BB962C8B-B14F-4D97-AF65-F5344CB8AC3E}">
+        <p14:creationId xmlns:p14="http://schemas.microsoft.com/office/powerpoint/2010/main" val="2270268431"/>
+      </p:ext>
+    </p:extLst>
+  </p:cSld>
+  <p:clrMapOvr>
+    <a:masterClrMapping/>
+  </p:clrMapOvr>
+</p:sldLayout>
+</file>
+
+<file path=ppt/slideLayouts/slideLayout12.xml><?xml version="1.0" encoding="utf-8"?>
+<p:sldLayout xmlns:a="http://schemas.openxmlformats.org/drawingml/2006/main" xmlns:r="http://schemas.openxmlformats.org/officeDocument/2006/relationships" xmlns:p="http://schemas.openxmlformats.org/presentationml/2006/main" preserve="1" userDrawn="1">
+  <p:cSld name="Section Header">
+    <p:spTree>
+      <p:nvGrpSpPr>
+        <p:cNvPr id="1" name=""/>
+        <p:cNvGrpSpPr/>
+        <p:nvPr/>
+      </p:nvGrpSpPr>
+      <p:grpSpPr>
+        <a:xfrm>
+          <a:off x="0" y="0"/>
+          <a:ext cx="0" cy="0"/>
+          <a:chOff x="0" y="0"/>
+          <a:chExt cx="0" cy="0"/>
+        </a:xfrm>
+      </p:grpSpPr>
+    </p:spTree>
+    <p:extLst>
+      <p:ext uri="{BB962C8B-B14F-4D97-AF65-F5344CB8AC3E}">
+        <p14:creationId xmlns:p14="http://schemas.microsoft.com/office/powerpoint/2010/main" val="3131503089"/>
+      </p:ext>
+    </p:extLst>
+  </p:cSld>
+  <p:clrMapOvr>
+    <a:masterClrMapping/>
+  </p:clrMapOvr>
+</p:sldLayout>
+</file>
+
+<file path=ppt/slideLayouts/slideLayout13.xml><?xml version="1.0" encoding="utf-8"?>
+<p:sldLayout xmlns:a="http://schemas.openxmlformats.org/drawingml/2006/main" xmlns:r="http://schemas.openxmlformats.org/officeDocument/2006/relationships" xmlns:p="http://schemas.openxmlformats.org/presentationml/2006/main" type="title" preserve="1">
+  <p:cSld name="Title Slide">
+    <p:spTree>
+      <p:nvGrpSpPr>
+        <p:cNvPr id="1" name=""/>
+        <p:cNvGrpSpPr/>
+        <p:nvPr/>
+      </p:nvGrpSpPr>
+      <p:grpSpPr>
+        <a:xfrm>
+          <a:off x="0" y="0"/>
+          <a:ext cx="0" cy="0"/>
+          <a:chOff x="0" y="0"/>
+          <a:chExt cx="0" cy="0"/>
+        </a:xfrm>
+      </p:grpSpPr>
+      <p:sp>
+        <p:nvSpPr>
+          <p:cNvPr id="2" name="Title 1"/>
+          <p:cNvSpPr>
+            <a:spLocks noGrp="1"/>
+          </p:cNvSpPr>
+          <p:nvPr>
+            <p:ph type="ctrTitle"/>
+          </p:nvPr>
+        </p:nvSpPr>
+        <p:spPr>
+          <a:xfrm>
+            <a:off x="1802192" y="617247"/>
+            <a:ext cx="7265534" cy="2229538"/>
+          </a:xfrm>
+        </p:spPr>
+        <p:txBody>
+          <a:bodyPr>
+            <a:noAutofit/>
+          </a:bodyPr>
+          <a:lstStyle>
+            <a:lvl1pPr algn="l">
+              <a:defRPr sz="7200">
+                <a:solidFill>
+                  <a:srgbClr val="00A6D6"/>
+                </a:solidFill>
+                <a:latin typeface="Arial"/>
+                <a:cs typeface="Arial"/>
+              </a:defRPr>
+            </a:lvl1pPr>
+          </a:lstStyle>
+          <a:p>
+            <a:r>
+              <a:rPr lang="en-US" dirty="0"/>
+              <a:t>Click to edit Master title style</a:t>
+            </a:r>
+          </a:p>
+        </p:txBody>
+      </p:sp>
+      <p:sp>
+        <p:nvSpPr>
+          <p:cNvPr id="3" name="Subtitle 2"/>
+          <p:cNvSpPr>
+            <a:spLocks noGrp="1"/>
+          </p:cNvSpPr>
+          <p:nvPr>
+            <p:ph type="subTitle" idx="1"/>
+          </p:nvPr>
+        </p:nvSpPr>
+        <p:spPr>
+          <a:xfrm>
+            <a:off x="1802192" y="3203297"/>
+            <a:ext cx="7067378" cy="1025802"/>
+          </a:xfrm>
+        </p:spPr>
+        <p:txBody>
+          <a:bodyPr>
+            <a:normAutofit/>
+          </a:bodyPr>
+          <a:lstStyle>
+            <a:lvl1pPr marL="0" indent="0" algn="l">
+              <a:buNone/>
+              <a:defRPr sz="2800">
+                <a:solidFill>
+                  <a:schemeClr val="tx1"/>
+                </a:solidFill>
+                <a:latin typeface="Arial"/>
+                <a:cs typeface="Arial"/>
+              </a:defRPr>
+            </a:lvl1pPr>
+            <a:lvl2pPr marL="457200" indent="0" algn="ctr">
+              <a:buNone/>
+              <a:defRPr>
+                <a:solidFill>
+                  <a:schemeClr val="tx1">
+                    <a:tint val="75000"/>
+                  </a:schemeClr>
+                </a:solidFill>
+              </a:defRPr>
+            </a:lvl2pPr>
+            <a:lvl3pPr marL="914400" indent="0" algn="ctr">
+              <a:buNone/>
+              <a:defRPr>
+                <a:solidFill>
+                  <a:schemeClr val="tx1">
+                    <a:tint val="75000"/>
+                  </a:schemeClr>
+                </a:solidFill>
+              </a:defRPr>
+            </a:lvl3pPr>
+            <a:lvl4pPr marL="1371600" indent="0" algn="ctr">
+              <a:buNone/>
+              <a:defRPr>
+                <a:solidFill>
+                  <a:schemeClr val="tx1">
+                    <a:tint val="75000"/>
+                  </a:schemeClr>
+                </a:solidFill>
+              </a:defRPr>
+            </a:lvl4pPr>
+            <a:lvl5pPr marL="1828800" indent="0" algn="ctr">
+              <a:buNone/>
+              <a:defRPr>
+                <a:solidFill>
+                  <a:schemeClr val="tx1">
+                    <a:tint val="75000"/>
+                  </a:schemeClr>
+                </a:solidFill>
+              </a:defRPr>
+            </a:lvl5pPr>
+            <a:lvl6pPr marL="2286000" indent="0" algn="ctr">
+              <a:buNone/>
+              <a:defRPr>
+                <a:solidFill>
+                  <a:schemeClr val="tx1">
+                    <a:tint val="75000"/>
+                  </a:schemeClr>
+                </a:solidFill>
+              </a:defRPr>
+            </a:lvl6pPr>
+            <a:lvl7pPr marL="2743200" indent="0" algn="ctr">
+              <a:buNone/>
+              <a:defRPr>
+                <a:solidFill>
+                  <a:schemeClr val="tx1">
+                    <a:tint val="75000"/>
+                  </a:schemeClr>
+                </a:solidFill>
+              </a:defRPr>
+            </a:lvl7pPr>
+            <a:lvl8pPr marL="3200400" indent="0" algn="ctr">
+              <a:buNone/>
+              <a:defRPr>
+                <a:solidFill>
+                  <a:schemeClr val="tx1">
+                    <a:tint val="75000"/>
+                  </a:schemeClr>
+                </a:solidFill>
+              </a:defRPr>
+            </a:lvl8pPr>
+            <a:lvl9pPr marL="3657600" indent="0" algn="ctr">
+              <a:buNone/>
+              <a:defRPr>
+                <a:solidFill>
+                  <a:schemeClr val="tx1">
+                    <a:tint val="75000"/>
+                  </a:schemeClr>
+                </a:solidFill>
+              </a:defRPr>
+            </a:lvl9pPr>
+          </a:lstStyle>
+          <a:p>
+            <a:r>
+              <a:rPr lang="en-US" dirty="0"/>
+              <a:t>Click to edit Master subtitle style</a:t>
+            </a:r>
+          </a:p>
+        </p:txBody>
+      </p:sp>
+    </p:spTree>
+    <p:extLst>
+      <p:ext uri="{BB962C8B-B14F-4D97-AF65-F5344CB8AC3E}">
+        <p14:creationId xmlns:p14="http://schemas.microsoft.com/office/powerpoint/2010/main" val="2332774911"/>
+      </p:ext>
+    </p:extLst>
+  </p:cSld>
+  <p:clrMapOvr>
+    <a:masterClrMapping/>
+  </p:clrMapOvr>
+</p:sldLayout>
+</file>
+
+<file path=ppt/slideLayouts/slideLayout14.xml><?xml version="1.0" encoding="utf-8"?>
+<p:sldLayout xmlns:a="http://schemas.openxmlformats.org/drawingml/2006/main" xmlns:r="http://schemas.openxmlformats.org/officeDocument/2006/relationships" xmlns:p="http://schemas.openxmlformats.org/presentationml/2006/main" type="obj" preserve="1">
+  <p:cSld name="Title and Content">
+    <p:spTree>
+      <p:nvGrpSpPr>
+        <p:cNvPr id="1" name=""/>
+        <p:cNvGrpSpPr/>
+        <p:nvPr/>
+      </p:nvGrpSpPr>
+      <p:grpSpPr>
+        <a:xfrm>
+          <a:off x="0" y="0"/>
+          <a:ext cx="0" cy="0"/>
+          <a:chOff x="0" y="0"/>
+          <a:chExt cx="0" cy="0"/>
+        </a:xfrm>
+      </p:grpSpPr>
+      <p:sp>
+        <p:nvSpPr>
+          <p:cNvPr id="2" name="Title 1"/>
+          <p:cNvSpPr>
+            <a:spLocks noGrp="1"/>
+          </p:cNvSpPr>
+          <p:nvPr>
+            <p:ph type="title"/>
+          </p:nvPr>
+        </p:nvSpPr>
+        <p:spPr/>
+        <p:txBody>
+          <a:bodyPr/>
+          <a:lstStyle/>
+          <a:p>
+            <a:r>
+              <a:rPr lang="en-US"/>
+              <a:t>Click to edit Master title style</a:t>
+            </a:r>
+          </a:p>
+        </p:txBody>
+      </p:sp>
+      <p:sp>
+        <p:nvSpPr>
+          <p:cNvPr id="3" name="Content Placeholder 2"/>
+          <p:cNvSpPr>
+            <a:spLocks noGrp="1"/>
+          </p:cNvSpPr>
+          <p:nvPr>
+            <p:ph idx="1"/>
+          </p:nvPr>
+        </p:nvSpPr>
+        <p:spPr/>
+        <p:txBody>
+          <a:bodyPr/>
+          <a:lstStyle/>
+          <a:p>
+            <a:pPr lvl="0"/>
+            <a:r>
+              <a:rPr lang="en-US" dirty="0"/>
+              <a:t>Click to edit Master text styles</a:t>
+            </a:r>
+          </a:p>
+          <a:p>
+            <a:pPr lvl="1"/>
+            <a:r>
+              <a:rPr lang="en-US" dirty="0"/>
+              <a:t>Second level</a:t>
+            </a:r>
+          </a:p>
+          <a:p>
+            <a:pPr lvl="2"/>
+            <a:r>
+              <a:rPr lang="en-US" dirty="0"/>
+              <a:t>Third level</a:t>
+            </a:r>
+          </a:p>
+        </p:txBody>
+      </p:sp>
+    </p:spTree>
+    <p:extLst>
+      <p:ext uri="{BB962C8B-B14F-4D97-AF65-F5344CB8AC3E}">
+        <p14:creationId xmlns:p14="http://schemas.microsoft.com/office/powerpoint/2010/main" val="1894812052"/>
+      </p:ext>
+    </p:extLst>
+  </p:cSld>
+  <p:clrMapOvr>
+    <a:masterClrMapping/>
+  </p:clrMapOvr>
+</p:sldLayout>
+</file>
+
+<file path=ppt/slideLayouts/slideLayout15.xml><?xml version="1.0" encoding="utf-8"?>
+<p:sldLayout xmlns:a="http://schemas.openxmlformats.org/drawingml/2006/main" xmlns:r="http://schemas.openxmlformats.org/officeDocument/2006/relationships" xmlns:p="http://schemas.openxmlformats.org/presentationml/2006/main" preserve="1" userDrawn="1">
+  <p:cSld name="Section Header">
+    <p:spTree>
+      <p:nvGrpSpPr>
+        <p:cNvPr id="1" name=""/>
+        <p:cNvGrpSpPr/>
+        <p:nvPr/>
+      </p:nvGrpSpPr>
+      <p:grpSpPr>
+        <a:xfrm>
+          <a:off x="0" y="0"/>
+          <a:ext cx="0" cy="0"/>
+          <a:chOff x="0" y="0"/>
+          <a:chExt cx="0" cy="0"/>
+        </a:xfrm>
+      </p:grpSpPr>
+    </p:spTree>
+    <p:extLst>
+      <p:ext uri="{BB962C8B-B14F-4D97-AF65-F5344CB8AC3E}">
+        <p14:creationId xmlns:p14="http://schemas.microsoft.com/office/powerpoint/2010/main" val="418471540"/>
+      </p:ext>
+    </p:extLst>
+  </p:cSld>
+  <p:clrMapOvr>
+    <a:masterClrMapping/>
+  </p:clrMapOvr>
+</p:sldLayout>
+</file>
+
+<file path=ppt/slideLayouts/slideLayout16.xml><?xml version="1.0" encoding="utf-8"?>
+<p:sldLayout xmlns:a="http://schemas.openxmlformats.org/drawingml/2006/main" xmlns:r="http://schemas.openxmlformats.org/officeDocument/2006/relationships" xmlns:p="http://schemas.openxmlformats.org/presentationml/2006/main" type="title" preserve="1">
+  <p:cSld name="Title Slide">
+    <p:spTree>
+      <p:nvGrpSpPr>
+        <p:cNvPr id="1" name=""/>
+        <p:cNvGrpSpPr/>
+        <p:nvPr/>
+      </p:nvGrpSpPr>
+      <p:grpSpPr>
+        <a:xfrm>
+          <a:off x="0" y="0"/>
+          <a:ext cx="0" cy="0"/>
+          <a:chOff x="0" y="0"/>
+          <a:chExt cx="0" cy="0"/>
+        </a:xfrm>
+      </p:grpSpPr>
+      <p:sp>
+        <p:nvSpPr>
+          <p:cNvPr id="2" name="Title 1"/>
+          <p:cNvSpPr>
+            <a:spLocks noGrp="1"/>
+          </p:cNvSpPr>
+          <p:nvPr>
+            <p:ph type="ctrTitle"/>
+          </p:nvPr>
+        </p:nvSpPr>
+        <p:spPr>
+          <a:xfrm>
+            <a:off x="1802192" y="617247"/>
+            <a:ext cx="7265534" cy="2229538"/>
+          </a:xfrm>
+        </p:spPr>
+        <p:txBody>
+          <a:bodyPr>
+            <a:noAutofit/>
+          </a:bodyPr>
+          <a:lstStyle>
+            <a:lvl1pPr algn="l">
+              <a:defRPr sz="7200">
+                <a:solidFill>
+                  <a:srgbClr val="00A6D6"/>
+                </a:solidFill>
+                <a:latin typeface="Arial"/>
+                <a:cs typeface="Arial"/>
+              </a:defRPr>
+            </a:lvl1pPr>
+          </a:lstStyle>
+          <a:p>
+            <a:r>
+              <a:rPr lang="en-US" dirty="0"/>
+              <a:t>Click to edit Master title style</a:t>
+            </a:r>
+          </a:p>
+        </p:txBody>
+      </p:sp>
+      <p:sp>
+        <p:nvSpPr>
+          <p:cNvPr id="3" name="Subtitle 2"/>
+          <p:cNvSpPr>
+            <a:spLocks noGrp="1"/>
+          </p:cNvSpPr>
+          <p:nvPr>
+            <p:ph type="subTitle" idx="1"/>
+          </p:nvPr>
+        </p:nvSpPr>
+        <p:spPr>
+          <a:xfrm>
+            <a:off x="1802192" y="3203297"/>
+            <a:ext cx="7067378" cy="1025802"/>
+          </a:xfrm>
+        </p:spPr>
+        <p:txBody>
+          <a:bodyPr>
+            <a:normAutofit/>
+          </a:bodyPr>
+          <a:lstStyle>
+            <a:lvl1pPr marL="0" indent="0" algn="l">
+              <a:buNone/>
+              <a:defRPr sz="2800">
+                <a:solidFill>
+                  <a:schemeClr val="tx1"/>
+                </a:solidFill>
+                <a:latin typeface="Arial"/>
+                <a:cs typeface="Arial"/>
+              </a:defRPr>
+            </a:lvl1pPr>
+            <a:lvl2pPr marL="457200" indent="0" algn="ctr">
+              <a:buNone/>
+              <a:defRPr>
+                <a:solidFill>
+                  <a:schemeClr val="tx1">
+                    <a:tint val="75000"/>
+                  </a:schemeClr>
+                </a:solidFill>
+              </a:defRPr>
+            </a:lvl2pPr>
+            <a:lvl3pPr marL="914400" indent="0" algn="ctr">
+              <a:buNone/>
+              <a:defRPr>
+                <a:solidFill>
+                  <a:schemeClr val="tx1">
+                    <a:tint val="75000"/>
+                  </a:schemeClr>
+                </a:solidFill>
+              </a:defRPr>
+            </a:lvl3pPr>
+            <a:lvl4pPr marL="1371600" indent="0" algn="ctr">
+              <a:buNone/>
+              <a:defRPr>
+                <a:solidFill>
+                  <a:schemeClr val="tx1">
+                    <a:tint val="75000"/>
+                  </a:schemeClr>
+                </a:solidFill>
+              </a:defRPr>
+            </a:lvl4pPr>
+            <a:lvl5pPr marL="1828800" indent="0" algn="ctr">
+              <a:buNone/>
+              <a:defRPr>
+                <a:solidFill>
+                  <a:schemeClr val="tx1">
+                    <a:tint val="75000"/>
+                  </a:schemeClr>
+                </a:solidFill>
+              </a:defRPr>
+            </a:lvl5pPr>
+            <a:lvl6pPr marL="2286000" indent="0" algn="ctr">
+              <a:buNone/>
+              <a:defRPr>
+                <a:solidFill>
+                  <a:schemeClr val="tx1">
+                    <a:tint val="75000"/>
+                  </a:schemeClr>
+                </a:solidFill>
+              </a:defRPr>
+            </a:lvl6pPr>
+            <a:lvl7pPr marL="2743200" indent="0" algn="ctr">
+              <a:buNone/>
+              <a:defRPr>
+                <a:solidFill>
+                  <a:schemeClr val="tx1">
+                    <a:tint val="75000"/>
+                  </a:schemeClr>
+                </a:solidFill>
+              </a:defRPr>
+            </a:lvl7pPr>
+            <a:lvl8pPr marL="3200400" indent="0" algn="ctr">
+              <a:buNone/>
+              <a:defRPr>
+                <a:solidFill>
+                  <a:schemeClr val="tx1">
+                    <a:tint val="75000"/>
+                  </a:schemeClr>
+                </a:solidFill>
+              </a:defRPr>
+            </a:lvl8pPr>
+            <a:lvl9pPr marL="3657600" indent="0" algn="ctr">
+              <a:buNone/>
+              <a:defRPr>
+                <a:solidFill>
+                  <a:schemeClr val="tx1">
+                    <a:tint val="75000"/>
+                  </a:schemeClr>
+                </a:solidFill>
+              </a:defRPr>
+            </a:lvl9pPr>
+          </a:lstStyle>
+          <a:p>
+            <a:r>
+              <a:rPr lang="en-US" dirty="0"/>
+              <a:t>Click to edit Master subtitle style</a:t>
+            </a:r>
+          </a:p>
+        </p:txBody>
+      </p:sp>
+    </p:spTree>
+    <p:extLst>
+      <p:ext uri="{BB962C8B-B14F-4D97-AF65-F5344CB8AC3E}">
+        <p14:creationId xmlns:p14="http://schemas.microsoft.com/office/powerpoint/2010/main" val="2569314811"/>
+      </p:ext>
+    </p:extLst>
+  </p:cSld>
+  <p:clrMapOvr>
+    <a:masterClrMapping/>
+  </p:clrMapOvr>
+</p:sldLayout>
+</file>
+
+<file path=ppt/slideLayouts/slideLayout17.xml><?xml version="1.0" encoding="utf-8"?>
+<p:sldLayout xmlns:a="http://schemas.openxmlformats.org/drawingml/2006/main" xmlns:r="http://schemas.openxmlformats.org/officeDocument/2006/relationships" xmlns:p="http://schemas.openxmlformats.org/presentationml/2006/main" type="obj" preserve="1">
+  <p:cSld name="Title and Content">
+    <p:spTree>
+      <p:nvGrpSpPr>
+        <p:cNvPr id="1" name=""/>
+        <p:cNvGrpSpPr/>
+        <p:nvPr/>
+      </p:nvGrpSpPr>
+      <p:grpSpPr>
+        <a:xfrm>
+          <a:off x="0" y="0"/>
+          <a:ext cx="0" cy="0"/>
+          <a:chOff x="0" y="0"/>
+          <a:chExt cx="0" cy="0"/>
+        </a:xfrm>
+      </p:grpSpPr>
+      <p:sp>
+        <p:nvSpPr>
+          <p:cNvPr id="2" name="Title 1"/>
+          <p:cNvSpPr>
+            <a:spLocks noGrp="1"/>
+          </p:cNvSpPr>
+          <p:nvPr>
+            <p:ph type="title"/>
+          </p:nvPr>
+        </p:nvSpPr>
+        <p:spPr/>
+        <p:txBody>
+          <a:bodyPr/>
+          <a:lstStyle/>
+          <a:p>
+            <a:r>
+              <a:rPr lang="en-US"/>
+              <a:t>Click to edit Master title style</a:t>
+            </a:r>
+          </a:p>
+        </p:txBody>
+      </p:sp>
+      <p:sp>
+        <p:nvSpPr>
+          <p:cNvPr id="3" name="Content Placeholder 2"/>
+          <p:cNvSpPr>
+            <a:spLocks noGrp="1"/>
+          </p:cNvSpPr>
+          <p:nvPr>
+            <p:ph idx="1"/>
+          </p:nvPr>
+        </p:nvSpPr>
+        <p:spPr/>
+        <p:txBody>
+          <a:bodyPr/>
+          <a:lstStyle/>
+          <a:p>
+            <a:pPr lvl="0"/>
+            <a:r>
+              <a:rPr lang="en-US" dirty="0"/>
+              <a:t>Click to edit Master text styles</a:t>
+            </a:r>
+          </a:p>
+          <a:p>
+            <a:pPr lvl="1"/>
+            <a:r>
+              <a:rPr lang="en-US" dirty="0"/>
+              <a:t>Second level</a:t>
+            </a:r>
+          </a:p>
+          <a:p>
+            <a:pPr lvl="2"/>
+            <a:r>
+              <a:rPr lang="en-US" dirty="0"/>
+              <a:t>Third level</a:t>
+            </a:r>
+          </a:p>
+        </p:txBody>
+      </p:sp>
+    </p:spTree>
+    <p:extLst>
+      <p:ext uri="{BB962C8B-B14F-4D97-AF65-F5344CB8AC3E}">
+        <p14:creationId xmlns:p14="http://schemas.microsoft.com/office/powerpoint/2010/main" val="3276211481"/>
+      </p:ext>
+    </p:extLst>
+  </p:cSld>
+  <p:clrMapOvr>
+    <a:masterClrMapping/>
+  </p:clrMapOvr>
+</p:sldLayout>
+</file>
+
+<file path=ppt/slideLayouts/slideLayout18.xml><?xml version="1.0" encoding="utf-8"?>
+<p:sldLayout xmlns:a="http://schemas.openxmlformats.org/drawingml/2006/main" xmlns:r="http://schemas.openxmlformats.org/officeDocument/2006/relationships" xmlns:p="http://schemas.openxmlformats.org/presentationml/2006/main" preserve="1" userDrawn="1">
+  <p:cSld name="Section Header">
+    <p:spTree>
+      <p:nvGrpSpPr>
+        <p:cNvPr id="1" name=""/>
+        <p:cNvGrpSpPr/>
+        <p:nvPr/>
+      </p:nvGrpSpPr>
+      <p:grpSpPr>
+        <a:xfrm>
+          <a:off x="0" y="0"/>
+          <a:ext cx="0" cy="0"/>
+          <a:chOff x="0" y="0"/>
+          <a:chExt cx="0" cy="0"/>
+        </a:xfrm>
+      </p:grpSpPr>
+    </p:spTree>
+    <p:extLst>
+      <p:ext uri="{BB962C8B-B14F-4D97-AF65-F5344CB8AC3E}">
+        <p14:creationId xmlns:p14="http://schemas.microsoft.com/office/powerpoint/2010/main" val="1665011466"/>
+      </p:ext>
+    </p:extLst>
+  </p:cSld>
+  <p:clrMapOvr>
+    <a:masterClrMapping/>
+  </p:clrMapOvr>
+</p:sldLayout>
+</file>
+
+<file path=ppt/slideLayouts/slideLayout19.xml><?xml version="1.0" encoding="utf-8"?>
+<p:sldLayout xmlns:a="http://schemas.openxmlformats.org/drawingml/2006/main" xmlns:r="http://schemas.openxmlformats.org/officeDocument/2006/relationships" xmlns:p="http://schemas.openxmlformats.org/presentationml/2006/main" type="title" preserve="1">
+  <p:cSld name="Title Slide">
+    <p:spTree>
+      <p:nvGrpSpPr>
+        <p:cNvPr id="1" name=""/>
+        <p:cNvGrpSpPr/>
+        <p:nvPr/>
+      </p:nvGrpSpPr>
+      <p:grpSpPr>
+        <a:xfrm>
+          <a:off x="0" y="0"/>
+          <a:ext cx="0" cy="0"/>
+          <a:chOff x="0" y="0"/>
+          <a:chExt cx="0" cy="0"/>
+        </a:xfrm>
+      </p:grpSpPr>
+      <p:sp>
+        <p:nvSpPr>
+          <p:cNvPr id="2" name="Title 1"/>
+          <p:cNvSpPr>
+            <a:spLocks noGrp="1"/>
+          </p:cNvSpPr>
+          <p:nvPr>
+            <p:ph type="ctrTitle"/>
+          </p:nvPr>
+        </p:nvSpPr>
+        <p:spPr>
+          <a:xfrm>
+            <a:off x="1802192" y="617247"/>
+            <a:ext cx="7265534" cy="2229538"/>
+          </a:xfrm>
+        </p:spPr>
+        <p:txBody>
+          <a:bodyPr>
+            <a:noAutofit/>
+          </a:bodyPr>
+          <a:lstStyle>
+            <a:lvl1pPr algn="l">
+              <a:defRPr sz="7200">
+                <a:solidFill>
+                  <a:srgbClr val="00A6D6"/>
+                </a:solidFill>
+                <a:latin typeface="Arial"/>
+                <a:cs typeface="Arial"/>
+              </a:defRPr>
+            </a:lvl1pPr>
+          </a:lstStyle>
+          <a:p>
+            <a:r>
+              <a:rPr lang="en-US" dirty="0"/>
+              <a:t>Click to edit Master title style</a:t>
+            </a:r>
+          </a:p>
+        </p:txBody>
+      </p:sp>
+      <p:sp>
+        <p:nvSpPr>
+          <p:cNvPr id="3" name="Subtitle 2"/>
+          <p:cNvSpPr>
+            <a:spLocks noGrp="1"/>
+          </p:cNvSpPr>
+          <p:nvPr>
+            <p:ph type="subTitle" idx="1"/>
+          </p:nvPr>
+        </p:nvSpPr>
+        <p:spPr>
+          <a:xfrm>
+            <a:off x="1802192" y="3203297"/>
+            <a:ext cx="7067378" cy="1025802"/>
+          </a:xfrm>
+        </p:spPr>
+        <p:txBody>
+          <a:bodyPr>
+            <a:normAutofit/>
+          </a:bodyPr>
+          <a:lstStyle>
+            <a:lvl1pPr marL="0" indent="0" algn="l">
+              <a:buNone/>
+              <a:defRPr sz="2800">
+                <a:solidFill>
+                  <a:schemeClr val="tx1"/>
+                </a:solidFill>
+                <a:latin typeface="Arial"/>
+                <a:cs typeface="Arial"/>
+              </a:defRPr>
+            </a:lvl1pPr>
+            <a:lvl2pPr marL="457200" indent="0" algn="ctr">
+              <a:buNone/>
+              <a:defRPr>
+                <a:solidFill>
+                  <a:schemeClr val="tx1">
+                    <a:tint val="75000"/>
+                  </a:schemeClr>
+                </a:solidFill>
+              </a:defRPr>
+            </a:lvl2pPr>
+            <a:lvl3pPr marL="914400" indent="0" algn="ctr">
+              <a:buNone/>
+              <a:defRPr>
+                <a:solidFill>
+                  <a:schemeClr val="tx1">
+                    <a:tint val="75000"/>
+                  </a:schemeClr>
+                </a:solidFill>
+              </a:defRPr>
+            </a:lvl3pPr>
+            <a:lvl4pPr marL="1371600" indent="0" algn="ctr">
+              <a:buNone/>
+              <a:defRPr>
+                <a:solidFill>
+                  <a:schemeClr val="tx1">
+                    <a:tint val="75000"/>
+                  </a:schemeClr>
+                </a:solidFill>
+              </a:defRPr>
+            </a:lvl4pPr>
+            <a:lvl5pPr marL="1828800" indent="0" algn="ctr">
+              <a:buNone/>
+              <a:defRPr>
+                <a:solidFill>
+                  <a:schemeClr val="tx1">
+                    <a:tint val="75000"/>
+                  </a:schemeClr>
+                </a:solidFill>
+              </a:defRPr>
+            </a:lvl5pPr>
+            <a:lvl6pPr marL="2286000" indent="0" algn="ctr">
+              <a:buNone/>
+              <a:defRPr>
+                <a:solidFill>
+                  <a:schemeClr val="tx1">
+                    <a:tint val="75000"/>
+                  </a:schemeClr>
+                </a:solidFill>
+              </a:defRPr>
+            </a:lvl6pPr>
+            <a:lvl7pPr marL="2743200" indent="0" algn="ctr">
+              <a:buNone/>
+              <a:defRPr>
+                <a:solidFill>
+                  <a:schemeClr val="tx1">
+                    <a:tint val="75000"/>
+                  </a:schemeClr>
+                </a:solidFill>
+              </a:defRPr>
+            </a:lvl7pPr>
+            <a:lvl8pPr marL="3200400" indent="0" algn="ctr">
+              <a:buNone/>
+              <a:defRPr>
+                <a:solidFill>
+                  <a:schemeClr val="tx1">
+                    <a:tint val="75000"/>
+                  </a:schemeClr>
+                </a:solidFill>
+              </a:defRPr>
+            </a:lvl8pPr>
+            <a:lvl9pPr marL="3657600" indent="0" algn="ctr">
+              <a:buNone/>
+              <a:defRPr>
+                <a:solidFill>
+                  <a:schemeClr val="tx1">
+                    <a:tint val="75000"/>
+                  </a:schemeClr>
+                </a:solidFill>
+              </a:defRPr>
+            </a:lvl9pPr>
+          </a:lstStyle>
+          <a:p>
+            <a:r>
+              <a:rPr lang="en-US" dirty="0"/>
+              <a:t>Click to edit Master subtitle style</a:t>
+            </a:r>
+          </a:p>
+        </p:txBody>
+      </p:sp>
+    </p:spTree>
+    <p:extLst>
+      <p:ext uri="{BB962C8B-B14F-4D97-AF65-F5344CB8AC3E}">
+        <p14:creationId xmlns:p14="http://schemas.microsoft.com/office/powerpoint/2010/main" val="3252248058"/>
+      </p:ext>
+    </p:extLst>
+  </p:cSld>
+  <p:clrMapOvr>
+    <a:masterClrMapping/>
+  </p:clrMapOvr>
+</p:sldLayout>
+</file>
+
 <file path=ppt/slideLayouts/slideLayout2.xml><?xml version="1.0" encoding="utf-8"?>
 <p:sldLayout xmlns:a="http://schemas.openxmlformats.org/drawingml/2006/main" xmlns:r="http://schemas.openxmlformats.org/officeDocument/2006/relationships" xmlns:p="http://schemas.openxmlformats.org/presentationml/2006/main" type="obj" preserve="1">
   <p:cSld name="Title and Content">
@@ -574,7 +1698,96 @@
 </p:sldLayout>
 </file>
 
-<file path=ppt/slideLayouts/slideLayout3.xml><?xml version="1.0" encoding="utf-8"?>
+<file path=ppt/slideLayouts/slideLayout20.xml><?xml version="1.0" encoding="utf-8"?>
+<p:sldLayout xmlns:a="http://schemas.openxmlformats.org/drawingml/2006/main" xmlns:r="http://schemas.openxmlformats.org/officeDocument/2006/relationships" xmlns:p="http://schemas.openxmlformats.org/presentationml/2006/main" type="obj" preserve="1">
+  <p:cSld name="Title and Content">
+    <p:spTree>
+      <p:nvGrpSpPr>
+        <p:cNvPr id="1" name=""/>
+        <p:cNvGrpSpPr/>
+        <p:nvPr/>
+      </p:nvGrpSpPr>
+      <p:grpSpPr>
+        <a:xfrm>
+          <a:off x="0" y="0"/>
+          <a:ext cx="0" cy="0"/>
+          <a:chOff x="0" y="0"/>
+          <a:chExt cx="0" cy="0"/>
+        </a:xfrm>
+      </p:grpSpPr>
+      <p:sp>
+        <p:nvSpPr>
+          <p:cNvPr id="2" name="Title 1"/>
+          <p:cNvSpPr>
+            <a:spLocks noGrp="1"/>
+          </p:cNvSpPr>
+          <p:nvPr>
+            <p:ph type="title"/>
+          </p:nvPr>
+        </p:nvSpPr>
+        <p:spPr/>
+        <p:txBody>
+          <a:bodyPr/>
+          <a:lstStyle/>
+          <a:p>
+            <a:r>
+              <a:rPr lang="en-US"/>
+              <a:t>Click to edit Master title style</a:t>
+            </a:r>
+          </a:p>
+        </p:txBody>
+      </p:sp>
+      <p:sp>
+        <p:nvSpPr>
+          <p:cNvPr id="3" name="Content Placeholder 2"/>
+          <p:cNvSpPr>
+            <a:spLocks noGrp="1"/>
+          </p:cNvSpPr>
+          <p:nvPr>
+            <p:ph idx="1"/>
+          </p:nvPr>
+        </p:nvSpPr>
+        <p:spPr/>
+        <p:txBody>
+          <a:bodyPr/>
+          <a:lstStyle/>
+          <a:p>
+            <a:pPr lvl="0"/>
+            <a:r>
+              <a:rPr lang="en-US" dirty="0"/>
+              <a:t>Click to edit Master text styles</a:t>
+            </a:r>
+          </a:p>
+          <a:p>
+            <a:pPr lvl="1"/>
+            <a:r>
+              <a:rPr lang="en-US" dirty="0"/>
+              <a:t>Second level</a:t>
+            </a:r>
+          </a:p>
+          <a:p>
+            <a:pPr lvl="2"/>
+            <a:r>
+              <a:rPr lang="en-US" dirty="0"/>
+              <a:t>Third level</a:t>
+            </a:r>
+          </a:p>
+        </p:txBody>
+      </p:sp>
+    </p:spTree>
+    <p:extLst>
+      <p:ext uri="{BB962C8B-B14F-4D97-AF65-F5344CB8AC3E}">
+        <p14:creationId xmlns:p14="http://schemas.microsoft.com/office/powerpoint/2010/main" val="1330533839"/>
+      </p:ext>
+    </p:extLst>
+  </p:cSld>
+  <p:clrMapOvr>
+    <a:masterClrMapping/>
+  </p:clrMapOvr>
+</p:sldLayout>
+</file>
+
+<file path=ppt/slideLayouts/slideLayout21.xml><?xml version="1.0" encoding="utf-8"?>
 <p:sldLayout xmlns:a="http://schemas.openxmlformats.org/drawingml/2006/main" xmlns:r="http://schemas.openxmlformats.org/officeDocument/2006/relationships" xmlns:p="http://schemas.openxmlformats.org/presentationml/2006/main" preserve="1" userDrawn="1">
   <p:cSld name="Section Header">
     <p:spTree>
@@ -594,7 +1807,7 @@
     </p:spTree>
     <p:extLst>
       <p:ext uri="{BB962C8B-B14F-4D97-AF65-F5344CB8AC3E}">
-        <p14:creationId xmlns:p14="http://schemas.microsoft.com/office/powerpoint/2010/main" val="312134173"/>
+        <p14:creationId xmlns:p14="http://schemas.microsoft.com/office/powerpoint/2010/main" val="3576026836"/>
       </p:ext>
     </p:extLst>
   </p:cSld>
@@ -604,7 +1817,7 @@
 </p:sldLayout>
 </file>
 
-<file path=ppt/slideLayouts/slideLayout4.xml><?xml version="1.0" encoding="utf-8"?>
+<file path=ppt/slideLayouts/slideLayout22.xml><?xml version="1.0" encoding="utf-8"?>
 <p:sldLayout xmlns:a="http://schemas.openxmlformats.org/drawingml/2006/main" xmlns:r="http://schemas.openxmlformats.org/officeDocument/2006/relationships" xmlns:p="http://schemas.openxmlformats.org/presentationml/2006/main" preserve="1" userDrawn="1">
   <p:cSld name="Title Slide">
     <p:spTree>
@@ -838,7 +2051,7 @@
 </p:sldLayout>
 </file>
 
-<file path=ppt/slideLayouts/slideLayout5.xml><?xml version="1.0" encoding="utf-8"?>
+<file path=ppt/slideLayouts/slideLayout23.xml><?xml version="1.0" encoding="utf-8"?>
 <p:sldLayout xmlns:a="http://schemas.openxmlformats.org/drawingml/2006/main" xmlns:r="http://schemas.openxmlformats.org/officeDocument/2006/relationships" xmlns:p="http://schemas.openxmlformats.org/presentationml/2006/main" type="obj" preserve="1">
   <p:cSld name="Title and Content">
     <p:spTree>
@@ -953,7 +2166,7 @@
           <a:p>
             <a:fld id="{462A2416-1570-3849-86F9-07F78746E1B2}" type="datetimeFigureOut">
               <a:rPr lang="en-US" smtClean="0"/>
-              <a:t>9/18/2018</a:t>
+              <a:t>9/19/2018</a:t>
             </a:fld>
             <a:endParaRPr lang="en-US" dirty="0"/>
           </a:p>
@@ -1030,7 +2243,7 @@
 </p:sldLayout>
 </file>
 
-<file path=ppt/slideLayouts/slideLayout6.xml><?xml version="1.0" encoding="utf-8"?>
+<file path=ppt/slideLayouts/slideLayout24.xml><?xml version="1.0" encoding="utf-8"?>
 <p:sldLayout xmlns:a="http://schemas.openxmlformats.org/drawingml/2006/main" xmlns:r="http://schemas.openxmlformats.org/officeDocument/2006/relationships" xmlns:p="http://schemas.openxmlformats.org/presentationml/2006/main" preserve="1" userDrawn="1">
   <p:cSld name="Picture with Caption">
     <p:spTree>
@@ -1121,6 +2334,652 @@
 </p:sldLayout>
 </file>
 
+<file path=ppt/slideLayouts/slideLayout3.xml><?xml version="1.0" encoding="utf-8"?>
+<p:sldLayout xmlns:a="http://schemas.openxmlformats.org/drawingml/2006/main" xmlns:r="http://schemas.openxmlformats.org/officeDocument/2006/relationships" xmlns:p="http://schemas.openxmlformats.org/presentationml/2006/main" preserve="1" userDrawn="1">
+  <p:cSld name="Section Header">
+    <p:spTree>
+      <p:nvGrpSpPr>
+        <p:cNvPr id="1" name=""/>
+        <p:cNvGrpSpPr/>
+        <p:nvPr/>
+      </p:nvGrpSpPr>
+      <p:grpSpPr>
+        <a:xfrm>
+          <a:off x="0" y="0"/>
+          <a:ext cx="0" cy="0"/>
+          <a:chOff x="0" y="0"/>
+          <a:chExt cx="0" cy="0"/>
+        </a:xfrm>
+      </p:grpSpPr>
+    </p:spTree>
+    <p:extLst>
+      <p:ext uri="{BB962C8B-B14F-4D97-AF65-F5344CB8AC3E}">
+        <p14:creationId xmlns:p14="http://schemas.microsoft.com/office/powerpoint/2010/main" val="312134173"/>
+      </p:ext>
+    </p:extLst>
+  </p:cSld>
+  <p:clrMapOvr>
+    <a:masterClrMapping/>
+  </p:clrMapOvr>
+</p:sldLayout>
+</file>
+
+<file path=ppt/slideLayouts/slideLayout4.xml><?xml version="1.0" encoding="utf-8"?>
+<p:sldLayout xmlns:a="http://schemas.openxmlformats.org/drawingml/2006/main" xmlns:r="http://schemas.openxmlformats.org/officeDocument/2006/relationships" xmlns:p="http://schemas.openxmlformats.org/presentationml/2006/main" type="title" preserve="1">
+  <p:cSld name="Title Slide">
+    <p:spTree>
+      <p:nvGrpSpPr>
+        <p:cNvPr id="1" name=""/>
+        <p:cNvGrpSpPr/>
+        <p:nvPr/>
+      </p:nvGrpSpPr>
+      <p:grpSpPr>
+        <a:xfrm>
+          <a:off x="0" y="0"/>
+          <a:ext cx="0" cy="0"/>
+          <a:chOff x="0" y="0"/>
+          <a:chExt cx="0" cy="0"/>
+        </a:xfrm>
+      </p:grpSpPr>
+      <p:sp>
+        <p:nvSpPr>
+          <p:cNvPr id="2" name="Title 1"/>
+          <p:cNvSpPr>
+            <a:spLocks noGrp="1"/>
+          </p:cNvSpPr>
+          <p:nvPr>
+            <p:ph type="ctrTitle"/>
+          </p:nvPr>
+        </p:nvSpPr>
+        <p:spPr>
+          <a:xfrm>
+            <a:off x="1802192" y="617247"/>
+            <a:ext cx="7265534" cy="2229538"/>
+          </a:xfrm>
+        </p:spPr>
+        <p:txBody>
+          <a:bodyPr>
+            <a:noAutofit/>
+          </a:bodyPr>
+          <a:lstStyle>
+            <a:lvl1pPr algn="l">
+              <a:defRPr sz="7200">
+                <a:solidFill>
+                  <a:srgbClr val="00A6D6"/>
+                </a:solidFill>
+                <a:latin typeface="Arial"/>
+                <a:cs typeface="Arial"/>
+              </a:defRPr>
+            </a:lvl1pPr>
+          </a:lstStyle>
+          <a:p>
+            <a:r>
+              <a:rPr lang="en-US" dirty="0"/>
+              <a:t>Click to edit Master title style</a:t>
+            </a:r>
+          </a:p>
+        </p:txBody>
+      </p:sp>
+      <p:sp>
+        <p:nvSpPr>
+          <p:cNvPr id="3" name="Subtitle 2"/>
+          <p:cNvSpPr>
+            <a:spLocks noGrp="1"/>
+          </p:cNvSpPr>
+          <p:nvPr>
+            <p:ph type="subTitle" idx="1"/>
+          </p:nvPr>
+        </p:nvSpPr>
+        <p:spPr>
+          <a:xfrm>
+            <a:off x="1802192" y="3203297"/>
+            <a:ext cx="7067378" cy="1025802"/>
+          </a:xfrm>
+        </p:spPr>
+        <p:txBody>
+          <a:bodyPr>
+            <a:normAutofit/>
+          </a:bodyPr>
+          <a:lstStyle>
+            <a:lvl1pPr marL="0" indent="0" algn="l">
+              <a:buNone/>
+              <a:defRPr sz="2800">
+                <a:solidFill>
+                  <a:schemeClr val="tx1"/>
+                </a:solidFill>
+                <a:latin typeface="Arial"/>
+                <a:cs typeface="Arial"/>
+              </a:defRPr>
+            </a:lvl1pPr>
+            <a:lvl2pPr marL="457200" indent="0" algn="ctr">
+              <a:buNone/>
+              <a:defRPr>
+                <a:solidFill>
+                  <a:schemeClr val="tx1">
+                    <a:tint val="75000"/>
+                  </a:schemeClr>
+                </a:solidFill>
+              </a:defRPr>
+            </a:lvl2pPr>
+            <a:lvl3pPr marL="914400" indent="0" algn="ctr">
+              <a:buNone/>
+              <a:defRPr>
+                <a:solidFill>
+                  <a:schemeClr val="tx1">
+                    <a:tint val="75000"/>
+                  </a:schemeClr>
+                </a:solidFill>
+              </a:defRPr>
+            </a:lvl3pPr>
+            <a:lvl4pPr marL="1371600" indent="0" algn="ctr">
+              <a:buNone/>
+              <a:defRPr>
+                <a:solidFill>
+                  <a:schemeClr val="tx1">
+                    <a:tint val="75000"/>
+                  </a:schemeClr>
+                </a:solidFill>
+              </a:defRPr>
+            </a:lvl4pPr>
+            <a:lvl5pPr marL="1828800" indent="0" algn="ctr">
+              <a:buNone/>
+              <a:defRPr>
+                <a:solidFill>
+                  <a:schemeClr val="tx1">
+                    <a:tint val="75000"/>
+                  </a:schemeClr>
+                </a:solidFill>
+              </a:defRPr>
+            </a:lvl5pPr>
+            <a:lvl6pPr marL="2286000" indent="0" algn="ctr">
+              <a:buNone/>
+              <a:defRPr>
+                <a:solidFill>
+                  <a:schemeClr val="tx1">
+                    <a:tint val="75000"/>
+                  </a:schemeClr>
+                </a:solidFill>
+              </a:defRPr>
+            </a:lvl6pPr>
+            <a:lvl7pPr marL="2743200" indent="0" algn="ctr">
+              <a:buNone/>
+              <a:defRPr>
+                <a:solidFill>
+                  <a:schemeClr val="tx1">
+                    <a:tint val="75000"/>
+                  </a:schemeClr>
+                </a:solidFill>
+              </a:defRPr>
+            </a:lvl7pPr>
+            <a:lvl8pPr marL="3200400" indent="0" algn="ctr">
+              <a:buNone/>
+              <a:defRPr>
+                <a:solidFill>
+                  <a:schemeClr val="tx1">
+                    <a:tint val="75000"/>
+                  </a:schemeClr>
+                </a:solidFill>
+              </a:defRPr>
+            </a:lvl8pPr>
+            <a:lvl9pPr marL="3657600" indent="0" algn="ctr">
+              <a:buNone/>
+              <a:defRPr>
+                <a:solidFill>
+                  <a:schemeClr val="tx1">
+                    <a:tint val="75000"/>
+                  </a:schemeClr>
+                </a:solidFill>
+              </a:defRPr>
+            </a:lvl9pPr>
+          </a:lstStyle>
+          <a:p>
+            <a:r>
+              <a:rPr lang="en-US" dirty="0"/>
+              <a:t>Click to edit Master subtitle style</a:t>
+            </a:r>
+          </a:p>
+        </p:txBody>
+      </p:sp>
+    </p:spTree>
+    <p:extLst>
+      <p:ext uri="{BB962C8B-B14F-4D97-AF65-F5344CB8AC3E}">
+        <p14:creationId xmlns:p14="http://schemas.microsoft.com/office/powerpoint/2010/main" val="1669146898"/>
+      </p:ext>
+    </p:extLst>
+  </p:cSld>
+  <p:clrMapOvr>
+    <a:masterClrMapping/>
+  </p:clrMapOvr>
+</p:sldLayout>
+</file>
+
+<file path=ppt/slideLayouts/slideLayout5.xml><?xml version="1.0" encoding="utf-8"?>
+<p:sldLayout xmlns:a="http://schemas.openxmlformats.org/drawingml/2006/main" xmlns:r="http://schemas.openxmlformats.org/officeDocument/2006/relationships" xmlns:p="http://schemas.openxmlformats.org/presentationml/2006/main" type="obj" preserve="1">
+  <p:cSld name="Title and Content">
+    <p:spTree>
+      <p:nvGrpSpPr>
+        <p:cNvPr id="1" name=""/>
+        <p:cNvGrpSpPr/>
+        <p:nvPr/>
+      </p:nvGrpSpPr>
+      <p:grpSpPr>
+        <a:xfrm>
+          <a:off x="0" y="0"/>
+          <a:ext cx="0" cy="0"/>
+          <a:chOff x="0" y="0"/>
+          <a:chExt cx="0" cy="0"/>
+        </a:xfrm>
+      </p:grpSpPr>
+      <p:sp>
+        <p:nvSpPr>
+          <p:cNvPr id="2" name="Title 1"/>
+          <p:cNvSpPr>
+            <a:spLocks noGrp="1"/>
+          </p:cNvSpPr>
+          <p:nvPr>
+            <p:ph type="title"/>
+          </p:nvPr>
+        </p:nvSpPr>
+        <p:spPr/>
+        <p:txBody>
+          <a:bodyPr/>
+          <a:lstStyle/>
+          <a:p>
+            <a:r>
+              <a:rPr lang="en-US"/>
+              <a:t>Click to edit Master title style</a:t>
+            </a:r>
+          </a:p>
+        </p:txBody>
+      </p:sp>
+      <p:sp>
+        <p:nvSpPr>
+          <p:cNvPr id="3" name="Content Placeholder 2"/>
+          <p:cNvSpPr>
+            <a:spLocks noGrp="1"/>
+          </p:cNvSpPr>
+          <p:nvPr>
+            <p:ph idx="1"/>
+          </p:nvPr>
+        </p:nvSpPr>
+        <p:spPr/>
+        <p:txBody>
+          <a:bodyPr/>
+          <a:lstStyle/>
+          <a:p>
+            <a:pPr lvl="0"/>
+            <a:r>
+              <a:rPr lang="en-US" dirty="0"/>
+              <a:t>Click to edit Master text styles</a:t>
+            </a:r>
+          </a:p>
+          <a:p>
+            <a:pPr lvl="1"/>
+            <a:r>
+              <a:rPr lang="en-US" dirty="0"/>
+              <a:t>Second level</a:t>
+            </a:r>
+          </a:p>
+          <a:p>
+            <a:pPr lvl="2"/>
+            <a:r>
+              <a:rPr lang="en-US" dirty="0"/>
+              <a:t>Third level</a:t>
+            </a:r>
+          </a:p>
+        </p:txBody>
+      </p:sp>
+    </p:spTree>
+    <p:extLst>
+      <p:ext uri="{BB962C8B-B14F-4D97-AF65-F5344CB8AC3E}">
+        <p14:creationId xmlns:p14="http://schemas.microsoft.com/office/powerpoint/2010/main" val="14410104"/>
+      </p:ext>
+    </p:extLst>
+  </p:cSld>
+  <p:clrMapOvr>
+    <a:masterClrMapping/>
+  </p:clrMapOvr>
+</p:sldLayout>
+</file>
+
+<file path=ppt/slideLayouts/slideLayout6.xml><?xml version="1.0" encoding="utf-8"?>
+<p:sldLayout xmlns:a="http://schemas.openxmlformats.org/drawingml/2006/main" xmlns:r="http://schemas.openxmlformats.org/officeDocument/2006/relationships" xmlns:p="http://schemas.openxmlformats.org/presentationml/2006/main" preserve="1" userDrawn="1">
+  <p:cSld name="Section Header">
+    <p:spTree>
+      <p:nvGrpSpPr>
+        <p:cNvPr id="1" name=""/>
+        <p:cNvGrpSpPr/>
+        <p:nvPr/>
+      </p:nvGrpSpPr>
+      <p:grpSpPr>
+        <a:xfrm>
+          <a:off x="0" y="0"/>
+          <a:ext cx="0" cy="0"/>
+          <a:chOff x="0" y="0"/>
+          <a:chExt cx="0" cy="0"/>
+        </a:xfrm>
+      </p:grpSpPr>
+    </p:spTree>
+    <p:extLst>
+      <p:ext uri="{BB962C8B-B14F-4D97-AF65-F5344CB8AC3E}">
+        <p14:creationId xmlns:p14="http://schemas.microsoft.com/office/powerpoint/2010/main" val="2378609570"/>
+      </p:ext>
+    </p:extLst>
+  </p:cSld>
+  <p:clrMapOvr>
+    <a:masterClrMapping/>
+  </p:clrMapOvr>
+</p:sldLayout>
+</file>
+
+<file path=ppt/slideLayouts/slideLayout7.xml><?xml version="1.0" encoding="utf-8"?>
+<p:sldLayout xmlns:a="http://schemas.openxmlformats.org/drawingml/2006/main" xmlns:r="http://schemas.openxmlformats.org/officeDocument/2006/relationships" xmlns:p="http://schemas.openxmlformats.org/presentationml/2006/main" type="title" preserve="1">
+  <p:cSld name="Title Slide">
+    <p:spTree>
+      <p:nvGrpSpPr>
+        <p:cNvPr id="1" name=""/>
+        <p:cNvGrpSpPr/>
+        <p:nvPr/>
+      </p:nvGrpSpPr>
+      <p:grpSpPr>
+        <a:xfrm>
+          <a:off x="0" y="0"/>
+          <a:ext cx="0" cy="0"/>
+          <a:chOff x="0" y="0"/>
+          <a:chExt cx="0" cy="0"/>
+        </a:xfrm>
+      </p:grpSpPr>
+      <p:sp>
+        <p:nvSpPr>
+          <p:cNvPr id="2" name="Title 1"/>
+          <p:cNvSpPr>
+            <a:spLocks noGrp="1"/>
+          </p:cNvSpPr>
+          <p:nvPr>
+            <p:ph type="ctrTitle"/>
+          </p:nvPr>
+        </p:nvSpPr>
+        <p:spPr>
+          <a:xfrm>
+            <a:off x="1802192" y="617247"/>
+            <a:ext cx="7265534" cy="2229538"/>
+          </a:xfrm>
+        </p:spPr>
+        <p:txBody>
+          <a:bodyPr>
+            <a:noAutofit/>
+          </a:bodyPr>
+          <a:lstStyle>
+            <a:lvl1pPr algn="l">
+              <a:defRPr sz="7200">
+                <a:solidFill>
+                  <a:srgbClr val="00A6D6"/>
+                </a:solidFill>
+                <a:latin typeface="Arial"/>
+                <a:cs typeface="Arial"/>
+              </a:defRPr>
+            </a:lvl1pPr>
+          </a:lstStyle>
+          <a:p>
+            <a:r>
+              <a:rPr lang="en-US" dirty="0"/>
+              <a:t>Click to edit Master title style</a:t>
+            </a:r>
+          </a:p>
+        </p:txBody>
+      </p:sp>
+      <p:sp>
+        <p:nvSpPr>
+          <p:cNvPr id="3" name="Subtitle 2"/>
+          <p:cNvSpPr>
+            <a:spLocks noGrp="1"/>
+          </p:cNvSpPr>
+          <p:nvPr>
+            <p:ph type="subTitle" idx="1"/>
+          </p:nvPr>
+        </p:nvSpPr>
+        <p:spPr>
+          <a:xfrm>
+            <a:off x="1802192" y="3203297"/>
+            <a:ext cx="7067378" cy="1025802"/>
+          </a:xfrm>
+        </p:spPr>
+        <p:txBody>
+          <a:bodyPr>
+            <a:normAutofit/>
+          </a:bodyPr>
+          <a:lstStyle>
+            <a:lvl1pPr marL="0" indent="0" algn="l">
+              <a:buNone/>
+              <a:defRPr sz="2800">
+                <a:solidFill>
+                  <a:schemeClr val="tx1"/>
+                </a:solidFill>
+                <a:latin typeface="Arial"/>
+                <a:cs typeface="Arial"/>
+              </a:defRPr>
+            </a:lvl1pPr>
+            <a:lvl2pPr marL="457200" indent="0" algn="ctr">
+              <a:buNone/>
+              <a:defRPr>
+                <a:solidFill>
+                  <a:schemeClr val="tx1">
+                    <a:tint val="75000"/>
+                  </a:schemeClr>
+                </a:solidFill>
+              </a:defRPr>
+            </a:lvl2pPr>
+            <a:lvl3pPr marL="914400" indent="0" algn="ctr">
+              <a:buNone/>
+              <a:defRPr>
+                <a:solidFill>
+                  <a:schemeClr val="tx1">
+                    <a:tint val="75000"/>
+                  </a:schemeClr>
+                </a:solidFill>
+              </a:defRPr>
+            </a:lvl3pPr>
+            <a:lvl4pPr marL="1371600" indent="0" algn="ctr">
+              <a:buNone/>
+              <a:defRPr>
+                <a:solidFill>
+                  <a:schemeClr val="tx1">
+                    <a:tint val="75000"/>
+                  </a:schemeClr>
+                </a:solidFill>
+              </a:defRPr>
+            </a:lvl4pPr>
+            <a:lvl5pPr marL="1828800" indent="0" algn="ctr">
+              <a:buNone/>
+              <a:defRPr>
+                <a:solidFill>
+                  <a:schemeClr val="tx1">
+                    <a:tint val="75000"/>
+                  </a:schemeClr>
+                </a:solidFill>
+              </a:defRPr>
+            </a:lvl5pPr>
+            <a:lvl6pPr marL="2286000" indent="0" algn="ctr">
+              <a:buNone/>
+              <a:defRPr>
+                <a:solidFill>
+                  <a:schemeClr val="tx1">
+                    <a:tint val="75000"/>
+                  </a:schemeClr>
+                </a:solidFill>
+              </a:defRPr>
+            </a:lvl6pPr>
+            <a:lvl7pPr marL="2743200" indent="0" algn="ctr">
+              <a:buNone/>
+              <a:defRPr>
+                <a:solidFill>
+                  <a:schemeClr val="tx1">
+                    <a:tint val="75000"/>
+                  </a:schemeClr>
+                </a:solidFill>
+              </a:defRPr>
+            </a:lvl7pPr>
+            <a:lvl8pPr marL="3200400" indent="0" algn="ctr">
+              <a:buNone/>
+              <a:defRPr>
+                <a:solidFill>
+                  <a:schemeClr val="tx1">
+                    <a:tint val="75000"/>
+                  </a:schemeClr>
+                </a:solidFill>
+              </a:defRPr>
+            </a:lvl8pPr>
+            <a:lvl9pPr marL="3657600" indent="0" algn="ctr">
+              <a:buNone/>
+              <a:defRPr>
+                <a:solidFill>
+                  <a:schemeClr val="tx1">
+                    <a:tint val="75000"/>
+                  </a:schemeClr>
+                </a:solidFill>
+              </a:defRPr>
+            </a:lvl9pPr>
+          </a:lstStyle>
+          <a:p>
+            <a:r>
+              <a:rPr lang="en-US" dirty="0"/>
+              <a:t>Click to edit Master subtitle style</a:t>
+            </a:r>
+          </a:p>
+        </p:txBody>
+      </p:sp>
+    </p:spTree>
+    <p:extLst>
+      <p:ext uri="{BB962C8B-B14F-4D97-AF65-F5344CB8AC3E}">
+        <p14:creationId xmlns:p14="http://schemas.microsoft.com/office/powerpoint/2010/main" val="3075616793"/>
+      </p:ext>
+    </p:extLst>
+  </p:cSld>
+  <p:clrMapOvr>
+    <a:masterClrMapping/>
+  </p:clrMapOvr>
+</p:sldLayout>
+</file>
+
+<file path=ppt/slideLayouts/slideLayout8.xml><?xml version="1.0" encoding="utf-8"?>
+<p:sldLayout xmlns:a="http://schemas.openxmlformats.org/drawingml/2006/main" xmlns:r="http://schemas.openxmlformats.org/officeDocument/2006/relationships" xmlns:p="http://schemas.openxmlformats.org/presentationml/2006/main" type="obj" preserve="1">
+  <p:cSld name="Title and Content">
+    <p:spTree>
+      <p:nvGrpSpPr>
+        <p:cNvPr id="1" name=""/>
+        <p:cNvGrpSpPr/>
+        <p:nvPr/>
+      </p:nvGrpSpPr>
+      <p:grpSpPr>
+        <a:xfrm>
+          <a:off x="0" y="0"/>
+          <a:ext cx="0" cy="0"/>
+          <a:chOff x="0" y="0"/>
+          <a:chExt cx="0" cy="0"/>
+        </a:xfrm>
+      </p:grpSpPr>
+      <p:sp>
+        <p:nvSpPr>
+          <p:cNvPr id="2" name="Title 1"/>
+          <p:cNvSpPr>
+            <a:spLocks noGrp="1"/>
+          </p:cNvSpPr>
+          <p:nvPr>
+            <p:ph type="title"/>
+          </p:nvPr>
+        </p:nvSpPr>
+        <p:spPr/>
+        <p:txBody>
+          <a:bodyPr/>
+          <a:lstStyle/>
+          <a:p>
+            <a:r>
+              <a:rPr lang="en-US"/>
+              <a:t>Click to edit Master title style</a:t>
+            </a:r>
+          </a:p>
+        </p:txBody>
+      </p:sp>
+      <p:sp>
+        <p:nvSpPr>
+          <p:cNvPr id="3" name="Content Placeholder 2"/>
+          <p:cNvSpPr>
+            <a:spLocks noGrp="1"/>
+          </p:cNvSpPr>
+          <p:nvPr>
+            <p:ph idx="1"/>
+          </p:nvPr>
+        </p:nvSpPr>
+        <p:spPr/>
+        <p:txBody>
+          <a:bodyPr/>
+          <a:lstStyle/>
+          <a:p>
+            <a:pPr lvl="0"/>
+            <a:r>
+              <a:rPr lang="en-US" dirty="0"/>
+              <a:t>Click to edit Master text styles</a:t>
+            </a:r>
+          </a:p>
+          <a:p>
+            <a:pPr lvl="1"/>
+            <a:r>
+              <a:rPr lang="en-US" dirty="0"/>
+              <a:t>Second level</a:t>
+            </a:r>
+          </a:p>
+          <a:p>
+            <a:pPr lvl="2"/>
+            <a:r>
+              <a:rPr lang="en-US" dirty="0"/>
+              <a:t>Third level</a:t>
+            </a:r>
+          </a:p>
+        </p:txBody>
+      </p:sp>
+    </p:spTree>
+    <p:extLst>
+      <p:ext uri="{BB962C8B-B14F-4D97-AF65-F5344CB8AC3E}">
+        <p14:creationId xmlns:p14="http://schemas.microsoft.com/office/powerpoint/2010/main" val="1124611629"/>
+      </p:ext>
+    </p:extLst>
+  </p:cSld>
+  <p:clrMapOvr>
+    <a:masterClrMapping/>
+  </p:clrMapOvr>
+</p:sldLayout>
+</file>
+
+<file path=ppt/slideLayouts/slideLayout9.xml><?xml version="1.0" encoding="utf-8"?>
+<p:sldLayout xmlns:a="http://schemas.openxmlformats.org/drawingml/2006/main" xmlns:r="http://schemas.openxmlformats.org/officeDocument/2006/relationships" xmlns:p="http://schemas.openxmlformats.org/presentationml/2006/main" preserve="1" userDrawn="1">
+  <p:cSld name="Section Header">
+    <p:spTree>
+      <p:nvGrpSpPr>
+        <p:cNvPr id="1" name=""/>
+        <p:cNvGrpSpPr/>
+        <p:nvPr/>
+      </p:nvGrpSpPr>
+      <p:grpSpPr>
+        <a:xfrm>
+          <a:off x="0" y="0"/>
+          <a:ext cx="0" cy="0"/>
+          <a:chOff x="0" y="0"/>
+          <a:chExt cx="0" cy="0"/>
+        </a:xfrm>
+      </p:grpSpPr>
+    </p:spTree>
+    <p:extLst>
+      <p:ext uri="{BB962C8B-B14F-4D97-AF65-F5344CB8AC3E}">
+        <p14:creationId xmlns:p14="http://schemas.microsoft.com/office/powerpoint/2010/main" val="950186651"/>
+      </p:ext>
+    </p:extLst>
+  </p:cSld>
+  <p:clrMapOvr>
+    <a:masterClrMapping/>
+  </p:clrMapOvr>
+</p:sldLayout>
+</file>
+
 <file path=ppt/slideMasters/slideMaster1.xml><?xml version="1.0" encoding="utf-8"?>
 <p:sldMaster xmlns:a="http://schemas.openxmlformats.org/drawingml/2006/main" xmlns:r="http://schemas.openxmlformats.org/officeDocument/2006/relationships" xmlns:p="http://schemas.openxmlformats.org/presentationml/2006/main">
   <p:cSld>
@@ -1407,7 +3266,7 @@
           <a:lstStyle/>
           <a:p>
             <a:pPr algn="r"/>
-            <a:endParaRPr lang="nl-NL" sz="2100">
+            <a:endParaRPr lang="nl-NL" sz="2100" dirty="0">
               <a:latin typeface="Tahoma" pitchFamily="34" charset="0"/>
             </a:endParaRPr>
           </a:p>
@@ -1752,6 +3611,4266 @@
         </p:nvSpPr>
         <p:spPr>
           <a:xfrm>
+            <a:off x="1763106" y="205979"/>
+            <a:ext cx="7106464" cy="857250"/>
+          </a:xfrm>
+          <a:prstGeom prst="rect">
+            <a:avLst/>
+          </a:prstGeom>
+        </p:spPr>
+        <p:txBody>
+          <a:bodyPr vert="horz" lIns="91440" tIns="45720" rIns="91440" bIns="45720" rtlCol="0" anchor="ctr">
+            <a:normAutofit/>
+          </a:bodyPr>
+          <a:lstStyle/>
+          <a:p>
+            <a:r>
+              <a:rPr lang="en-US" dirty="0"/>
+              <a:t>Click to edit Master title style</a:t>
+            </a:r>
+          </a:p>
+        </p:txBody>
+      </p:sp>
+      <p:sp>
+        <p:nvSpPr>
+          <p:cNvPr id="3" name="Text Placeholder 2"/>
+          <p:cNvSpPr>
+            <a:spLocks noGrp="1"/>
+          </p:cNvSpPr>
+          <p:nvPr>
+            <p:ph type="body" idx="1"/>
+          </p:nvPr>
+        </p:nvSpPr>
+        <p:spPr>
+          <a:xfrm>
+            <a:off x="1763106" y="1200150"/>
+            <a:ext cx="7106464" cy="3486122"/>
+          </a:xfrm>
+          <a:prstGeom prst="rect">
+            <a:avLst/>
+          </a:prstGeom>
+        </p:spPr>
+        <p:txBody>
+          <a:bodyPr vert="horz" lIns="91440" tIns="45720" rIns="91440" bIns="45720" rtlCol="0">
+            <a:normAutofit/>
+          </a:bodyPr>
+          <a:lstStyle/>
+          <a:p>
+            <a:pPr lvl="0"/>
+            <a:r>
+              <a:rPr lang="en-US" dirty="0"/>
+              <a:t>Click to edit Master text styles</a:t>
+            </a:r>
+          </a:p>
+          <a:p>
+            <a:pPr lvl="1"/>
+            <a:r>
+              <a:rPr lang="en-US" dirty="0"/>
+              <a:t>Second level</a:t>
+            </a:r>
+          </a:p>
+          <a:p>
+            <a:pPr lvl="2"/>
+            <a:r>
+              <a:rPr lang="en-US" dirty="0"/>
+              <a:t>Third level</a:t>
+            </a:r>
+          </a:p>
+        </p:txBody>
+      </p:sp>
+      <p:pic>
+        <p:nvPicPr>
+          <p:cNvPr id="8" name="Picture 3" descr="TU_P5#white.eps"/>
+          <p:cNvPicPr>
+            <a:picLocks noChangeAspect="1"/>
+          </p:cNvPicPr>
+          <p:nvPr userDrawn="1"/>
+        </p:nvPicPr>
+        <p:blipFill>
+          <a:blip r:embed="rId5">
+            <a:extLst>
+              <a:ext uri="{28A0092B-C50C-407E-A947-70E740481C1C}">
+                <a14:useLocalDpi xmlns:a14="http://schemas.microsoft.com/office/drawing/2010/main"/>
+              </a:ext>
+            </a:extLst>
+          </a:blip>
+          <a:stretch>
+            <a:fillRect/>
+          </a:stretch>
+        </p:blipFill>
+        <p:spPr>
+          <a:xfrm>
+            <a:off x="100264" y="4581184"/>
+            <a:ext cx="1368883" cy="632424"/>
+          </a:xfrm>
+          <a:prstGeom prst="rect">
+            <a:avLst/>
+          </a:prstGeom>
+        </p:spPr>
+      </p:pic>
+      <p:sp>
+        <p:nvSpPr>
+          <p:cNvPr id="10" name="Slide Number Placeholder 5"/>
+          <p:cNvSpPr txBox="1">
+            <a:spLocks/>
+          </p:cNvSpPr>
+          <p:nvPr userDrawn="1"/>
+        </p:nvSpPr>
+        <p:spPr>
+          <a:xfrm>
+            <a:off x="6651560" y="4815702"/>
+            <a:ext cx="2316370" cy="273844"/>
+          </a:xfrm>
+          <a:prstGeom prst="rect">
+            <a:avLst/>
+          </a:prstGeom>
+        </p:spPr>
+        <p:txBody>
+          <a:bodyPr vert="horz" lIns="91440" tIns="45720" rIns="91440" bIns="45720" rtlCol="0" anchor="ctr"/>
+          <a:lstStyle>
+            <a:defPPr>
+              <a:defRPr lang="en-US"/>
+            </a:defPPr>
+            <a:lvl1pPr marL="0" algn="r" defTabSz="457200" rtl="0" eaLnBrk="1" latinLnBrk="0" hangingPunct="1">
+              <a:defRPr sz="1000" kern="1200">
+                <a:solidFill>
+                  <a:srgbClr val="00A6D6"/>
+                </a:solidFill>
+                <a:latin typeface="Arial"/>
+                <a:ea typeface="+mn-ea"/>
+                <a:cs typeface="Arial"/>
+              </a:defRPr>
+            </a:lvl1pPr>
+            <a:lvl2pPr marL="457200" algn="l" defTabSz="457200" rtl="0" eaLnBrk="1" latinLnBrk="0" hangingPunct="1">
+              <a:defRPr sz="1800" kern="1200">
+                <a:solidFill>
+                  <a:schemeClr val="tx1"/>
+                </a:solidFill>
+                <a:latin typeface="+mn-lt"/>
+                <a:ea typeface="+mn-ea"/>
+                <a:cs typeface="+mn-cs"/>
+              </a:defRPr>
+            </a:lvl2pPr>
+            <a:lvl3pPr marL="914400" algn="l" defTabSz="457200" rtl="0" eaLnBrk="1" latinLnBrk="0" hangingPunct="1">
+              <a:defRPr sz="1800" kern="1200">
+                <a:solidFill>
+                  <a:schemeClr val="tx1"/>
+                </a:solidFill>
+                <a:latin typeface="+mn-lt"/>
+                <a:ea typeface="+mn-ea"/>
+                <a:cs typeface="+mn-cs"/>
+              </a:defRPr>
+            </a:lvl3pPr>
+            <a:lvl4pPr marL="1371600" algn="l" defTabSz="457200" rtl="0" eaLnBrk="1" latinLnBrk="0" hangingPunct="1">
+              <a:defRPr sz="1800" kern="1200">
+                <a:solidFill>
+                  <a:schemeClr val="tx1"/>
+                </a:solidFill>
+                <a:latin typeface="+mn-lt"/>
+                <a:ea typeface="+mn-ea"/>
+                <a:cs typeface="+mn-cs"/>
+              </a:defRPr>
+            </a:lvl4pPr>
+            <a:lvl5pPr marL="1828800" algn="l" defTabSz="457200" rtl="0" eaLnBrk="1" latinLnBrk="0" hangingPunct="1">
+              <a:defRPr sz="1800" kern="1200">
+                <a:solidFill>
+                  <a:schemeClr val="tx1"/>
+                </a:solidFill>
+                <a:latin typeface="+mn-lt"/>
+                <a:ea typeface="+mn-ea"/>
+                <a:cs typeface="+mn-cs"/>
+              </a:defRPr>
+            </a:lvl5pPr>
+            <a:lvl6pPr marL="2286000" algn="l" defTabSz="457200" rtl="0" eaLnBrk="1" latinLnBrk="0" hangingPunct="1">
+              <a:defRPr sz="1800" kern="1200">
+                <a:solidFill>
+                  <a:schemeClr val="tx1"/>
+                </a:solidFill>
+                <a:latin typeface="+mn-lt"/>
+                <a:ea typeface="+mn-ea"/>
+                <a:cs typeface="+mn-cs"/>
+              </a:defRPr>
+            </a:lvl6pPr>
+            <a:lvl7pPr marL="2743200" algn="l" defTabSz="457200" rtl="0" eaLnBrk="1" latinLnBrk="0" hangingPunct="1">
+              <a:defRPr sz="1800" kern="1200">
+                <a:solidFill>
+                  <a:schemeClr val="tx1"/>
+                </a:solidFill>
+                <a:latin typeface="+mn-lt"/>
+                <a:ea typeface="+mn-ea"/>
+                <a:cs typeface="+mn-cs"/>
+              </a:defRPr>
+            </a:lvl7pPr>
+            <a:lvl8pPr marL="3200400" algn="l" defTabSz="457200" rtl="0" eaLnBrk="1" latinLnBrk="0" hangingPunct="1">
+              <a:defRPr sz="1800" kern="1200">
+                <a:solidFill>
+                  <a:schemeClr val="tx1"/>
+                </a:solidFill>
+                <a:latin typeface="+mn-lt"/>
+                <a:ea typeface="+mn-ea"/>
+                <a:cs typeface="+mn-cs"/>
+              </a:defRPr>
+            </a:lvl8pPr>
+            <a:lvl9pPr marL="3657600" algn="l" defTabSz="457200" rtl="0" eaLnBrk="1" latinLnBrk="0" hangingPunct="1">
+              <a:defRPr sz="1800" kern="1200">
+                <a:solidFill>
+                  <a:schemeClr val="tx1"/>
+                </a:solidFill>
+                <a:latin typeface="+mn-lt"/>
+                <a:ea typeface="+mn-ea"/>
+                <a:cs typeface="+mn-cs"/>
+              </a:defRPr>
+            </a:lvl9pPr>
+          </a:lstStyle>
+          <a:p>
+            <a:fld id="{6557312C-2AB5-4E4E-8F57-D0081D5FE9E6}" type="slidenum">
+              <a:rPr lang="en-US" smtClean="0"/>
+              <a:pPr/>
+              <a:t>‹nr.›</a:t>
+            </a:fld>
+            <a:endParaRPr lang="en-US" dirty="0"/>
+          </a:p>
+        </p:txBody>
+      </p:sp>
+      <p:sp>
+        <p:nvSpPr>
+          <p:cNvPr id="9" name="Rectangle 28"/>
+          <p:cNvSpPr>
+            <a:spLocks noChangeArrowheads="1"/>
+          </p:cNvSpPr>
+          <p:nvPr userDrawn="1"/>
+        </p:nvSpPr>
+        <p:spPr bwMode="auto">
+          <a:xfrm>
+            <a:off x="0" y="0"/>
+            <a:ext cx="1576384" cy="5149008"/>
+          </a:xfrm>
+          <a:prstGeom prst="rect">
+            <a:avLst/>
+          </a:prstGeom>
+          <a:solidFill>
+            <a:srgbClr val="00A6D6"/>
+          </a:solidFill>
+          <a:ln w="9525">
+            <a:noFill/>
+            <a:miter lim="800000"/>
+            <a:headEnd/>
+            <a:tailEnd/>
+          </a:ln>
+        </p:spPr>
+        <p:txBody>
+          <a:bodyPr wrap="none" lIns="91436" tIns="45719" rIns="91436" bIns="45719" anchor="ctr"/>
+          <a:lstStyle/>
+          <a:p>
+            <a:pPr algn="r"/>
+            <a:endParaRPr lang="nl-NL" sz="2100" dirty="0">
+              <a:latin typeface="Tahoma" pitchFamily="34" charset="0"/>
+            </a:endParaRPr>
+          </a:p>
+        </p:txBody>
+      </p:sp>
+      <p:pic>
+        <p:nvPicPr>
+          <p:cNvPr id="11" name="Picture 3" descr="TU_P5#white.eps"/>
+          <p:cNvPicPr>
+            <a:picLocks noChangeAspect="1"/>
+          </p:cNvPicPr>
+          <p:nvPr userDrawn="1"/>
+        </p:nvPicPr>
+        <p:blipFill>
+          <a:blip r:embed="rId5">
+            <a:extLst>
+              <a:ext uri="{28A0092B-C50C-407E-A947-70E740481C1C}">
+                <a14:useLocalDpi xmlns:a14="http://schemas.microsoft.com/office/drawing/2010/main"/>
+              </a:ext>
+            </a:extLst>
+          </a:blip>
+          <a:stretch>
+            <a:fillRect/>
+          </a:stretch>
+        </p:blipFill>
+        <p:spPr>
+          <a:xfrm>
+            <a:off x="100264" y="4389330"/>
+            <a:ext cx="1368883" cy="843232"/>
+          </a:xfrm>
+          <a:prstGeom prst="rect">
+            <a:avLst/>
+          </a:prstGeom>
+        </p:spPr>
+      </p:pic>
+      <p:sp>
+        <p:nvSpPr>
+          <p:cNvPr id="4" name="Tekstvak 3">
+            <a:extLst>
+              <a:ext uri="{FF2B5EF4-FFF2-40B4-BE49-F238E27FC236}">
+                <a16:creationId xmlns:a16="http://schemas.microsoft.com/office/drawing/2014/main" id="{DE2F3CEF-8E11-4634-A30D-C4D2030D28B9}"/>
+              </a:ext>
+            </a:extLst>
+          </p:cNvPr>
+          <p:cNvSpPr txBox="1"/>
+          <p:nvPr userDrawn="1"/>
+        </p:nvSpPr>
+        <p:spPr>
+          <a:xfrm>
+            <a:off x="-52039" y="1200150"/>
+            <a:ext cx="1628423" cy="1815882"/>
+          </a:xfrm>
+          <a:prstGeom prst="rect">
+            <a:avLst/>
+          </a:prstGeom>
+          <a:noFill/>
+        </p:spPr>
+        <p:txBody>
+          <a:bodyPr wrap="square" rtlCol="0">
+            <a:spAutoFit/>
+          </a:bodyPr>
+          <a:lstStyle/>
+          <a:p>
+            <a:pPr marL="177800" indent="-177800">
+              <a:buFont typeface="Arial" panose="020B0604020202020204" pitchFamily="34" charset="0"/>
+              <a:buChar char="•"/>
+            </a:pPr>
+            <a:r>
+              <a:rPr lang="nl-NL" sz="1600" b="1" dirty="0">
+                <a:solidFill>
+                  <a:schemeClr val="bg1"/>
+                </a:solidFill>
+              </a:rPr>
+              <a:t>Structuur</a:t>
+            </a:r>
+          </a:p>
+          <a:p>
+            <a:pPr marL="177800" indent="-177800">
+              <a:buFont typeface="Arial" panose="020B0604020202020204" pitchFamily="34" charset="0"/>
+              <a:buChar char="•"/>
+            </a:pPr>
+            <a:r>
+              <a:rPr lang="nl-NL" sz="1600" dirty="0">
+                <a:solidFill>
+                  <a:schemeClr val="bg1"/>
+                </a:solidFill>
+              </a:rPr>
+              <a:t>Historie</a:t>
+            </a:r>
+          </a:p>
+          <a:p>
+            <a:pPr marL="177800" indent="-177800">
+              <a:buFont typeface="Arial" panose="020B0604020202020204" pitchFamily="34" charset="0"/>
+              <a:buChar char="•"/>
+            </a:pPr>
+            <a:r>
+              <a:rPr lang="nl-NL" sz="1600" dirty="0">
+                <a:solidFill>
+                  <a:schemeClr val="bg1"/>
+                </a:solidFill>
+              </a:rPr>
+              <a:t>Hoe</a:t>
+            </a:r>
+          </a:p>
+          <a:p>
+            <a:pPr marL="177800" indent="-177800">
+              <a:buFont typeface="Arial" panose="020B0604020202020204" pitchFamily="34" charset="0"/>
+              <a:buChar char="•"/>
+            </a:pPr>
+            <a:r>
+              <a:rPr lang="nl-NL" sz="1600" dirty="0">
+                <a:solidFill>
+                  <a:schemeClr val="bg1"/>
+                </a:solidFill>
+              </a:rPr>
+              <a:t>Voor- en nadelen</a:t>
+            </a:r>
+          </a:p>
+          <a:p>
+            <a:pPr marL="177800" indent="-177800">
+              <a:buFont typeface="Arial" panose="020B0604020202020204" pitchFamily="34" charset="0"/>
+              <a:buChar char="•"/>
+            </a:pPr>
+            <a:r>
+              <a:rPr lang="nl-NL" sz="1600" dirty="0">
+                <a:solidFill>
+                  <a:schemeClr val="bg1"/>
+                </a:solidFill>
+              </a:rPr>
+              <a:t>Conclusie</a:t>
+            </a:r>
+          </a:p>
+          <a:p>
+            <a:pPr marL="177800" indent="-177800">
+              <a:buFont typeface="Arial" panose="020B0604020202020204" pitchFamily="34" charset="0"/>
+              <a:buChar char="•"/>
+            </a:pPr>
+            <a:r>
+              <a:rPr lang="nl-NL" sz="1600" dirty="0">
+                <a:solidFill>
+                  <a:schemeClr val="bg1"/>
+                </a:solidFill>
+              </a:rPr>
+              <a:t>Vragenronde</a:t>
+            </a:r>
+          </a:p>
+        </p:txBody>
+      </p:sp>
+    </p:spTree>
+    <p:extLst>
+      <p:ext uri="{BB962C8B-B14F-4D97-AF65-F5344CB8AC3E}">
+        <p14:creationId xmlns:p14="http://schemas.microsoft.com/office/powerpoint/2010/main" val="4218085190"/>
+      </p:ext>
+    </p:extLst>
+  </p:cSld>
+  <p:clrMap bg1="lt1" tx1="dk1" bg2="lt2" tx2="dk2" accent1="accent1" accent2="accent2" accent3="accent3" accent4="accent4" accent5="accent5" accent6="accent6" hlink="hlink" folHlink="folHlink"/>
+  <p:sldLayoutIdLst>
+    <p:sldLayoutId id="2147483671" r:id="rId1"/>
+    <p:sldLayoutId id="2147483672" r:id="rId2"/>
+    <p:sldLayoutId id="2147483673" r:id="rId3"/>
+  </p:sldLayoutIdLst>
+  <p:txStyles>
+    <p:titleStyle>
+      <a:lvl1pPr algn="l" defTabSz="457200" rtl="0" eaLnBrk="1" latinLnBrk="0" hangingPunct="1">
+        <a:spcBef>
+          <a:spcPct val="0"/>
+        </a:spcBef>
+        <a:buNone/>
+        <a:defRPr sz="3600" kern="1200">
+          <a:solidFill>
+            <a:srgbClr val="00A6D6"/>
+          </a:solidFill>
+          <a:latin typeface="Arial"/>
+          <a:ea typeface="+mj-ea"/>
+          <a:cs typeface="Arial"/>
+        </a:defRPr>
+      </a:lvl1pPr>
+    </p:titleStyle>
+    <p:bodyStyle>
+      <a:lvl1pPr marL="342900" indent="-342900" algn="l" defTabSz="457200" rtl="0" eaLnBrk="1" latinLnBrk="0" hangingPunct="1">
+        <a:spcBef>
+          <a:spcPct val="20000"/>
+        </a:spcBef>
+        <a:buClr>
+          <a:srgbClr val="00A6D6"/>
+        </a:buClr>
+        <a:buFont typeface="Arial"/>
+        <a:buChar char="•"/>
+        <a:defRPr sz="2800" kern="1200">
+          <a:solidFill>
+            <a:schemeClr val="tx1"/>
+          </a:solidFill>
+          <a:latin typeface="Arial"/>
+          <a:ea typeface="+mn-ea"/>
+          <a:cs typeface="Arial"/>
+        </a:defRPr>
+      </a:lvl1pPr>
+      <a:lvl2pPr marL="742950" indent="-285750" algn="l" defTabSz="457200" rtl="0" eaLnBrk="1" latinLnBrk="0" hangingPunct="1">
+        <a:spcBef>
+          <a:spcPct val="20000"/>
+        </a:spcBef>
+        <a:buClr>
+          <a:srgbClr val="00A6D6"/>
+        </a:buClr>
+        <a:buFont typeface="Arial"/>
+        <a:buChar char="–"/>
+        <a:defRPr sz="2400" kern="1200">
+          <a:solidFill>
+            <a:schemeClr val="tx1"/>
+          </a:solidFill>
+          <a:latin typeface="Arial"/>
+          <a:ea typeface="+mn-ea"/>
+          <a:cs typeface="Arial"/>
+        </a:defRPr>
+      </a:lvl2pPr>
+      <a:lvl3pPr marL="1143000" indent="-228600" algn="l" defTabSz="457200" rtl="0" eaLnBrk="1" latinLnBrk="0" hangingPunct="1">
+        <a:spcBef>
+          <a:spcPct val="20000"/>
+        </a:spcBef>
+        <a:buClr>
+          <a:srgbClr val="00A6D6"/>
+        </a:buClr>
+        <a:buFont typeface="Arial"/>
+        <a:buChar char="•"/>
+        <a:defRPr sz="2400" kern="1200">
+          <a:solidFill>
+            <a:schemeClr val="tx1"/>
+          </a:solidFill>
+          <a:latin typeface="Arial"/>
+          <a:ea typeface="+mn-ea"/>
+          <a:cs typeface="Arial"/>
+        </a:defRPr>
+      </a:lvl3pPr>
+      <a:lvl4pPr marL="1600200" indent="-228600" algn="l" defTabSz="457200" rtl="0" eaLnBrk="1" latinLnBrk="0" hangingPunct="1">
+        <a:spcBef>
+          <a:spcPct val="20000"/>
+        </a:spcBef>
+        <a:buFont typeface="Arial"/>
+        <a:buChar char="–"/>
+        <a:defRPr sz="2000" kern="1200">
+          <a:solidFill>
+            <a:schemeClr val="tx1"/>
+          </a:solidFill>
+          <a:latin typeface="Arial"/>
+          <a:ea typeface="+mn-ea"/>
+          <a:cs typeface="Arial"/>
+        </a:defRPr>
+      </a:lvl4pPr>
+      <a:lvl5pPr marL="2057400" indent="-228600" algn="l" defTabSz="457200" rtl="0" eaLnBrk="1" latinLnBrk="0" hangingPunct="1">
+        <a:spcBef>
+          <a:spcPct val="20000"/>
+        </a:spcBef>
+        <a:buFont typeface="Arial"/>
+        <a:buChar char="»"/>
+        <a:defRPr sz="2000" kern="1200">
+          <a:solidFill>
+            <a:schemeClr val="tx1"/>
+          </a:solidFill>
+          <a:latin typeface="Arial"/>
+          <a:ea typeface="+mn-ea"/>
+          <a:cs typeface="Arial"/>
+        </a:defRPr>
+      </a:lvl5pPr>
+      <a:lvl6pPr marL="2514600" indent="-228600" algn="l" defTabSz="457200" rtl="0" eaLnBrk="1" latinLnBrk="0" hangingPunct="1">
+        <a:spcBef>
+          <a:spcPct val="20000"/>
+        </a:spcBef>
+        <a:buFont typeface="Arial"/>
+        <a:buChar char="•"/>
+        <a:defRPr sz="2000" kern="1200">
+          <a:solidFill>
+            <a:schemeClr val="tx1"/>
+          </a:solidFill>
+          <a:latin typeface="+mn-lt"/>
+          <a:ea typeface="+mn-ea"/>
+          <a:cs typeface="+mn-cs"/>
+        </a:defRPr>
+      </a:lvl6pPr>
+      <a:lvl7pPr marL="2971800" indent="-228600" algn="l" defTabSz="457200" rtl="0" eaLnBrk="1" latinLnBrk="0" hangingPunct="1">
+        <a:spcBef>
+          <a:spcPct val="20000"/>
+        </a:spcBef>
+        <a:buFont typeface="Arial"/>
+        <a:buChar char="•"/>
+        <a:defRPr sz="2000" kern="1200">
+          <a:solidFill>
+            <a:schemeClr val="tx1"/>
+          </a:solidFill>
+          <a:latin typeface="+mn-lt"/>
+          <a:ea typeface="+mn-ea"/>
+          <a:cs typeface="+mn-cs"/>
+        </a:defRPr>
+      </a:lvl7pPr>
+      <a:lvl8pPr marL="3429000" indent="-228600" algn="l" defTabSz="457200" rtl="0" eaLnBrk="1" latinLnBrk="0" hangingPunct="1">
+        <a:spcBef>
+          <a:spcPct val="20000"/>
+        </a:spcBef>
+        <a:buFont typeface="Arial"/>
+        <a:buChar char="•"/>
+        <a:defRPr sz="2000" kern="1200">
+          <a:solidFill>
+            <a:schemeClr val="tx1"/>
+          </a:solidFill>
+          <a:latin typeface="+mn-lt"/>
+          <a:ea typeface="+mn-ea"/>
+          <a:cs typeface="+mn-cs"/>
+        </a:defRPr>
+      </a:lvl8pPr>
+      <a:lvl9pPr marL="3886200" indent="-228600" algn="l" defTabSz="457200" rtl="0" eaLnBrk="1" latinLnBrk="0" hangingPunct="1">
+        <a:spcBef>
+          <a:spcPct val="20000"/>
+        </a:spcBef>
+        <a:buFont typeface="Arial"/>
+        <a:buChar char="•"/>
+        <a:defRPr sz="2000" kern="1200">
+          <a:solidFill>
+            <a:schemeClr val="tx1"/>
+          </a:solidFill>
+          <a:latin typeface="+mn-lt"/>
+          <a:ea typeface="+mn-ea"/>
+          <a:cs typeface="+mn-cs"/>
+        </a:defRPr>
+      </a:lvl9pPr>
+    </p:bodyStyle>
+    <p:otherStyle>
+      <a:defPPr>
+        <a:defRPr lang="en-US"/>
+      </a:defPPr>
+      <a:lvl1pPr marL="0" algn="l" defTabSz="457200" rtl="0" eaLnBrk="1" latinLnBrk="0" hangingPunct="1">
+        <a:defRPr sz="1800" kern="1200">
+          <a:solidFill>
+            <a:schemeClr val="tx1"/>
+          </a:solidFill>
+          <a:latin typeface="+mn-lt"/>
+          <a:ea typeface="+mn-ea"/>
+          <a:cs typeface="+mn-cs"/>
+        </a:defRPr>
+      </a:lvl1pPr>
+      <a:lvl2pPr marL="457200" algn="l" defTabSz="457200" rtl="0" eaLnBrk="1" latinLnBrk="0" hangingPunct="1">
+        <a:defRPr sz="1800" kern="1200">
+          <a:solidFill>
+            <a:schemeClr val="tx1"/>
+          </a:solidFill>
+          <a:latin typeface="+mn-lt"/>
+          <a:ea typeface="+mn-ea"/>
+          <a:cs typeface="+mn-cs"/>
+        </a:defRPr>
+      </a:lvl2pPr>
+      <a:lvl3pPr marL="914400" algn="l" defTabSz="457200" rtl="0" eaLnBrk="1" latinLnBrk="0" hangingPunct="1">
+        <a:defRPr sz="1800" kern="1200">
+          <a:solidFill>
+            <a:schemeClr val="tx1"/>
+          </a:solidFill>
+          <a:latin typeface="+mn-lt"/>
+          <a:ea typeface="+mn-ea"/>
+          <a:cs typeface="+mn-cs"/>
+        </a:defRPr>
+      </a:lvl3pPr>
+      <a:lvl4pPr marL="1371600" algn="l" defTabSz="457200" rtl="0" eaLnBrk="1" latinLnBrk="0" hangingPunct="1">
+        <a:defRPr sz="1800" kern="1200">
+          <a:solidFill>
+            <a:schemeClr val="tx1"/>
+          </a:solidFill>
+          <a:latin typeface="+mn-lt"/>
+          <a:ea typeface="+mn-ea"/>
+          <a:cs typeface="+mn-cs"/>
+        </a:defRPr>
+      </a:lvl4pPr>
+      <a:lvl5pPr marL="1828800" algn="l" defTabSz="457200" rtl="0" eaLnBrk="1" latinLnBrk="0" hangingPunct="1">
+        <a:defRPr sz="1800" kern="1200">
+          <a:solidFill>
+            <a:schemeClr val="tx1"/>
+          </a:solidFill>
+          <a:latin typeface="+mn-lt"/>
+          <a:ea typeface="+mn-ea"/>
+          <a:cs typeface="+mn-cs"/>
+        </a:defRPr>
+      </a:lvl5pPr>
+      <a:lvl6pPr marL="2286000" algn="l" defTabSz="457200" rtl="0" eaLnBrk="1" latinLnBrk="0" hangingPunct="1">
+        <a:defRPr sz="1800" kern="1200">
+          <a:solidFill>
+            <a:schemeClr val="tx1"/>
+          </a:solidFill>
+          <a:latin typeface="+mn-lt"/>
+          <a:ea typeface="+mn-ea"/>
+          <a:cs typeface="+mn-cs"/>
+        </a:defRPr>
+      </a:lvl6pPr>
+      <a:lvl7pPr marL="2743200" algn="l" defTabSz="457200" rtl="0" eaLnBrk="1" latinLnBrk="0" hangingPunct="1">
+        <a:defRPr sz="1800" kern="1200">
+          <a:solidFill>
+            <a:schemeClr val="tx1"/>
+          </a:solidFill>
+          <a:latin typeface="+mn-lt"/>
+          <a:ea typeface="+mn-ea"/>
+          <a:cs typeface="+mn-cs"/>
+        </a:defRPr>
+      </a:lvl7pPr>
+      <a:lvl8pPr marL="3200400" algn="l" defTabSz="457200" rtl="0" eaLnBrk="1" latinLnBrk="0" hangingPunct="1">
+        <a:defRPr sz="1800" kern="1200">
+          <a:solidFill>
+            <a:schemeClr val="tx1"/>
+          </a:solidFill>
+          <a:latin typeface="+mn-lt"/>
+          <a:ea typeface="+mn-ea"/>
+          <a:cs typeface="+mn-cs"/>
+        </a:defRPr>
+      </a:lvl8pPr>
+      <a:lvl9pPr marL="3657600" algn="l" defTabSz="457200" rtl="0" eaLnBrk="1" latinLnBrk="0" hangingPunct="1">
+        <a:defRPr sz="1800" kern="1200">
+          <a:solidFill>
+            <a:schemeClr val="tx1"/>
+          </a:solidFill>
+          <a:latin typeface="+mn-lt"/>
+          <a:ea typeface="+mn-ea"/>
+          <a:cs typeface="+mn-cs"/>
+        </a:defRPr>
+      </a:lvl9pPr>
+    </p:otherStyle>
+  </p:txStyles>
+</p:sldMaster>
+</file>
+
+<file path=ppt/slideMasters/slideMaster3.xml><?xml version="1.0" encoding="utf-8"?>
+<p:sldMaster xmlns:a="http://schemas.openxmlformats.org/drawingml/2006/main" xmlns:r="http://schemas.openxmlformats.org/officeDocument/2006/relationships" xmlns:p="http://schemas.openxmlformats.org/presentationml/2006/main" preserve="1">
+  <p:cSld>
+    <p:bg>
+      <p:bgRef idx="1001">
+        <a:schemeClr val="bg1"/>
+      </p:bgRef>
+    </p:bg>
+    <p:spTree>
+      <p:nvGrpSpPr>
+        <p:cNvPr id="1" name=""/>
+        <p:cNvGrpSpPr/>
+        <p:nvPr/>
+      </p:nvGrpSpPr>
+      <p:grpSpPr>
+        <a:xfrm>
+          <a:off x="0" y="0"/>
+          <a:ext cx="0" cy="0"/>
+          <a:chOff x="0" y="0"/>
+          <a:chExt cx="0" cy="0"/>
+        </a:xfrm>
+      </p:grpSpPr>
+      <p:sp>
+        <p:nvSpPr>
+          <p:cNvPr id="2" name="Title Placeholder 1"/>
+          <p:cNvSpPr>
+            <a:spLocks noGrp="1"/>
+          </p:cNvSpPr>
+          <p:nvPr>
+            <p:ph type="title"/>
+          </p:nvPr>
+        </p:nvSpPr>
+        <p:spPr>
+          <a:xfrm>
+            <a:off x="1763106" y="205979"/>
+            <a:ext cx="7106464" cy="857250"/>
+          </a:xfrm>
+          <a:prstGeom prst="rect">
+            <a:avLst/>
+          </a:prstGeom>
+        </p:spPr>
+        <p:txBody>
+          <a:bodyPr vert="horz" lIns="91440" tIns="45720" rIns="91440" bIns="45720" rtlCol="0" anchor="ctr">
+            <a:normAutofit/>
+          </a:bodyPr>
+          <a:lstStyle/>
+          <a:p>
+            <a:r>
+              <a:rPr lang="en-US" dirty="0"/>
+              <a:t>Click to edit Master title style</a:t>
+            </a:r>
+          </a:p>
+        </p:txBody>
+      </p:sp>
+      <p:sp>
+        <p:nvSpPr>
+          <p:cNvPr id="3" name="Text Placeholder 2"/>
+          <p:cNvSpPr>
+            <a:spLocks noGrp="1"/>
+          </p:cNvSpPr>
+          <p:nvPr>
+            <p:ph type="body" idx="1"/>
+          </p:nvPr>
+        </p:nvSpPr>
+        <p:spPr>
+          <a:xfrm>
+            <a:off x="1763106" y="1200150"/>
+            <a:ext cx="7106464" cy="3486122"/>
+          </a:xfrm>
+          <a:prstGeom prst="rect">
+            <a:avLst/>
+          </a:prstGeom>
+        </p:spPr>
+        <p:txBody>
+          <a:bodyPr vert="horz" lIns="91440" tIns="45720" rIns="91440" bIns="45720" rtlCol="0">
+            <a:normAutofit/>
+          </a:bodyPr>
+          <a:lstStyle/>
+          <a:p>
+            <a:pPr lvl="0"/>
+            <a:r>
+              <a:rPr lang="en-US" dirty="0"/>
+              <a:t>Click to edit Master text styles</a:t>
+            </a:r>
+          </a:p>
+          <a:p>
+            <a:pPr lvl="1"/>
+            <a:r>
+              <a:rPr lang="en-US" dirty="0"/>
+              <a:t>Second level</a:t>
+            </a:r>
+          </a:p>
+          <a:p>
+            <a:pPr lvl="2"/>
+            <a:r>
+              <a:rPr lang="en-US" dirty="0"/>
+              <a:t>Third level</a:t>
+            </a:r>
+          </a:p>
+        </p:txBody>
+      </p:sp>
+      <p:pic>
+        <p:nvPicPr>
+          <p:cNvPr id="8" name="Picture 3" descr="TU_P5#white.eps"/>
+          <p:cNvPicPr>
+            <a:picLocks noChangeAspect="1"/>
+          </p:cNvPicPr>
+          <p:nvPr userDrawn="1"/>
+        </p:nvPicPr>
+        <p:blipFill>
+          <a:blip r:embed="rId5">
+            <a:extLst>
+              <a:ext uri="{28A0092B-C50C-407E-A947-70E740481C1C}">
+                <a14:useLocalDpi xmlns:a14="http://schemas.microsoft.com/office/drawing/2010/main"/>
+              </a:ext>
+            </a:extLst>
+          </a:blip>
+          <a:stretch>
+            <a:fillRect/>
+          </a:stretch>
+        </p:blipFill>
+        <p:spPr>
+          <a:xfrm>
+            <a:off x="100264" y="4581184"/>
+            <a:ext cx="1368883" cy="632424"/>
+          </a:xfrm>
+          <a:prstGeom prst="rect">
+            <a:avLst/>
+          </a:prstGeom>
+        </p:spPr>
+      </p:pic>
+      <p:sp>
+        <p:nvSpPr>
+          <p:cNvPr id="10" name="Slide Number Placeholder 5"/>
+          <p:cNvSpPr txBox="1">
+            <a:spLocks/>
+          </p:cNvSpPr>
+          <p:nvPr userDrawn="1"/>
+        </p:nvSpPr>
+        <p:spPr>
+          <a:xfrm>
+            <a:off x="6651560" y="4815702"/>
+            <a:ext cx="2316370" cy="273844"/>
+          </a:xfrm>
+          <a:prstGeom prst="rect">
+            <a:avLst/>
+          </a:prstGeom>
+        </p:spPr>
+        <p:txBody>
+          <a:bodyPr vert="horz" lIns="91440" tIns="45720" rIns="91440" bIns="45720" rtlCol="0" anchor="ctr"/>
+          <a:lstStyle>
+            <a:defPPr>
+              <a:defRPr lang="en-US"/>
+            </a:defPPr>
+            <a:lvl1pPr marL="0" algn="r" defTabSz="457200" rtl="0" eaLnBrk="1" latinLnBrk="0" hangingPunct="1">
+              <a:defRPr sz="1000" kern="1200">
+                <a:solidFill>
+                  <a:srgbClr val="00A6D6"/>
+                </a:solidFill>
+                <a:latin typeface="Arial"/>
+                <a:ea typeface="+mn-ea"/>
+                <a:cs typeface="Arial"/>
+              </a:defRPr>
+            </a:lvl1pPr>
+            <a:lvl2pPr marL="457200" algn="l" defTabSz="457200" rtl="0" eaLnBrk="1" latinLnBrk="0" hangingPunct="1">
+              <a:defRPr sz="1800" kern="1200">
+                <a:solidFill>
+                  <a:schemeClr val="tx1"/>
+                </a:solidFill>
+                <a:latin typeface="+mn-lt"/>
+                <a:ea typeface="+mn-ea"/>
+                <a:cs typeface="+mn-cs"/>
+              </a:defRPr>
+            </a:lvl2pPr>
+            <a:lvl3pPr marL="914400" algn="l" defTabSz="457200" rtl="0" eaLnBrk="1" latinLnBrk="0" hangingPunct="1">
+              <a:defRPr sz="1800" kern="1200">
+                <a:solidFill>
+                  <a:schemeClr val="tx1"/>
+                </a:solidFill>
+                <a:latin typeface="+mn-lt"/>
+                <a:ea typeface="+mn-ea"/>
+                <a:cs typeface="+mn-cs"/>
+              </a:defRPr>
+            </a:lvl3pPr>
+            <a:lvl4pPr marL="1371600" algn="l" defTabSz="457200" rtl="0" eaLnBrk="1" latinLnBrk="0" hangingPunct="1">
+              <a:defRPr sz="1800" kern="1200">
+                <a:solidFill>
+                  <a:schemeClr val="tx1"/>
+                </a:solidFill>
+                <a:latin typeface="+mn-lt"/>
+                <a:ea typeface="+mn-ea"/>
+                <a:cs typeface="+mn-cs"/>
+              </a:defRPr>
+            </a:lvl4pPr>
+            <a:lvl5pPr marL="1828800" algn="l" defTabSz="457200" rtl="0" eaLnBrk="1" latinLnBrk="0" hangingPunct="1">
+              <a:defRPr sz="1800" kern="1200">
+                <a:solidFill>
+                  <a:schemeClr val="tx1"/>
+                </a:solidFill>
+                <a:latin typeface="+mn-lt"/>
+                <a:ea typeface="+mn-ea"/>
+                <a:cs typeface="+mn-cs"/>
+              </a:defRPr>
+            </a:lvl5pPr>
+            <a:lvl6pPr marL="2286000" algn="l" defTabSz="457200" rtl="0" eaLnBrk="1" latinLnBrk="0" hangingPunct="1">
+              <a:defRPr sz="1800" kern="1200">
+                <a:solidFill>
+                  <a:schemeClr val="tx1"/>
+                </a:solidFill>
+                <a:latin typeface="+mn-lt"/>
+                <a:ea typeface="+mn-ea"/>
+                <a:cs typeface="+mn-cs"/>
+              </a:defRPr>
+            </a:lvl6pPr>
+            <a:lvl7pPr marL="2743200" algn="l" defTabSz="457200" rtl="0" eaLnBrk="1" latinLnBrk="0" hangingPunct="1">
+              <a:defRPr sz="1800" kern="1200">
+                <a:solidFill>
+                  <a:schemeClr val="tx1"/>
+                </a:solidFill>
+                <a:latin typeface="+mn-lt"/>
+                <a:ea typeface="+mn-ea"/>
+                <a:cs typeface="+mn-cs"/>
+              </a:defRPr>
+            </a:lvl7pPr>
+            <a:lvl8pPr marL="3200400" algn="l" defTabSz="457200" rtl="0" eaLnBrk="1" latinLnBrk="0" hangingPunct="1">
+              <a:defRPr sz="1800" kern="1200">
+                <a:solidFill>
+                  <a:schemeClr val="tx1"/>
+                </a:solidFill>
+                <a:latin typeface="+mn-lt"/>
+                <a:ea typeface="+mn-ea"/>
+                <a:cs typeface="+mn-cs"/>
+              </a:defRPr>
+            </a:lvl8pPr>
+            <a:lvl9pPr marL="3657600" algn="l" defTabSz="457200" rtl="0" eaLnBrk="1" latinLnBrk="0" hangingPunct="1">
+              <a:defRPr sz="1800" kern="1200">
+                <a:solidFill>
+                  <a:schemeClr val="tx1"/>
+                </a:solidFill>
+                <a:latin typeface="+mn-lt"/>
+                <a:ea typeface="+mn-ea"/>
+                <a:cs typeface="+mn-cs"/>
+              </a:defRPr>
+            </a:lvl9pPr>
+          </a:lstStyle>
+          <a:p>
+            <a:fld id="{6557312C-2AB5-4E4E-8F57-D0081D5FE9E6}" type="slidenum">
+              <a:rPr lang="en-US" smtClean="0"/>
+              <a:pPr/>
+              <a:t>‹nr.›</a:t>
+            </a:fld>
+            <a:endParaRPr lang="en-US" dirty="0"/>
+          </a:p>
+        </p:txBody>
+      </p:sp>
+      <p:sp>
+        <p:nvSpPr>
+          <p:cNvPr id="9" name="Rectangle 28"/>
+          <p:cNvSpPr>
+            <a:spLocks noChangeArrowheads="1"/>
+          </p:cNvSpPr>
+          <p:nvPr userDrawn="1"/>
+        </p:nvSpPr>
+        <p:spPr bwMode="auto">
+          <a:xfrm>
+            <a:off x="0" y="0"/>
+            <a:ext cx="1576384" cy="5149008"/>
+          </a:xfrm>
+          <a:prstGeom prst="rect">
+            <a:avLst/>
+          </a:prstGeom>
+          <a:solidFill>
+            <a:srgbClr val="00A6D6"/>
+          </a:solidFill>
+          <a:ln w="9525">
+            <a:noFill/>
+            <a:miter lim="800000"/>
+            <a:headEnd/>
+            <a:tailEnd/>
+          </a:ln>
+        </p:spPr>
+        <p:txBody>
+          <a:bodyPr wrap="none" lIns="91436" tIns="45719" rIns="91436" bIns="45719" anchor="ctr"/>
+          <a:lstStyle/>
+          <a:p>
+            <a:pPr algn="r"/>
+            <a:endParaRPr lang="nl-NL" sz="2100" dirty="0">
+              <a:latin typeface="Tahoma" pitchFamily="34" charset="0"/>
+            </a:endParaRPr>
+          </a:p>
+        </p:txBody>
+      </p:sp>
+      <p:pic>
+        <p:nvPicPr>
+          <p:cNvPr id="11" name="Picture 3" descr="TU_P5#white.eps"/>
+          <p:cNvPicPr>
+            <a:picLocks noChangeAspect="1"/>
+          </p:cNvPicPr>
+          <p:nvPr userDrawn="1"/>
+        </p:nvPicPr>
+        <p:blipFill>
+          <a:blip r:embed="rId5">
+            <a:extLst>
+              <a:ext uri="{28A0092B-C50C-407E-A947-70E740481C1C}">
+                <a14:useLocalDpi xmlns:a14="http://schemas.microsoft.com/office/drawing/2010/main"/>
+              </a:ext>
+            </a:extLst>
+          </a:blip>
+          <a:stretch>
+            <a:fillRect/>
+          </a:stretch>
+        </p:blipFill>
+        <p:spPr>
+          <a:xfrm>
+            <a:off x="100264" y="4389330"/>
+            <a:ext cx="1368883" cy="843232"/>
+          </a:xfrm>
+          <a:prstGeom prst="rect">
+            <a:avLst/>
+          </a:prstGeom>
+        </p:spPr>
+      </p:pic>
+      <p:sp>
+        <p:nvSpPr>
+          <p:cNvPr id="4" name="Tekstvak 3">
+            <a:extLst>
+              <a:ext uri="{FF2B5EF4-FFF2-40B4-BE49-F238E27FC236}">
+                <a16:creationId xmlns:a16="http://schemas.microsoft.com/office/drawing/2014/main" id="{DE2F3CEF-8E11-4634-A30D-C4D2030D28B9}"/>
+              </a:ext>
+            </a:extLst>
+          </p:cNvPr>
+          <p:cNvSpPr txBox="1"/>
+          <p:nvPr userDrawn="1"/>
+        </p:nvSpPr>
+        <p:spPr>
+          <a:xfrm>
+            <a:off x="-52039" y="1200150"/>
+            <a:ext cx="1628423" cy="1815882"/>
+          </a:xfrm>
+          <a:prstGeom prst="rect">
+            <a:avLst/>
+          </a:prstGeom>
+          <a:noFill/>
+        </p:spPr>
+        <p:txBody>
+          <a:bodyPr wrap="square" rtlCol="0">
+            <a:spAutoFit/>
+          </a:bodyPr>
+          <a:lstStyle/>
+          <a:p>
+            <a:pPr marL="177800" indent="-177800">
+              <a:buFont typeface="Arial" panose="020B0604020202020204" pitchFamily="34" charset="0"/>
+              <a:buChar char="•"/>
+            </a:pPr>
+            <a:r>
+              <a:rPr lang="nl-NL" sz="1600" dirty="0">
+                <a:solidFill>
+                  <a:schemeClr val="bg1"/>
+                </a:solidFill>
+              </a:rPr>
+              <a:t>Structuur</a:t>
+            </a:r>
+          </a:p>
+          <a:p>
+            <a:pPr marL="177800" indent="-177800">
+              <a:buFont typeface="Arial" panose="020B0604020202020204" pitchFamily="34" charset="0"/>
+              <a:buChar char="•"/>
+            </a:pPr>
+            <a:r>
+              <a:rPr lang="nl-NL" sz="1600" b="1" dirty="0">
+                <a:solidFill>
+                  <a:schemeClr val="bg1"/>
+                </a:solidFill>
+              </a:rPr>
+              <a:t>Historie</a:t>
+            </a:r>
+          </a:p>
+          <a:p>
+            <a:pPr marL="177800" indent="-177800">
+              <a:buFont typeface="Arial" panose="020B0604020202020204" pitchFamily="34" charset="0"/>
+              <a:buChar char="•"/>
+            </a:pPr>
+            <a:r>
+              <a:rPr lang="nl-NL" sz="1600" dirty="0">
+                <a:solidFill>
+                  <a:schemeClr val="bg1"/>
+                </a:solidFill>
+              </a:rPr>
+              <a:t>Hoe</a:t>
+            </a:r>
+          </a:p>
+          <a:p>
+            <a:pPr marL="177800" indent="-177800">
+              <a:buFont typeface="Arial" panose="020B0604020202020204" pitchFamily="34" charset="0"/>
+              <a:buChar char="•"/>
+            </a:pPr>
+            <a:r>
+              <a:rPr lang="nl-NL" sz="1600" dirty="0">
+                <a:solidFill>
+                  <a:schemeClr val="bg1"/>
+                </a:solidFill>
+              </a:rPr>
+              <a:t>Voor- en nadelen</a:t>
+            </a:r>
+          </a:p>
+          <a:p>
+            <a:pPr marL="177800" indent="-177800">
+              <a:buFont typeface="Arial" panose="020B0604020202020204" pitchFamily="34" charset="0"/>
+              <a:buChar char="•"/>
+            </a:pPr>
+            <a:r>
+              <a:rPr lang="nl-NL" sz="1600" dirty="0">
+                <a:solidFill>
+                  <a:schemeClr val="bg1"/>
+                </a:solidFill>
+              </a:rPr>
+              <a:t>Conclusie</a:t>
+            </a:r>
+          </a:p>
+          <a:p>
+            <a:pPr marL="177800" indent="-177800">
+              <a:buFont typeface="Arial" panose="020B0604020202020204" pitchFamily="34" charset="0"/>
+              <a:buChar char="•"/>
+            </a:pPr>
+            <a:r>
+              <a:rPr lang="nl-NL" sz="1600" dirty="0">
+                <a:solidFill>
+                  <a:schemeClr val="bg1"/>
+                </a:solidFill>
+              </a:rPr>
+              <a:t>Vragenronde</a:t>
+            </a:r>
+          </a:p>
+        </p:txBody>
+      </p:sp>
+    </p:spTree>
+    <p:extLst>
+      <p:ext uri="{BB962C8B-B14F-4D97-AF65-F5344CB8AC3E}">
+        <p14:creationId xmlns:p14="http://schemas.microsoft.com/office/powerpoint/2010/main" val="345824671"/>
+      </p:ext>
+    </p:extLst>
+  </p:cSld>
+  <p:clrMap bg1="lt1" tx1="dk1" bg2="lt2" tx2="dk2" accent1="accent1" accent2="accent2" accent3="accent3" accent4="accent4" accent5="accent5" accent6="accent6" hlink="hlink" folHlink="folHlink"/>
+  <p:sldLayoutIdLst>
+    <p:sldLayoutId id="2147483675" r:id="rId1"/>
+    <p:sldLayoutId id="2147483676" r:id="rId2"/>
+    <p:sldLayoutId id="2147483677" r:id="rId3"/>
+  </p:sldLayoutIdLst>
+  <p:txStyles>
+    <p:titleStyle>
+      <a:lvl1pPr algn="l" defTabSz="457200" rtl="0" eaLnBrk="1" latinLnBrk="0" hangingPunct="1">
+        <a:spcBef>
+          <a:spcPct val="0"/>
+        </a:spcBef>
+        <a:buNone/>
+        <a:defRPr sz="3600" kern="1200">
+          <a:solidFill>
+            <a:srgbClr val="00A6D6"/>
+          </a:solidFill>
+          <a:latin typeface="Arial"/>
+          <a:ea typeface="+mj-ea"/>
+          <a:cs typeface="Arial"/>
+        </a:defRPr>
+      </a:lvl1pPr>
+    </p:titleStyle>
+    <p:bodyStyle>
+      <a:lvl1pPr marL="342900" indent="-342900" algn="l" defTabSz="457200" rtl="0" eaLnBrk="1" latinLnBrk="0" hangingPunct="1">
+        <a:spcBef>
+          <a:spcPct val="20000"/>
+        </a:spcBef>
+        <a:buClr>
+          <a:srgbClr val="00A6D6"/>
+        </a:buClr>
+        <a:buFont typeface="Arial"/>
+        <a:buChar char="•"/>
+        <a:defRPr sz="2800" kern="1200">
+          <a:solidFill>
+            <a:schemeClr val="tx1"/>
+          </a:solidFill>
+          <a:latin typeface="Arial"/>
+          <a:ea typeface="+mn-ea"/>
+          <a:cs typeface="Arial"/>
+        </a:defRPr>
+      </a:lvl1pPr>
+      <a:lvl2pPr marL="742950" indent="-285750" algn="l" defTabSz="457200" rtl="0" eaLnBrk="1" latinLnBrk="0" hangingPunct="1">
+        <a:spcBef>
+          <a:spcPct val="20000"/>
+        </a:spcBef>
+        <a:buClr>
+          <a:srgbClr val="00A6D6"/>
+        </a:buClr>
+        <a:buFont typeface="Arial"/>
+        <a:buChar char="–"/>
+        <a:defRPr sz="2400" kern="1200">
+          <a:solidFill>
+            <a:schemeClr val="tx1"/>
+          </a:solidFill>
+          <a:latin typeface="Arial"/>
+          <a:ea typeface="+mn-ea"/>
+          <a:cs typeface="Arial"/>
+        </a:defRPr>
+      </a:lvl2pPr>
+      <a:lvl3pPr marL="1143000" indent="-228600" algn="l" defTabSz="457200" rtl="0" eaLnBrk="1" latinLnBrk="0" hangingPunct="1">
+        <a:spcBef>
+          <a:spcPct val="20000"/>
+        </a:spcBef>
+        <a:buClr>
+          <a:srgbClr val="00A6D6"/>
+        </a:buClr>
+        <a:buFont typeface="Arial"/>
+        <a:buChar char="•"/>
+        <a:defRPr sz="2400" kern="1200">
+          <a:solidFill>
+            <a:schemeClr val="tx1"/>
+          </a:solidFill>
+          <a:latin typeface="Arial"/>
+          <a:ea typeface="+mn-ea"/>
+          <a:cs typeface="Arial"/>
+        </a:defRPr>
+      </a:lvl3pPr>
+      <a:lvl4pPr marL="1600200" indent="-228600" algn="l" defTabSz="457200" rtl="0" eaLnBrk="1" latinLnBrk="0" hangingPunct="1">
+        <a:spcBef>
+          <a:spcPct val="20000"/>
+        </a:spcBef>
+        <a:buFont typeface="Arial"/>
+        <a:buChar char="–"/>
+        <a:defRPr sz="2000" kern="1200">
+          <a:solidFill>
+            <a:schemeClr val="tx1"/>
+          </a:solidFill>
+          <a:latin typeface="Arial"/>
+          <a:ea typeface="+mn-ea"/>
+          <a:cs typeface="Arial"/>
+        </a:defRPr>
+      </a:lvl4pPr>
+      <a:lvl5pPr marL="2057400" indent="-228600" algn="l" defTabSz="457200" rtl="0" eaLnBrk="1" latinLnBrk="0" hangingPunct="1">
+        <a:spcBef>
+          <a:spcPct val="20000"/>
+        </a:spcBef>
+        <a:buFont typeface="Arial"/>
+        <a:buChar char="»"/>
+        <a:defRPr sz="2000" kern="1200">
+          <a:solidFill>
+            <a:schemeClr val="tx1"/>
+          </a:solidFill>
+          <a:latin typeface="Arial"/>
+          <a:ea typeface="+mn-ea"/>
+          <a:cs typeface="Arial"/>
+        </a:defRPr>
+      </a:lvl5pPr>
+      <a:lvl6pPr marL="2514600" indent="-228600" algn="l" defTabSz="457200" rtl="0" eaLnBrk="1" latinLnBrk="0" hangingPunct="1">
+        <a:spcBef>
+          <a:spcPct val="20000"/>
+        </a:spcBef>
+        <a:buFont typeface="Arial"/>
+        <a:buChar char="•"/>
+        <a:defRPr sz="2000" kern="1200">
+          <a:solidFill>
+            <a:schemeClr val="tx1"/>
+          </a:solidFill>
+          <a:latin typeface="+mn-lt"/>
+          <a:ea typeface="+mn-ea"/>
+          <a:cs typeface="+mn-cs"/>
+        </a:defRPr>
+      </a:lvl6pPr>
+      <a:lvl7pPr marL="2971800" indent="-228600" algn="l" defTabSz="457200" rtl="0" eaLnBrk="1" latinLnBrk="0" hangingPunct="1">
+        <a:spcBef>
+          <a:spcPct val="20000"/>
+        </a:spcBef>
+        <a:buFont typeface="Arial"/>
+        <a:buChar char="•"/>
+        <a:defRPr sz="2000" kern="1200">
+          <a:solidFill>
+            <a:schemeClr val="tx1"/>
+          </a:solidFill>
+          <a:latin typeface="+mn-lt"/>
+          <a:ea typeface="+mn-ea"/>
+          <a:cs typeface="+mn-cs"/>
+        </a:defRPr>
+      </a:lvl7pPr>
+      <a:lvl8pPr marL="3429000" indent="-228600" algn="l" defTabSz="457200" rtl="0" eaLnBrk="1" latinLnBrk="0" hangingPunct="1">
+        <a:spcBef>
+          <a:spcPct val="20000"/>
+        </a:spcBef>
+        <a:buFont typeface="Arial"/>
+        <a:buChar char="•"/>
+        <a:defRPr sz="2000" kern="1200">
+          <a:solidFill>
+            <a:schemeClr val="tx1"/>
+          </a:solidFill>
+          <a:latin typeface="+mn-lt"/>
+          <a:ea typeface="+mn-ea"/>
+          <a:cs typeface="+mn-cs"/>
+        </a:defRPr>
+      </a:lvl8pPr>
+      <a:lvl9pPr marL="3886200" indent="-228600" algn="l" defTabSz="457200" rtl="0" eaLnBrk="1" latinLnBrk="0" hangingPunct="1">
+        <a:spcBef>
+          <a:spcPct val="20000"/>
+        </a:spcBef>
+        <a:buFont typeface="Arial"/>
+        <a:buChar char="•"/>
+        <a:defRPr sz="2000" kern="1200">
+          <a:solidFill>
+            <a:schemeClr val="tx1"/>
+          </a:solidFill>
+          <a:latin typeface="+mn-lt"/>
+          <a:ea typeface="+mn-ea"/>
+          <a:cs typeface="+mn-cs"/>
+        </a:defRPr>
+      </a:lvl9pPr>
+    </p:bodyStyle>
+    <p:otherStyle>
+      <a:defPPr>
+        <a:defRPr lang="en-US"/>
+      </a:defPPr>
+      <a:lvl1pPr marL="0" algn="l" defTabSz="457200" rtl="0" eaLnBrk="1" latinLnBrk="0" hangingPunct="1">
+        <a:defRPr sz="1800" kern="1200">
+          <a:solidFill>
+            <a:schemeClr val="tx1"/>
+          </a:solidFill>
+          <a:latin typeface="+mn-lt"/>
+          <a:ea typeface="+mn-ea"/>
+          <a:cs typeface="+mn-cs"/>
+        </a:defRPr>
+      </a:lvl1pPr>
+      <a:lvl2pPr marL="457200" algn="l" defTabSz="457200" rtl="0" eaLnBrk="1" latinLnBrk="0" hangingPunct="1">
+        <a:defRPr sz="1800" kern="1200">
+          <a:solidFill>
+            <a:schemeClr val="tx1"/>
+          </a:solidFill>
+          <a:latin typeface="+mn-lt"/>
+          <a:ea typeface="+mn-ea"/>
+          <a:cs typeface="+mn-cs"/>
+        </a:defRPr>
+      </a:lvl2pPr>
+      <a:lvl3pPr marL="914400" algn="l" defTabSz="457200" rtl="0" eaLnBrk="1" latinLnBrk="0" hangingPunct="1">
+        <a:defRPr sz="1800" kern="1200">
+          <a:solidFill>
+            <a:schemeClr val="tx1"/>
+          </a:solidFill>
+          <a:latin typeface="+mn-lt"/>
+          <a:ea typeface="+mn-ea"/>
+          <a:cs typeface="+mn-cs"/>
+        </a:defRPr>
+      </a:lvl3pPr>
+      <a:lvl4pPr marL="1371600" algn="l" defTabSz="457200" rtl="0" eaLnBrk="1" latinLnBrk="0" hangingPunct="1">
+        <a:defRPr sz="1800" kern="1200">
+          <a:solidFill>
+            <a:schemeClr val="tx1"/>
+          </a:solidFill>
+          <a:latin typeface="+mn-lt"/>
+          <a:ea typeface="+mn-ea"/>
+          <a:cs typeface="+mn-cs"/>
+        </a:defRPr>
+      </a:lvl4pPr>
+      <a:lvl5pPr marL="1828800" algn="l" defTabSz="457200" rtl="0" eaLnBrk="1" latinLnBrk="0" hangingPunct="1">
+        <a:defRPr sz="1800" kern="1200">
+          <a:solidFill>
+            <a:schemeClr val="tx1"/>
+          </a:solidFill>
+          <a:latin typeface="+mn-lt"/>
+          <a:ea typeface="+mn-ea"/>
+          <a:cs typeface="+mn-cs"/>
+        </a:defRPr>
+      </a:lvl5pPr>
+      <a:lvl6pPr marL="2286000" algn="l" defTabSz="457200" rtl="0" eaLnBrk="1" latinLnBrk="0" hangingPunct="1">
+        <a:defRPr sz="1800" kern="1200">
+          <a:solidFill>
+            <a:schemeClr val="tx1"/>
+          </a:solidFill>
+          <a:latin typeface="+mn-lt"/>
+          <a:ea typeface="+mn-ea"/>
+          <a:cs typeface="+mn-cs"/>
+        </a:defRPr>
+      </a:lvl6pPr>
+      <a:lvl7pPr marL="2743200" algn="l" defTabSz="457200" rtl="0" eaLnBrk="1" latinLnBrk="0" hangingPunct="1">
+        <a:defRPr sz="1800" kern="1200">
+          <a:solidFill>
+            <a:schemeClr val="tx1"/>
+          </a:solidFill>
+          <a:latin typeface="+mn-lt"/>
+          <a:ea typeface="+mn-ea"/>
+          <a:cs typeface="+mn-cs"/>
+        </a:defRPr>
+      </a:lvl7pPr>
+      <a:lvl8pPr marL="3200400" algn="l" defTabSz="457200" rtl="0" eaLnBrk="1" latinLnBrk="0" hangingPunct="1">
+        <a:defRPr sz="1800" kern="1200">
+          <a:solidFill>
+            <a:schemeClr val="tx1"/>
+          </a:solidFill>
+          <a:latin typeface="+mn-lt"/>
+          <a:ea typeface="+mn-ea"/>
+          <a:cs typeface="+mn-cs"/>
+        </a:defRPr>
+      </a:lvl8pPr>
+      <a:lvl9pPr marL="3657600" algn="l" defTabSz="457200" rtl="0" eaLnBrk="1" latinLnBrk="0" hangingPunct="1">
+        <a:defRPr sz="1800" kern="1200">
+          <a:solidFill>
+            <a:schemeClr val="tx1"/>
+          </a:solidFill>
+          <a:latin typeface="+mn-lt"/>
+          <a:ea typeface="+mn-ea"/>
+          <a:cs typeface="+mn-cs"/>
+        </a:defRPr>
+      </a:lvl9pPr>
+    </p:otherStyle>
+  </p:txStyles>
+</p:sldMaster>
+</file>
+
+<file path=ppt/slideMasters/slideMaster4.xml><?xml version="1.0" encoding="utf-8"?>
+<p:sldMaster xmlns:a="http://schemas.openxmlformats.org/drawingml/2006/main" xmlns:r="http://schemas.openxmlformats.org/officeDocument/2006/relationships" xmlns:p="http://schemas.openxmlformats.org/presentationml/2006/main" preserve="1">
+  <p:cSld>
+    <p:bg>
+      <p:bgRef idx="1001">
+        <a:schemeClr val="bg1"/>
+      </p:bgRef>
+    </p:bg>
+    <p:spTree>
+      <p:nvGrpSpPr>
+        <p:cNvPr id="1" name=""/>
+        <p:cNvGrpSpPr/>
+        <p:nvPr/>
+      </p:nvGrpSpPr>
+      <p:grpSpPr>
+        <a:xfrm>
+          <a:off x="0" y="0"/>
+          <a:ext cx="0" cy="0"/>
+          <a:chOff x="0" y="0"/>
+          <a:chExt cx="0" cy="0"/>
+        </a:xfrm>
+      </p:grpSpPr>
+      <p:sp>
+        <p:nvSpPr>
+          <p:cNvPr id="2" name="Title Placeholder 1"/>
+          <p:cNvSpPr>
+            <a:spLocks noGrp="1"/>
+          </p:cNvSpPr>
+          <p:nvPr>
+            <p:ph type="title"/>
+          </p:nvPr>
+        </p:nvSpPr>
+        <p:spPr>
+          <a:xfrm>
+            <a:off x="1763106" y="205979"/>
+            <a:ext cx="7106464" cy="857250"/>
+          </a:xfrm>
+          <a:prstGeom prst="rect">
+            <a:avLst/>
+          </a:prstGeom>
+        </p:spPr>
+        <p:txBody>
+          <a:bodyPr vert="horz" lIns="91440" tIns="45720" rIns="91440" bIns="45720" rtlCol="0" anchor="ctr">
+            <a:normAutofit/>
+          </a:bodyPr>
+          <a:lstStyle/>
+          <a:p>
+            <a:r>
+              <a:rPr lang="en-US" dirty="0"/>
+              <a:t>Click to edit Master title style</a:t>
+            </a:r>
+          </a:p>
+        </p:txBody>
+      </p:sp>
+      <p:sp>
+        <p:nvSpPr>
+          <p:cNvPr id="3" name="Text Placeholder 2"/>
+          <p:cNvSpPr>
+            <a:spLocks noGrp="1"/>
+          </p:cNvSpPr>
+          <p:nvPr>
+            <p:ph type="body" idx="1"/>
+          </p:nvPr>
+        </p:nvSpPr>
+        <p:spPr>
+          <a:xfrm>
+            <a:off x="1763106" y="1200150"/>
+            <a:ext cx="7106464" cy="3486122"/>
+          </a:xfrm>
+          <a:prstGeom prst="rect">
+            <a:avLst/>
+          </a:prstGeom>
+        </p:spPr>
+        <p:txBody>
+          <a:bodyPr vert="horz" lIns="91440" tIns="45720" rIns="91440" bIns="45720" rtlCol="0">
+            <a:normAutofit/>
+          </a:bodyPr>
+          <a:lstStyle/>
+          <a:p>
+            <a:pPr lvl="0"/>
+            <a:r>
+              <a:rPr lang="en-US" dirty="0"/>
+              <a:t>Click to edit Master text styles</a:t>
+            </a:r>
+          </a:p>
+          <a:p>
+            <a:pPr lvl="1"/>
+            <a:r>
+              <a:rPr lang="en-US" dirty="0"/>
+              <a:t>Second level</a:t>
+            </a:r>
+          </a:p>
+          <a:p>
+            <a:pPr lvl="2"/>
+            <a:r>
+              <a:rPr lang="en-US" dirty="0"/>
+              <a:t>Third level</a:t>
+            </a:r>
+          </a:p>
+        </p:txBody>
+      </p:sp>
+      <p:pic>
+        <p:nvPicPr>
+          <p:cNvPr id="8" name="Picture 3" descr="TU_P5#white.eps"/>
+          <p:cNvPicPr>
+            <a:picLocks noChangeAspect="1"/>
+          </p:cNvPicPr>
+          <p:nvPr userDrawn="1"/>
+        </p:nvPicPr>
+        <p:blipFill>
+          <a:blip r:embed="rId5">
+            <a:extLst>
+              <a:ext uri="{28A0092B-C50C-407E-A947-70E740481C1C}">
+                <a14:useLocalDpi xmlns:a14="http://schemas.microsoft.com/office/drawing/2010/main"/>
+              </a:ext>
+            </a:extLst>
+          </a:blip>
+          <a:stretch>
+            <a:fillRect/>
+          </a:stretch>
+        </p:blipFill>
+        <p:spPr>
+          <a:xfrm>
+            <a:off x="100264" y="4581184"/>
+            <a:ext cx="1368883" cy="632424"/>
+          </a:xfrm>
+          <a:prstGeom prst="rect">
+            <a:avLst/>
+          </a:prstGeom>
+        </p:spPr>
+      </p:pic>
+      <p:sp>
+        <p:nvSpPr>
+          <p:cNvPr id="10" name="Slide Number Placeholder 5"/>
+          <p:cNvSpPr txBox="1">
+            <a:spLocks/>
+          </p:cNvSpPr>
+          <p:nvPr userDrawn="1"/>
+        </p:nvSpPr>
+        <p:spPr>
+          <a:xfrm>
+            <a:off x="6651560" y="4815702"/>
+            <a:ext cx="2316370" cy="273844"/>
+          </a:xfrm>
+          <a:prstGeom prst="rect">
+            <a:avLst/>
+          </a:prstGeom>
+        </p:spPr>
+        <p:txBody>
+          <a:bodyPr vert="horz" lIns="91440" tIns="45720" rIns="91440" bIns="45720" rtlCol="0" anchor="ctr"/>
+          <a:lstStyle>
+            <a:defPPr>
+              <a:defRPr lang="en-US"/>
+            </a:defPPr>
+            <a:lvl1pPr marL="0" algn="r" defTabSz="457200" rtl="0" eaLnBrk="1" latinLnBrk="0" hangingPunct="1">
+              <a:defRPr sz="1000" kern="1200">
+                <a:solidFill>
+                  <a:srgbClr val="00A6D6"/>
+                </a:solidFill>
+                <a:latin typeface="Arial"/>
+                <a:ea typeface="+mn-ea"/>
+                <a:cs typeface="Arial"/>
+              </a:defRPr>
+            </a:lvl1pPr>
+            <a:lvl2pPr marL="457200" algn="l" defTabSz="457200" rtl="0" eaLnBrk="1" latinLnBrk="0" hangingPunct="1">
+              <a:defRPr sz="1800" kern="1200">
+                <a:solidFill>
+                  <a:schemeClr val="tx1"/>
+                </a:solidFill>
+                <a:latin typeface="+mn-lt"/>
+                <a:ea typeface="+mn-ea"/>
+                <a:cs typeface="+mn-cs"/>
+              </a:defRPr>
+            </a:lvl2pPr>
+            <a:lvl3pPr marL="914400" algn="l" defTabSz="457200" rtl="0" eaLnBrk="1" latinLnBrk="0" hangingPunct="1">
+              <a:defRPr sz="1800" kern="1200">
+                <a:solidFill>
+                  <a:schemeClr val="tx1"/>
+                </a:solidFill>
+                <a:latin typeface="+mn-lt"/>
+                <a:ea typeface="+mn-ea"/>
+                <a:cs typeface="+mn-cs"/>
+              </a:defRPr>
+            </a:lvl3pPr>
+            <a:lvl4pPr marL="1371600" algn="l" defTabSz="457200" rtl="0" eaLnBrk="1" latinLnBrk="0" hangingPunct="1">
+              <a:defRPr sz="1800" kern="1200">
+                <a:solidFill>
+                  <a:schemeClr val="tx1"/>
+                </a:solidFill>
+                <a:latin typeface="+mn-lt"/>
+                <a:ea typeface="+mn-ea"/>
+                <a:cs typeface="+mn-cs"/>
+              </a:defRPr>
+            </a:lvl4pPr>
+            <a:lvl5pPr marL="1828800" algn="l" defTabSz="457200" rtl="0" eaLnBrk="1" latinLnBrk="0" hangingPunct="1">
+              <a:defRPr sz="1800" kern="1200">
+                <a:solidFill>
+                  <a:schemeClr val="tx1"/>
+                </a:solidFill>
+                <a:latin typeface="+mn-lt"/>
+                <a:ea typeface="+mn-ea"/>
+                <a:cs typeface="+mn-cs"/>
+              </a:defRPr>
+            </a:lvl5pPr>
+            <a:lvl6pPr marL="2286000" algn="l" defTabSz="457200" rtl="0" eaLnBrk="1" latinLnBrk="0" hangingPunct="1">
+              <a:defRPr sz="1800" kern="1200">
+                <a:solidFill>
+                  <a:schemeClr val="tx1"/>
+                </a:solidFill>
+                <a:latin typeface="+mn-lt"/>
+                <a:ea typeface="+mn-ea"/>
+                <a:cs typeface="+mn-cs"/>
+              </a:defRPr>
+            </a:lvl6pPr>
+            <a:lvl7pPr marL="2743200" algn="l" defTabSz="457200" rtl="0" eaLnBrk="1" latinLnBrk="0" hangingPunct="1">
+              <a:defRPr sz="1800" kern="1200">
+                <a:solidFill>
+                  <a:schemeClr val="tx1"/>
+                </a:solidFill>
+                <a:latin typeface="+mn-lt"/>
+                <a:ea typeface="+mn-ea"/>
+                <a:cs typeface="+mn-cs"/>
+              </a:defRPr>
+            </a:lvl7pPr>
+            <a:lvl8pPr marL="3200400" algn="l" defTabSz="457200" rtl="0" eaLnBrk="1" latinLnBrk="0" hangingPunct="1">
+              <a:defRPr sz="1800" kern="1200">
+                <a:solidFill>
+                  <a:schemeClr val="tx1"/>
+                </a:solidFill>
+                <a:latin typeface="+mn-lt"/>
+                <a:ea typeface="+mn-ea"/>
+                <a:cs typeface="+mn-cs"/>
+              </a:defRPr>
+            </a:lvl8pPr>
+            <a:lvl9pPr marL="3657600" algn="l" defTabSz="457200" rtl="0" eaLnBrk="1" latinLnBrk="0" hangingPunct="1">
+              <a:defRPr sz="1800" kern="1200">
+                <a:solidFill>
+                  <a:schemeClr val="tx1"/>
+                </a:solidFill>
+                <a:latin typeface="+mn-lt"/>
+                <a:ea typeface="+mn-ea"/>
+                <a:cs typeface="+mn-cs"/>
+              </a:defRPr>
+            </a:lvl9pPr>
+          </a:lstStyle>
+          <a:p>
+            <a:fld id="{6557312C-2AB5-4E4E-8F57-D0081D5FE9E6}" type="slidenum">
+              <a:rPr lang="en-US" smtClean="0"/>
+              <a:pPr/>
+              <a:t>‹nr.›</a:t>
+            </a:fld>
+            <a:endParaRPr lang="en-US" dirty="0"/>
+          </a:p>
+        </p:txBody>
+      </p:sp>
+      <p:sp>
+        <p:nvSpPr>
+          <p:cNvPr id="9" name="Rectangle 28"/>
+          <p:cNvSpPr>
+            <a:spLocks noChangeArrowheads="1"/>
+          </p:cNvSpPr>
+          <p:nvPr userDrawn="1"/>
+        </p:nvSpPr>
+        <p:spPr bwMode="auto">
+          <a:xfrm>
+            <a:off x="0" y="0"/>
+            <a:ext cx="1576384" cy="5149008"/>
+          </a:xfrm>
+          <a:prstGeom prst="rect">
+            <a:avLst/>
+          </a:prstGeom>
+          <a:solidFill>
+            <a:srgbClr val="00A6D6"/>
+          </a:solidFill>
+          <a:ln w="9525">
+            <a:noFill/>
+            <a:miter lim="800000"/>
+            <a:headEnd/>
+            <a:tailEnd/>
+          </a:ln>
+        </p:spPr>
+        <p:txBody>
+          <a:bodyPr wrap="none" lIns="91436" tIns="45719" rIns="91436" bIns="45719" anchor="ctr"/>
+          <a:lstStyle/>
+          <a:p>
+            <a:pPr algn="r"/>
+            <a:endParaRPr lang="nl-NL" sz="2100" dirty="0">
+              <a:latin typeface="Tahoma" pitchFamily="34" charset="0"/>
+            </a:endParaRPr>
+          </a:p>
+        </p:txBody>
+      </p:sp>
+      <p:pic>
+        <p:nvPicPr>
+          <p:cNvPr id="11" name="Picture 3" descr="TU_P5#white.eps"/>
+          <p:cNvPicPr>
+            <a:picLocks noChangeAspect="1"/>
+          </p:cNvPicPr>
+          <p:nvPr userDrawn="1"/>
+        </p:nvPicPr>
+        <p:blipFill>
+          <a:blip r:embed="rId5">
+            <a:extLst>
+              <a:ext uri="{28A0092B-C50C-407E-A947-70E740481C1C}">
+                <a14:useLocalDpi xmlns:a14="http://schemas.microsoft.com/office/drawing/2010/main"/>
+              </a:ext>
+            </a:extLst>
+          </a:blip>
+          <a:stretch>
+            <a:fillRect/>
+          </a:stretch>
+        </p:blipFill>
+        <p:spPr>
+          <a:xfrm>
+            <a:off x="100264" y="4389330"/>
+            <a:ext cx="1368883" cy="843232"/>
+          </a:xfrm>
+          <a:prstGeom prst="rect">
+            <a:avLst/>
+          </a:prstGeom>
+        </p:spPr>
+      </p:pic>
+      <p:sp>
+        <p:nvSpPr>
+          <p:cNvPr id="4" name="Tekstvak 3">
+            <a:extLst>
+              <a:ext uri="{FF2B5EF4-FFF2-40B4-BE49-F238E27FC236}">
+                <a16:creationId xmlns:a16="http://schemas.microsoft.com/office/drawing/2014/main" id="{DE2F3CEF-8E11-4634-A30D-C4D2030D28B9}"/>
+              </a:ext>
+            </a:extLst>
+          </p:cNvPr>
+          <p:cNvSpPr txBox="1"/>
+          <p:nvPr userDrawn="1"/>
+        </p:nvSpPr>
+        <p:spPr>
+          <a:xfrm>
+            <a:off x="-52039" y="1200150"/>
+            <a:ext cx="1628423" cy="1815882"/>
+          </a:xfrm>
+          <a:prstGeom prst="rect">
+            <a:avLst/>
+          </a:prstGeom>
+          <a:noFill/>
+        </p:spPr>
+        <p:txBody>
+          <a:bodyPr wrap="square" rtlCol="0">
+            <a:spAutoFit/>
+          </a:bodyPr>
+          <a:lstStyle/>
+          <a:p>
+            <a:pPr marL="177800" indent="-177800">
+              <a:buFont typeface="Arial" panose="020B0604020202020204" pitchFamily="34" charset="0"/>
+              <a:buChar char="•"/>
+            </a:pPr>
+            <a:r>
+              <a:rPr lang="nl-NL" sz="1600" dirty="0">
+                <a:solidFill>
+                  <a:schemeClr val="bg1"/>
+                </a:solidFill>
+              </a:rPr>
+              <a:t>Structuur</a:t>
+            </a:r>
+          </a:p>
+          <a:p>
+            <a:pPr marL="177800" indent="-177800">
+              <a:buFont typeface="Arial" panose="020B0604020202020204" pitchFamily="34" charset="0"/>
+              <a:buChar char="•"/>
+            </a:pPr>
+            <a:r>
+              <a:rPr lang="nl-NL" sz="1600" b="0" dirty="0">
+                <a:solidFill>
+                  <a:schemeClr val="bg1"/>
+                </a:solidFill>
+              </a:rPr>
+              <a:t>Historie</a:t>
+            </a:r>
+          </a:p>
+          <a:p>
+            <a:pPr marL="177800" indent="-177800">
+              <a:buFont typeface="Arial" panose="020B0604020202020204" pitchFamily="34" charset="0"/>
+              <a:buChar char="•"/>
+            </a:pPr>
+            <a:r>
+              <a:rPr lang="nl-NL" sz="1600" b="1" dirty="0">
+                <a:solidFill>
+                  <a:schemeClr val="bg1"/>
+                </a:solidFill>
+              </a:rPr>
+              <a:t>Hoe</a:t>
+            </a:r>
+          </a:p>
+          <a:p>
+            <a:pPr marL="177800" indent="-177800">
+              <a:buFont typeface="Arial" panose="020B0604020202020204" pitchFamily="34" charset="0"/>
+              <a:buChar char="•"/>
+            </a:pPr>
+            <a:r>
+              <a:rPr lang="nl-NL" sz="1600" dirty="0">
+                <a:solidFill>
+                  <a:schemeClr val="bg1"/>
+                </a:solidFill>
+              </a:rPr>
+              <a:t>Voor- en nadelen</a:t>
+            </a:r>
+          </a:p>
+          <a:p>
+            <a:pPr marL="177800" indent="-177800">
+              <a:buFont typeface="Arial" panose="020B0604020202020204" pitchFamily="34" charset="0"/>
+              <a:buChar char="•"/>
+            </a:pPr>
+            <a:r>
+              <a:rPr lang="nl-NL" sz="1600" dirty="0">
+                <a:solidFill>
+                  <a:schemeClr val="bg1"/>
+                </a:solidFill>
+              </a:rPr>
+              <a:t>Conclusie</a:t>
+            </a:r>
+          </a:p>
+          <a:p>
+            <a:pPr marL="177800" indent="-177800">
+              <a:buFont typeface="Arial" panose="020B0604020202020204" pitchFamily="34" charset="0"/>
+              <a:buChar char="•"/>
+            </a:pPr>
+            <a:r>
+              <a:rPr lang="nl-NL" sz="1600" dirty="0">
+                <a:solidFill>
+                  <a:schemeClr val="bg1"/>
+                </a:solidFill>
+              </a:rPr>
+              <a:t>Vragenronde</a:t>
+            </a:r>
+          </a:p>
+        </p:txBody>
+      </p:sp>
+    </p:spTree>
+    <p:extLst>
+      <p:ext uri="{BB962C8B-B14F-4D97-AF65-F5344CB8AC3E}">
+        <p14:creationId xmlns:p14="http://schemas.microsoft.com/office/powerpoint/2010/main" val="329419541"/>
+      </p:ext>
+    </p:extLst>
+  </p:cSld>
+  <p:clrMap bg1="lt1" tx1="dk1" bg2="lt2" tx2="dk2" accent1="accent1" accent2="accent2" accent3="accent3" accent4="accent4" accent5="accent5" accent6="accent6" hlink="hlink" folHlink="folHlink"/>
+  <p:sldLayoutIdLst>
+    <p:sldLayoutId id="2147483679" r:id="rId1"/>
+    <p:sldLayoutId id="2147483680" r:id="rId2"/>
+    <p:sldLayoutId id="2147483681" r:id="rId3"/>
+  </p:sldLayoutIdLst>
+  <p:txStyles>
+    <p:titleStyle>
+      <a:lvl1pPr algn="l" defTabSz="457200" rtl="0" eaLnBrk="1" latinLnBrk="0" hangingPunct="1">
+        <a:spcBef>
+          <a:spcPct val="0"/>
+        </a:spcBef>
+        <a:buNone/>
+        <a:defRPr sz="3600" kern="1200">
+          <a:solidFill>
+            <a:srgbClr val="00A6D6"/>
+          </a:solidFill>
+          <a:latin typeface="Arial"/>
+          <a:ea typeface="+mj-ea"/>
+          <a:cs typeface="Arial"/>
+        </a:defRPr>
+      </a:lvl1pPr>
+    </p:titleStyle>
+    <p:bodyStyle>
+      <a:lvl1pPr marL="342900" indent="-342900" algn="l" defTabSz="457200" rtl="0" eaLnBrk="1" latinLnBrk="0" hangingPunct="1">
+        <a:spcBef>
+          <a:spcPct val="20000"/>
+        </a:spcBef>
+        <a:buClr>
+          <a:srgbClr val="00A6D6"/>
+        </a:buClr>
+        <a:buFont typeface="Arial"/>
+        <a:buChar char="•"/>
+        <a:defRPr sz="2800" kern="1200">
+          <a:solidFill>
+            <a:schemeClr val="tx1"/>
+          </a:solidFill>
+          <a:latin typeface="Arial"/>
+          <a:ea typeface="+mn-ea"/>
+          <a:cs typeface="Arial"/>
+        </a:defRPr>
+      </a:lvl1pPr>
+      <a:lvl2pPr marL="742950" indent="-285750" algn="l" defTabSz="457200" rtl="0" eaLnBrk="1" latinLnBrk="0" hangingPunct="1">
+        <a:spcBef>
+          <a:spcPct val="20000"/>
+        </a:spcBef>
+        <a:buClr>
+          <a:srgbClr val="00A6D6"/>
+        </a:buClr>
+        <a:buFont typeface="Arial"/>
+        <a:buChar char="–"/>
+        <a:defRPr sz="2400" kern="1200">
+          <a:solidFill>
+            <a:schemeClr val="tx1"/>
+          </a:solidFill>
+          <a:latin typeface="Arial"/>
+          <a:ea typeface="+mn-ea"/>
+          <a:cs typeface="Arial"/>
+        </a:defRPr>
+      </a:lvl2pPr>
+      <a:lvl3pPr marL="1143000" indent="-228600" algn="l" defTabSz="457200" rtl="0" eaLnBrk="1" latinLnBrk="0" hangingPunct="1">
+        <a:spcBef>
+          <a:spcPct val="20000"/>
+        </a:spcBef>
+        <a:buClr>
+          <a:srgbClr val="00A6D6"/>
+        </a:buClr>
+        <a:buFont typeface="Arial"/>
+        <a:buChar char="•"/>
+        <a:defRPr sz="2400" kern="1200">
+          <a:solidFill>
+            <a:schemeClr val="tx1"/>
+          </a:solidFill>
+          <a:latin typeface="Arial"/>
+          <a:ea typeface="+mn-ea"/>
+          <a:cs typeface="Arial"/>
+        </a:defRPr>
+      </a:lvl3pPr>
+      <a:lvl4pPr marL="1600200" indent="-228600" algn="l" defTabSz="457200" rtl="0" eaLnBrk="1" latinLnBrk="0" hangingPunct="1">
+        <a:spcBef>
+          <a:spcPct val="20000"/>
+        </a:spcBef>
+        <a:buFont typeface="Arial"/>
+        <a:buChar char="–"/>
+        <a:defRPr sz="2000" kern="1200">
+          <a:solidFill>
+            <a:schemeClr val="tx1"/>
+          </a:solidFill>
+          <a:latin typeface="Arial"/>
+          <a:ea typeface="+mn-ea"/>
+          <a:cs typeface="Arial"/>
+        </a:defRPr>
+      </a:lvl4pPr>
+      <a:lvl5pPr marL="2057400" indent="-228600" algn="l" defTabSz="457200" rtl="0" eaLnBrk="1" latinLnBrk="0" hangingPunct="1">
+        <a:spcBef>
+          <a:spcPct val="20000"/>
+        </a:spcBef>
+        <a:buFont typeface="Arial"/>
+        <a:buChar char="»"/>
+        <a:defRPr sz="2000" kern="1200">
+          <a:solidFill>
+            <a:schemeClr val="tx1"/>
+          </a:solidFill>
+          <a:latin typeface="Arial"/>
+          <a:ea typeface="+mn-ea"/>
+          <a:cs typeface="Arial"/>
+        </a:defRPr>
+      </a:lvl5pPr>
+      <a:lvl6pPr marL="2514600" indent="-228600" algn="l" defTabSz="457200" rtl="0" eaLnBrk="1" latinLnBrk="0" hangingPunct="1">
+        <a:spcBef>
+          <a:spcPct val="20000"/>
+        </a:spcBef>
+        <a:buFont typeface="Arial"/>
+        <a:buChar char="•"/>
+        <a:defRPr sz="2000" kern="1200">
+          <a:solidFill>
+            <a:schemeClr val="tx1"/>
+          </a:solidFill>
+          <a:latin typeface="+mn-lt"/>
+          <a:ea typeface="+mn-ea"/>
+          <a:cs typeface="+mn-cs"/>
+        </a:defRPr>
+      </a:lvl6pPr>
+      <a:lvl7pPr marL="2971800" indent="-228600" algn="l" defTabSz="457200" rtl="0" eaLnBrk="1" latinLnBrk="0" hangingPunct="1">
+        <a:spcBef>
+          <a:spcPct val="20000"/>
+        </a:spcBef>
+        <a:buFont typeface="Arial"/>
+        <a:buChar char="•"/>
+        <a:defRPr sz="2000" kern="1200">
+          <a:solidFill>
+            <a:schemeClr val="tx1"/>
+          </a:solidFill>
+          <a:latin typeface="+mn-lt"/>
+          <a:ea typeface="+mn-ea"/>
+          <a:cs typeface="+mn-cs"/>
+        </a:defRPr>
+      </a:lvl7pPr>
+      <a:lvl8pPr marL="3429000" indent="-228600" algn="l" defTabSz="457200" rtl="0" eaLnBrk="1" latinLnBrk="0" hangingPunct="1">
+        <a:spcBef>
+          <a:spcPct val="20000"/>
+        </a:spcBef>
+        <a:buFont typeface="Arial"/>
+        <a:buChar char="•"/>
+        <a:defRPr sz="2000" kern="1200">
+          <a:solidFill>
+            <a:schemeClr val="tx1"/>
+          </a:solidFill>
+          <a:latin typeface="+mn-lt"/>
+          <a:ea typeface="+mn-ea"/>
+          <a:cs typeface="+mn-cs"/>
+        </a:defRPr>
+      </a:lvl8pPr>
+      <a:lvl9pPr marL="3886200" indent="-228600" algn="l" defTabSz="457200" rtl="0" eaLnBrk="1" latinLnBrk="0" hangingPunct="1">
+        <a:spcBef>
+          <a:spcPct val="20000"/>
+        </a:spcBef>
+        <a:buFont typeface="Arial"/>
+        <a:buChar char="•"/>
+        <a:defRPr sz="2000" kern="1200">
+          <a:solidFill>
+            <a:schemeClr val="tx1"/>
+          </a:solidFill>
+          <a:latin typeface="+mn-lt"/>
+          <a:ea typeface="+mn-ea"/>
+          <a:cs typeface="+mn-cs"/>
+        </a:defRPr>
+      </a:lvl9pPr>
+    </p:bodyStyle>
+    <p:otherStyle>
+      <a:defPPr>
+        <a:defRPr lang="en-US"/>
+      </a:defPPr>
+      <a:lvl1pPr marL="0" algn="l" defTabSz="457200" rtl="0" eaLnBrk="1" latinLnBrk="0" hangingPunct="1">
+        <a:defRPr sz="1800" kern="1200">
+          <a:solidFill>
+            <a:schemeClr val="tx1"/>
+          </a:solidFill>
+          <a:latin typeface="+mn-lt"/>
+          <a:ea typeface="+mn-ea"/>
+          <a:cs typeface="+mn-cs"/>
+        </a:defRPr>
+      </a:lvl1pPr>
+      <a:lvl2pPr marL="457200" algn="l" defTabSz="457200" rtl="0" eaLnBrk="1" latinLnBrk="0" hangingPunct="1">
+        <a:defRPr sz="1800" kern="1200">
+          <a:solidFill>
+            <a:schemeClr val="tx1"/>
+          </a:solidFill>
+          <a:latin typeface="+mn-lt"/>
+          <a:ea typeface="+mn-ea"/>
+          <a:cs typeface="+mn-cs"/>
+        </a:defRPr>
+      </a:lvl2pPr>
+      <a:lvl3pPr marL="914400" algn="l" defTabSz="457200" rtl="0" eaLnBrk="1" latinLnBrk="0" hangingPunct="1">
+        <a:defRPr sz="1800" kern="1200">
+          <a:solidFill>
+            <a:schemeClr val="tx1"/>
+          </a:solidFill>
+          <a:latin typeface="+mn-lt"/>
+          <a:ea typeface="+mn-ea"/>
+          <a:cs typeface="+mn-cs"/>
+        </a:defRPr>
+      </a:lvl3pPr>
+      <a:lvl4pPr marL="1371600" algn="l" defTabSz="457200" rtl="0" eaLnBrk="1" latinLnBrk="0" hangingPunct="1">
+        <a:defRPr sz="1800" kern="1200">
+          <a:solidFill>
+            <a:schemeClr val="tx1"/>
+          </a:solidFill>
+          <a:latin typeface="+mn-lt"/>
+          <a:ea typeface="+mn-ea"/>
+          <a:cs typeface="+mn-cs"/>
+        </a:defRPr>
+      </a:lvl4pPr>
+      <a:lvl5pPr marL="1828800" algn="l" defTabSz="457200" rtl="0" eaLnBrk="1" latinLnBrk="0" hangingPunct="1">
+        <a:defRPr sz="1800" kern="1200">
+          <a:solidFill>
+            <a:schemeClr val="tx1"/>
+          </a:solidFill>
+          <a:latin typeface="+mn-lt"/>
+          <a:ea typeface="+mn-ea"/>
+          <a:cs typeface="+mn-cs"/>
+        </a:defRPr>
+      </a:lvl5pPr>
+      <a:lvl6pPr marL="2286000" algn="l" defTabSz="457200" rtl="0" eaLnBrk="1" latinLnBrk="0" hangingPunct="1">
+        <a:defRPr sz="1800" kern="1200">
+          <a:solidFill>
+            <a:schemeClr val="tx1"/>
+          </a:solidFill>
+          <a:latin typeface="+mn-lt"/>
+          <a:ea typeface="+mn-ea"/>
+          <a:cs typeface="+mn-cs"/>
+        </a:defRPr>
+      </a:lvl6pPr>
+      <a:lvl7pPr marL="2743200" algn="l" defTabSz="457200" rtl="0" eaLnBrk="1" latinLnBrk="0" hangingPunct="1">
+        <a:defRPr sz="1800" kern="1200">
+          <a:solidFill>
+            <a:schemeClr val="tx1"/>
+          </a:solidFill>
+          <a:latin typeface="+mn-lt"/>
+          <a:ea typeface="+mn-ea"/>
+          <a:cs typeface="+mn-cs"/>
+        </a:defRPr>
+      </a:lvl7pPr>
+      <a:lvl8pPr marL="3200400" algn="l" defTabSz="457200" rtl="0" eaLnBrk="1" latinLnBrk="0" hangingPunct="1">
+        <a:defRPr sz="1800" kern="1200">
+          <a:solidFill>
+            <a:schemeClr val="tx1"/>
+          </a:solidFill>
+          <a:latin typeface="+mn-lt"/>
+          <a:ea typeface="+mn-ea"/>
+          <a:cs typeface="+mn-cs"/>
+        </a:defRPr>
+      </a:lvl8pPr>
+      <a:lvl9pPr marL="3657600" algn="l" defTabSz="457200" rtl="0" eaLnBrk="1" latinLnBrk="0" hangingPunct="1">
+        <a:defRPr sz="1800" kern="1200">
+          <a:solidFill>
+            <a:schemeClr val="tx1"/>
+          </a:solidFill>
+          <a:latin typeface="+mn-lt"/>
+          <a:ea typeface="+mn-ea"/>
+          <a:cs typeface="+mn-cs"/>
+        </a:defRPr>
+      </a:lvl9pPr>
+    </p:otherStyle>
+  </p:txStyles>
+</p:sldMaster>
+</file>
+
+<file path=ppt/slideMasters/slideMaster5.xml><?xml version="1.0" encoding="utf-8"?>
+<p:sldMaster xmlns:a="http://schemas.openxmlformats.org/drawingml/2006/main" xmlns:r="http://schemas.openxmlformats.org/officeDocument/2006/relationships" xmlns:p="http://schemas.openxmlformats.org/presentationml/2006/main" preserve="1">
+  <p:cSld>
+    <p:bg>
+      <p:bgRef idx="1001">
+        <a:schemeClr val="bg1"/>
+      </p:bgRef>
+    </p:bg>
+    <p:spTree>
+      <p:nvGrpSpPr>
+        <p:cNvPr id="1" name=""/>
+        <p:cNvGrpSpPr/>
+        <p:nvPr/>
+      </p:nvGrpSpPr>
+      <p:grpSpPr>
+        <a:xfrm>
+          <a:off x="0" y="0"/>
+          <a:ext cx="0" cy="0"/>
+          <a:chOff x="0" y="0"/>
+          <a:chExt cx="0" cy="0"/>
+        </a:xfrm>
+      </p:grpSpPr>
+      <p:sp>
+        <p:nvSpPr>
+          <p:cNvPr id="2" name="Title Placeholder 1"/>
+          <p:cNvSpPr>
+            <a:spLocks noGrp="1"/>
+          </p:cNvSpPr>
+          <p:nvPr>
+            <p:ph type="title"/>
+          </p:nvPr>
+        </p:nvSpPr>
+        <p:spPr>
+          <a:xfrm>
+            <a:off x="1763106" y="205979"/>
+            <a:ext cx="7106464" cy="857250"/>
+          </a:xfrm>
+          <a:prstGeom prst="rect">
+            <a:avLst/>
+          </a:prstGeom>
+        </p:spPr>
+        <p:txBody>
+          <a:bodyPr vert="horz" lIns="91440" tIns="45720" rIns="91440" bIns="45720" rtlCol="0" anchor="ctr">
+            <a:normAutofit/>
+          </a:bodyPr>
+          <a:lstStyle/>
+          <a:p>
+            <a:r>
+              <a:rPr lang="en-US" dirty="0"/>
+              <a:t>Click to edit Master title style</a:t>
+            </a:r>
+          </a:p>
+        </p:txBody>
+      </p:sp>
+      <p:sp>
+        <p:nvSpPr>
+          <p:cNvPr id="3" name="Text Placeholder 2"/>
+          <p:cNvSpPr>
+            <a:spLocks noGrp="1"/>
+          </p:cNvSpPr>
+          <p:nvPr>
+            <p:ph type="body" idx="1"/>
+          </p:nvPr>
+        </p:nvSpPr>
+        <p:spPr>
+          <a:xfrm>
+            <a:off x="1763106" y="1200150"/>
+            <a:ext cx="7106464" cy="3486122"/>
+          </a:xfrm>
+          <a:prstGeom prst="rect">
+            <a:avLst/>
+          </a:prstGeom>
+        </p:spPr>
+        <p:txBody>
+          <a:bodyPr vert="horz" lIns="91440" tIns="45720" rIns="91440" bIns="45720" rtlCol="0">
+            <a:normAutofit/>
+          </a:bodyPr>
+          <a:lstStyle/>
+          <a:p>
+            <a:pPr lvl="0"/>
+            <a:r>
+              <a:rPr lang="en-US" dirty="0"/>
+              <a:t>Click to edit Master text styles</a:t>
+            </a:r>
+          </a:p>
+          <a:p>
+            <a:pPr lvl="1"/>
+            <a:r>
+              <a:rPr lang="en-US" dirty="0"/>
+              <a:t>Second level</a:t>
+            </a:r>
+          </a:p>
+          <a:p>
+            <a:pPr lvl="2"/>
+            <a:r>
+              <a:rPr lang="en-US" dirty="0"/>
+              <a:t>Third level</a:t>
+            </a:r>
+          </a:p>
+        </p:txBody>
+      </p:sp>
+      <p:pic>
+        <p:nvPicPr>
+          <p:cNvPr id="8" name="Picture 3" descr="TU_P5#white.eps"/>
+          <p:cNvPicPr>
+            <a:picLocks noChangeAspect="1"/>
+          </p:cNvPicPr>
+          <p:nvPr userDrawn="1"/>
+        </p:nvPicPr>
+        <p:blipFill>
+          <a:blip r:embed="rId5">
+            <a:extLst>
+              <a:ext uri="{28A0092B-C50C-407E-A947-70E740481C1C}">
+                <a14:useLocalDpi xmlns:a14="http://schemas.microsoft.com/office/drawing/2010/main"/>
+              </a:ext>
+            </a:extLst>
+          </a:blip>
+          <a:stretch>
+            <a:fillRect/>
+          </a:stretch>
+        </p:blipFill>
+        <p:spPr>
+          <a:xfrm>
+            <a:off x="100264" y="4581184"/>
+            <a:ext cx="1368883" cy="632424"/>
+          </a:xfrm>
+          <a:prstGeom prst="rect">
+            <a:avLst/>
+          </a:prstGeom>
+        </p:spPr>
+      </p:pic>
+      <p:sp>
+        <p:nvSpPr>
+          <p:cNvPr id="10" name="Slide Number Placeholder 5"/>
+          <p:cNvSpPr txBox="1">
+            <a:spLocks/>
+          </p:cNvSpPr>
+          <p:nvPr userDrawn="1"/>
+        </p:nvSpPr>
+        <p:spPr>
+          <a:xfrm>
+            <a:off x="6651560" y="4815702"/>
+            <a:ext cx="2316370" cy="273844"/>
+          </a:xfrm>
+          <a:prstGeom prst="rect">
+            <a:avLst/>
+          </a:prstGeom>
+        </p:spPr>
+        <p:txBody>
+          <a:bodyPr vert="horz" lIns="91440" tIns="45720" rIns="91440" bIns="45720" rtlCol="0" anchor="ctr"/>
+          <a:lstStyle>
+            <a:defPPr>
+              <a:defRPr lang="en-US"/>
+            </a:defPPr>
+            <a:lvl1pPr marL="0" algn="r" defTabSz="457200" rtl="0" eaLnBrk="1" latinLnBrk="0" hangingPunct="1">
+              <a:defRPr sz="1000" kern="1200">
+                <a:solidFill>
+                  <a:srgbClr val="00A6D6"/>
+                </a:solidFill>
+                <a:latin typeface="Arial"/>
+                <a:ea typeface="+mn-ea"/>
+                <a:cs typeface="Arial"/>
+              </a:defRPr>
+            </a:lvl1pPr>
+            <a:lvl2pPr marL="457200" algn="l" defTabSz="457200" rtl="0" eaLnBrk="1" latinLnBrk="0" hangingPunct="1">
+              <a:defRPr sz="1800" kern="1200">
+                <a:solidFill>
+                  <a:schemeClr val="tx1"/>
+                </a:solidFill>
+                <a:latin typeface="+mn-lt"/>
+                <a:ea typeface="+mn-ea"/>
+                <a:cs typeface="+mn-cs"/>
+              </a:defRPr>
+            </a:lvl2pPr>
+            <a:lvl3pPr marL="914400" algn="l" defTabSz="457200" rtl="0" eaLnBrk="1" latinLnBrk="0" hangingPunct="1">
+              <a:defRPr sz="1800" kern="1200">
+                <a:solidFill>
+                  <a:schemeClr val="tx1"/>
+                </a:solidFill>
+                <a:latin typeface="+mn-lt"/>
+                <a:ea typeface="+mn-ea"/>
+                <a:cs typeface="+mn-cs"/>
+              </a:defRPr>
+            </a:lvl3pPr>
+            <a:lvl4pPr marL="1371600" algn="l" defTabSz="457200" rtl="0" eaLnBrk="1" latinLnBrk="0" hangingPunct="1">
+              <a:defRPr sz="1800" kern="1200">
+                <a:solidFill>
+                  <a:schemeClr val="tx1"/>
+                </a:solidFill>
+                <a:latin typeface="+mn-lt"/>
+                <a:ea typeface="+mn-ea"/>
+                <a:cs typeface="+mn-cs"/>
+              </a:defRPr>
+            </a:lvl4pPr>
+            <a:lvl5pPr marL="1828800" algn="l" defTabSz="457200" rtl="0" eaLnBrk="1" latinLnBrk="0" hangingPunct="1">
+              <a:defRPr sz="1800" kern="1200">
+                <a:solidFill>
+                  <a:schemeClr val="tx1"/>
+                </a:solidFill>
+                <a:latin typeface="+mn-lt"/>
+                <a:ea typeface="+mn-ea"/>
+                <a:cs typeface="+mn-cs"/>
+              </a:defRPr>
+            </a:lvl5pPr>
+            <a:lvl6pPr marL="2286000" algn="l" defTabSz="457200" rtl="0" eaLnBrk="1" latinLnBrk="0" hangingPunct="1">
+              <a:defRPr sz="1800" kern="1200">
+                <a:solidFill>
+                  <a:schemeClr val="tx1"/>
+                </a:solidFill>
+                <a:latin typeface="+mn-lt"/>
+                <a:ea typeface="+mn-ea"/>
+                <a:cs typeface="+mn-cs"/>
+              </a:defRPr>
+            </a:lvl6pPr>
+            <a:lvl7pPr marL="2743200" algn="l" defTabSz="457200" rtl="0" eaLnBrk="1" latinLnBrk="0" hangingPunct="1">
+              <a:defRPr sz="1800" kern="1200">
+                <a:solidFill>
+                  <a:schemeClr val="tx1"/>
+                </a:solidFill>
+                <a:latin typeface="+mn-lt"/>
+                <a:ea typeface="+mn-ea"/>
+                <a:cs typeface="+mn-cs"/>
+              </a:defRPr>
+            </a:lvl7pPr>
+            <a:lvl8pPr marL="3200400" algn="l" defTabSz="457200" rtl="0" eaLnBrk="1" latinLnBrk="0" hangingPunct="1">
+              <a:defRPr sz="1800" kern="1200">
+                <a:solidFill>
+                  <a:schemeClr val="tx1"/>
+                </a:solidFill>
+                <a:latin typeface="+mn-lt"/>
+                <a:ea typeface="+mn-ea"/>
+                <a:cs typeface="+mn-cs"/>
+              </a:defRPr>
+            </a:lvl8pPr>
+            <a:lvl9pPr marL="3657600" algn="l" defTabSz="457200" rtl="0" eaLnBrk="1" latinLnBrk="0" hangingPunct="1">
+              <a:defRPr sz="1800" kern="1200">
+                <a:solidFill>
+                  <a:schemeClr val="tx1"/>
+                </a:solidFill>
+                <a:latin typeface="+mn-lt"/>
+                <a:ea typeface="+mn-ea"/>
+                <a:cs typeface="+mn-cs"/>
+              </a:defRPr>
+            </a:lvl9pPr>
+          </a:lstStyle>
+          <a:p>
+            <a:fld id="{6557312C-2AB5-4E4E-8F57-D0081D5FE9E6}" type="slidenum">
+              <a:rPr lang="en-US" smtClean="0"/>
+              <a:pPr/>
+              <a:t>‹nr.›</a:t>
+            </a:fld>
+            <a:endParaRPr lang="en-US" dirty="0"/>
+          </a:p>
+        </p:txBody>
+      </p:sp>
+      <p:sp>
+        <p:nvSpPr>
+          <p:cNvPr id="9" name="Rectangle 28"/>
+          <p:cNvSpPr>
+            <a:spLocks noChangeArrowheads="1"/>
+          </p:cNvSpPr>
+          <p:nvPr userDrawn="1"/>
+        </p:nvSpPr>
+        <p:spPr bwMode="auto">
+          <a:xfrm>
+            <a:off x="0" y="0"/>
+            <a:ext cx="1576384" cy="5149008"/>
+          </a:xfrm>
+          <a:prstGeom prst="rect">
+            <a:avLst/>
+          </a:prstGeom>
+          <a:solidFill>
+            <a:srgbClr val="00A6D6"/>
+          </a:solidFill>
+          <a:ln w="9525">
+            <a:noFill/>
+            <a:miter lim="800000"/>
+            <a:headEnd/>
+            <a:tailEnd/>
+          </a:ln>
+        </p:spPr>
+        <p:txBody>
+          <a:bodyPr wrap="none" lIns="91436" tIns="45719" rIns="91436" bIns="45719" anchor="ctr"/>
+          <a:lstStyle/>
+          <a:p>
+            <a:pPr algn="r"/>
+            <a:endParaRPr lang="nl-NL" sz="2100" dirty="0">
+              <a:latin typeface="Tahoma" pitchFamily="34" charset="0"/>
+            </a:endParaRPr>
+          </a:p>
+        </p:txBody>
+      </p:sp>
+      <p:pic>
+        <p:nvPicPr>
+          <p:cNvPr id="11" name="Picture 3" descr="TU_P5#white.eps"/>
+          <p:cNvPicPr>
+            <a:picLocks noChangeAspect="1"/>
+          </p:cNvPicPr>
+          <p:nvPr userDrawn="1"/>
+        </p:nvPicPr>
+        <p:blipFill>
+          <a:blip r:embed="rId5">
+            <a:extLst>
+              <a:ext uri="{28A0092B-C50C-407E-A947-70E740481C1C}">
+                <a14:useLocalDpi xmlns:a14="http://schemas.microsoft.com/office/drawing/2010/main"/>
+              </a:ext>
+            </a:extLst>
+          </a:blip>
+          <a:stretch>
+            <a:fillRect/>
+          </a:stretch>
+        </p:blipFill>
+        <p:spPr>
+          <a:xfrm>
+            <a:off x="100264" y="4389330"/>
+            <a:ext cx="1368883" cy="843232"/>
+          </a:xfrm>
+          <a:prstGeom prst="rect">
+            <a:avLst/>
+          </a:prstGeom>
+        </p:spPr>
+      </p:pic>
+      <p:sp>
+        <p:nvSpPr>
+          <p:cNvPr id="4" name="Tekstvak 3">
+            <a:extLst>
+              <a:ext uri="{FF2B5EF4-FFF2-40B4-BE49-F238E27FC236}">
+                <a16:creationId xmlns:a16="http://schemas.microsoft.com/office/drawing/2014/main" id="{DE2F3CEF-8E11-4634-A30D-C4D2030D28B9}"/>
+              </a:ext>
+            </a:extLst>
+          </p:cNvPr>
+          <p:cNvSpPr txBox="1"/>
+          <p:nvPr userDrawn="1"/>
+        </p:nvSpPr>
+        <p:spPr>
+          <a:xfrm>
+            <a:off x="-52039" y="1200150"/>
+            <a:ext cx="1628423" cy="1815882"/>
+          </a:xfrm>
+          <a:prstGeom prst="rect">
+            <a:avLst/>
+          </a:prstGeom>
+          <a:noFill/>
+        </p:spPr>
+        <p:txBody>
+          <a:bodyPr wrap="square" rtlCol="0">
+            <a:spAutoFit/>
+          </a:bodyPr>
+          <a:lstStyle/>
+          <a:p>
+            <a:pPr marL="177800" indent="-177800">
+              <a:buFont typeface="Arial" panose="020B0604020202020204" pitchFamily="34" charset="0"/>
+              <a:buChar char="•"/>
+            </a:pPr>
+            <a:r>
+              <a:rPr lang="nl-NL" sz="1600" dirty="0">
+                <a:solidFill>
+                  <a:schemeClr val="bg1"/>
+                </a:solidFill>
+              </a:rPr>
+              <a:t>Structuur</a:t>
+            </a:r>
+          </a:p>
+          <a:p>
+            <a:pPr marL="177800" indent="-177800">
+              <a:buFont typeface="Arial" panose="020B0604020202020204" pitchFamily="34" charset="0"/>
+              <a:buChar char="•"/>
+            </a:pPr>
+            <a:r>
+              <a:rPr lang="nl-NL" sz="1600" b="0" dirty="0">
+                <a:solidFill>
+                  <a:schemeClr val="bg1"/>
+                </a:solidFill>
+              </a:rPr>
+              <a:t>Historie</a:t>
+            </a:r>
+          </a:p>
+          <a:p>
+            <a:pPr marL="177800" indent="-177800">
+              <a:buFont typeface="Arial" panose="020B0604020202020204" pitchFamily="34" charset="0"/>
+              <a:buChar char="•"/>
+            </a:pPr>
+            <a:r>
+              <a:rPr lang="nl-NL" sz="1600" dirty="0">
+                <a:solidFill>
+                  <a:schemeClr val="bg1"/>
+                </a:solidFill>
+              </a:rPr>
+              <a:t>Hoe</a:t>
+            </a:r>
+          </a:p>
+          <a:p>
+            <a:pPr marL="177800" indent="-177800">
+              <a:buFont typeface="Arial" panose="020B0604020202020204" pitchFamily="34" charset="0"/>
+              <a:buChar char="•"/>
+            </a:pPr>
+            <a:r>
+              <a:rPr lang="nl-NL" sz="1600" b="1" dirty="0">
+                <a:solidFill>
+                  <a:schemeClr val="bg1"/>
+                </a:solidFill>
+              </a:rPr>
+              <a:t>Voor- en nadelen</a:t>
+            </a:r>
+          </a:p>
+          <a:p>
+            <a:pPr marL="177800" indent="-177800">
+              <a:buFont typeface="Arial" panose="020B0604020202020204" pitchFamily="34" charset="0"/>
+              <a:buChar char="•"/>
+            </a:pPr>
+            <a:r>
+              <a:rPr lang="nl-NL" sz="1600" dirty="0">
+                <a:solidFill>
+                  <a:schemeClr val="bg1"/>
+                </a:solidFill>
+              </a:rPr>
+              <a:t>Conclusie</a:t>
+            </a:r>
+          </a:p>
+          <a:p>
+            <a:pPr marL="177800" indent="-177800">
+              <a:buFont typeface="Arial" panose="020B0604020202020204" pitchFamily="34" charset="0"/>
+              <a:buChar char="•"/>
+            </a:pPr>
+            <a:r>
+              <a:rPr lang="nl-NL" sz="1600" dirty="0">
+                <a:solidFill>
+                  <a:schemeClr val="bg1"/>
+                </a:solidFill>
+              </a:rPr>
+              <a:t>Vragenronde</a:t>
+            </a:r>
+          </a:p>
+        </p:txBody>
+      </p:sp>
+    </p:spTree>
+    <p:extLst>
+      <p:ext uri="{BB962C8B-B14F-4D97-AF65-F5344CB8AC3E}">
+        <p14:creationId xmlns:p14="http://schemas.microsoft.com/office/powerpoint/2010/main" val="3230351470"/>
+      </p:ext>
+    </p:extLst>
+  </p:cSld>
+  <p:clrMap bg1="lt1" tx1="dk1" bg2="lt2" tx2="dk2" accent1="accent1" accent2="accent2" accent3="accent3" accent4="accent4" accent5="accent5" accent6="accent6" hlink="hlink" folHlink="folHlink"/>
+  <p:sldLayoutIdLst>
+    <p:sldLayoutId id="2147483683" r:id="rId1"/>
+    <p:sldLayoutId id="2147483684" r:id="rId2"/>
+    <p:sldLayoutId id="2147483685" r:id="rId3"/>
+  </p:sldLayoutIdLst>
+  <p:txStyles>
+    <p:titleStyle>
+      <a:lvl1pPr algn="l" defTabSz="457200" rtl="0" eaLnBrk="1" latinLnBrk="0" hangingPunct="1">
+        <a:spcBef>
+          <a:spcPct val="0"/>
+        </a:spcBef>
+        <a:buNone/>
+        <a:defRPr sz="3600" kern="1200">
+          <a:solidFill>
+            <a:srgbClr val="00A6D6"/>
+          </a:solidFill>
+          <a:latin typeface="Arial"/>
+          <a:ea typeface="+mj-ea"/>
+          <a:cs typeface="Arial"/>
+        </a:defRPr>
+      </a:lvl1pPr>
+    </p:titleStyle>
+    <p:bodyStyle>
+      <a:lvl1pPr marL="342900" indent="-342900" algn="l" defTabSz="457200" rtl="0" eaLnBrk="1" latinLnBrk="0" hangingPunct="1">
+        <a:spcBef>
+          <a:spcPct val="20000"/>
+        </a:spcBef>
+        <a:buClr>
+          <a:srgbClr val="00A6D6"/>
+        </a:buClr>
+        <a:buFont typeface="Arial"/>
+        <a:buChar char="•"/>
+        <a:defRPr sz="2800" kern="1200">
+          <a:solidFill>
+            <a:schemeClr val="tx1"/>
+          </a:solidFill>
+          <a:latin typeface="Arial"/>
+          <a:ea typeface="+mn-ea"/>
+          <a:cs typeface="Arial"/>
+        </a:defRPr>
+      </a:lvl1pPr>
+      <a:lvl2pPr marL="742950" indent="-285750" algn="l" defTabSz="457200" rtl="0" eaLnBrk="1" latinLnBrk="0" hangingPunct="1">
+        <a:spcBef>
+          <a:spcPct val="20000"/>
+        </a:spcBef>
+        <a:buClr>
+          <a:srgbClr val="00A6D6"/>
+        </a:buClr>
+        <a:buFont typeface="Arial"/>
+        <a:buChar char="–"/>
+        <a:defRPr sz="2400" kern="1200">
+          <a:solidFill>
+            <a:schemeClr val="tx1"/>
+          </a:solidFill>
+          <a:latin typeface="Arial"/>
+          <a:ea typeface="+mn-ea"/>
+          <a:cs typeface="Arial"/>
+        </a:defRPr>
+      </a:lvl2pPr>
+      <a:lvl3pPr marL="1143000" indent="-228600" algn="l" defTabSz="457200" rtl="0" eaLnBrk="1" latinLnBrk="0" hangingPunct="1">
+        <a:spcBef>
+          <a:spcPct val="20000"/>
+        </a:spcBef>
+        <a:buClr>
+          <a:srgbClr val="00A6D6"/>
+        </a:buClr>
+        <a:buFont typeface="Arial"/>
+        <a:buChar char="•"/>
+        <a:defRPr sz="2400" kern="1200">
+          <a:solidFill>
+            <a:schemeClr val="tx1"/>
+          </a:solidFill>
+          <a:latin typeface="Arial"/>
+          <a:ea typeface="+mn-ea"/>
+          <a:cs typeface="Arial"/>
+        </a:defRPr>
+      </a:lvl3pPr>
+      <a:lvl4pPr marL="1600200" indent="-228600" algn="l" defTabSz="457200" rtl="0" eaLnBrk="1" latinLnBrk="0" hangingPunct="1">
+        <a:spcBef>
+          <a:spcPct val="20000"/>
+        </a:spcBef>
+        <a:buFont typeface="Arial"/>
+        <a:buChar char="–"/>
+        <a:defRPr sz="2000" kern="1200">
+          <a:solidFill>
+            <a:schemeClr val="tx1"/>
+          </a:solidFill>
+          <a:latin typeface="Arial"/>
+          <a:ea typeface="+mn-ea"/>
+          <a:cs typeface="Arial"/>
+        </a:defRPr>
+      </a:lvl4pPr>
+      <a:lvl5pPr marL="2057400" indent="-228600" algn="l" defTabSz="457200" rtl="0" eaLnBrk="1" latinLnBrk="0" hangingPunct="1">
+        <a:spcBef>
+          <a:spcPct val="20000"/>
+        </a:spcBef>
+        <a:buFont typeface="Arial"/>
+        <a:buChar char="»"/>
+        <a:defRPr sz="2000" kern="1200">
+          <a:solidFill>
+            <a:schemeClr val="tx1"/>
+          </a:solidFill>
+          <a:latin typeface="Arial"/>
+          <a:ea typeface="+mn-ea"/>
+          <a:cs typeface="Arial"/>
+        </a:defRPr>
+      </a:lvl5pPr>
+      <a:lvl6pPr marL="2514600" indent="-228600" algn="l" defTabSz="457200" rtl="0" eaLnBrk="1" latinLnBrk="0" hangingPunct="1">
+        <a:spcBef>
+          <a:spcPct val="20000"/>
+        </a:spcBef>
+        <a:buFont typeface="Arial"/>
+        <a:buChar char="•"/>
+        <a:defRPr sz="2000" kern="1200">
+          <a:solidFill>
+            <a:schemeClr val="tx1"/>
+          </a:solidFill>
+          <a:latin typeface="+mn-lt"/>
+          <a:ea typeface="+mn-ea"/>
+          <a:cs typeface="+mn-cs"/>
+        </a:defRPr>
+      </a:lvl6pPr>
+      <a:lvl7pPr marL="2971800" indent="-228600" algn="l" defTabSz="457200" rtl="0" eaLnBrk="1" latinLnBrk="0" hangingPunct="1">
+        <a:spcBef>
+          <a:spcPct val="20000"/>
+        </a:spcBef>
+        <a:buFont typeface="Arial"/>
+        <a:buChar char="•"/>
+        <a:defRPr sz="2000" kern="1200">
+          <a:solidFill>
+            <a:schemeClr val="tx1"/>
+          </a:solidFill>
+          <a:latin typeface="+mn-lt"/>
+          <a:ea typeface="+mn-ea"/>
+          <a:cs typeface="+mn-cs"/>
+        </a:defRPr>
+      </a:lvl7pPr>
+      <a:lvl8pPr marL="3429000" indent="-228600" algn="l" defTabSz="457200" rtl="0" eaLnBrk="1" latinLnBrk="0" hangingPunct="1">
+        <a:spcBef>
+          <a:spcPct val="20000"/>
+        </a:spcBef>
+        <a:buFont typeface="Arial"/>
+        <a:buChar char="•"/>
+        <a:defRPr sz="2000" kern="1200">
+          <a:solidFill>
+            <a:schemeClr val="tx1"/>
+          </a:solidFill>
+          <a:latin typeface="+mn-lt"/>
+          <a:ea typeface="+mn-ea"/>
+          <a:cs typeface="+mn-cs"/>
+        </a:defRPr>
+      </a:lvl8pPr>
+      <a:lvl9pPr marL="3886200" indent="-228600" algn="l" defTabSz="457200" rtl="0" eaLnBrk="1" latinLnBrk="0" hangingPunct="1">
+        <a:spcBef>
+          <a:spcPct val="20000"/>
+        </a:spcBef>
+        <a:buFont typeface="Arial"/>
+        <a:buChar char="•"/>
+        <a:defRPr sz="2000" kern="1200">
+          <a:solidFill>
+            <a:schemeClr val="tx1"/>
+          </a:solidFill>
+          <a:latin typeface="+mn-lt"/>
+          <a:ea typeface="+mn-ea"/>
+          <a:cs typeface="+mn-cs"/>
+        </a:defRPr>
+      </a:lvl9pPr>
+    </p:bodyStyle>
+    <p:otherStyle>
+      <a:defPPr>
+        <a:defRPr lang="en-US"/>
+      </a:defPPr>
+      <a:lvl1pPr marL="0" algn="l" defTabSz="457200" rtl="0" eaLnBrk="1" latinLnBrk="0" hangingPunct="1">
+        <a:defRPr sz="1800" kern="1200">
+          <a:solidFill>
+            <a:schemeClr val="tx1"/>
+          </a:solidFill>
+          <a:latin typeface="+mn-lt"/>
+          <a:ea typeface="+mn-ea"/>
+          <a:cs typeface="+mn-cs"/>
+        </a:defRPr>
+      </a:lvl1pPr>
+      <a:lvl2pPr marL="457200" algn="l" defTabSz="457200" rtl="0" eaLnBrk="1" latinLnBrk="0" hangingPunct="1">
+        <a:defRPr sz="1800" kern="1200">
+          <a:solidFill>
+            <a:schemeClr val="tx1"/>
+          </a:solidFill>
+          <a:latin typeface="+mn-lt"/>
+          <a:ea typeface="+mn-ea"/>
+          <a:cs typeface="+mn-cs"/>
+        </a:defRPr>
+      </a:lvl2pPr>
+      <a:lvl3pPr marL="914400" algn="l" defTabSz="457200" rtl="0" eaLnBrk="1" latinLnBrk="0" hangingPunct="1">
+        <a:defRPr sz="1800" kern="1200">
+          <a:solidFill>
+            <a:schemeClr val="tx1"/>
+          </a:solidFill>
+          <a:latin typeface="+mn-lt"/>
+          <a:ea typeface="+mn-ea"/>
+          <a:cs typeface="+mn-cs"/>
+        </a:defRPr>
+      </a:lvl3pPr>
+      <a:lvl4pPr marL="1371600" algn="l" defTabSz="457200" rtl="0" eaLnBrk="1" latinLnBrk="0" hangingPunct="1">
+        <a:defRPr sz="1800" kern="1200">
+          <a:solidFill>
+            <a:schemeClr val="tx1"/>
+          </a:solidFill>
+          <a:latin typeface="+mn-lt"/>
+          <a:ea typeface="+mn-ea"/>
+          <a:cs typeface="+mn-cs"/>
+        </a:defRPr>
+      </a:lvl4pPr>
+      <a:lvl5pPr marL="1828800" algn="l" defTabSz="457200" rtl="0" eaLnBrk="1" latinLnBrk="0" hangingPunct="1">
+        <a:defRPr sz="1800" kern="1200">
+          <a:solidFill>
+            <a:schemeClr val="tx1"/>
+          </a:solidFill>
+          <a:latin typeface="+mn-lt"/>
+          <a:ea typeface="+mn-ea"/>
+          <a:cs typeface="+mn-cs"/>
+        </a:defRPr>
+      </a:lvl5pPr>
+      <a:lvl6pPr marL="2286000" algn="l" defTabSz="457200" rtl="0" eaLnBrk="1" latinLnBrk="0" hangingPunct="1">
+        <a:defRPr sz="1800" kern="1200">
+          <a:solidFill>
+            <a:schemeClr val="tx1"/>
+          </a:solidFill>
+          <a:latin typeface="+mn-lt"/>
+          <a:ea typeface="+mn-ea"/>
+          <a:cs typeface="+mn-cs"/>
+        </a:defRPr>
+      </a:lvl6pPr>
+      <a:lvl7pPr marL="2743200" algn="l" defTabSz="457200" rtl="0" eaLnBrk="1" latinLnBrk="0" hangingPunct="1">
+        <a:defRPr sz="1800" kern="1200">
+          <a:solidFill>
+            <a:schemeClr val="tx1"/>
+          </a:solidFill>
+          <a:latin typeface="+mn-lt"/>
+          <a:ea typeface="+mn-ea"/>
+          <a:cs typeface="+mn-cs"/>
+        </a:defRPr>
+      </a:lvl7pPr>
+      <a:lvl8pPr marL="3200400" algn="l" defTabSz="457200" rtl="0" eaLnBrk="1" latinLnBrk="0" hangingPunct="1">
+        <a:defRPr sz="1800" kern="1200">
+          <a:solidFill>
+            <a:schemeClr val="tx1"/>
+          </a:solidFill>
+          <a:latin typeface="+mn-lt"/>
+          <a:ea typeface="+mn-ea"/>
+          <a:cs typeface="+mn-cs"/>
+        </a:defRPr>
+      </a:lvl8pPr>
+      <a:lvl9pPr marL="3657600" algn="l" defTabSz="457200" rtl="0" eaLnBrk="1" latinLnBrk="0" hangingPunct="1">
+        <a:defRPr sz="1800" kern="1200">
+          <a:solidFill>
+            <a:schemeClr val="tx1"/>
+          </a:solidFill>
+          <a:latin typeface="+mn-lt"/>
+          <a:ea typeface="+mn-ea"/>
+          <a:cs typeface="+mn-cs"/>
+        </a:defRPr>
+      </a:lvl9pPr>
+    </p:otherStyle>
+  </p:txStyles>
+</p:sldMaster>
+</file>
+
+<file path=ppt/slideMasters/slideMaster6.xml><?xml version="1.0" encoding="utf-8"?>
+<p:sldMaster xmlns:a="http://schemas.openxmlformats.org/drawingml/2006/main" xmlns:r="http://schemas.openxmlformats.org/officeDocument/2006/relationships" xmlns:p="http://schemas.openxmlformats.org/presentationml/2006/main" preserve="1">
+  <p:cSld>
+    <p:bg>
+      <p:bgRef idx="1001">
+        <a:schemeClr val="bg1"/>
+      </p:bgRef>
+    </p:bg>
+    <p:spTree>
+      <p:nvGrpSpPr>
+        <p:cNvPr id="1" name=""/>
+        <p:cNvGrpSpPr/>
+        <p:nvPr/>
+      </p:nvGrpSpPr>
+      <p:grpSpPr>
+        <a:xfrm>
+          <a:off x="0" y="0"/>
+          <a:ext cx="0" cy="0"/>
+          <a:chOff x="0" y="0"/>
+          <a:chExt cx="0" cy="0"/>
+        </a:xfrm>
+      </p:grpSpPr>
+      <p:sp>
+        <p:nvSpPr>
+          <p:cNvPr id="2" name="Title Placeholder 1"/>
+          <p:cNvSpPr>
+            <a:spLocks noGrp="1"/>
+          </p:cNvSpPr>
+          <p:nvPr>
+            <p:ph type="title"/>
+          </p:nvPr>
+        </p:nvSpPr>
+        <p:spPr>
+          <a:xfrm>
+            <a:off x="1763106" y="205979"/>
+            <a:ext cx="7106464" cy="857250"/>
+          </a:xfrm>
+          <a:prstGeom prst="rect">
+            <a:avLst/>
+          </a:prstGeom>
+        </p:spPr>
+        <p:txBody>
+          <a:bodyPr vert="horz" lIns="91440" tIns="45720" rIns="91440" bIns="45720" rtlCol="0" anchor="ctr">
+            <a:normAutofit/>
+          </a:bodyPr>
+          <a:lstStyle/>
+          <a:p>
+            <a:r>
+              <a:rPr lang="en-US" dirty="0"/>
+              <a:t>Click to edit Master title style</a:t>
+            </a:r>
+          </a:p>
+        </p:txBody>
+      </p:sp>
+      <p:sp>
+        <p:nvSpPr>
+          <p:cNvPr id="3" name="Text Placeholder 2"/>
+          <p:cNvSpPr>
+            <a:spLocks noGrp="1"/>
+          </p:cNvSpPr>
+          <p:nvPr>
+            <p:ph type="body" idx="1"/>
+          </p:nvPr>
+        </p:nvSpPr>
+        <p:spPr>
+          <a:xfrm>
+            <a:off x="1763106" y="1200150"/>
+            <a:ext cx="7106464" cy="3486122"/>
+          </a:xfrm>
+          <a:prstGeom prst="rect">
+            <a:avLst/>
+          </a:prstGeom>
+        </p:spPr>
+        <p:txBody>
+          <a:bodyPr vert="horz" lIns="91440" tIns="45720" rIns="91440" bIns="45720" rtlCol="0">
+            <a:normAutofit/>
+          </a:bodyPr>
+          <a:lstStyle/>
+          <a:p>
+            <a:pPr lvl="0"/>
+            <a:r>
+              <a:rPr lang="en-US" dirty="0"/>
+              <a:t>Click to edit Master text styles</a:t>
+            </a:r>
+          </a:p>
+          <a:p>
+            <a:pPr lvl="1"/>
+            <a:r>
+              <a:rPr lang="en-US" dirty="0"/>
+              <a:t>Second level</a:t>
+            </a:r>
+          </a:p>
+          <a:p>
+            <a:pPr lvl="2"/>
+            <a:r>
+              <a:rPr lang="en-US" dirty="0"/>
+              <a:t>Third level</a:t>
+            </a:r>
+          </a:p>
+        </p:txBody>
+      </p:sp>
+      <p:pic>
+        <p:nvPicPr>
+          <p:cNvPr id="8" name="Picture 3" descr="TU_P5#white.eps"/>
+          <p:cNvPicPr>
+            <a:picLocks noChangeAspect="1"/>
+          </p:cNvPicPr>
+          <p:nvPr userDrawn="1"/>
+        </p:nvPicPr>
+        <p:blipFill>
+          <a:blip r:embed="rId5">
+            <a:extLst>
+              <a:ext uri="{28A0092B-C50C-407E-A947-70E740481C1C}">
+                <a14:useLocalDpi xmlns:a14="http://schemas.microsoft.com/office/drawing/2010/main"/>
+              </a:ext>
+            </a:extLst>
+          </a:blip>
+          <a:stretch>
+            <a:fillRect/>
+          </a:stretch>
+        </p:blipFill>
+        <p:spPr>
+          <a:xfrm>
+            <a:off x="100264" y="4581184"/>
+            <a:ext cx="1368883" cy="632424"/>
+          </a:xfrm>
+          <a:prstGeom prst="rect">
+            <a:avLst/>
+          </a:prstGeom>
+        </p:spPr>
+      </p:pic>
+      <p:sp>
+        <p:nvSpPr>
+          <p:cNvPr id="10" name="Slide Number Placeholder 5"/>
+          <p:cNvSpPr txBox="1">
+            <a:spLocks/>
+          </p:cNvSpPr>
+          <p:nvPr userDrawn="1"/>
+        </p:nvSpPr>
+        <p:spPr>
+          <a:xfrm>
+            <a:off x="6651560" y="4815702"/>
+            <a:ext cx="2316370" cy="273844"/>
+          </a:xfrm>
+          <a:prstGeom prst="rect">
+            <a:avLst/>
+          </a:prstGeom>
+        </p:spPr>
+        <p:txBody>
+          <a:bodyPr vert="horz" lIns="91440" tIns="45720" rIns="91440" bIns="45720" rtlCol="0" anchor="ctr"/>
+          <a:lstStyle>
+            <a:defPPr>
+              <a:defRPr lang="en-US"/>
+            </a:defPPr>
+            <a:lvl1pPr marL="0" algn="r" defTabSz="457200" rtl="0" eaLnBrk="1" latinLnBrk="0" hangingPunct="1">
+              <a:defRPr sz="1000" kern="1200">
+                <a:solidFill>
+                  <a:srgbClr val="00A6D6"/>
+                </a:solidFill>
+                <a:latin typeface="Arial"/>
+                <a:ea typeface="+mn-ea"/>
+                <a:cs typeface="Arial"/>
+              </a:defRPr>
+            </a:lvl1pPr>
+            <a:lvl2pPr marL="457200" algn="l" defTabSz="457200" rtl="0" eaLnBrk="1" latinLnBrk="0" hangingPunct="1">
+              <a:defRPr sz="1800" kern="1200">
+                <a:solidFill>
+                  <a:schemeClr val="tx1"/>
+                </a:solidFill>
+                <a:latin typeface="+mn-lt"/>
+                <a:ea typeface="+mn-ea"/>
+                <a:cs typeface="+mn-cs"/>
+              </a:defRPr>
+            </a:lvl2pPr>
+            <a:lvl3pPr marL="914400" algn="l" defTabSz="457200" rtl="0" eaLnBrk="1" latinLnBrk="0" hangingPunct="1">
+              <a:defRPr sz="1800" kern="1200">
+                <a:solidFill>
+                  <a:schemeClr val="tx1"/>
+                </a:solidFill>
+                <a:latin typeface="+mn-lt"/>
+                <a:ea typeface="+mn-ea"/>
+                <a:cs typeface="+mn-cs"/>
+              </a:defRPr>
+            </a:lvl3pPr>
+            <a:lvl4pPr marL="1371600" algn="l" defTabSz="457200" rtl="0" eaLnBrk="1" latinLnBrk="0" hangingPunct="1">
+              <a:defRPr sz="1800" kern="1200">
+                <a:solidFill>
+                  <a:schemeClr val="tx1"/>
+                </a:solidFill>
+                <a:latin typeface="+mn-lt"/>
+                <a:ea typeface="+mn-ea"/>
+                <a:cs typeface="+mn-cs"/>
+              </a:defRPr>
+            </a:lvl4pPr>
+            <a:lvl5pPr marL="1828800" algn="l" defTabSz="457200" rtl="0" eaLnBrk="1" latinLnBrk="0" hangingPunct="1">
+              <a:defRPr sz="1800" kern="1200">
+                <a:solidFill>
+                  <a:schemeClr val="tx1"/>
+                </a:solidFill>
+                <a:latin typeface="+mn-lt"/>
+                <a:ea typeface="+mn-ea"/>
+                <a:cs typeface="+mn-cs"/>
+              </a:defRPr>
+            </a:lvl5pPr>
+            <a:lvl6pPr marL="2286000" algn="l" defTabSz="457200" rtl="0" eaLnBrk="1" latinLnBrk="0" hangingPunct="1">
+              <a:defRPr sz="1800" kern="1200">
+                <a:solidFill>
+                  <a:schemeClr val="tx1"/>
+                </a:solidFill>
+                <a:latin typeface="+mn-lt"/>
+                <a:ea typeface="+mn-ea"/>
+                <a:cs typeface="+mn-cs"/>
+              </a:defRPr>
+            </a:lvl6pPr>
+            <a:lvl7pPr marL="2743200" algn="l" defTabSz="457200" rtl="0" eaLnBrk="1" latinLnBrk="0" hangingPunct="1">
+              <a:defRPr sz="1800" kern="1200">
+                <a:solidFill>
+                  <a:schemeClr val="tx1"/>
+                </a:solidFill>
+                <a:latin typeface="+mn-lt"/>
+                <a:ea typeface="+mn-ea"/>
+                <a:cs typeface="+mn-cs"/>
+              </a:defRPr>
+            </a:lvl7pPr>
+            <a:lvl8pPr marL="3200400" algn="l" defTabSz="457200" rtl="0" eaLnBrk="1" latinLnBrk="0" hangingPunct="1">
+              <a:defRPr sz="1800" kern="1200">
+                <a:solidFill>
+                  <a:schemeClr val="tx1"/>
+                </a:solidFill>
+                <a:latin typeface="+mn-lt"/>
+                <a:ea typeface="+mn-ea"/>
+                <a:cs typeface="+mn-cs"/>
+              </a:defRPr>
+            </a:lvl8pPr>
+            <a:lvl9pPr marL="3657600" algn="l" defTabSz="457200" rtl="0" eaLnBrk="1" latinLnBrk="0" hangingPunct="1">
+              <a:defRPr sz="1800" kern="1200">
+                <a:solidFill>
+                  <a:schemeClr val="tx1"/>
+                </a:solidFill>
+                <a:latin typeface="+mn-lt"/>
+                <a:ea typeface="+mn-ea"/>
+                <a:cs typeface="+mn-cs"/>
+              </a:defRPr>
+            </a:lvl9pPr>
+          </a:lstStyle>
+          <a:p>
+            <a:fld id="{6557312C-2AB5-4E4E-8F57-D0081D5FE9E6}" type="slidenum">
+              <a:rPr lang="en-US" smtClean="0"/>
+              <a:pPr/>
+              <a:t>‹nr.›</a:t>
+            </a:fld>
+            <a:endParaRPr lang="en-US" dirty="0"/>
+          </a:p>
+        </p:txBody>
+      </p:sp>
+      <p:sp>
+        <p:nvSpPr>
+          <p:cNvPr id="9" name="Rectangle 28"/>
+          <p:cNvSpPr>
+            <a:spLocks noChangeArrowheads="1"/>
+          </p:cNvSpPr>
+          <p:nvPr userDrawn="1"/>
+        </p:nvSpPr>
+        <p:spPr bwMode="auto">
+          <a:xfrm>
+            <a:off x="0" y="0"/>
+            <a:ext cx="1576384" cy="5149008"/>
+          </a:xfrm>
+          <a:prstGeom prst="rect">
+            <a:avLst/>
+          </a:prstGeom>
+          <a:solidFill>
+            <a:srgbClr val="00A6D6"/>
+          </a:solidFill>
+          <a:ln w="9525">
+            <a:noFill/>
+            <a:miter lim="800000"/>
+            <a:headEnd/>
+            <a:tailEnd/>
+          </a:ln>
+        </p:spPr>
+        <p:txBody>
+          <a:bodyPr wrap="none" lIns="91436" tIns="45719" rIns="91436" bIns="45719" anchor="ctr"/>
+          <a:lstStyle/>
+          <a:p>
+            <a:pPr algn="r"/>
+            <a:endParaRPr lang="nl-NL" sz="2100" dirty="0">
+              <a:latin typeface="Tahoma" pitchFamily="34" charset="0"/>
+            </a:endParaRPr>
+          </a:p>
+        </p:txBody>
+      </p:sp>
+      <p:pic>
+        <p:nvPicPr>
+          <p:cNvPr id="11" name="Picture 3" descr="TU_P5#white.eps"/>
+          <p:cNvPicPr>
+            <a:picLocks noChangeAspect="1"/>
+          </p:cNvPicPr>
+          <p:nvPr userDrawn="1"/>
+        </p:nvPicPr>
+        <p:blipFill>
+          <a:blip r:embed="rId5">
+            <a:extLst>
+              <a:ext uri="{28A0092B-C50C-407E-A947-70E740481C1C}">
+                <a14:useLocalDpi xmlns:a14="http://schemas.microsoft.com/office/drawing/2010/main"/>
+              </a:ext>
+            </a:extLst>
+          </a:blip>
+          <a:stretch>
+            <a:fillRect/>
+          </a:stretch>
+        </p:blipFill>
+        <p:spPr>
+          <a:xfrm>
+            <a:off x="100264" y="4389330"/>
+            <a:ext cx="1368883" cy="843232"/>
+          </a:xfrm>
+          <a:prstGeom prst="rect">
+            <a:avLst/>
+          </a:prstGeom>
+        </p:spPr>
+      </p:pic>
+      <p:sp>
+        <p:nvSpPr>
+          <p:cNvPr id="4" name="Tekstvak 3">
+            <a:extLst>
+              <a:ext uri="{FF2B5EF4-FFF2-40B4-BE49-F238E27FC236}">
+                <a16:creationId xmlns:a16="http://schemas.microsoft.com/office/drawing/2014/main" id="{DE2F3CEF-8E11-4634-A30D-C4D2030D28B9}"/>
+              </a:ext>
+            </a:extLst>
+          </p:cNvPr>
+          <p:cNvSpPr txBox="1"/>
+          <p:nvPr userDrawn="1"/>
+        </p:nvSpPr>
+        <p:spPr>
+          <a:xfrm>
+            <a:off x="-52039" y="1200150"/>
+            <a:ext cx="1628423" cy="1815882"/>
+          </a:xfrm>
+          <a:prstGeom prst="rect">
+            <a:avLst/>
+          </a:prstGeom>
+          <a:noFill/>
+        </p:spPr>
+        <p:txBody>
+          <a:bodyPr wrap="square" rtlCol="0">
+            <a:spAutoFit/>
+          </a:bodyPr>
+          <a:lstStyle/>
+          <a:p>
+            <a:pPr marL="177800" indent="-177800">
+              <a:buFont typeface="Arial" panose="020B0604020202020204" pitchFamily="34" charset="0"/>
+              <a:buChar char="•"/>
+            </a:pPr>
+            <a:r>
+              <a:rPr lang="nl-NL" sz="1600" dirty="0">
+                <a:solidFill>
+                  <a:schemeClr val="bg1"/>
+                </a:solidFill>
+              </a:rPr>
+              <a:t>Structuur</a:t>
+            </a:r>
+          </a:p>
+          <a:p>
+            <a:pPr marL="177800" indent="-177800">
+              <a:buFont typeface="Arial" panose="020B0604020202020204" pitchFamily="34" charset="0"/>
+              <a:buChar char="•"/>
+            </a:pPr>
+            <a:r>
+              <a:rPr lang="nl-NL" sz="1600" b="0" dirty="0">
+                <a:solidFill>
+                  <a:schemeClr val="bg1"/>
+                </a:solidFill>
+              </a:rPr>
+              <a:t>Historie</a:t>
+            </a:r>
+          </a:p>
+          <a:p>
+            <a:pPr marL="177800" indent="-177800">
+              <a:buFont typeface="Arial" panose="020B0604020202020204" pitchFamily="34" charset="0"/>
+              <a:buChar char="•"/>
+            </a:pPr>
+            <a:r>
+              <a:rPr lang="nl-NL" sz="1600" dirty="0">
+                <a:solidFill>
+                  <a:schemeClr val="bg1"/>
+                </a:solidFill>
+              </a:rPr>
+              <a:t>Hoe</a:t>
+            </a:r>
+          </a:p>
+          <a:p>
+            <a:pPr marL="177800" indent="-177800">
+              <a:buFont typeface="Arial" panose="020B0604020202020204" pitchFamily="34" charset="0"/>
+              <a:buChar char="•"/>
+            </a:pPr>
+            <a:r>
+              <a:rPr lang="nl-NL" sz="1600" dirty="0">
+                <a:solidFill>
+                  <a:schemeClr val="bg1"/>
+                </a:solidFill>
+              </a:rPr>
+              <a:t>Voor- en nadelen</a:t>
+            </a:r>
+          </a:p>
+          <a:p>
+            <a:pPr marL="177800" indent="-177800">
+              <a:buFont typeface="Arial" panose="020B0604020202020204" pitchFamily="34" charset="0"/>
+              <a:buChar char="•"/>
+            </a:pPr>
+            <a:r>
+              <a:rPr lang="nl-NL" sz="1600" b="1" dirty="0">
+                <a:solidFill>
+                  <a:schemeClr val="bg1"/>
+                </a:solidFill>
+              </a:rPr>
+              <a:t>Conclusie</a:t>
+            </a:r>
+          </a:p>
+          <a:p>
+            <a:pPr marL="177800" indent="-177800">
+              <a:buFont typeface="Arial" panose="020B0604020202020204" pitchFamily="34" charset="0"/>
+              <a:buChar char="•"/>
+            </a:pPr>
+            <a:r>
+              <a:rPr lang="nl-NL" sz="1600" dirty="0">
+                <a:solidFill>
+                  <a:schemeClr val="bg1"/>
+                </a:solidFill>
+              </a:rPr>
+              <a:t>Vragenronde</a:t>
+            </a:r>
+          </a:p>
+        </p:txBody>
+      </p:sp>
+    </p:spTree>
+    <p:extLst>
+      <p:ext uri="{BB962C8B-B14F-4D97-AF65-F5344CB8AC3E}">
+        <p14:creationId xmlns:p14="http://schemas.microsoft.com/office/powerpoint/2010/main" val="2245310759"/>
+      </p:ext>
+    </p:extLst>
+  </p:cSld>
+  <p:clrMap bg1="lt1" tx1="dk1" bg2="lt2" tx2="dk2" accent1="accent1" accent2="accent2" accent3="accent3" accent4="accent4" accent5="accent5" accent6="accent6" hlink="hlink" folHlink="folHlink"/>
+  <p:sldLayoutIdLst>
+    <p:sldLayoutId id="2147483687" r:id="rId1"/>
+    <p:sldLayoutId id="2147483688" r:id="rId2"/>
+    <p:sldLayoutId id="2147483689" r:id="rId3"/>
+  </p:sldLayoutIdLst>
+  <p:txStyles>
+    <p:titleStyle>
+      <a:lvl1pPr algn="l" defTabSz="457200" rtl="0" eaLnBrk="1" latinLnBrk="0" hangingPunct="1">
+        <a:spcBef>
+          <a:spcPct val="0"/>
+        </a:spcBef>
+        <a:buNone/>
+        <a:defRPr sz="3600" kern="1200">
+          <a:solidFill>
+            <a:srgbClr val="00A6D6"/>
+          </a:solidFill>
+          <a:latin typeface="Arial"/>
+          <a:ea typeface="+mj-ea"/>
+          <a:cs typeface="Arial"/>
+        </a:defRPr>
+      </a:lvl1pPr>
+    </p:titleStyle>
+    <p:bodyStyle>
+      <a:lvl1pPr marL="342900" indent="-342900" algn="l" defTabSz="457200" rtl="0" eaLnBrk="1" latinLnBrk="0" hangingPunct="1">
+        <a:spcBef>
+          <a:spcPct val="20000"/>
+        </a:spcBef>
+        <a:buClr>
+          <a:srgbClr val="00A6D6"/>
+        </a:buClr>
+        <a:buFont typeface="Arial"/>
+        <a:buChar char="•"/>
+        <a:defRPr sz="2800" kern="1200">
+          <a:solidFill>
+            <a:schemeClr val="tx1"/>
+          </a:solidFill>
+          <a:latin typeface="Arial"/>
+          <a:ea typeface="+mn-ea"/>
+          <a:cs typeface="Arial"/>
+        </a:defRPr>
+      </a:lvl1pPr>
+      <a:lvl2pPr marL="742950" indent="-285750" algn="l" defTabSz="457200" rtl="0" eaLnBrk="1" latinLnBrk="0" hangingPunct="1">
+        <a:spcBef>
+          <a:spcPct val="20000"/>
+        </a:spcBef>
+        <a:buClr>
+          <a:srgbClr val="00A6D6"/>
+        </a:buClr>
+        <a:buFont typeface="Arial"/>
+        <a:buChar char="–"/>
+        <a:defRPr sz="2400" kern="1200">
+          <a:solidFill>
+            <a:schemeClr val="tx1"/>
+          </a:solidFill>
+          <a:latin typeface="Arial"/>
+          <a:ea typeface="+mn-ea"/>
+          <a:cs typeface="Arial"/>
+        </a:defRPr>
+      </a:lvl2pPr>
+      <a:lvl3pPr marL="1143000" indent="-228600" algn="l" defTabSz="457200" rtl="0" eaLnBrk="1" latinLnBrk="0" hangingPunct="1">
+        <a:spcBef>
+          <a:spcPct val="20000"/>
+        </a:spcBef>
+        <a:buClr>
+          <a:srgbClr val="00A6D6"/>
+        </a:buClr>
+        <a:buFont typeface="Arial"/>
+        <a:buChar char="•"/>
+        <a:defRPr sz="2400" kern="1200">
+          <a:solidFill>
+            <a:schemeClr val="tx1"/>
+          </a:solidFill>
+          <a:latin typeface="Arial"/>
+          <a:ea typeface="+mn-ea"/>
+          <a:cs typeface="Arial"/>
+        </a:defRPr>
+      </a:lvl3pPr>
+      <a:lvl4pPr marL="1600200" indent="-228600" algn="l" defTabSz="457200" rtl="0" eaLnBrk="1" latinLnBrk="0" hangingPunct="1">
+        <a:spcBef>
+          <a:spcPct val="20000"/>
+        </a:spcBef>
+        <a:buFont typeface="Arial"/>
+        <a:buChar char="–"/>
+        <a:defRPr sz="2000" kern="1200">
+          <a:solidFill>
+            <a:schemeClr val="tx1"/>
+          </a:solidFill>
+          <a:latin typeface="Arial"/>
+          <a:ea typeface="+mn-ea"/>
+          <a:cs typeface="Arial"/>
+        </a:defRPr>
+      </a:lvl4pPr>
+      <a:lvl5pPr marL="2057400" indent="-228600" algn="l" defTabSz="457200" rtl="0" eaLnBrk="1" latinLnBrk="0" hangingPunct="1">
+        <a:spcBef>
+          <a:spcPct val="20000"/>
+        </a:spcBef>
+        <a:buFont typeface="Arial"/>
+        <a:buChar char="»"/>
+        <a:defRPr sz="2000" kern="1200">
+          <a:solidFill>
+            <a:schemeClr val="tx1"/>
+          </a:solidFill>
+          <a:latin typeface="Arial"/>
+          <a:ea typeface="+mn-ea"/>
+          <a:cs typeface="Arial"/>
+        </a:defRPr>
+      </a:lvl5pPr>
+      <a:lvl6pPr marL="2514600" indent="-228600" algn="l" defTabSz="457200" rtl="0" eaLnBrk="1" latinLnBrk="0" hangingPunct="1">
+        <a:spcBef>
+          <a:spcPct val="20000"/>
+        </a:spcBef>
+        <a:buFont typeface="Arial"/>
+        <a:buChar char="•"/>
+        <a:defRPr sz="2000" kern="1200">
+          <a:solidFill>
+            <a:schemeClr val="tx1"/>
+          </a:solidFill>
+          <a:latin typeface="+mn-lt"/>
+          <a:ea typeface="+mn-ea"/>
+          <a:cs typeface="+mn-cs"/>
+        </a:defRPr>
+      </a:lvl6pPr>
+      <a:lvl7pPr marL="2971800" indent="-228600" algn="l" defTabSz="457200" rtl="0" eaLnBrk="1" latinLnBrk="0" hangingPunct="1">
+        <a:spcBef>
+          <a:spcPct val="20000"/>
+        </a:spcBef>
+        <a:buFont typeface="Arial"/>
+        <a:buChar char="•"/>
+        <a:defRPr sz="2000" kern="1200">
+          <a:solidFill>
+            <a:schemeClr val="tx1"/>
+          </a:solidFill>
+          <a:latin typeface="+mn-lt"/>
+          <a:ea typeface="+mn-ea"/>
+          <a:cs typeface="+mn-cs"/>
+        </a:defRPr>
+      </a:lvl7pPr>
+      <a:lvl8pPr marL="3429000" indent="-228600" algn="l" defTabSz="457200" rtl="0" eaLnBrk="1" latinLnBrk="0" hangingPunct="1">
+        <a:spcBef>
+          <a:spcPct val="20000"/>
+        </a:spcBef>
+        <a:buFont typeface="Arial"/>
+        <a:buChar char="•"/>
+        <a:defRPr sz="2000" kern="1200">
+          <a:solidFill>
+            <a:schemeClr val="tx1"/>
+          </a:solidFill>
+          <a:latin typeface="+mn-lt"/>
+          <a:ea typeface="+mn-ea"/>
+          <a:cs typeface="+mn-cs"/>
+        </a:defRPr>
+      </a:lvl8pPr>
+      <a:lvl9pPr marL="3886200" indent="-228600" algn="l" defTabSz="457200" rtl="0" eaLnBrk="1" latinLnBrk="0" hangingPunct="1">
+        <a:spcBef>
+          <a:spcPct val="20000"/>
+        </a:spcBef>
+        <a:buFont typeface="Arial"/>
+        <a:buChar char="•"/>
+        <a:defRPr sz="2000" kern="1200">
+          <a:solidFill>
+            <a:schemeClr val="tx1"/>
+          </a:solidFill>
+          <a:latin typeface="+mn-lt"/>
+          <a:ea typeface="+mn-ea"/>
+          <a:cs typeface="+mn-cs"/>
+        </a:defRPr>
+      </a:lvl9pPr>
+    </p:bodyStyle>
+    <p:otherStyle>
+      <a:defPPr>
+        <a:defRPr lang="en-US"/>
+      </a:defPPr>
+      <a:lvl1pPr marL="0" algn="l" defTabSz="457200" rtl="0" eaLnBrk="1" latinLnBrk="0" hangingPunct="1">
+        <a:defRPr sz="1800" kern="1200">
+          <a:solidFill>
+            <a:schemeClr val="tx1"/>
+          </a:solidFill>
+          <a:latin typeface="+mn-lt"/>
+          <a:ea typeface="+mn-ea"/>
+          <a:cs typeface="+mn-cs"/>
+        </a:defRPr>
+      </a:lvl1pPr>
+      <a:lvl2pPr marL="457200" algn="l" defTabSz="457200" rtl="0" eaLnBrk="1" latinLnBrk="0" hangingPunct="1">
+        <a:defRPr sz="1800" kern="1200">
+          <a:solidFill>
+            <a:schemeClr val="tx1"/>
+          </a:solidFill>
+          <a:latin typeface="+mn-lt"/>
+          <a:ea typeface="+mn-ea"/>
+          <a:cs typeface="+mn-cs"/>
+        </a:defRPr>
+      </a:lvl2pPr>
+      <a:lvl3pPr marL="914400" algn="l" defTabSz="457200" rtl="0" eaLnBrk="1" latinLnBrk="0" hangingPunct="1">
+        <a:defRPr sz="1800" kern="1200">
+          <a:solidFill>
+            <a:schemeClr val="tx1"/>
+          </a:solidFill>
+          <a:latin typeface="+mn-lt"/>
+          <a:ea typeface="+mn-ea"/>
+          <a:cs typeface="+mn-cs"/>
+        </a:defRPr>
+      </a:lvl3pPr>
+      <a:lvl4pPr marL="1371600" algn="l" defTabSz="457200" rtl="0" eaLnBrk="1" latinLnBrk="0" hangingPunct="1">
+        <a:defRPr sz="1800" kern="1200">
+          <a:solidFill>
+            <a:schemeClr val="tx1"/>
+          </a:solidFill>
+          <a:latin typeface="+mn-lt"/>
+          <a:ea typeface="+mn-ea"/>
+          <a:cs typeface="+mn-cs"/>
+        </a:defRPr>
+      </a:lvl4pPr>
+      <a:lvl5pPr marL="1828800" algn="l" defTabSz="457200" rtl="0" eaLnBrk="1" latinLnBrk="0" hangingPunct="1">
+        <a:defRPr sz="1800" kern="1200">
+          <a:solidFill>
+            <a:schemeClr val="tx1"/>
+          </a:solidFill>
+          <a:latin typeface="+mn-lt"/>
+          <a:ea typeface="+mn-ea"/>
+          <a:cs typeface="+mn-cs"/>
+        </a:defRPr>
+      </a:lvl5pPr>
+      <a:lvl6pPr marL="2286000" algn="l" defTabSz="457200" rtl="0" eaLnBrk="1" latinLnBrk="0" hangingPunct="1">
+        <a:defRPr sz="1800" kern="1200">
+          <a:solidFill>
+            <a:schemeClr val="tx1"/>
+          </a:solidFill>
+          <a:latin typeface="+mn-lt"/>
+          <a:ea typeface="+mn-ea"/>
+          <a:cs typeface="+mn-cs"/>
+        </a:defRPr>
+      </a:lvl6pPr>
+      <a:lvl7pPr marL="2743200" algn="l" defTabSz="457200" rtl="0" eaLnBrk="1" latinLnBrk="0" hangingPunct="1">
+        <a:defRPr sz="1800" kern="1200">
+          <a:solidFill>
+            <a:schemeClr val="tx1"/>
+          </a:solidFill>
+          <a:latin typeface="+mn-lt"/>
+          <a:ea typeface="+mn-ea"/>
+          <a:cs typeface="+mn-cs"/>
+        </a:defRPr>
+      </a:lvl7pPr>
+      <a:lvl8pPr marL="3200400" algn="l" defTabSz="457200" rtl="0" eaLnBrk="1" latinLnBrk="0" hangingPunct="1">
+        <a:defRPr sz="1800" kern="1200">
+          <a:solidFill>
+            <a:schemeClr val="tx1"/>
+          </a:solidFill>
+          <a:latin typeface="+mn-lt"/>
+          <a:ea typeface="+mn-ea"/>
+          <a:cs typeface="+mn-cs"/>
+        </a:defRPr>
+      </a:lvl8pPr>
+      <a:lvl9pPr marL="3657600" algn="l" defTabSz="457200" rtl="0" eaLnBrk="1" latinLnBrk="0" hangingPunct="1">
+        <a:defRPr sz="1800" kern="1200">
+          <a:solidFill>
+            <a:schemeClr val="tx1"/>
+          </a:solidFill>
+          <a:latin typeface="+mn-lt"/>
+          <a:ea typeface="+mn-ea"/>
+          <a:cs typeface="+mn-cs"/>
+        </a:defRPr>
+      </a:lvl9pPr>
+    </p:otherStyle>
+  </p:txStyles>
+</p:sldMaster>
+</file>
+
+<file path=ppt/slideMasters/slideMaster7.xml><?xml version="1.0" encoding="utf-8"?>
+<p:sldMaster xmlns:a="http://schemas.openxmlformats.org/drawingml/2006/main" xmlns:r="http://schemas.openxmlformats.org/officeDocument/2006/relationships" xmlns:p="http://schemas.openxmlformats.org/presentationml/2006/main" preserve="1">
+  <p:cSld>
+    <p:bg>
+      <p:bgRef idx="1001">
+        <a:schemeClr val="bg1"/>
+      </p:bgRef>
+    </p:bg>
+    <p:spTree>
+      <p:nvGrpSpPr>
+        <p:cNvPr id="1" name=""/>
+        <p:cNvGrpSpPr/>
+        <p:nvPr/>
+      </p:nvGrpSpPr>
+      <p:grpSpPr>
+        <a:xfrm>
+          <a:off x="0" y="0"/>
+          <a:ext cx="0" cy="0"/>
+          <a:chOff x="0" y="0"/>
+          <a:chExt cx="0" cy="0"/>
+        </a:xfrm>
+      </p:grpSpPr>
+      <p:sp>
+        <p:nvSpPr>
+          <p:cNvPr id="2" name="Title Placeholder 1"/>
+          <p:cNvSpPr>
+            <a:spLocks noGrp="1"/>
+          </p:cNvSpPr>
+          <p:nvPr>
+            <p:ph type="title"/>
+          </p:nvPr>
+        </p:nvSpPr>
+        <p:spPr>
+          <a:xfrm>
+            <a:off x="1763106" y="205979"/>
+            <a:ext cx="7106464" cy="857250"/>
+          </a:xfrm>
+          <a:prstGeom prst="rect">
+            <a:avLst/>
+          </a:prstGeom>
+        </p:spPr>
+        <p:txBody>
+          <a:bodyPr vert="horz" lIns="91440" tIns="45720" rIns="91440" bIns="45720" rtlCol="0" anchor="ctr">
+            <a:normAutofit/>
+          </a:bodyPr>
+          <a:lstStyle/>
+          <a:p>
+            <a:r>
+              <a:rPr lang="en-US" dirty="0"/>
+              <a:t>Click to edit Master title style</a:t>
+            </a:r>
+          </a:p>
+        </p:txBody>
+      </p:sp>
+      <p:sp>
+        <p:nvSpPr>
+          <p:cNvPr id="3" name="Text Placeholder 2"/>
+          <p:cNvSpPr>
+            <a:spLocks noGrp="1"/>
+          </p:cNvSpPr>
+          <p:nvPr>
+            <p:ph type="body" idx="1"/>
+          </p:nvPr>
+        </p:nvSpPr>
+        <p:spPr>
+          <a:xfrm>
+            <a:off x="1763106" y="1200150"/>
+            <a:ext cx="7106464" cy="3486122"/>
+          </a:xfrm>
+          <a:prstGeom prst="rect">
+            <a:avLst/>
+          </a:prstGeom>
+        </p:spPr>
+        <p:txBody>
+          <a:bodyPr vert="horz" lIns="91440" tIns="45720" rIns="91440" bIns="45720" rtlCol="0">
+            <a:normAutofit/>
+          </a:bodyPr>
+          <a:lstStyle/>
+          <a:p>
+            <a:pPr lvl="0"/>
+            <a:r>
+              <a:rPr lang="en-US" dirty="0"/>
+              <a:t>Click to edit Master text styles</a:t>
+            </a:r>
+          </a:p>
+          <a:p>
+            <a:pPr lvl="1"/>
+            <a:r>
+              <a:rPr lang="en-US" dirty="0"/>
+              <a:t>Second level</a:t>
+            </a:r>
+          </a:p>
+          <a:p>
+            <a:pPr lvl="2"/>
+            <a:r>
+              <a:rPr lang="en-US" dirty="0"/>
+              <a:t>Third level</a:t>
+            </a:r>
+          </a:p>
+        </p:txBody>
+      </p:sp>
+      <p:pic>
+        <p:nvPicPr>
+          <p:cNvPr id="8" name="Picture 3" descr="TU_P5#white.eps"/>
+          <p:cNvPicPr>
+            <a:picLocks noChangeAspect="1"/>
+          </p:cNvPicPr>
+          <p:nvPr userDrawn="1"/>
+        </p:nvPicPr>
+        <p:blipFill>
+          <a:blip r:embed="rId5">
+            <a:extLst>
+              <a:ext uri="{28A0092B-C50C-407E-A947-70E740481C1C}">
+                <a14:useLocalDpi xmlns:a14="http://schemas.microsoft.com/office/drawing/2010/main"/>
+              </a:ext>
+            </a:extLst>
+          </a:blip>
+          <a:stretch>
+            <a:fillRect/>
+          </a:stretch>
+        </p:blipFill>
+        <p:spPr>
+          <a:xfrm>
+            <a:off x="100264" y="4581184"/>
+            <a:ext cx="1368883" cy="632424"/>
+          </a:xfrm>
+          <a:prstGeom prst="rect">
+            <a:avLst/>
+          </a:prstGeom>
+        </p:spPr>
+      </p:pic>
+      <p:sp>
+        <p:nvSpPr>
+          <p:cNvPr id="10" name="Slide Number Placeholder 5"/>
+          <p:cNvSpPr txBox="1">
+            <a:spLocks/>
+          </p:cNvSpPr>
+          <p:nvPr userDrawn="1"/>
+        </p:nvSpPr>
+        <p:spPr>
+          <a:xfrm>
+            <a:off x="6651560" y="4815702"/>
+            <a:ext cx="2316370" cy="273844"/>
+          </a:xfrm>
+          <a:prstGeom prst="rect">
+            <a:avLst/>
+          </a:prstGeom>
+        </p:spPr>
+        <p:txBody>
+          <a:bodyPr vert="horz" lIns="91440" tIns="45720" rIns="91440" bIns="45720" rtlCol="0" anchor="ctr"/>
+          <a:lstStyle>
+            <a:defPPr>
+              <a:defRPr lang="en-US"/>
+            </a:defPPr>
+            <a:lvl1pPr marL="0" algn="r" defTabSz="457200" rtl="0" eaLnBrk="1" latinLnBrk="0" hangingPunct="1">
+              <a:defRPr sz="1000" kern="1200">
+                <a:solidFill>
+                  <a:srgbClr val="00A6D6"/>
+                </a:solidFill>
+                <a:latin typeface="Arial"/>
+                <a:ea typeface="+mn-ea"/>
+                <a:cs typeface="Arial"/>
+              </a:defRPr>
+            </a:lvl1pPr>
+            <a:lvl2pPr marL="457200" algn="l" defTabSz="457200" rtl="0" eaLnBrk="1" latinLnBrk="0" hangingPunct="1">
+              <a:defRPr sz="1800" kern="1200">
+                <a:solidFill>
+                  <a:schemeClr val="tx1"/>
+                </a:solidFill>
+                <a:latin typeface="+mn-lt"/>
+                <a:ea typeface="+mn-ea"/>
+                <a:cs typeface="+mn-cs"/>
+              </a:defRPr>
+            </a:lvl2pPr>
+            <a:lvl3pPr marL="914400" algn="l" defTabSz="457200" rtl="0" eaLnBrk="1" latinLnBrk="0" hangingPunct="1">
+              <a:defRPr sz="1800" kern="1200">
+                <a:solidFill>
+                  <a:schemeClr val="tx1"/>
+                </a:solidFill>
+                <a:latin typeface="+mn-lt"/>
+                <a:ea typeface="+mn-ea"/>
+                <a:cs typeface="+mn-cs"/>
+              </a:defRPr>
+            </a:lvl3pPr>
+            <a:lvl4pPr marL="1371600" algn="l" defTabSz="457200" rtl="0" eaLnBrk="1" latinLnBrk="0" hangingPunct="1">
+              <a:defRPr sz="1800" kern="1200">
+                <a:solidFill>
+                  <a:schemeClr val="tx1"/>
+                </a:solidFill>
+                <a:latin typeface="+mn-lt"/>
+                <a:ea typeface="+mn-ea"/>
+                <a:cs typeface="+mn-cs"/>
+              </a:defRPr>
+            </a:lvl4pPr>
+            <a:lvl5pPr marL="1828800" algn="l" defTabSz="457200" rtl="0" eaLnBrk="1" latinLnBrk="0" hangingPunct="1">
+              <a:defRPr sz="1800" kern="1200">
+                <a:solidFill>
+                  <a:schemeClr val="tx1"/>
+                </a:solidFill>
+                <a:latin typeface="+mn-lt"/>
+                <a:ea typeface="+mn-ea"/>
+                <a:cs typeface="+mn-cs"/>
+              </a:defRPr>
+            </a:lvl5pPr>
+            <a:lvl6pPr marL="2286000" algn="l" defTabSz="457200" rtl="0" eaLnBrk="1" latinLnBrk="0" hangingPunct="1">
+              <a:defRPr sz="1800" kern="1200">
+                <a:solidFill>
+                  <a:schemeClr val="tx1"/>
+                </a:solidFill>
+                <a:latin typeface="+mn-lt"/>
+                <a:ea typeface="+mn-ea"/>
+                <a:cs typeface="+mn-cs"/>
+              </a:defRPr>
+            </a:lvl6pPr>
+            <a:lvl7pPr marL="2743200" algn="l" defTabSz="457200" rtl="0" eaLnBrk="1" latinLnBrk="0" hangingPunct="1">
+              <a:defRPr sz="1800" kern="1200">
+                <a:solidFill>
+                  <a:schemeClr val="tx1"/>
+                </a:solidFill>
+                <a:latin typeface="+mn-lt"/>
+                <a:ea typeface="+mn-ea"/>
+                <a:cs typeface="+mn-cs"/>
+              </a:defRPr>
+            </a:lvl7pPr>
+            <a:lvl8pPr marL="3200400" algn="l" defTabSz="457200" rtl="0" eaLnBrk="1" latinLnBrk="0" hangingPunct="1">
+              <a:defRPr sz="1800" kern="1200">
+                <a:solidFill>
+                  <a:schemeClr val="tx1"/>
+                </a:solidFill>
+                <a:latin typeface="+mn-lt"/>
+                <a:ea typeface="+mn-ea"/>
+                <a:cs typeface="+mn-cs"/>
+              </a:defRPr>
+            </a:lvl8pPr>
+            <a:lvl9pPr marL="3657600" algn="l" defTabSz="457200" rtl="0" eaLnBrk="1" latinLnBrk="0" hangingPunct="1">
+              <a:defRPr sz="1800" kern="1200">
+                <a:solidFill>
+                  <a:schemeClr val="tx1"/>
+                </a:solidFill>
+                <a:latin typeface="+mn-lt"/>
+                <a:ea typeface="+mn-ea"/>
+                <a:cs typeface="+mn-cs"/>
+              </a:defRPr>
+            </a:lvl9pPr>
+          </a:lstStyle>
+          <a:p>
+            <a:fld id="{6557312C-2AB5-4E4E-8F57-D0081D5FE9E6}" type="slidenum">
+              <a:rPr lang="en-US" smtClean="0"/>
+              <a:pPr/>
+              <a:t>‹nr.›</a:t>
+            </a:fld>
+            <a:endParaRPr lang="en-US" dirty="0"/>
+          </a:p>
+        </p:txBody>
+      </p:sp>
+      <p:sp>
+        <p:nvSpPr>
+          <p:cNvPr id="9" name="Rectangle 28"/>
+          <p:cNvSpPr>
+            <a:spLocks noChangeArrowheads="1"/>
+          </p:cNvSpPr>
+          <p:nvPr userDrawn="1"/>
+        </p:nvSpPr>
+        <p:spPr bwMode="auto">
+          <a:xfrm>
+            <a:off x="0" y="0"/>
+            <a:ext cx="1576384" cy="5149008"/>
+          </a:xfrm>
+          <a:prstGeom prst="rect">
+            <a:avLst/>
+          </a:prstGeom>
+          <a:solidFill>
+            <a:srgbClr val="00A6D6"/>
+          </a:solidFill>
+          <a:ln w="9525">
+            <a:noFill/>
+            <a:miter lim="800000"/>
+            <a:headEnd/>
+            <a:tailEnd/>
+          </a:ln>
+        </p:spPr>
+        <p:txBody>
+          <a:bodyPr wrap="none" lIns="91436" tIns="45719" rIns="91436" bIns="45719" anchor="ctr"/>
+          <a:lstStyle/>
+          <a:p>
+            <a:pPr algn="r"/>
+            <a:endParaRPr lang="nl-NL" sz="2100" dirty="0">
+              <a:latin typeface="Tahoma" pitchFamily="34" charset="0"/>
+            </a:endParaRPr>
+          </a:p>
+        </p:txBody>
+      </p:sp>
+      <p:pic>
+        <p:nvPicPr>
+          <p:cNvPr id="11" name="Picture 3" descr="TU_P5#white.eps"/>
+          <p:cNvPicPr>
+            <a:picLocks noChangeAspect="1"/>
+          </p:cNvPicPr>
+          <p:nvPr userDrawn="1"/>
+        </p:nvPicPr>
+        <p:blipFill>
+          <a:blip r:embed="rId5">
+            <a:extLst>
+              <a:ext uri="{28A0092B-C50C-407E-A947-70E740481C1C}">
+                <a14:useLocalDpi xmlns:a14="http://schemas.microsoft.com/office/drawing/2010/main"/>
+              </a:ext>
+            </a:extLst>
+          </a:blip>
+          <a:stretch>
+            <a:fillRect/>
+          </a:stretch>
+        </p:blipFill>
+        <p:spPr>
+          <a:xfrm>
+            <a:off x="100264" y="4389330"/>
+            <a:ext cx="1368883" cy="843232"/>
+          </a:xfrm>
+          <a:prstGeom prst="rect">
+            <a:avLst/>
+          </a:prstGeom>
+        </p:spPr>
+      </p:pic>
+      <p:sp>
+        <p:nvSpPr>
+          <p:cNvPr id="4" name="Tekstvak 3">
+            <a:extLst>
+              <a:ext uri="{FF2B5EF4-FFF2-40B4-BE49-F238E27FC236}">
+                <a16:creationId xmlns:a16="http://schemas.microsoft.com/office/drawing/2014/main" id="{DE2F3CEF-8E11-4634-A30D-C4D2030D28B9}"/>
+              </a:ext>
+            </a:extLst>
+          </p:cNvPr>
+          <p:cNvSpPr txBox="1"/>
+          <p:nvPr userDrawn="1"/>
+        </p:nvSpPr>
+        <p:spPr>
+          <a:xfrm>
+            <a:off x="-52039" y="1200150"/>
+            <a:ext cx="1628423" cy="1815882"/>
+          </a:xfrm>
+          <a:prstGeom prst="rect">
+            <a:avLst/>
+          </a:prstGeom>
+          <a:noFill/>
+        </p:spPr>
+        <p:txBody>
+          <a:bodyPr wrap="square" rtlCol="0">
+            <a:spAutoFit/>
+          </a:bodyPr>
+          <a:lstStyle/>
+          <a:p>
+            <a:pPr marL="177800" indent="-177800">
+              <a:buFont typeface="Arial" panose="020B0604020202020204" pitchFamily="34" charset="0"/>
+              <a:buChar char="•"/>
+            </a:pPr>
+            <a:r>
+              <a:rPr lang="nl-NL" sz="1600" dirty="0">
+                <a:solidFill>
+                  <a:schemeClr val="bg1"/>
+                </a:solidFill>
+              </a:rPr>
+              <a:t>Structuur</a:t>
+            </a:r>
+          </a:p>
+          <a:p>
+            <a:pPr marL="177800" indent="-177800">
+              <a:buFont typeface="Arial" panose="020B0604020202020204" pitchFamily="34" charset="0"/>
+              <a:buChar char="•"/>
+            </a:pPr>
+            <a:r>
+              <a:rPr lang="nl-NL" sz="1600" b="0" dirty="0">
+                <a:solidFill>
+                  <a:schemeClr val="bg1"/>
+                </a:solidFill>
+              </a:rPr>
+              <a:t>Historie</a:t>
+            </a:r>
+          </a:p>
+          <a:p>
+            <a:pPr marL="177800" indent="-177800">
+              <a:buFont typeface="Arial" panose="020B0604020202020204" pitchFamily="34" charset="0"/>
+              <a:buChar char="•"/>
+            </a:pPr>
+            <a:r>
+              <a:rPr lang="nl-NL" sz="1600" dirty="0">
+                <a:solidFill>
+                  <a:schemeClr val="bg1"/>
+                </a:solidFill>
+              </a:rPr>
+              <a:t>Hoe</a:t>
+            </a:r>
+          </a:p>
+          <a:p>
+            <a:pPr marL="177800" indent="-177800">
+              <a:buFont typeface="Arial" panose="020B0604020202020204" pitchFamily="34" charset="0"/>
+              <a:buChar char="•"/>
+            </a:pPr>
+            <a:r>
+              <a:rPr lang="nl-NL" sz="1600" dirty="0">
+                <a:solidFill>
+                  <a:schemeClr val="bg1"/>
+                </a:solidFill>
+              </a:rPr>
+              <a:t>Voor- en nadelen</a:t>
+            </a:r>
+          </a:p>
+          <a:p>
+            <a:pPr marL="177800" indent="-177800">
+              <a:buFont typeface="Arial" panose="020B0604020202020204" pitchFamily="34" charset="0"/>
+              <a:buChar char="•"/>
+            </a:pPr>
+            <a:r>
+              <a:rPr lang="nl-NL" sz="1600" dirty="0">
+                <a:solidFill>
+                  <a:schemeClr val="bg1"/>
+                </a:solidFill>
+              </a:rPr>
+              <a:t>Conclusie</a:t>
+            </a:r>
+          </a:p>
+          <a:p>
+            <a:pPr marL="177800" indent="-177800">
+              <a:buFont typeface="Arial" panose="020B0604020202020204" pitchFamily="34" charset="0"/>
+              <a:buChar char="•"/>
+            </a:pPr>
+            <a:r>
+              <a:rPr lang="nl-NL" sz="1600" b="1" dirty="0">
+                <a:solidFill>
+                  <a:schemeClr val="bg1"/>
+                </a:solidFill>
+              </a:rPr>
+              <a:t>Vragenronde</a:t>
+            </a:r>
+          </a:p>
+        </p:txBody>
+      </p:sp>
+    </p:spTree>
+    <p:extLst>
+      <p:ext uri="{BB962C8B-B14F-4D97-AF65-F5344CB8AC3E}">
+        <p14:creationId xmlns:p14="http://schemas.microsoft.com/office/powerpoint/2010/main" val="3654492608"/>
+      </p:ext>
+    </p:extLst>
+  </p:cSld>
+  <p:clrMap bg1="lt1" tx1="dk1" bg2="lt2" tx2="dk2" accent1="accent1" accent2="accent2" accent3="accent3" accent4="accent4" accent5="accent5" accent6="accent6" hlink="hlink" folHlink="folHlink"/>
+  <p:sldLayoutIdLst>
+    <p:sldLayoutId id="2147483691" r:id="rId1"/>
+    <p:sldLayoutId id="2147483692" r:id="rId2"/>
+    <p:sldLayoutId id="2147483693" r:id="rId3"/>
+  </p:sldLayoutIdLst>
+  <p:txStyles>
+    <p:titleStyle>
+      <a:lvl1pPr algn="l" defTabSz="457200" rtl="0" eaLnBrk="1" latinLnBrk="0" hangingPunct="1">
+        <a:spcBef>
+          <a:spcPct val="0"/>
+        </a:spcBef>
+        <a:buNone/>
+        <a:defRPr sz="3600" kern="1200">
+          <a:solidFill>
+            <a:srgbClr val="00A6D6"/>
+          </a:solidFill>
+          <a:latin typeface="Arial"/>
+          <a:ea typeface="+mj-ea"/>
+          <a:cs typeface="Arial"/>
+        </a:defRPr>
+      </a:lvl1pPr>
+    </p:titleStyle>
+    <p:bodyStyle>
+      <a:lvl1pPr marL="342900" indent="-342900" algn="l" defTabSz="457200" rtl="0" eaLnBrk="1" latinLnBrk="0" hangingPunct="1">
+        <a:spcBef>
+          <a:spcPct val="20000"/>
+        </a:spcBef>
+        <a:buClr>
+          <a:srgbClr val="00A6D6"/>
+        </a:buClr>
+        <a:buFont typeface="Arial"/>
+        <a:buChar char="•"/>
+        <a:defRPr sz="2800" kern="1200">
+          <a:solidFill>
+            <a:schemeClr val="tx1"/>
+          </a:solidFill>
+          <a:latin typeface="Arial"/>
+          <a:ea typeface="+mn-ea"/>
+          <a:cs typeface="Arial"/>
+        </a:defRPr>
+      </a:lvl1pPr>
+      <a:lvl2pPr marL="742950" indent="-285750" algn="l" defTabSz="457200" rtl="0" eaLnBrk="1" latinLnBrk="0" hangingPunct="1">
+        <a:spcBef>
+          <a:spcPct val="20000"/>
+        </a:spcBef>
+        <a:buClr>
+          <a:srgbClr val="00A6D6"/>
+        </a:buClr>
+        <a:buFont typeface="Arial"/>
+        <a:buChar char="–"/>
+        <a:defRPr sz="2400" kern="1200">
+          <a:solidFill>
+            <a:schemeClr val="tx1"/>
+          </a:solidFill>
+          <a:latin typeface="Arial"/>
+          <a:ea typeface="+mn-ea"/>
+          <a:cs typeface="Arial"/>
+        </a:defRPr>
+      </a:lvl2pPr>
+      <a:lvl3pPr marL="1143000" indent="-228600" algn="l" defTabSz="457200" rtl="0" eaLnBrk="1" latinLnBrk="0" hangingPunct="1">
+        <a:spcBef>
+          <a:spcPct val="20000"/>
+        </a:spcBef>
+        <a:buClr>
+          <a:srgbClr val="00A6D6"/>
+        </a:buClr>
+        <a:buFont typeface="Arial"/>
+        <a:buChar char="•"/>
+        <a:defRPr sz="2400" kern="1200">
+          <a:solidFill>
+            <a:schemeClr val="tx1"/>
+          </a:solidFill>
+          <a:latin typeface="Arial"/>
+          <a:ea typeface="+mn-ea"/>
+          <a:cs typeface="Arial"/>
+        </a:defRPr>
+      </a:lvl3pPr>
+      <a:lvl4pPr marL="1600200" indent="-228600" algn="l" defTabSz="457200" rtl="0" eaLnBrk="1" latinLnBrk="0" hangingPunct="1">
+        <a:spcBef>
+          <a:spcPct val="20000"/>
+        </a:spcBef>
+        <a:buFont typeface="Arial"/>
+        <a:buChar char="–"/>
+        <a:defRPr sz="2000" kern="1200">
+          <a:solidFill>
+            <a:schemeClr val="tx1"/>
+          </a:solidFill>
+          <a:latin typeface="Arial"/>
+          <a:ea typeface="+mn-ea"/>
+          <a:cs typeface="Arial"/>
+        </a:defRPr>
+      </a:lvl4pPr>
+      <a:lvl5pPr marL="2057400" indent="-228600" algn="l" defTabSz="457200" rtl="0" eaLnBrk="1" latinLnBrk="0" hangingPunct="1">
+        <a:spcBef>
+          <a:spcPct val="20000"/>
+        </a:spcBef>
+        <a:buFont typeface="Arial"/>
+        <a:buChar char="»"/>
+        <a:defRPr sz="2000" kern="1200">
+          <a:solidFill>
+            <a:schemeClr val="tx1"/>
+          </a:solidFill>
+          <a:latin typeface="Arial"/>
+          <a:ea typeface="+mn-ea"/>
+          <a:cs typeface="Arial"/>
+        </a:defRPr>
+      </a:lvl5pPr>
+      <a:lvl6pPr marL="2514600" indent="-228600" algn="l" defTabSz="457200" rtl="0" eaLnBrk="1" latinLnBrk="0" hangingPunct="1">
+        <a:spcBef>
+          <a:spcPct val="20000"/>
+        </a:spcBef>
+        <a:buFont typeface="Arial"/>
+        <a:buChar char="•"/>
+        <a:defRPr sz="2000" kern="1200">
+          <a:solidFill>
+            <a:schemeClr val="tx1"/>
+          </a:solidFill>
+          <a:latin typeface="+mn-lt"/>
+          <a:ea typeface="+mn-ea"/>
+          <a:cs typeface="+mn-cs"/>
+        </a:defRPr>
+      </a:lvl6pPr>
+      <a:lvl7pPr marL="2971800" indent="-228600" algn="l" defTabSz="457200" rtl="0" eaLnBrk="1" latinLnBrk="0" hangingPunct="1">
+        <a:spcBef>
+          <a:spcPct val="20000"/>
+        </a:spcBef>
+        <a:buFont typeface="Arial"/>
+        <a:buChar char="•"/>
+        <a:defRPr sz="2000" kern="1200">
+          <a:solidFill>
+            <a:schemeClr val="tx1"/>
+          </a:solidFill>
+          <a:latin typeface="+mn-lt"/>
+          <a:ea typeface="+mn-ea"/>
+          <a:cs typeface="+mn-cs"/>
+        </a:defRPr>
+      </a:lvl7pPr>
+      <a:lvl8pPr marL="3429000" indent="-228600" algn="l" defTabSz="457200" rtl="0" eaLnBrk="1" latinLnBrk="0" hangingPunct="1">
+        <a:spcBef>
+          <a:spcPct val="20000"/>
+        </a:spcBef>
+        <a:buFont typeface="Arial"/>
+        <a:buChar char="•"/>
+        <a:defRPr sz="2000" kern="1200">
+          <a:solidFill>
+            <a:schemeClr val="tx1"/>
+          </a:solidFill>
+          <a:latin typeface="+mn-lt"/>
+          <a:ea typeface="+mn-ea"/>
+          <a:cs typeface="+mn-cs"/>
+        </a:defRPr>
+      </a:lvl8pPr>
+      <a:lvl9pPr marL="3886200" indent="-228600" algn="l" defTabSz="457200" rtl="0" eaLnBrk="1" latinLnBrk="0" hangingPunct="1">
+        <a:spcBef>
+          <a:spcPct val="20000"/>
+        </a:spcBef>
+        <a:buFont typeface="Arial"/>
+        <a:buChar char="•"/>
+        <a:defRPr sz="2000" kern="1200">
+          <a:solidFill>
+            <a:schemeClr val="tx1"/>
+          </a:solidFill>
+          <a:latin typeface="+mn-lt"/>
+          <a:ea typeface="+mn-ea"/>
+          <a:cs typeface="+mn-cs"/>
+        </a:defRPr>
+      </a:lvl9pPr>
+    </p:bodyStyle>
+    <p:otherStyle>
+      <a:defPPr>
+        <a:defRPr lang="en-US"/>
+      </a:defPPr>
+      <a:lvl1pPr marL="0" algn="l" defTabSz="457200" rtl="0" eaLnBrk="1" latinLnBrk="0" hangingPunct="1">
+        <a:defRPr sz="1800" kern="1200">
+          <a:solidFill>
+            <a:schemeClr val="tx1"/>
+          </a:solidFill>
+          <a:latin typeface="+mn-lt"/>
+          <a:ea typeface="+mn-ea"/>
+          <a:cs typeface="+mn-cs"/>
+        </a:defRPr>
+      </a:lvl1pPr>
+      <a:lvl2pPr marL="457200" algn="l" defTabSz="457200" rtl="0" eaLnBrk="1" latinLnBrk="0" hangingPunct="1">
+        <a:defRPr sz="1800" kern="1200">
+          <a:solidFill>
+            <a:schemeClr val="tx1"/>
+          </a:solidFill>
+          <a:latin typeface="+mn-lt"/>
+          <a:ea typeface="+mn-ea"/>
+          <a:cs typeface="+mn-cs"/>
+        </a:defRPr>
+      </a:lvl2pPr>
+      <a:lvl3pPr marL="914400" algn="l" defTabSz="457200" rtl="0" eaLnBrk="1" latinLnBrk="0" hangingPunct="1">
+        <a:defRPr sz="1800" kern="1200">
+          <a:solidFill>
+            <a:schemeClr val="tx1"/>
+          </a:solidFill>
+          <a:latin typeface="+mn-lt"/>
+          <a:ea typeface="+mn-ea"/>
+          <a:cs typeface="+mn-cs"/>
+        </a:defRPr>
+      </a:lvl3pPr>
+      <a:lvl4pPr marL="1371600" algn="l" defTabSz="457200" rtl="0" eaLnBrk="1" latinLnBrk="0" hangingPunct="1">
+        <a:defRPr sz="1800" kern="1200">
+          <a:solidFill>
+            <a:schemeClr val="tx1"/>
+          </a:solidFill>
+          <a:latin typeface="+mn-lt"/>
+          <a:ea typeface="+mn-ea"/>
+          <a:cs typeface="+mn-cs"/>
+        </a:defRPr>
+      </a:lvl4pPr>
+      <a:lvl5pPr marL="1828800" algn="l" defTabSz="457200" rtl="0" eaLnBrk="1" latinLnBrk="0" hangingPunct="1">
+        <a:defRPr sz="1800" kern="1200">
+          <a:solidFill>
+            <a:schemeClr val="tx1"/>
+          </a:solidFill>
+          <a:latin typeface="+mn-lt"/>
+          <a:ea typeface="+mn-ea"/>
+          <a:cs typeface="+mn-cs"/>
+        </a:defRPr>
+      </a:lvl5pPr>
+      <a:lvl6pPr marL="2286000" algn="l" defTabSz="457200" rtl="0" eaLnBrk="1" latinLnBrk="0" hangingPunct="1">
+        <a:defRPr sz="1800" kern="1200">
+          <a:solidFill>
+            <a:schemeClr val="tx1"/>
+          </a:solidFill>
+          <a:latin typeface="+mn-lt"/>
+          <a:ea typeface="+mn-ea"/>
+          <a:cs typeface="+mn-cs"/>
+        </a:defRPr>
+      </a:lvl6pPr>
+      <a:lvl7pPr marL="2743200" algn="l" defTabSz="457200" rtl="0" eaLnBrk="1" latinLnBrk="0" hangingPunct="1">
+        <a:defRPr sz="1800" kern="1200">
+          <a:solidFill>
+            <a:schemeClr val="tx1"/>
+          </a:solidFill>
+          <a:latin typeface="+mn-lt"/>
+          <a:ea typeface="+mn-ea"/>
+          <a:cs typeface="+mn-cs"/>
+        </a:defRPr>
+      </a:lvl7pPr>
+      <a:lvl8pPr marL="3200400" algn="l" defTabSz="457200" rtl="0" eaLnBrk="1" latinLnBrk="0" hangingPunct="1">
+        <a:defRPr sz="1800" kern="1200">
+          <a:solidFill>
+            <a:schemeClr val="tx1"/>
+          </a:solidFill>
+          <a:latin typeface="+mn-lt"/>
+          <a:ea typeface="+mn-ea"/>
+          <a:cs typeface="+mn-cs"/>
+        </a:defRPr>
+      </a:lvl8pPr>
+      <a:lvl9pPr marL="3657600" algn="l" defTabSz="457200" rtl="0" eaLnBrk="1" latinLnBrk="0" hangingPunct="1">
+        <a:defRPr sz="1800" kern="1200">
+          <a:solidFill>
+            <a:schemeClr val="tx1"/>
+          </a:solidFill>
+          <a:latin typeface="+mn-lt"/>
+          <a:ea typeface="+mn-ea"/>
+          <a:cs typeface="+mn-cs"/>
+        </a:defRPr>
+      </a:lvl9pPr>
+    </p:otherStyle>
+  </p:txStyles>
+</p:sldMaster>
+</file>
+
+<file path=ppt/slideMasters/slideMaster8.xml><?xml version="1.0" encoding="utf-8"?>
+<p:sldMaster xmlns:a="http://schemas.openxmlformats.org/drawingml/2006/main" xmlns:r="http://schemas.openxmlformats.org/officeDocument/2006/relationships" xmlns:p="http://schemas.openxmlformats.org/presentationml/2006/main" preserve="1">
+  <p:cSld>
+    <p:bg>
+      <p:bgRef idx="1001">
+        <a:schemeClr val="bg1"/>
+      </p:bgRef>
+    </p:bg>
+    <p:spTree>
+      <p:nvGrpSpPr>
+        <p:cNvPr id="1" name=""/>
+        <p:cNvGrpSpPr/>
+        <p:nvPr/>
+      </p:nvGrpSpPr>
+      <p:grpSpPr>
+        <a:xfrm>
+          <a:off x="0" y="0"/>
+          <a:ext cx="0" cy="0"/>
+          <a:chOff x="0" y="0"/>
+          <a:chExt cx="0" cy="0"/>
+        </a:xfrm>
+      </p:grpSpPr>
+      <p:sp>
+        <p:nvSpPr>
+          <p:cNvPr id="2" name="Title Placeholder 1"/>
+          <p:cNvSpPr>
+            <a:spLocks noGrp="1"/>
+          </p:cNvSpPr>
+          <p:nvPr>
+            <p:ph type="title"/>
+          </p:nvPr>
+        </p:nvSpPr>
+        <p:spPr>
+          <a:xfrm>
             <a:off x="1772404" y="205979"/>
             <a:ext cx="7090513" cy="857250"/>
           </a:xfrm>
@@ -2265,6 +8384,53 @@
           <a:chExt cx="0" cy="0"/>
         </a:xfrm>
       </p:grpSpPr>
+      <p:pic>
+        <p:nvPicPr>
+          <p:cNvPr id="1026" name="Picture 2" descr="https://www.itpedia.nl/wp-content/uploads/2017/09/waterval.jpg?x86983">
+            <a:extLst>
+              <a:ext uri="{FF2B5EF4-FFF2-40B4-BE49-F238E27FC236}">
+                <a16:creationId xmlns:a16="http://schemas.microsoft.com/office/drawing/2014/main" id="{6337B3C4-2C62-47A4-8F19-3F9230A813AF}"/>
+              </a:ext>
+            </a:extLst>
+          </p:cNvPr>
+          <p:cNvPicPr>
+            <a:picLocks noChangeAspect="1" noChangeArrowheads="1"/>
+          </p:cNvPicPr>
+          <p:nvPr/>
+        </p:nvPicPr>
+        <p:blipFill>
+          <a:blip r:embed="rId2">
+            <a:extLst>
+              <a:ext uri="{28A0092B-C50C-407E-A947-70E740481C1C}">
+                <a14:useLocalDpi xmlns:a14="http://schemas.microsoft.com/office/drawing/2010/main" val="0"/>
+              </a:ext>
+            </a:extLst>
+          </a:blip>
+          <a:srcRect/>
+          <a:stretch>
+            <a:fillRect/>
+          </a:stretch>
+        </p:blipFill>
+        <p:spPr bwMode="auto">
+          <a:xfrm>
+            <a:off x="1872751" y="1139669"/>
+            <a:ext cx="4512146" cy="3384110"/>
+          </a:xfrm>
+          <a:prstGeom prst="rect">
+            <a:avLst/>
+          </a:prstGeom>
+          <a:noFill/>
+          <a:extLst>
+            <a:ext uri="{909E8E84-426E-40DD-AFC4-6F175D3DCCD1}">
+              <a14:hiddenFill xmlns:a14="http://schemas.microsoft.com/office/drawing/2010/main">
+                <a:solidFill>
+                  <a:srgbClr val="FFFFFF"/>
+                </a:solidFill>
+              </a14:hiddenFill>
+            </a:ext>
+          </a:extLst>
+        </p:spPr>
+      </p:pic>
       <p:sp>
         <p:nvSpPr>
           <p:cNvPr id="2" name="Title 1"/>
@@ -2277,18 +8443,25 @@
         </p:nvSpPr>
         <p:spPr>
           <a:xfrm>
-            <a:off x="1880240" y="505504"/>
-            <a:ext cx="6577959" cy="2194834"/>
+            <a:off x="1872751" y="78766"/>
+            <a:ext cx="6577959" cy="1060903"/>
           </a:xfrm>
         </p:spPr>
         <p:txBody>
           <a:bodyPr>
-            <a:normAutofit/>
+            <a:noAutofit/>
           </a:bodyPr>
           <a:lstStyle/>
           <a:p>
             <a:pPr algn="l"/>
-            <a:endParaRPr lang="en-US" sz="8800" dirty="0">
+            <a:r>
+              <a:rPr lang="en-US" sz="5400" dirty="0" err="1">
+                <a:latin typeface="Arial"/>
+                <a:cs typeface="Arial"/>
+              </a:rPr>
+              <a:t>Watervalmethode</a:t>
+            </a:r>
+            <a:endParaRPr lang="en-US" sz="5400" dirty="0">
               <a:latin typeface="Arial"/>
               <a:cs typeface="Arial"/>
             </a:endParaRPr>
@@ -2307,19 +8480,92 @@
         </p:nvSpPr>
         <p:spPr>
           <a:xfrm>
-            <a:off x="1880240" y="2914650"/>
-            <a:ext cx="5892160" cy="1314450"/>
+            <a:off x="5830512" y="3626987"/>
+            <a:ext cx="2620198" cy="1165362"/>
           </a:xfrm>
+          <a:solidFill>
+            <a:schemeClr val="bg2">
+              <a:lumMod val="95000"/>
+            </a:schemeClr>
+          </a:solidFill>
+          <a:ln>
+            <a:solidFill>
+              <a:schemeClr val="tx1"/>
+            </a:solidFill>
+          </a:ln>
         </p:spPr>
         <p:txBody>
-          <a:bodyPr/>
+          <a:bodyPr>
+            <a:normAutofit/>
+          </a:bodyPr>
           <a:lstStyle/>
           <a:p>
             <a:pPr algn="l"/>
-            <a:endParaRPr lang="en-US" dirty="0">
-              <a:latin typeface="Arial"/>
-              <a:cs typeface="Arial"/>
-            </a:endParaRPr>
+            <a:r>
+              <a:rPr lang="en-US" sz="2000" dirty="0"/>
+              <a:t>TB241IA</a:t>
+            </a:r>
+          </a:p>
+          <a:p>
+            <a:pPr algn="l"/>
+            <a:r>
+              <a:rPr lang="en-US" sz="2000" dirty="0"/>
+              <a:t>I&amp;C </a:t>
+            </a:r>
+            <a:r>
+              <a:rPr lang="en-US" sz="2000" dirty="0" err="1"/>
+              <a:t>systeemanalyse</a:t>
+            </a:r>
+            <a:endParaRPr lang="en-US" sz="2000" dirty="0"/>
+          </a:p>
+          <a:p>
+            <a:pPr algn="l"/>
+            <a:r>
+              <a:rPr lang="en-US" sz="2000" dirty="0"/>
+              <a:t>20</a:t>
+            </a:r>
+            <a:r>
+              <a:rPr lang="en-US" sz="2000" dirty="0">
+                <a:latin typeface="Arial"/>
+                <a:cs typeface="Arial"/>
+              </a:rPr>
+              <a:t>-09-2018</a:t>
+            </a:r>
+          </a:p>
+        </p:txBody>
+      </p:sp>
+      <p:sp>
+        <p:nvSpPr>
+          <p:cNvPr id="5" name="Tekstvak 4">
+            <a:extLst>
+              <a:ext uri="{FF2B5EF4-FFF2-40B4-BE49-F238E27FC236}">
+                <a16:creationId xmlns:a16="http://schemas.microsoft.com/office/drawing/2014/main" id="{2AEC11D3-6D8F-437D-A677-2A622F1932FE}"/>
+              </a:ext>
+            </a:extLst>
+          </p:cNvPr>
+          <p:cNvSpPr txBox="1"/>
+          <p:nvPr/>
+        </p:nvSpPr>
+        <p:spPr>
+          <a:xfrm>
+            <a:off x="1801190" y="4523779"/>
+            <a:ext cx="3464410" cy="215444"/>
+          </a:xfrm>
+          <a:prstGeom prst="rect">
+            <a:avLst/>
+          </a:prstGeom>
+          <a:noFill/>
+        </p:spPr>
+        <p:txBody>
+          <a:bodyPr wrap="none" rtlCol="0">
+            <a:spAutoFit/>
+          </a:bodyPr>
+          <a:lstStyle/>
+          <a:p>
+            <a:r>
+              <a:rPr lang="nl-NL" sz="800" dirty="0"/>
+              <a:t>https://www.itpedia.nl/wp-content/uploads/2017/09/waterval.jpg?x86983</a:t>
+            </a:r>
           </a:p>
         </p:txBody>
       </p:sp>
@@ -2327,6 +8573,101 @@
     <p:extLst>
       <p:ext uri="{BB962C8B-B14F-4D97-AF65-F5344CB8AC3E}">
         <p14:creationId xmlns:p14="http://schemas.microsoft.com/office/powerpoint/2010/main" val="3087952304"/>
+      </p:ext>
+    </p:extLst>
+  </p:cSld>
+  <p:clrMapOvr>
+    <a:masterClrMapping/>
+  </p:clrMapOvr>
+</p:sld>
+</file>
+
+<file path=ppt/slides/slide10.xml><?xml version="1.0" encoding="utf-8"?>
+<p:sld xmlns:a="http://schemas.openxmlformats.org/drawingml/2006/main" xmlns:r="http://schemas.openxmlformats.org/officeDocument/2006/relationships" xmlns:p="http://schemas.openxmlformats.org/presentationml/2006/main">
+  <p:cSld>
+    <p:spTree>
+      <p:nvGrpSpPr>
+        <p:cNvPr id="1" name=""/>
+        <p:cNvGrpSpPr/>
+        <p:nvPr/>
+      </p:nvGrpSpPr>
+      <p:grpSpPr>
+        <a:xfrm>
+          <a:off x="0" y="0"/>
+          <a:ext cx="0" cy="0"/>
+          <a:chOff x="0" y="0"/>
+          <a:chExt cx="0" cy="0"/>
+        </a:xfrm>
+      </p:grpSpPr>
+      <p:sp>
+        <p:nvSpPr>
+          <p:cNvPr id="2" name="Titel 1">
+            <a:extLst>
+              <a:ext uri="{FF2B5EF4-FFF2-40B4-BE49-F238E27FC236}">
+                <a16:creationId xmlns:a16="http://schemas.microsoft.com/office/drawing/2014/main" id="{E4364749-C389-4EF0-B755-0684CA445003}"/>
+              </a:ext>
+            </a:extLst>
+          </p:cNvPr>
+          <p:cNvSpPr>
+            <a:spLocks noGrp="1"/>
+          </p:cNvSpPr>
+          <p:nvPr>
+            <p:ph type="title"/>
+          </p:nvPr>
+        </p:nvSpPr>
+        <p:spPr/>
+        <p:txBody>
+          <a:bodyPr/>
+          <a:lstStyle/>
+          <a:p>
+            <a:r>
+              <a:rPr lang="nl-NL" dirty="0"/>
+              <a:t>Bronnen</a:t>
+            </a:r>
+          </a:p>
+        </p:txBody>
+      </p:sp>
+      <p:sp>
+        <p:nvSpPr>
+          <p:cNvPr id="3" name="Tijdelijke aanduiding voor inhoud 2">
+            <a:extLst>
+              <a:ext uri="{FF2B5EF4-FFF2-40B4-BE49-F238E27FC236}">
+                <a16:creationId xmlns:a16="http://schemas.microsoft.com/office/drawing/2014/main" id="{2E09DB95-125F-41A6-B225-6B4E0F821634}"/>
+              </a:ext>
+            </a:extLst>
+          </p:cNvPr>
+          <p:cNvSpPr>
+            <a:spLocks noGrp="1"/>
+          </p:cNvSpPr>
+          <p:nvPr>
+            <p:ph idx="1"/>
+          </p:nvPr>
+        </p:nvSpPr>
+        <p:spPr/>
+        <p:txBody>
+          <a:bodyPr/>
+          <a:lstStyle/>
+          <a:p>
+            <a:r>
+              <a:rPr lang="nl-NL" dirty="0"/>
+              <a:t>Boek (..)</a:t>
+            </a:r>
+          </a:p>
+          <a:p>
+            <a:r>
+              <a:rPr lang="nl-NL" dirty="0"/>
+              <a:t>Internet (..)</a:t>
+            </a:r>
+          </a:p>
+          <a:p>
+            <a:endParaRPr lang="nl-NL" dirty="0"/>
+          </a:p>
+        </p:txBody>
+      </p:sp>
+    </p:spTree>
+    <p:extLst>
+      <p:ext uri="{BB962C8B-B14F-4D97-AF65-F5344CB8AC3E}">
+        <p14:creationId xmlns:p14="http://schemas.microsoft.com/office/powerpoint/2010/main" val="1303520194"/>
       </p:ext>
     </p:extLst>
   </p:cSld>
@@ -2355,7 +8696,13 @@
       </p:grpSpPr>
       <p:sp>
         <p:nvSpPr>
-          <p:cNvPr id="2" name="Title 1"/>
+          <p:cNvPr id="2" name="Titel 1">
+            <a:extLst>
+              <a:ext uri="{FF2B5EF4-FFF2-40B4-BE49-F238E27FC236}">
+                <a16:creationId xmlns:a16="http://schemas.microsoft.com/office/drawing/2014/main" id="{A71ACE98-5C64-446B-9580-0D4EB82409FC}"/>
+              </a:ext>
+            </a:extLst>
+          </p:cNvPr>
           <p:cNvSpPr>
             <a:spLocks noGrp="1"/>
           </p:cNvSpPr>
@@ -2368,13 +8715,22 @@
           <a:bodyPr/>
           <a:lstStyle/>
           <a:p>
-            <a:endParaRPr lang="en-US" dirty="0"/>
+            <a:r>
+              <a:rPr lang="nl-NL" dirty="0"/>
+              <a:t>Wie zijn wij?</a:t>
+            </a:r>
           </a:p>
         </p:txBody>
       </p:sp>
       <p:sp>
         <p:nvSpPr>
-          <p:cNvPr id="3" name="Content Placeholder 2"/>
+          <p:cNvPr id="3" name="Tijdelijke aanduiding voor inhoud 2">
+            <a:extLst>
+              <a:ext uri="{FF2B5EF4-FFF2-40B4-BE49-F238E27FC236}">
+                <a16:creationId xmlns:a16="http://schemas.microsoft.com/office/drawing/2014/main" id="{6D8177AB-9125-4F40-8201-35DF6D413317}"/>
+              </a:ext>
+            </a:extLst>
+          </p:cNvPr>
           <p:cNvSpPr>
             <a:spLocks noGrp="1"/>
           </p:cNvSpPr>
@@ -2387,20 +8743,275 @@
           <a:bodyPr/>
           <a:lstStyle/>
           <a:p>
-            <a:endParaRPr lang="en-US" dirty="0"/>
+            <a:r>
+              <a:rPr lang="nl-NL" dirty="0"/>
+              <a:t>Jeffrey </a:t>
+            </a:r>
+            <a:r>
+              <a:rPr lang="nl-NL" dirty="0" err="1"/>
+              <a:t>Chantrel</a:t>
+            </a:r>
+            <a:endParaRPr lang="nl-NL" dirty="0"/>
+          </a:p>
+          <a:p>
+            <a:r>
+              <a:rPr lang="nl-NL" dirty="0"/>
+              <a:t>Floris Kool</a:t>
+            </a:r>
+          </a:p>
+          <a:p>
+            <a:r>
+              <a:rPr lang="nl-NL" dirty="0"/>
+              <a:t>Tommy Oosters</a:t>
+            </a:r>
+          </a:p>
+          <a:p>
+            <a:r>
+              <a:rPr lang="nl-NL" dirty="0"/>
+              <a:t>Quint Sullock Enzlin</a:t>
+            </a:r>
           </a:p>
         </p:txBody>
       </p:sp>
     </p:spTree>
     <p:extLst>
       <p:ext uri="{BB962C8B-B14F-4D97-AF65-F5344CB8AC3E}">
-        <p14:creationId xmlns:p14="http://schemas.microsoft.com/office/powerpoint/2010/main" val="1512823589"/>
+        <p14:creationId xmlns:p14="http://schemas.microsoft.com/office/powerpoint/2010/main" val="1936706057"/>
       </p:ext>
     </p:extLst>
   </p:cSld>
   <p:clrMapOvr>
     <a:masterClrMapping/>
   </p:clrMapOvr>
+  <p:timing>
+    <p:tnLst>
+      <p:par>
+        <p:cTn id="1" dur="indefinite" restart="never" nodeType="tmRoot">
+          <p:childTnLst>
+            <p:seq concurrent="1" nextAc="seek">
+              <p:cTn id="2" dur="indefinite" nodeType="mainSeq">
+                <p:childTnLst>
+                  <p:par>
+                    <p:cTn id="3" fill="hold">
+                      <p:stCondLst>
+                        <p:cond delay="indefinite"/>
+                      </p:stCondLst>
+                      <p:childTnLst>
+                        <p:par>
+                          <p:cTn id="4" fill="hold">
+                            <p:stCondLst>
+                              <p:cond delay="0"/>
+                            </p:stCondLst>
+                            <p:childTnLst>
+                              <p:par>
+                                <p:cTn id="5" presetID="1" presetClass="entr" presetSubtype="0" fill="hold" grpId="0" nodeType="clickEffect">
+                                  <p:stCondLst>
+                                    <p:cond delay="0"/>
+                                  </p:stCondLst>
+                                  <p:childTnLst>
+                                    <p:set>
+                                      <p:cBhvr>
+                                        <p:cTn id="6" dur="1" fill="hold">
+                                          <p:stCondLst>
+                                            <p:cond delay="0"/>
+                                          </p:stCondLst>
+                                        </p:cTn>
+                                        <p:tgtEl>
+                                          <p:spTgt spid="3">
+                                            <p:txEl>
+                                              <p:pRg st="0" end="0"/>
+                                            </p:txEl>
+                                          </p:spTgt>
+                                        </p:tgtEl>
+                                        <p:attrNameLst>
+                                          <p:attrName>style.visibility</p:attrName>
+                                        </p:attrNameLst>
+                                      </p:cBhvr>
+                                      <p:to>
+                                        <p:strVal val="visible"/>
+                                      </p:to>
+                                    </p:set>
+                                  </p:childTnLst>
+                                </p:cTn>
+                              </p:par>
+                            </p:childTnLst>
+                          </p:cTn>
+                        </p:par>
+                      </p:childTnLst>
+                    </p:cTn>
+                  </p:par>
+                  <p:par>
+                    <p:cTn id="7" fill="hold">
+                      <p:stCondLst>
+                        <p:cond delay="indefinite"/>
+                      </p:stCondLst>
+                      <p:childTnLst>
+                        <p:par>
+                          <p:cTn id="8" fill="hold">
+                            <p:stCondLst>
+                              <p:cond delay="0"/>
+                            </p:stCondLst>
+                            <p:childTnLst>
+                              <p:par>
+                                <p:cTn id="9" presetID="1" presetClass="entr" presetSubtype="0" fill="hold" grpId="0" nodeType="clickEffect">
+                                  <p:stCondLst>
+                                    <p:cond delay="0"/>
+                                  </p:stCondLst>
+                                  <p:childTnLst>
+                                    <p:set>
+                                      <p:cBhvr>
+                                        <p:cTn id="10" dur="1" fill="hold">
+                                          <p:stCondLst>
+                                            <p:cond delay="0"/>
+                                          </p:stCondLst>
+                                        </p:cTn>
+                                        <p:tgtEl>
+                                          <p:spTgt spid="3">
+                                            <p:txEl>
+                                              <p:pRg st="1" end="1"/>
+                                            </p:txEl>
+                                          </p:spTgt>
+                                        </p:tgtEl>
+                                        <p:attrNameLst>
+                                          <p:attrName>style.visibility</p:attrName>
+                                        </p:attrNameLst>
+                                      </p:cBhvr>
+                                      <p:to>
+                                        <p:strVal val="visible"/>
+                                      </p:to>
+                                    </p:set>
+                                  </p:childTnLst>
+                                </p:cTn>
+                              </p:par>
+                            </p:childTnLst>
+                          </p:cTn>
+                        </p:par>
+                      </p:childTnLst>
+                    </p:cTn>
+                  </p:par>
+                  <p:par>
+                    <p:cTn id="11" fill="hold">
+                      <p:stCondLst>
+                        <p:cond delay="indefinite"/>
+                      </p:stCondLst>
+                      <p:childTnLst>
+                        <p:par>
+                          <p:cTn id="12" fill="hold">
+                            <p:stCondLst>
+                              <p:cond delay="0"/>
+                            </p:stCondLst>
+                            <p:childTnLst>
+                              <p:par>
+                                <p:cTn id="13" presetID="1" presetClass="entr" presetSubtype="0" fill="hold" grpId="0" nodeType="clickEffect">
+                                  <p:stCondLst>
+                                    <p:cond delay="0"/>
+                                  </p:stCondLst>
+                                  <p:childTnLst>
+                                    <p:set>
+                                      <p:cBhvr>
+                                        <p:cTn id="14" dur="1" fill="hold">
+                                          <p:stCondLst>
+                                            <p:cond delay="0"/>
+                                          </p:stCondLst>
+                                        </p:cTn>
+                                        <p:tgtEl>
+                                          <p:spTgt spid="3">
+                                            <p:txEl>
+                                              <p:pRg st="2" end="2"/>
+                                            </p:txEl>
+                                          </p:spTgt>
+                                        </p:tgtEl>
+                                        <p:attrNameLst>
+                                          <p:attrName>style.visibility</p:attrName>
+                                        </p:attrNameLst>
+                                      </p:cBhvr>
+                                      <p:to>
+                                        <p:strVal val="visible"/>
+                                      </p:to>
+                                    </p:set>
+                                  </p:childTnLst>
+                                </p:cTn>
+                              </p:par>
+                            </p:childTnLst>
+                          </p:cTn>
+                        </p:par>
+                      </p:childTnLst>
+                    </p:cTn>
+                  </p:par>
+                  <p:par>
+                    <p:cTn id="15" fill="hold">
+                      <p:stCondLst>
+                        <p:cond delay="indefinite"/>
+                      </p:stCondLst>
+                      <p:childTnLst>
+                        <p:par>
+                          <p:cTn id="16" fill="hold">
+                            <p:stCondLst>
+                              <p:cond delay="0"/>
+                            </p:stCondLst>
+                            <p:childTnLst>
+                              <p:par>
+                                <p:cTn id="17" presetID="1" presetClass="entr" presetSubtype="0" fill="hold" grpId="0" nodeType="clickEffect">
+                                  <p:stCondLst>
+                                    <p:cond delay="0"/>
+                                  </p:stCondLst>
+                                  <p:childTnLst>
+                                    <p:set>
+                                      <p:cBhvr>
+                                        <p:cTn id="18" dur="1" fill="hold">
+                                          <p:stCondLst>
+                                            <p:cond delay="0"/>
+                                          </p:stCondLst>
+                                        </p:cTn>
+                                        <p:tgtEl>
+                                          <p:spTgt spid="3">
+                                            <p:txEl>
+                                              <p:pRg st="3" end="3"/>
+                                            </p:txEl>
+                                          </p:spTgt>
+                                        </p:tgtEl>
+                                        <p:attrNameLst>
+                                          <p:attrName>style.visibility</p:attrName>
+                                        </p:attrNameLst>
+                                      </p:cBhvr>
+                                      <p:to>
+                                        <p:strVal val="visible"/>
+                                      </p:to>
+                                    </p:set>
+                                  </p:childTnLst>
+                                </p:cTn>
+                              </p:par>
+                            </p:childTnLst>
+                          </p:cTn>
+                        </p:par>
+                      </p:childTnLst>
+                    </p:cTn>
+                  </p:par>
+                </p:childTnLst>
+              </p:cTn>
+              <p:prevCondLst>
+                <p:cond evt="onPrev" delay="0">
+                  <p:tgtEl>
+                    <p:sldTgt/>
+                  </p:tgtEl>
+                </p:cond>
+              </p:prevCondLst>
+              <p:nextCondLst>
+                <p:cond evt="onNext" delay="0">
+                  <p:tgtEl>
+                    <p:sldTgt/>
+                  </p:tgtEl>
+                </p:cond>
+              </p:nextCondLst>
+            </p:seq>
+          </p:childTnLst>
+        </p:cTn>
+      </p:par>
+    </p:tnLst>
+    <p:bldLst>
+      <p:bldP spid="3" grpId="0" build="p"/>
+    </p:bldLst>
+  </p:timing>
 </p:sld>
 </file>
 
@@ -2423,7 +9034,13 @@
       </p:grpSpPr>
       <p:sp>
         <p:nvSpPr>
-          <p:cNvPr id="2" name="Title 1"/>
+          <p:cNvPr id="2" name="Titel 1">
+            <a:extLst>
+              <a:ext uri="{FF2B5EF4-FFF2-40B4-BE49-F238E27FC236}">
+                <a16:creationId xmlns:a16="http://schemas.microsoft.com/office/drawing/2014/main" id="{7205770C-0C0E-40BC-8A7C-D02F4CB243D2}"/>
+              </a:ext>
+            </a:extLst>
+          </p:cNvPr>
           <p:cNvSpPr>
             <a:spLocks noGrp="1"/>
           </p:cNvSpPr>
@@ -2436,13 +9053,22 @@
           <a:bodyPr/>
           <a:lstStyle/>
           <a:p>
-            <a:endParaRPr lang="en-US" dirty="0"/>
+            <a:r>
+              <a:rPr lang="nl-NL" dirty="0"/>
+              <a:t>Doel</a:t>
+            </a:r>
           </a:p>
         </p:txBody>
       </p:sp>
       <p:sp>
         <p:nvSpPr>
-          <p:cNvPr id="3" name="Content Placeholder 2"/>
+          <p:cNvPr id="3" name="Tijdelijke aanduiding voor inhoud 2">
+            <a:extLst>
+              <a:ext uri="{FF2B5EF4-FFF2-40B4-BE49-F238E27FC236}">
+                <a16:creationId xmlns:a16="http://schemas.microsoft.com/office/drawing/2014/main" id="{1942C7F8-A238-4D9D-8E22-533C4FB7F51D}"/>
+              </a:ext>
+            </a:extLst>
+          </p:cNvPr>
           <p:cNvSpPr>
             <a:spLocks noGrp="1"/>
           </p:cNvSpPr>
@@ -2455,20 +9081,108 @@
           <a:bodyPr/>
           <a:lstStyle/>
           <a:p>
-            <a:endParaRPr lang="en-US" dirty="0"/>
+            <a:r>
+              <a:rPr lang="nl-NL" dirty="0"/>
+              <a:t>Waar is de watervalmethode goed voor?</a:t>
+            </a:r>
+          </a:p>
+          <a:p>
+            <a:endParaRPr lang="nl-NL" dirty="0"/>
           </a:p>
         </p:txBody>
       </p:sp>
     </p:spTree>
     <p:extLst>
       <p:ext uri="{BB962C8B-B14F-4D97-AF65-F5344CB8AC3E}">
-        <p14:creationId xmlns:p14="http://schemas.microsoft.com/office/powerpoint/2010/main" val="2739464900"/>
+        <p14:creationId xmlns:p14="http://schemas.microsoft.com/office/powerpoint/2010/main" val="3274975748"/>
       </p:ext>
     </p:extLst>
   </p:cSld>
   <p:clrMapOvr>
     <a:masterClrMapping/>
   </p:clrMapOvr>
+  <p:timing>
+    <p:tnLst>
+      <p:par>
+        <p:cTn id="1" dur="indefinite" restart="never" nodeType="tmRoot">
+          <p:childTnLst>
+            <p:seq concurrent="1" nextAc="seek">
+              <p:cTn id="2" dur="indefinite" nodeType="mainSeq">
+                <p:childTnLst>
+                  <p:par>
+                    <p:cTn id="3" fill="hold">
+                      <p:stCondLst>
+                        <p:cond delay="indefinite"/>
+                      </p:stCondLst>
+                      <p:childTnLst>
+                        <p:par>
+                          <p:cTn id="4" fill="hold">
+                            <p:stCondLst>
+                              <p:cond delay="0"/>
+                            </p:stCondLst>
+                            <p:childTnLst>
+                              <p:par>
+                                <p:cTn id="5" presetID="1" presetClass="entr" presetSubtype="0" fill="hold" grpId="0" nodeType="clickEffect">
+                                  <p:stCondLst>
+                                    <p:cond delay="0"/>
+                                  </p:stCondLst>
+                                  <p:childTnLst>
+                                    <p:set>
+                                      <p:cBhvr>
+                                        <p:cTn id="6" dur="1" fill="hold">
+                                          <p:stCondLst>
+                                            <p:cond delay="0"/>
+                                          </p:stCondLst>
+                                        </p:cTn>
+                                        <p:tgtEl>
+                                          <p:spTgt spid="3">
+                                            <p:txEl>
+                                              <p:pRg st="0" end="0"/>
+                                            </p:txEl>
+                                          </p:spTgt>
+                                        </p:tgtEl>
+                                        <p:attrNameLst>
+                                          <p:attrName>style.visibility</p:attrName>
+                                        </p:attrNameLst>
+                                      </p:cBhvr>
+                                      <p:to>
+                                        <p:strVal val="visible"/>
+                                      </p:to>
+                                    </p:set>
+                                  </p:childTnLst>
+                                </p:cTn>
+                              </p:par>
+                            </p:childTnLst>
+                          </p:cTn>
+                        </p:par>
+                      </p:childTnLst>
+                    </p:cTn>
+                  </p:par>
+                </p:childTnLst>
+              </p:cTn>
+              <p:prevCondLst>
+                <p:cond evt="onPrev" delay="0">
+                  <p:tgtEl>
+                    <p:sldTgt/>
+                  </p:tgtEl>
+                </p:cond>
+              </p:prevCondLst>
+              <p:nextCondLst>
+                <p:cond evt="onNext" delay="0">
+                  <p:tgtEl>
+                    <p:sldTgt/>
+                  </p:tgtEl>
+                </p:cond>
+              </p:nextCondLst>
+            </p:seq>
+          </p:childTnLst>
+        </p:cTn>
+      </p:par>
+    </p:tnLst>
+    <p:bldLst>
+      <p:bldP spid="3" grpId="0" build="p"/>
+    </p:bldLst>
+  </p:timing>
 </p:sld>
 </file>
 
@@ -2489,153 +9203,319 @@
           <a:chExt cx="0" cy="0"/>
         </a:xfrm>
       </p:grpSpPr>
-      <p:pic>
-        <p:nvPicPr>
-          <p:cNvPr id="6" name="Picture Placeholder 5"/>
-          <p:cNvPicPr>
-            <a:picLocks noGrp="1" noChangeAspect="1"/>
-          </p:cNvPicPr>
-          <p:nvPr>
-            <p:ph type="pic" idx="1"/>
-          </p:nvPr>
-        </p:nvPicPr>
-        <p:blipFill rotWithShape="1">
-          <a:blip r:embed="rId2" cstate="screen">
+      <p:sp>
+        <p:nvSpPr>
+          <p:cNvPr id="2" name="Titel 1">
             <a:extLst>
-              <a:ext uri="{28A0092B-C50C-407E-A947-70E740481C1C}">
-                <a14:useLocalDpi xmlns:a14="http://schemas.microsoft.com/office/drawing/2010/main"/>
+              <a:ext uri="{FF2B5EF4-FFF2-40B4-BE49-F238E27FC236}">
+                <a16:creationId xmlns:a16="http://schemas.microsoft.com/office/drawing/2014/main" id="{74C977E3-F3BA-4586-A16A-C5FAE2BE3683}"/>
               </a:ext>
             </a:extLst>
-          </a:blip>
-          <a:srcRect/>
-          <a:stretch/>
-        </p:blipFill>
-        <p:spPr>
-          <a:xfrm>
-            <a:off x="-57600" y="-28800"/>
-            <a:ext cx="9241200" cy="5194800"/>
-          </a:xfrm>
-        </p:spPr>
-      </p:pic>
-      <p:sp>
-        <p:nvSpPr>
-          <p:cNvPr id="4" name="Rectangle 3"/>
-          <p:cNvSpPr/>
-          <p:nvPr/>
+          </p:cNvPr>
+          <p:cNvSpPr>
+            <a:spLocks noGrp="1"/>
+          </p:cNvSpPr>
+          <p:nvPr>
+            <p:ph type="title"/>
+          </p:nvPr>
         </p:nvSpPr>
-        <p:spPr bwMode="auto">
-          <a:xfrm>
-            <a:off x="-122335" y="-68813"/>
-            <a:ext cx="4752528" cy="767411"/>
-          </a:xfrm>
-          <a:prstGeom prst="rect">
-            <a:avLst/>
-          </a:prstGeom>
-          <a:solidFill>
-            <a:schemeClr val="bg1"/>
-          </a:solidFill>
-          <a:ln w="9525" cap="flat" cmpd="sng" algn="ctr">
-            <a:noFill/>
-            <a:prstDash val="solid"/>
-            <a:round/>
-            <a:headEnd type="none" w="med" len="med"/>
-            <a:tailEnd type="none" w="med" len="med"/>
-          </a:ln>
-          <a:effectLst/>
-        </p:spPr>
+        <p:spPr/>
         <p:txBody>
-          <a:bodyPr vert="horz" wrap="square" lIns="91425" tIns="45712" rIns="91425" bIns="45712" numCol="1" rtlCol="0" anchor="t" anchorCtr="0" compatLnSpc="1">
-            <a:prstTxWarp prst="textNoShape">
-              <a:avLst/>
-            </a:prstTxWarp>
-          </a:bodyPr>
+          <a:bodyPr/>
           <a:lstStyle/>
           <a:p>
-            <a:pPr defTabSz="914260" eaLnBrk="0" hangingPunct="0"/>
-            <a:endParaRPr lang="en-US" sz="2400">
-              <a:solidFill>
-                <a:schemeClr val="tx1"/>
-              </a:solidFill>
-              <a:latin typeface="Arial" charset="0"/>
-              <a:ea typeface="ＭＳ Ｐゴシック" pitchFamily="1" charset="-128"/>
-            </a:endParaRPr>
+            <a:r>
+              <a:rPr lang="nl-NL" dirty="0"/>
+              <a:t>Structuur</a:t>
+            </a:r>
           </a:p>
         </p:txBody>
       </p:sp>
       <p:sp>
         <p:nvSpPr>
-          <p:cNvPr id="5" name="Rectangle 4"/>
-          <p:cNvSpPr/>
-          <p:nvPr/>
+          <p:cNvPr id="3" name="Tijdelijke aanduiding voor inhoud 2">
+            <a:extLst>
+              <a:ext uri="{FF2B5EF4-FFF2-40B4-BE49-F238E27FC236}">
+                <a16:creationId xmlns:a16="http://schemas.microsoft.com/office/drawing/2014/main" id="{861BE10D-2119-47EB-B164-ADDCF689827E}"/>
+              </a:ext>
+            </a:extLst>
+          </p:cNvPr>
+          <p:cNvSpPr>
+            <a:spLocks noGrp="1"/>
+          </p:cNvSpPr>
+          <p:nvPr>
+            <p:ph idx="1"/>
+          </p:nvPr>
         </p:nvSpPr>
-        <p:spPr>
-          <a:xfrm>
-            <a:off x="1019820" y="80576"/>
-            <a:ext cx="4123680" cy="646331"/>
-          </a:xfrm>
-          <a:prstGeom prst="rect">
-            <a:avLst/>
-          </a:prstGeom>
-        </p:spPr>
+        <p:spPr/>
         <p:txBody>
-          <a:bodyPr wrap="square">
-            <a:spAutoFit/>
-          </a:bodyPr>
+          <a:bodyPr/>
           <a:lstStyle/>
           <a:p>
             <a:r>
-              <a:rPr lang="en-US" sz="3600" dirty="0">
-                <a:latin typeface="Arial"/>
-                <a:ea typeface="ヒラギノ角ゴ ProN W3" charset="0"/>
-                <a:cs typeface="Arial"/>
-                <a:sym typeface="Tahoma" charset="0"/>
-              </a:rPr>
-              <a:t>Insert a picture </a:t>
-            </a:r>
-            <a:endParaRPr lang="en-US" sz="3600" dirty="0"/>
+              <a:rPr lang="nl-NL" dirty="0"/>
+              <a:t>Historie</a:t>
+            </a:r>
+          </a:p>
+          <a:p>
+            <a:r>
+              <a:rPr lang="nl-NL" dirty="0"/>
+              <a:t>Hoe werkt het?</a:t>
+            </a:r>
+          </a:p>
+          <a:p>
+            <a:r>
+              <a:rPr lang="nl-NL" dirty="0"/>
+              <a:t>Voor- en nadelen</a:t>
+            </a:r>
+          </a:p>
+          <a:p>
+            <a:r>
+              <a:rPr lang="nl-NL" dirty="0"/>
+              <a:t>Conclusie</a:t>
+            </a:r>
           </a:p>
         </p:txBody>
       </p:sp>
-      <p:pic>
-        <p:nvPicPr>
-          <p:cNvPr id="9" name="Afbeelding 8" descr="TUDelft_LogoZWART.eps"/>
-          <p:cNvPicPr>
-            <a:picLocks noChangeAspect="1"/>
-          </p:cNvPicPr>
-          <p:nvPr/>
-        </p:nvPicPr>
-        <p:blipFill>
-          <a:blip r:embed="rId3">
-            <a:extLst>
-              <a:ext uri="{28A0092B-C50C-407E-A947-70E740481C1C}">
-                <a14:useLocalDpi xmlns:a14="http://schemas.microsoft.com/office/drawing/2010/main"/>
-              </a:ext>
-            </a:extLst>
-          </a:blip>
-          <a:stretch>
-            <a:fillRect/>
-          </a:stretch>
-        </p:blipFill>
-        <p:spPr>
-          <a:xfrm>
-            <a:off x="208624" y="4515071"/>
-            <a:ext cx="1104294" cy="430675"/>
-          </a:xfrm>
-          <a:prstGeom prst="rect">
-            <a:avLst/>
-          </a:prstGeom>
-        </p:spPr>
-      </p:pic>
     </p:spTree>
     <p:extLst>
       <p:ext uri="{BB962C8B-B14F-4D97-AF65-F5344CB8AC3E}">
-        <p14:creationId xmlns:p14="http://schemas.microsoft.com/office/powerpoint/2010/main" val="371639283"/>
+        <p14:creationId xmlns:p14="http://schemas.microsoft.com/office/powerpoint/2010/main" val="768232313"/>
       </p:ext>
     </p:extLst>
   </p:cSld>
   <p:clrMapOvr>
     <a:masterClrMapping/>
   </p:clrMapOvr>
+  <p:timing>
+    <p:tnLst>
+      <p:par>
+        <p:cTn id="1" dur="indefinite" restart="never" nodeType="tmRoot">
+          <p:childTnLst>
+            <p:seq concurrent="1" nextAc="seek">
+              <p:cTn id="2" dur="indefinite" nodeType="mainSeq">
+                <p:childTnLst>
+                  <p:par>
+                    <p:cTn id="3" fill="hold">
+                      <p:stCondLst>
+                        <p:cond delay="indefinite"/>
+                      </p:stCondLst>
+                      <p:childTnLst>
+                        <p:par>
+                          <p:cTn id="4" fill="hold">
+                            <p:stCondLst>
+                              <p:cond delay="0"/>
+                            </p:stCondLst>
+                            <p:childTnLst>
+                              <p:par>
+                                <p:cTn id="5" presetID="1" presetClass="entr" presetSubtype="0" fill="hold" grpId="0" nodeType="clickEffect">
+                                  <p:stCondLst>
+                                    <p:cond delay="0"/>
+                                  </p:stCondLst>
+                                  <p:childTnLst>
+                                    <p:set>
+                                      <p:cBhvr>
+                                        <p:cTn id="6" dur="1" fill="hold">
+                                          <p:stCondLst>
+                                            <p:cond delay="0"/>
+                                          </p:stCondLst>
+                                        </p:cTn>
+                                        <p:tgtEl>
+                                          <p:spTgt spid="3">
+                                            <p:txEl>
+                                              <p:pRg st="0" end="0"/>
+                                            </p:txEl>
+                                          </p:spTgt>
+                                        </p:tgtEl>
+                                        <p:attrNameLst>
+                                          <p:attrName>style.visibility</p:attrName>
+                                        </p:attrNameLst>
+                                      </p:cBhvr>
+                                      <p:to>
+                                        <p:strVal val="visible"/>
+                                      </p:to>
+                                    </p:set>
+                                  </p:childTnLst>
+                                </p:cTn>
+                              </p:par>
+                            </p:childTnLst>
+                          </p:cTn>
+                        </p:par>
+                      </p:childTnLst>
+                    </p:cTn>
+                  </p:par>
+                  <p:par>
+                    <p:cTn id="7" fill="hold">
+                      <p:stCondLst>
+                        <p:cond delay="indefinite"/>
+                      </p:stCondLst>
+                      <p:childTnLst>
+                        <p:par>
+                          <p:cTn id="8" fill="hold">
+                            <p:stCondLst>
+                              <p:cond delay="0"/>
+                            </p:stCondLst>
+                            <p:childTnLst>
+                              <p:par>
+                                <p:cTn id="9" presetID="1" presetClass="entr" presetSubtype="0" fill="hold" grpId="0" nodeType="clickEffect">
+                                  <p:stCondLst>
+                                    <p:cond delay="0"/>
+                                  </p:stCondLst>
+                                  <p:childTnLst>
+                                    <p:set>
+                                      <p:cBhvr>
+                                        <p:cTn id="10" dur="1" fill="hold">
+                                          <p:stCondLst>
+                                            <p:cond delay="0"/>
+                                          </p:stCondLst>
+                                        </p:cTn>
+                                        <p:tgtEl>
+                                          <p:spTgt spid="3">
+                                            <p:txEl>
+                                              <p:pRg st="1" end="1"/>
+                                            </p:txEl>
+                                          </p:spTgt>
+                                        </p:tgtEl>
+                                        <p:attrNameLst>
+                                          <p:attrName>style.visibility</p:attrName>
+                                        </p:attrNameLst>
+                                      </p:cBhvr>
+                                      <p:to>
+                                        <p:strVal val="visible"/>
+                                      </p:to>
+                                    </p:set>
+                                  </p:childTnLst>
+                                </p:cTn>
+                              </p:par>
+                            </p:childTnLst>
+                          </p:cTn>
+                        </p:par>
+                      </p:childTnLst>
+                    </p:cTn>
+                  </p:par>
+                  <p:par>
+                    <p:cTn id="11" fill="hold">
+                      <p:stCondLst>
+                        <p:cond delay="indefinite"/>
+                      </p:stCondLst>
+                      <p:childTnLst>
+                        <p:par>
+                          <p:cTn id="12" fill="hold">
+                            <p:stCondLst>
+                              <p:cond delay="0"/>
+                            </p:stCondLst>
+                            <p:childTnLst>
+                              <p:par>
+                                <p:cTn id="13" presetID="1" presetClass="entr" presetSubtype="0" fill="hold" grpId="0" nodeType="clickEffect">
+                                  <p:stCondLst>
+                                    <p:cond delay="0"/>
+                                  </p:stCondLst>
+                                  <p:childTnLst>
+                                    <p:set>
+                                      <p:cBhvr>
+                                        <p:cTn id="14" dur="1" fill="hold">
+                                          <p:stCondLst>
+                                            <p:cond delay="0"/>
+                                          </p:stCondLst>
+                                        </p:cTn>
+                                        <p:tgtEl>
+                                          <p:spTgt spid="3">
+                                            <p:txEl>
+                                              <p:pRg st="2" end="2"/>
+                                            </p:txEl>
+                                          </p:spTgt>
+                                        </p:tgtEl>
+                                        <p:attrNameLst>
+                                          <p:attrName>style.visibility</p:attrName>
+                                        </p:attrNameLst>
+                                      </p:cBhvr>
+                                      <p:to>
+                                        <p:strVal val="visible"/>
+                                      </p:to>
+                                    </p:set>
+                                  </p:childTnLst>
+                                </p:cTn>
+                              </p:par>
+                            </p:childTnLst>
+                          </p:cTn>
+                        </p:par>
+                      </p:childTnLst>
+                    </p:cTn>
+                  </p:par>
+                  <p:par>
+                    <p:cTn id="15" fill="hold">
+                      <p:stCondLst>
+                        <p:cond delay="indefinite"/>
+                      </p:stCondLst>
+                      <p:childTnLst>
+                        <p:par>
+                          <p:cTn id="16" fill="hold">
+                            <p:stCondLst>
+                              <p:cond delay="0"/>
+                            </p:stCondLst>
+                            <p:childTnLst>
+                              <p:par>
+                                <p:cTn id="17" presetID="1" presetClass="entr" presetSubtype="0" fill="hold" grpId="0" nodeType="clickEffect">
+                                  <p:stCondLst>
+                                    <p:cond delay="0"/>
+                                  </p:stCondLst>
+                                  <p:childTnLst>
+                                    <p:set>
+                                      <p:cBhvr>
+                                        <p:cTn id="18" dur="1" fill="hold">
+                                          <p:stCondLst>
+                                            <p:cond delay="0"/>
+                                          </p:stCondLst>
+                                        </p:cTn>
+                                        <p:tgtEl>
+                                          <p:spTgt spid="3">
+                                            <p:txEl>
+                                              <p:pRg st="3" end="3"/>
+                                            </p:txEl>
+                                          </p:spTgt>
+                                        </p:tgtEl>
+                                        <p:attrNameLst>
+                                          <p:attrName>style.visibility</p:attrName>
+                                        </p:attrNameLst>
+                                      </p:cBhvr>
+                                      <p:to>
+                                        <p:strVal val="visible"/>
+                                      </p:to>
+                                    </p:set>
+                                  </p:childTnLst>
+                                </p:cTn>
+                              </p:par>
+                            </p:childTnLst>
+                          </p:cTn>
+                        </p:par>
+                      </p:childTnLst>
+                    </p:cTn>
+                  </p:par>
+                </p:childTnLst>
+              </p:cTn>
+              <p:prevCondLst>
+                <p:cond evt="onPrev" delay="0">
+                  <p:tgtEl>
+                    <p:sldTgt/>
+                  </p:tgtEl>
+                </p:cond>
+              </p:prevCondLst>
+              <p:nextCondLst>
+                <p:cond evt="onNext" delay="0">
+                  <p:tgtEl>
+                    <p:sldTgt/>
+                  </p:tgtEl>
+                </p:cond>
+              </p:nextCondLst>
+            </p:seq>
+          </p:childTnLst>
+        </p:cTn>
+      </p:par>
+    </p:tnLst>
+    <p:bldLst>
+      <p:bldP spid="3" grpId="0" build="p"/>
+    </p:bldLst>
+  </p:timing>
 </p:sld>
 </file>
 
@@ -2656,153 +9536,474 @@
           <a:chExt cx="0" cy="0"/>
         </a:xfrm>
       </p:grpSpPr>
-      <p:pic>
-        <p:nvPicPr>
-          <p:cNvPr id="6" name="Picture Placeholder 5" descr="_LNS3501.jpg"/>
-          <p:cNvPicPr>
-            <a:picLocks noGrp="1" noChangeAspect="1"/>
-          </p:cNvPicPr>
-          <p:nvPr>
-            <p:ph type="pic" idx="1"/>
-          </p:nvPr>
-        </p:nvPicPr>
-        <p:blipFill rotWithShape="1">
-          <a:blip r:embed="rId2" cstate="screen">
+      <p:sp>
+        <p:nvSpPr>
+          <p:cNvPr id="2" name="Titel 1">
             <a:extLst>
-              <a:ext uri="{28A0092B-C50C-407E-A947-70E740481C1C}">
-                <a14:useLocalDpi xmlns:a14="http://schemas.microsoft.com/office/drawing/2010/main"/>
+              <a:ext uri="{FF2B5EF4-FFF2-40B4-BE49-F238E27FC236}">
+                <a16:creationId xmlns:a16="http://schemas.microsoft.com/office/drawing/2014/main" id="{BF91A486-ABCC-484C-B00B-6D48A6F46DD5}"/>
               </a:ext>
             </a:extLst>
-          </a:blip>
-          <a:srcRect/>
-          <a:stretch/>
-        </p:blipFill>
-        <p:spPr>
-          <a:xfrm>
-            <a:off x="0" y="-36000"/>
-            <a:ext cx="9144000" cy="5202000"/>
-          </a:xfrm>
-        </p:spPr>
-      </p:pic>
-      <p:sp>
-        <p:nvSpPr>
-          <p:cNvPr id="4" name="Rectangle 3"/>
-          <p:cNvSpPr/>
-          <p:nvPr/>
+          </p:cNvPr>
+          <p:cNvSpPr>
+            <a:spLocks noGrp="1"/>
+          </p:cNvSpPr>
+          <p:nvPr>
+            <p:ph type="title"/>
+          </p:nvPr>
         </p:nvSpPr>
-        <p:spPr bwMode="auto">
-          <a:xfrm>
-            <a:off x="-122335" y="-68813"/>
-            <a:ext cx="4752528" cy="767411"/>
-          </a:xfrm>
-          <a:prstGeom prst="rect">
-            <a:avLst/>
-          </a:prstGeom>
-          <a:solidFill>
-            <a:schemeClr val="bg1"/>
-          </a:solidFill>
-          <a:ln w="9525" cap="flat" cmpd="sng" algn="ctr">
-            <a:noFill/>
-            <a:prstDash val="solid"/>
-            <a:round/>
-            <a:headEnd type="none" w="med" len="med"/>
-            <a:tailEnd type="none" w="med" len="med"/>
-          </a:ln>
-          <a:effectLst/>
-        </p:spPr>
+        <p:spPr/>
         <p:txBody>
-          <a:bodyPr vert="horz" wrap="square" lIns="91425" tIns="45712" rIns="91425" bIns="45712" numCol="1" rtlCol="0" anchor="t" anchorCtr="0" compatLnSpc="1">
-            <a:prstTxWarp prst="textNoShape">
-              <a:avLst/>
-            </a:prstTxWarp>
-          </a:bodyPr>
+          <a:bodyPr/>
           <a:lstStyle/>
           <a:p>
-            <a:pPr defTabSz="914260" eaLnBrk="0" hangingPunct="0"/>
-            <a:endParaRPr lang="en-US" sz="2400">
-              <a:solidFill>
-                <a:schemeClr val="tx1"/>
-              </a:solidFill>
-              <a:latin typeface="Arial" charset="0"/>
-              <a:ea typeface="ＭＳ Ｐゴシック" pitchFamily="1" charset="-128"/>
-            </a:endParaRPr>
+            <a:endParaRPr lang="nl-NL"/>
           </a:p>
         </p:txBody>
       </p:sp>
       <p:sp>
         <p:nvSpPr>
-          <p:cNvPr id="5" name="Rectangle 4"/>
-          <p:cNvSpPr/>
-          <p:nvPr/>
+          <p:cNvPr id="3" name="Tijdelijke aanduiding voor inhoud 2">
+            <a:extLst>
+              <a:ext uri="{FF2B5EF4-FFF2-40B4-BE49-F238E27FC236}">
+                <a16:creationId xmlns:a16="http://schemas.microsoft.com/office/drawing/2014/main" id="{F5355D58-4767-4F86-B307-5C132ECC65D4}"/>
+              </a:ext>
+            </a:extLst>
+          </p:cNvPr>
+          <p:cNvSpPr>
+            <a:spLocks noGrp="1"/>
+          </p:cNvSpPr>
+          <p:nvPr>
+            <p:ph idx="1"/>
+          </p:nvPr>
         </p:nvSpPr>
-        <p:spPr>
-          <a:xfrm>
-            <a:off x="1019820" y="80576"/>
-            <a:ext cx="4123680" cy="646331"/>
-          </a:xfrm>
-          <a:prstGeom prst="rect">
-            <a:avLst/>
-          </a:prstGeom>
-        </p:spPr>
+        <p:spPr/>
         <p:txBody>
-          <a:bodyPr wrap="square">
-            <a:spAutoFit/>
-          </a:bodyPr>
+          <a:bodyPr/>
           <a:lstStyle/>
           <a:p>
-            <a:r>
-              <a:rPr lang="en-US" sz="3600" dirty="0">
-                <a:latin typeface="Arial"/>
-                <a:ea typeface="ヒラギノ角ゴ ProN W3" charset="0"/>
-                <a:cs typeface="Arial"/>
-                <a:sym typeface="Tahoma" charset="0"/>
-              </a:rPr>
-              <a:t>Insert a picture </a:t>
-            </a:r>
-            <a:endParaRPr lang="en-US" sz="3600" dirty="0"/>
+            <a:endParaRPr lang="nl-NL"/>
           </a:p>
         </p:txBody>
       </p:sp>
-      <p:pic>
-        <p:nvPicPr>
-          <p:cNvPr id="8" name="Picture 3" descr="TU_P5#white.eps"/>
-          <p:cNvPicPr>
-            <a:picLocks noChangeAspect="1"/>
-          </p:cNvPicPr>
-          <p:nvPr/>
-        </p:nvPicPr>
-        <p:blipFill>
-          <a:blip r:embed="rId3">
-            <a:extLst>
-              <a:ext uri="{28A0092B-C50C-407E-A947-70E740481C1C}">
-                <a14:useLocalDpi xmlns:a14="http://schemas.microsoft.com/office/drawing/2010/main"/>
-              </a:ext>
-            </a:extLst>
-          </a:blip>
-          <a:stretch>
-            <a:fillRect/>
-          </a:stretch>
-        </p:blipFill>
-        <p:spPr>
-          <a:xfrm>
-            <a:off x="100264" y="4389330"/>
-            <a:ext cx="1368883" cy="843232"/>
-          </a:xfrm>
-          <a:prstGeom prst="rect">
-            <a:avLst/>
-          </a:prstGeom>
-        </p:spPr>
-      </p:pic>
     </p:spTree>
     <p:extLst>
       <p:ext uri="{BB962C8B-B14F-4D97-AF65-F5344CB8AC3E}">
-        <p14:creationId xmlns:p14="http://schemas.microsoft.com/office/powerpoint/2010/main" val="1217921569"/>
+        <p14:creationId xmlns:p14="http://schemas.microsoft.com/office/powerpoint/2010/main" val="3891033663"/>
       </p:ext>
     </p:extLst>
   </p:cSld>
   <p:clrMapOvr>
     <a:masterClrMapping/>
   </p:clrMapOvr>
+</p:sld>
+</file>
+
+<file path=ppt/slides/slide6.xml><?xml version="1.0" encoding="utf-8"?>
+<p:sld xmlns:a="http://schemas.openxmlformats.org/drawingml/2006/main" xmlns:r="http://schemas.openxmlformats.org/officeDocument/2006/relationships" xmlns:p="http://schemas.openxmlformats.org/presentationml/2006/main">
+  <p:cSld>
+    <p:spTree>
+      <p:nvGrpSpPr>
+        <p:cNvPr id="1" name=""/>
+        <p:cNvGrpSpPr/>
+        <p:nvPr/>
+      </p:nvGrpSpPr>
+      <p:grpSpPr>
+        <a:xfrm>
+          <a:off x="0" y="0"/>
+          <a:ext cx="0" cy="0"/>
+          <a:chOff x="0" y="0"/>
+          <a:chExt cx="0" cy="0"/>
+        </a:xfrm>
+      </p:grpSpPr>
+      <p:sp>
+        <p:nvSpPr>
+          <p:cNvPr id="2" name="Titel 1">
+            <a:extLst>
+              <a:ext uri="{FF2B5EF4-FFF2-40B4-BE49-F238E27FC236}">
+                <a16:creationId xmlns:a16="http://schemas.microsoft.com/office/drawing/2014/main" id="{8007CE81-0BFC-49E1-8286-B1154E607AAE}"/>
+              </a:ext>
+            </a:extLst>
+          </p:cNvPr>
+          <p:cNvSpPr>
+            <a:spLocks noGrp="1"/>
+          </p:cNvSpPr>
+          <p:nvPr>
+            <p:ph type="title"/>
+          </p:nvPr>
+        </p:nvSpPr>
+        <p:spPr/>
+        <p:txBody>
+          <a:bodyPr/>
+          <a:lstStyle/>
+          <a:p>
+            <a:endParaRPr lang="nl-NL"/>
+          </a:p>
+        </p:txBody>
+      </p:sp>
+      <p:sp>
+        <p:nvSpPr>
+          <p:cNvPr id="3" name="Tijdelijke aanduiding voor inhoud 2">
+            <a:extLst>
+              <a:ext uri="{FF2B5EF4-FFF2-40B4-BE49-F238E27FC236}">
+                <a16:creationId xmlns:a16="http://schemas.microsoft.com/office/drawing/2014/main" id="{5E6E195F-1D7C-43D1-99B1-1AE54EE5BDE7}"/>
+              </a:ext>
+            </a:extLst>
+          </p:cNvPr>
+          <p:cNvSpPr>
+            <a:spLocks noGrp="1"/>
+          </p:cNvSpPr>
+          <p:nvPr>
+            <p:ph idx="1"/>
+          </p:nvPr>
+        </p:nvSpPr>
+        <p:spPr/>
+        <p:txBody>
+          <a:bodyPr/>
+          <a:lstStyle/>
+          <a:p>
+            <a:endParaRPr lang="nl-NL"/>
+          </a:p>
+        </p:txBody>
+      </p:sp>
+    </p:spTree>
+    <p:extLst>
+      <p:ext uri="{BB962C8B-B14F-4D97-AF65-F5344CB8AC3E}">
+        <p14:creationId xmlns:p14="http://schemas.microsoft.com/office/powerpoint/2010/main" val="3172344857"/>
+      </p:ext>
+    </p:extLst>
+  </p:cSld>
+  <p:clrMapOvr>
+    <a:masterClrMapping/>
+  </p:clrMapOvr>
+</p:sld>
+</file>
+
+<file path=ppt/slides/slide7.xml><?xml version="1.0" encoding="utf-8"?>
+<p:sld xmlns:a="http://schemas.openxmlformats.org/drawingml/2006/main" xmlns:r="http://schemas.openxmlformats.org/officeDocument/2006/relationships" xmlns:p="http://schemas.openxmlformats.org/presentationml/2006/main">
+  <p:cSld>
+    <p:spTree>
+      <p:nvGrpSpPr>
+        <p:cNvPr id="1" name=""/>
+        <p:cNvGrpSpPr/>
+        <p:nvPr/>
+      </p:nvGrpSpPr>
+      <p:grpSpPr>
+        <a:xfrm>
+          <a:off x="0" y="0"/>
+          <a:ext cx="0" cy="0"/>
+          <a:chOff x="0" y="0"/>
+          <a:chExt cx="0" cy="0"/>
+        </a:xfrm>
+      </p:grpSpPr>
+      <p:sp>
+        <p:nvSpPr>
+          <p:cNvPr id="2" name="Titel 1">
+            <a:extLst>
+              <a:ext uri="{FF2B5EF4-FFF2-40B4-BE49-F238E27FC236}">
+                <a16:creationId xmlns:a16="http://schemas.microsoft.com/office/drawing/2014/main" id="{24622E5F-AB14-420D-A875-FCB2AD2CAC5F}"/>
+              </a:ext>
+            </a:extLst>
+          </p:cNvPr>
+          <p:cNvSpPr>
+            <a:spLocks noGrp="1"/>
+          </p:cNvSpPr>
+          <p:nvPr>
+            <p:ph type="title"/>
+          </p:nvPr>
+        </p:nvSpPr>
+        <p:spPr/>
+        <p:txBody>
+          <a:bodyPr/>
+          <a:lstStyle/>
+          <a:p>
+            <a:endParaRPr lang="nl-NL"/>
+          </a:p>
+        </p:txBody>
+      </p:sp>
+      <p:sp>
+        <p:nvSpPr>
+          <p:cNvPr id="3" name="Tijdelijke aanduiding voor inhoud 2">
+            <a:extLst>
+              <a:ext uri="{FF2B5EF4-FFF2-40B4-BE49-F238E27FC236}">
+                <a16:creationId xmlns:a16="http://schemas.microsoft.com/office/drawing/2014/main" id="{82F10BC3-CA9D-415C-84B2-8A0A04570278}"/>
+              </a:ext>
+            </a:extLst>
+          </p:cNvPr>
+          <p:cNvSpPr>
+            <a:spLocks noGrp="1"/>
+          </p:cNvSpPr>
+          <p:nvPr>
+            <p:ph idx="1"/>
+          </p:nvPr>
+        </p:nvSpPr>
+        <p:spPr/>
+        <p:txBody>
+          <a:bodyPr/>
+          <a:lstStyle/>
+          <a:p>
+            <a:endParaRPr lang="nl-NL"/>
+          </a:p>
+        </p:txBody>
+      </p:sp>
+    </p:spTree>
+    <p:extLst>
+      <p:ext uri="{BB962C8B-B14F-4D97-AF65-F5344CB8AC3E}">
+        <p14:creationId xmlns:p14="http://schemas.microsoft.com/office/powerpoint/2010/main" val="631230111"/>
+      </p:ext>
+    </p:extLst>
+  </p:cSld>
+  <p:clrMapOvr>
+    <a:masterClrMapping/>
+  </p:clrMapOvr>
+</p:sld>
+</file>
+
+<file path=ppt/slides/slide8.xml><?xml version="1.0" encoding="utf-8"?>
+<p:sld xmlns:a="http://schemas.openxmlformats.org/drawingml/2006/main" xmlns:r="http://schemas.openxmlformats.org/officeDocument/2006/relationships" xmlns:p="http://schemas.openxmlformats.org/presentationml/2006/main">
+  <p:cSld>
+    <p:spTree>
+      <p:nvGrpSpPr>
+        <p:cNvPr id="1" name=""/>
+        <p:cNvGrpSpPr/>
+        <p:nvPr/>
+      </p:nvGrpSpPr>
+      <p:grpSpPr>
+        <a:xfrm>
+          <a:off x="0" y="0"/>
+          <a:ext cx="0" cy="0"/>
+          <a:chOff x="0" y="0"/>
+          <a:chExt cx="0" cy="0"/>
+        </a:xfrm>
+      </p:grpSpPr>
+      <p:sp>
+        <p:nvSpPr>
+          <p:cNvPr id="2" name="Titel 1">
+            <a:extLst>
+              <a:ext uri="{FF2B5EF4-FFF2-40B4-BE49-F238E27FC236}">
+                <a16:creationId xmlns:a16="http://schemas.microsoft.com/office/drawing/2014/main" id="{3DB30706-0C2A-4E12-AE88-FBCE0A6F12AF}"/>
+              </a:ext>
+            </a:extLst>
+          </p:cNvPr>
+          <p:cNvSpPr>
+            <a:spLocks noGrp="1"/>
+          </p:cNvSpPr>
+          <p:nvPr>
+            <p:ph type="title"/>
+          </p:nvPr>
+        </p:nvSpPr>
+        <p:spPr/>
+        <p:txBody>
+          <a:bodyPr/>
+          <a:lstStyle/>
+          <a:p>
+            <a:endParaRPr lang="nl-NL"/>
+          </a:p>
+        </p:txBody>
+      </p:sp>
+      <p:sp>
+        <p:nvSpPr>
+          <p:cNvPr id="3" name="Tijdelijke aanduiding voor inhoud 2">
+            <a:extLst>
+              <a:ext uri="{FF2B5EF4-FFF2-40B4-BE49-F238E27FC236}">
+                <a16:creationId xmlns:a16="http://schemas.microsoft.com/office/drawing/2014/main" id="{A3926FDD-007B-4A7C-9C71-252BAC20C994}"/>
+              </a:ext>
+            </a:extLst>
+          </p:cNvPr>
+          <p:cNvSpPr>
+            <a:spLocks noGrp="1"/>
+          </p:cNvSpPr>
+          <p:nvPr>
+            <p:ph idx="1"/>
+          </p:nvPr>
+        </p:nvSpPr>
+        <p:spPr/>
+        <p:txBody>
+          <a:bodyPr/>
+          <a:lstStyle/>
+          <a:p>
+            <a:endParaRPr lang="nl-NL"/>
+          </a:p>
+        </p:txBody>
+      </p:sp>
+    </p:spTree>
+    <p:extLst>
+      <p:ext uri="{BB962C8B-B14F-4D97-AF65-F5344CB8AC3E}">
+        <p14:creationId xmlns:p14="http://schemas.microsoft.com/office/powerpoint/2010/main" val="3294166645"/>
+      </p:ext>
+    </p:extLst>
+  </p:cSld>
+  <p:clrMapOvr>
+    <a:masterClrMapping/>
+  </p:clrMapOvr>
+</p:sld>
+</file>
+
+<file path=ppt/slides/slide9.xml><?xml version="1.0" encoding="utf-8"?>
+<p:sld xmlns:a="http://schemas.openxmlformats.org/drawingml/2006/main" xmlns:r="http://schemas.openxmlformats.org/officeDocument/2006/relationships" xmlns:p="http://schemas.openxmlformats.org/presentationml/2006/main">
+  <p:cSld>
+    <p:spTree>
+      <p:nvGrpSpPr>
+        <p:cNvPr id="1" name=""/>
+        <p:cNvGrpSpPr/>
+        <p:nvPr/>
+      </p:nvGrpSpPr>
+      <p:grpSpPr>
+        <a:xfrm>
+          <a:off x="0" y="0"/>
+          <a:ext cx="0" cy="0"/>
+          <a:chOff x="0" y="0"/>
+          <a:chExt cx="0" cy="0"/>
+        </a:xfrm>
+      </p:grpSpPr>
+      <p:sp>
+        <p:nvSpPr>
+          <p:cNvPr id="2" name="Titel 1">
+            <a:extLst>
+              <a:ext uri="{FF2B5EF4-FFF2-40B4-BE49-F238E27FC236}">
+                <a16:creationId xmlns:a16="http://schemas.microsoft.com/office/drawing/2014/main" id="{AB23A34D-7647-4FB8-B73A-677650500427}"/>
+              </a:ext>
+            </a:extLst>
+          </p:cNvPr>
+          <p:cNvSpPr>
+            <a:spLocks noGrp="1"/>
+          </p:cNvSpPr>
+          <p:nvPr>
+            <p:ph type="title"/>
+          </p:nvPr>
+        </p:nvSpPr>
+        <p:spPr/>
+        <p:txBody>
+          <a:bodyPr/>
+          <a:lstStyle/>
+          <a:p>
+            <a:r>
+              <a:rPr lang="nl-NL" dirty="0"/>
+              <a:t>Vragenronde</a:t>
+            </a:r>
+          </a:p>
+        </p:txBody>
+      </p:sp>
+      <p:sp>
+        <p:nvSpPr>
+          <p:cNvPr id="3" name="Tijdelijke aanduiding voor inhoud 2">
+            <a:extLst>
+              <a:ext uri="{FF2B5EF4-FFF2-40B4-BE49-F238E27FC236}">
+                <a16:creationId xmlns:a16="http://schemas.microsoft.com/office/drawing/2014/main" id="{0DDF1218-48D6-43CD-9141-58C76ABB6F1B}"/>
+              </a:ext>
+            </a:extLst>
+          </p:cNvPr>
+          <p:cNvSpPr>
+            <a:spLocks noGrp="1"/>
+          </p:cNvSpPr>
+          <p:nvPr>
+            <p:ph idx="1"/>
+          </p:nvPr>
+        </p:nvSpPr>
+        <p:spPr/>
+        <p:txBody>
+          <a:bodyPr/>
+          <a:lstStyle/>
+          <a:p>
+            <a:r>
+              <a:rPr lang="nl-NL" dirty="0"/>
+              <a:t>Bedankt!</a:t>
+            </a:r>
+          </a:p>
+        </p:txBody>
+      </p:sp>
+    </p:spTree>
+    <p:extLst>
+      <p:ext uri="{BB962C8B-B14F-4D97-AF65-F5344CB8AC3E}">
+        <p14:creationId xmlns:p14="http://schemas.microsoft.com/office/powerpoint/2010/main" val="2699800056"/>
+      </p:ext>
+    </p:extLst>
+  </p:cSld>
+  <p:clrMapOvr>
+    <a:masterClrMapping/>
+  </p:clrMapOvr>
+  <p:timing>
+    <p:tnLst>
+      <p:par>
+        <p:cTn id="1" dur="indefinite" restart="never" nodeType="tmRoot">
+          <p:childTnLst>
+            <p:seq concurrent="1" nextAc="seek">
+              <p:cTn id="2" dur="indefinite" nodeType="mainSeq">
+                <p:childTnLst>
+                  <p:par>
+                    <p:cTn id="3" fill="hold">
+                      <p:stCondLst>
+                        <p:cond delay="indefinite"/>
+                      </p:stCondLst>
+                      <p:childTnLst>
+                        <p:par>
+                          <p:cTn id="4" fill="hold">
+                            <p:stCondLst>
+                              <p:cond delay="0"/>
+                            </p:stCondLst>
+                            <p:childTnLst>
+                              <p:par>
+                                <p:cTn id="5" presetID="1" presetClass="entr" presetSubtype="0" fill="hold" grpId="0" nodeType="clickEffect">
+                                  <p:stCondLst>
+                                    <p:cond delay="0"/>
+                                  </p:stCondLst>
+                                  <p:childTnLst>
+                                    <p:set>
+                                      <p:cBhvr>
+                                        <p:cTn id="6" dur="1" fill="hold">
+                                          <p:stCondLst>
+                                            <p:cond delay="0"/>
+                                          </p:stCondLst>
+                                        </p:cTn>
+                                        <p:tgtEl>
+                                          <p:spTgt spid="3">
+                                            <p:txEl>
+                                              <p:pRg st="0" end="0"/>
+                                            </p:txEl>
+                                          </p:spTgt>
+                                        </p:tgtEl>
+                                        <p:attrNameLst>
+                                          <p:attrName>style.visibility</p:attrName>
+                                        </p:attrNameLst>
+                                      </p:cBhvr>
+                                      <p:to>
+                                        <p:strVal val="visible"/>
+                                      </p:to>
+                                    </p:set>
+                                  </p:childTnLst>
+                                </p:cTn>
+                              </p:par>
+                            </p:childTnLst>
+                          </p:cTn>
+                        </p:par>
+                      </p:childTnLst>
+                    </p:cTn>
+                  </p:par>
+                </p:childTnLst>
+              </p:cTn>
+              <p:prevCondLst>
+                <p:cond evt="onPrev" delay="0">
+                  <p:tgtEl>
+                    <p:sldTgt/>
+                  </p:tgtEl>
+                </p:cond>
+              </p:prevCondLst>
+              <p:nextCondLst>
+                <p:cond evt="onNext" delay="0">
+                  <p:tgtEl>
+                    <p:sldTgt/>
+                  </p:tgtEl>
+                </p:cond>
+              </p:nextCondLst>
+            </p:seq>
+          </p:childTnLst>
+        </p:cTn>
+      </p:par>
+    </p:tnLst>
+    <p:bldLst>
+      <p:bldP spid="3" grpId="0" build="p"/>
+    </p:bldLst>
+  </p:timing>
 </p:sld>
 </file>
 
@@ -3125,6 +10326,1914 @@
 </file>
 
 <file path=ppt/theme/theme2.xml><?xml version="1.0" encoding="utf-8"?>
+<a:theme xmlns:a="http://schemas.openxmlformats.org/drawingml/2006/main" name="structuur">
+  <a:themeElements>
+    <a:clrScheme name="TU Delft">
+      <a:dk1>
+        <a:sysClr val="windowText" lastClr="000000"/>
+      </a:dk1>
+      <a:lt1>
+        <a:srgbClr val="FFFFFF"/>
+      </a:lt1>
+      <a:dk2>
+        <a:srgbClr val="00A6D6"/>
+      </a:dk2>
+      <a:lt2>
+        <a:srgbClr val="FFFFFF"/>
+      </a:lt2>
+      <a:accent1>
+        <a:srgbClr val="A5CA1A"/>
+      </a:accent1>
+      <a:accent2>
+        <a:srgbClr val="E21A1A"/>
+      </a:accent2>
+      <a:accent3>
+        <a:srgbClr val="6D177F"/>
+      </a:accent3>
+      <a:accent4>
+        <a:srgbClr val="E64616"/>
+      </a:accent4>
+      <a:accent5>
+        <a:srgbClr val="008891"/>
+      </a:accent5>
+      <a:accent6>
+        <a:srgbClr val="6B8689"/>
+      </a:accent6>
+      <a:hlink>
+        <a:srgbClr val="0000FF"/>
+      </a:hlink>
+      <a:folHlink>
+        <a:srgbClr val="800080"/>
+      </a:folHlink>
+    </a:clrScheme>
+    <a:fontScheme name="Office Classic 2">
+      <a:majorFont>
+        <a:latin typeface="Arial"/>
+        <a:ea typeface=""/>
+        <a:cs typeface=""/>
+        <a:font script="Jpan" typeface="ＭＳ Ｐゴシック"/>
+        <a:font script="Hang" typeface="굴림"/>
+        <a:font script="Hans" typeface="黑体"/>
+        <a:font script="Hant" typeface="微軟正黑體"/>
+        <a:font script="Arab" typeface="Arial"/>
+        <a:font script="Hebr" typeface="Arial"/>
+        <a:font script="Thai" typeface="Cordia New"/>
+        <a:font script="Ethi" typeface="Nyala"/>
+        <a:font script="Beng" typeface="Vrinda"/>
+        <a:font script="Gujr" typeface="Shruti"/>
+        <a:font script="Khmr" typeface="DaunPenh"/>
+        <a:font script="Knda" typeface="Tunga"/>
+        <a:font script="Guru" typeface="Raavi"/>
+        <a:font script="Cans" typeface="Euphemia"/>
+        <a:font script="Cher" typeface="Plantagenet Cherokee"/>
+        <a:font script="Yiii" typeface="Microsoft Yi Baiti"/>
+        <a:font script="Tibt" typeface="Microsoft Himalaya"/>
+        <a:font script="Thaa" typeface="MV Boli"/>
+        <a:font script="Deva" typeface="Mangal"/>
+        <a:font script="Telu" typeface="Gautami"/>
+        <a:font script="Taml" typeface="Latha"/>
+        <a:font script="Syrc" typeface="Estrangelo Edessa"/>
+        <a:font script="Orya" typeface="Kalinga"/>
+        <a:font script="Mlym" typeface="Kartika"/>
+        <a:font script="Laoo" typeface="DokChampa"/>
+        <a:font script="Sinh" typeface="Iskoola Pota"/>
+        <a:font script="Mong" typeface="Mongolian Baiti"/>
+        <a:font script="Viet" typeface="Arial"/>
+        <a:font script="Uigh" typeface="Microsoft Uighur"/>
+      </a:majorFont>
+      <a:minorFont>
+        <a:latin typeface="Arial"/>
+        <a:ea typeface=""/>
+        <a:cs typeface=""/>
+        <a:font script="Jpan" typeface="ＭＳ Ｐゴシック"/>
+        <a:font script="Hang" typeface="굴림"/>
+        <a:font script="Hans" typeface="黑体"/>
+        <a:font script="Hant" typeface="微軟正黑體"/>
+        <a:font script="Arab" typeface="Arial"/>
+        <a:font script="Hebr" typeface="Arial"/>
+        <a:font script="Thai" typeface="Cordia New"/>
+        <a:font script="Ethi" typeface="Nyala"/>
+        <a:font script="Beng" typeface="Vrinda"/>
+        <a:font script="Gujr" typeface="Shruti"/>
+        <a:font script="Khmr" typeface="DaunPenh"/>
+        <a:font script="Knda" typeface="Tunga"/>
+        <a:font script="Guru" typeface="Raavi"/>
+        <a:font script="Cans" typeface="Euphemia"/>
+        <a:font script="Cher" typeface="Plantagenet Cherokee"/>
+        <a:font script="Yiii" typeface="Microsoft Yi Baiti"/>
+        <a:font script="Tibt" typeface="Microsoft Himalaya"/>
+        <a:font script="Thaa" typeface="MV Boli"/>
+        <a:font script="Deva" typeface="Mangal"/>
+        <a:font script="Telu" typeface="Gautami"/>
+        <a:font script="Taml" typeface="Latha"/>
+        <a:font script="Syrc" typeface="Estrangelo Edessa"/>
+        <a:font script="Orya" typeface="Kalinga"/>
+        <a:font script="Mlym" typeface="Kartika"/>
+        <a:font script="Laoo" typeface="DokChampa"/>
+        <a:font script="Sinh" typeface="Iskoola Pota"/>
+        <a:font script="Mong" typeface="Mongolian Baiti"/>
+        <a:font script="Viet" typeface="Arial"/>
+        <a:font script="Uigh" typeface="Microsoft Uighur"/>
+      </a:minorFont>
+    </a:fontScheme>
+    <a:fmtScheme name="Office">
+      <a:fillStyleLst>
+        <a:solidFill>
+          <a:schemeClr val="phClr"/>
+        </a:solidFill>
+        <a:gradFill rotWithShape="1">
+          <a:gsLst>
+            <a:gs pos="0">
+              <a:schemeClr val="phClr">
+                <a:tint val="50000"/>
+                <a:satMod val="300000"/>
+              </a:schemeClr>
+            </a:gs>
+            <a:gs pos="35000">
+              <a:schemeClr val="phClr">
+                <a:tint val="37000"/>
+                <a:satMod val="300000"/>
+              </a:schemeClr>
+            </a:gs>
+            <a:gs pos="100000">
+              <a:schemeClr val="phClr">
+                <a:tint val="15000"/>
+                <a:satMod val="350000"/>
+              </a:schemeClr>
+            </a:gs>
+          </a:gsLst>
+          <a:lin ang="16200000" scaled="1"/>
+        </a:gradFill>
+        <a:gradFill rotWithShape="1">
+          <a:gsLst>
+            <a:gs pos="0">
+              <a:schemeClr val="phClr">
+                <a:tint val="100000"/>
+                <a:shade val="100000"/>
+                <a:satMod val="130000"/>
+              </a:schemeClr>
+            </a:gs>
+            <a:gs pos="100000">
+              <a:schemeClr val="phClr">
+                <a:tint val="50000"/>
+                <a:shade val="100000"/>
+                <a:satMod val="350000"/>
+              </a:schemeClr>
+            </a:gs>
+          </a:gsLst>
+          <a:lin ang="16200000" scaled="0"/>
+        </a:gradFill>
+      </a:fillStyleLst>
+      <a:lnStyleLst>
+        <a:ln w="9525" cap="flat" cmpd="sng" algn="ctr">
+          <a:solidFill>
+            <a:schemeClr val="phClr">
+              <a:shade val="95000"/>
+              <a:satMod val="105000"/>
+            </a:schemeClr>
+          </a:solidFill>
+          <a:prstDash val="solid"/>
+        </a:ln>
+        <a:ln w="25400" cap="flat" cmpd="sng" algn="ctr">
+          <a:solidFill>
+            <a:schemeClr val="phClr"/>
+          </a:solidFill>
+          <a:prstDash val="solid"/>
+        </a:ln>
+        <a:ln w="38100" cap="flat" cmpd="sng" algn="ctr">
+          <a:solidFill>
+            <a:schemeClr val="phClr"/>
+          </a:solidFill>
+          <a:prstDash val="solid"/>
+        </a:ln>
+      </a:lnStyleLst>
+      <a:effectStyleLst>
+        <a:effectStyle>
+          <a:effectLst>
+            <a:outerShdw blurRad="40000" dist="20000" dir="5400000" rotWithShape="0">
+              <a:srgbClr val="000000">
+                <a:alpha val="38000"/>
+              </a:srgbClr>
+            </a:outerShdw>
+          </a:effectLst>
+        </a:effectStyle>
+        <a:effectStyle>
+          <a:effectLst>
+            <a:outerShdw blurRad="40000" dist="23000" dir="5400000" rotWithShape="0">
+              <a:srgbClr val="000000">
+                <a:alpha val="35000"/>
+              </a:srgbClr>
+            </a:outerShdw>
+          </a:effectLst>
+        </a:effectStyle>
+        <a:effectStyle>
+          <a:effectLst>
+            <a:outerShdw blurRad="40000" dist="23000" dir="5400000" rotWithShape="0">
+              <a:srgbClr val="000000">
+                <a:alpha val="35000"/>
+              </a:srgbClr>
+            </a:outerShdw>
+          </a:effectLst>
+          <a:scene3d>
+            <a:camera prst="orthographicFront">
+              <a:rot lat="0" lon="0" rev="0"/>
+            </a:camera>
+            <a:lightRig rig="threePt" dir="t">
+              <a:rot lat="0" lon="0" rev="1200000"/>
+            </a:lightRig>
+          </a:scene3d>
+          <a:sp3d>
+            <a:bevelT w="63500" h="25400"/>
+          </a:sp3d>
+        </a:effectStyle>
+      </a:effectStyleLst>
+      <a:bgFillStyleLst>
+        <a:solidFill>
+          <a:schemeClr val="phClr"/>
+        </a:solidFill>
+        <a:gradFill rotWithShape="1">
+          <a:gsLst>
+            <a:gs pos="0">
+              <a:schemeClr val="phClr">
+                <a:tint val="40000"/>
+                <a:satMod val="350000"/>
+              </a:schemeClr>
+            </a:gs>
+            <a:gs pos="40000">
+              <a:schemeClr val="phClr">
+                <a:tint val="45000"/>
+                <a:shade val="99000"/>
+                <a:satMod val="350000"/>
+              </a:schemeClr>
+            </a:gs>
+            <a:gs pos="100000">
+              <a:schemeClr val="phClr">
+                <a:shade val="20000"/>
+                <a:satMod val="255000"/>
+              </a:schemeClr>
+            </a:gs>
+          </a:gsLst>
+          <a:path path="circle">
+            <a:fillToRect l="50000" t="-80000" r="50000" b="180000"/>
+          </a:path>
+        </a:gradFill>
+        <a:gradFill rotWithShape="1">
+          <a:gsLst>
+            <a:gs pos="0">
+              <a:schemeClr val="phClr">
+                <a:tint val="80000"/>
+                <a:satMod val="300000"/>
+              </a:schemeClr>
+            </a:gs>
+            <a:gs pos="100000">
+              <a:schemeClr val="phClr">
+                <a:shade val="30000"/>
+                <a:satMod val="200000"/>
+              </a:schemeClr>
+            </a:gs>
+          </a:gsLst>
+          <a:path path="circle">
+            <a:fillToRect l="50000" t="50000" r="50000" b="50000"/>
+          </a:path>
+        </a:gradFill>
+      </a:bgFillStyleLst>
+    </a:fmtScheme>
+  </a:themeElements>
+  <a:objectDefaults>
+    <a:spDef>
+      <a:spPr/>
+      <a:bodyPr/>
+      <a:lstStyle/>
+      <a:style>
+        <a:lnRef idx="1">
+          <a:schemeClr val="accent1"/>
+        </a:lnRef>
+        <a:fillRef idx="3">
+          <a:schemeClr val="accent1"/>
+        </a:fillRef>
+        <a:effectRef idx="2">
+          <a:schemeClr val="accent1"/>
+        </a:effectRef>
+        <a:fontRef idx="minor">
+          <a:schemeClr val="lt1"/>
+        </a:fontRef>
+      </a:style>
+    </a:spDef>
+    <a:lnDef>
+      <a:spPr/>
+      <a:bodyPr/>
+      <a:lstStyle/>
+      <a:style>
+        <a:lnRef idx="2">
+          <a:schemeClr val="accent1"/>
+        </a:lnRef>
+        <a:fillRef idx="0">
+          <a:schemeClr val="accent1"/>
+        </a:fillRef>
+        <a:effectRef idx="1">
+          <a:schemeClr val="accent1"/>
+        </a:effectRef>
+        <a:fontRef idx="minor">
+          <a:schemeClr val="tx1"/>
+        </a:fontRef>
+      </a:style>
+    </a:lnDef>
+  </a:objectDefaults>
+  <a:extraClrSchemeLst/>
+</a:theme>
+</file>
+
+<file path=ppt/theme/theme3.xml><?xml version="1.0" encoding="utf-8"?>
+<a:theme xmlns:a="http://schemas.openxmlformats.org/drawingml/2006/main" name="historie">
+  <a:themeElements>
+    <a:clrScheme name="TU Delft">
+      <a:dk1>
+        <a:sysClr val="windowText" lastClr="000000"/>
+      </a:dk1>
+      <a:lt1>
+        <a:srgbClr val="FFFFFF"/>
+      </a:lt1>
+      <a:dk2>
+        <a:srgbClr val="00A6D6"/>
+      </a:dk2>
+      <a:lt2>
+        <a:srgbClr val="FFFFFF"/>
+      </a:lt2>
+      <a:accent1>
+        <a:srgbClr val="A5CA1A"/>
+      </a:accent1>
+      <a:accent2>
+        <a:srgbClr val="E21A1A"/>
+      </a:accent2>
+      <a:accent3>
+        <a:srgbClr val="6D177F"/>
+      </a:accent3>
+      <a:accent4>
+        <a:srgbClr val="E64616"/>
+      </a:accent4>
+      <a:accent5>
+        <a:srgbClr val="008891"/>
+      </a:accent5>
+      <a:accent6>
+        <a:srgbClr val="6B8689"/>
+      </a:accent6>
+      <a:hlink>
+        <a:srgbClr val="0000FF"/>
+      </a:hlink>
+      <a:folHlink>
+        <a:srgbClr val="800080"/>
+      </a:folHlink>
+    </a:clrScheme>
+    <a:fontScheme name="Office Classic 2">
+      <a:majorFont>
+        <a:latin typeface="Arial"/>
+        <a:ea typeface=""/>
+        <a:cs typeface=""/>
+        <a:font script="Jpan" typeface="ＭＳ Ｐゴシック"/>
+        <a:font script="Hang" typeface="굴림"/>
+        <a:font script="Hans" typeface="黑体"/>
+        <a:font script="Hant" typeface="微軟正黑體"/>
+        <a:font script="Arab" typeface="Arial"/>
+        <a:font script="Hebr" typeface="Arial"/>
+        <a:font script="Thai" typeface="Cordia New"/>
+        <a:font script="Ethi" typeface="Nyala"/>
+        <a:font script="Beng" typeface="Vrinda"/>
+        <a:font script="Gujr" typeface="Shruti"/>
+        <a:font script="Khmr" typeface="DaunPenh"/>
+        <a:font script="Knda" typeface="Tunga"/>
+        <a:font script="Guru" typeface="Raavi"/>
+        <a:font script="Cans" typeface="Euphemia"/>
+        <a:font script="Cher" typeface="Plantagenet Cherokee"/>
+        <a:font script="Yiii" typeface="Microsoft Yi Baiti"/>
+        <a:font script="Tibt" typeface="Microsoft Himalaya"/>
+        <a:font script="Thaa" typeface="MV Boli"/>
+        <a:font script="Deva" typeface="Mangal"/>
+        <a:font script="Telu" typeface="Gautami"/>
+        <a:font script="Taml" typeface="Latha"/>
+        <a:font script="Syrc" typeface="Estrangelo Edessa"/>
+        <a:font script="Orya" typeface="Kalinga"/>
+        <a:font script="Mlym" typeface="Kartika"/>
+        <a:font script="Laoo" typeface="DokChampa"/>
+        <a:font script="Sinh" typeface="Iskoola Pota"/>
+        <a:font script="Mong" typeface="Mongolian Baiti"/>
+        <a:font script="Viet" typeface="Arial"/>
+        <a:font script="Uigh" typeface="Microsoft Uighur"/>
+      </a:majorFont>
+      <a:minorFont>
+        <a:latin typeface="Arial"/>
+        <a:ea typeface=""/>
+        <a:cs typeface=""/>
+        <a:font script="Jpan" typeface="ＭＳ Ｐゴシック"/>
+        <a:font script="Hang" typeface="굴림"/>
+        <a:font script="Hans" typeface="黑体"/>
+        <a:font script="Hant" typeface="微軟正黑體"/>
+        <a:font script="Arab" typeface="Arial"/>
+        <a:font script="Hebr" typeface="Arial"/>
+        <a:font script="Thai" typeface="Cordia New"/>
+        <a:font script="Ethi" typeface="Nyala"/>
+        <a:font script="Beng" typeface="Vrinda"/>
+        <a:font script="Gujr" typeface="Shruti"/>
+        <a:font script="Khmr" typeface="DaunPenh"/>
+        <a:font script="Knda" typeface="Tunga"/>
+        <a:font script="Guru" typeface="Raavi"/>
+        <a:font script="Cans" typeface="Euphemia"/>
+        <a:font script="Cher" typeface="Plantagenet Cherokee"/>
+        <a:font script="Yiii" typeface="Microsoft Yi Baiti"/>
+        <a:font script="Tibt" typeface="Microsoft Himalaya"/>
+        <a:font script="Thaa" typeface="MV Boli"/>
+        <a:font script="Deva" typeface="Mangal"/>
+        <a:font script="Telu" typeface="Gautami"/>
+        <a:font script="Taml" typeface="Latha"/>
+        <a:font script="Syrc" typeface="Estrangelo Edessa"/>
+        <a:font script="Orya" typeface="Kalinga"/>
+        <a:font script="Mlym" typeface="Kartika"/>
+        <a:font script="Laoo" typeface="DokChampa"/>
+        <a:font script="Sinh" typeface="Iskoola Pota"/>
+        <a:font script="Mong" typeface="Mongolian Baiti"/>
+        <a:font script="Viet" typeface="Arial"/>
+        <a:font script="Uigh" typeface="Microsoft Uighur"/>
+      </a:minorFont>
+    </a:fontScheme>
+    <a:fmtScheme name="Office">
+      <a:fillStyleLst>
+        <a:solidFill>
+          <a:schemeClr val="phClr"/>
+        </a:solidFill>
+        <a:gradFill rotWithShape="1">
+          <a:gsLst>
+            <a:gs pos="0">
+              <a:schemeClr val="phClr">
+                <a:tint val="50000"/>
+                <a:satMod val="300000"/>
+              </a:schemeClr>
+            </a:gs>
+            <a:gs pos="35000">
+              <a:schemeClr val="phClr">
+                <a:tint val="37000"/>
+                <a:satMod val="300000"/>
+              </a:schemeClr>
+            </a:gs>
+            <a:gs pos="100000">
+              <a:schemeClr val="phClr">
+                <a:tint val="15000"/>
+                <a:satMod val="350000"/>
+              </a:schemeClr>
+            </a:gs>
+          </a:gsLst>
+          <a:lin ang="16200000" scaled="1"/>
+        </a:gradFill>
+        <a:gradFill rotWithShape="1">
+          <a:gsLst>
+            <a:gs pos="0">
+              <a:schemeClr val="phClr">
+                <a:tint val="100000"/>
+                <a:shade val="100000"/>
+                <a:satMod val="130000"/>
+              </a:schemeClr>
+            </a:gs>
+            <a:gs pos="100000">
+              <a:schemeClr val="phClr">
+                <a:tint val="50000"/>
+                <a:shade val="100000"/>
+                <a:satMod val="350000"/>
+              </a:schemeClr>
+            </a:gs>
+          </a:gsLst>
+          <a:lin ang="16200000" scaled="0"/>
+        </a:gradFill>
+      </a:fillStyleLst>
+      <a:lnStyleLst>
+        <a:ln w="9525" cap="flat" cmpd="sng" algn="ctr">
+          <a:solidFill>
+            <a:schemeClr val="phClr">
+              <a:shade val="95000"/>
+              <a:satMod val="105000"/>
+            </a:schemeClr>
+          </a:solidFill>
+          <a:prstDash val="solid"/>
+        </a:ln>
+        <a:ln w="25400" cap="flat" cmpd="sng" algn="ctr">
+          <a:solidFill>
+            <a:schemeClr val="phClr"/>
+          </a:solidFill>
+          <a:prstDash val="solid"/>
+        </a:ln>
+        <a:ln w="38100" cap="flat" cmpd="sng" algn="ctr">
+          <a:solidFill>
+            <a:schemeClr val="phClr"/>
+          </a:solidFill>
+          <a:prstDash val="solid"/>
+        </a:ln>
+      </a:lnStyleLst>
+      <a:effectStyleLst>
+        <a:effectStyle>
+          <a:effectLst>
+            <a:outerShdw blurRad="40000" dist="20000" dir="5400000" rotWithShape="0">
+              <a:srgbClr val="000000">
+                <a:alpha val="38000"/>
+              </a:srgbClr>
+            </a:outerShdw>
+          </a:effectLst>
+        </a:effectStyle>
+        <a:effectStyle>
+          <a:effectLst>
+            <a:outerShdw blurRad="40000" dist="23000" dir="5400000" rotWithShape="0">
+              <a:srgbClr val="000000">
+                <a:alpha val="35000"/>
+              </a:srgbClr>
+            </a:outerShdw>
+          </a:effectLst>
+        </a:effectStyle>
+        <a:effectStyle>
+          <a:effectLst>
+            <a:outerShdw blurRad="40000" dist="23000" dir="5400000" rotWithShape="0">
+              <a:srgbClr val="000000">
+                <a:alpha val="35000"/>
+              </a:srgbClr>
+            </a:outerShdw>
+          </a:effectLst>
+          <a:scene3d>
+            <a:camera prst="orthographicFront">
+              <a:rot lat="0" lon="0" rev="0"/>
+            </a:camera>
+            <a:lightRig rig="threePt" dir="t">
+              <a:rot lat="0" lon="0" rev="1200000"/>
+            </a:lightRig>
+          </a:scene3d>
+          <a:sp3d>
+            <a:bevelT w="63500" h="25400"/>
+          </a:sp3d>
+        </a:effectStyle>
+      </a:effectStyleLst>
+      <a:bgFillStyleLst>
+        <a:solidFill>
+          <a:schemeClr val="phClr"/>
+        </a:solidFill>
+        <a:gradFill rotWithShape="1">
+          <a:gsLst>
+            <a:gs pos="0">
+              <a:schemeClr val="phClr">
+                <a:tint val="40000"/>
+                <a:satMod val="350000"/>
+              </a:schemeClr>
+            </a:gs>
+            <a:gs pos="40000">
+              <a:schemeClr val="phClr">
+                <a:tint val="45000"/>
+                <a:shade val="99000"/>
+                <a:satMod val="350000"/>
+              </a:schemeClr>
+            </a:gs>
+            <a:gs pos="100000">
+              <a:schemeClr val="phClr">
+                <a:shade val="20000"/>
+                <a:satMod val="255000"/>
+              </a:schemeClr>
+            </a:gs>
+          </a:gsLst>
+          <a:path path="circle">
+            <a:fillToRect l="50000" t="-80000" r="50000" b="180000"/>
+          </a:path>
+        </a:gradFill>
+        <a:gradFill rotWithShape="1">
+          <a:gsLst>
+            <a:gs pos="0">
+              <a:schemeClr val="phClr">
+                <a:tint val="80000"/>
+                <a:satMod val="300000"/>
+              </a:schemeClr>
+            </a:gs>
+            <a:gs pos="100000">
+              <a:schemeClr val="phClr">
+                <a:shade val="30000"/>
+                <a:satMod val="200000"/>
+              </a:schemeClr>
+            </a:gs>
+          </a:gsLst>
+          <a:path path="circle">
+            <a:fillToRect l="50000" t="50000" r="50000" b="50000"/>
+          </a:path>
+        </a:gradFill>
+      </a:bgFillStyleLst>
+    </a:fmtScheme>
+  </a:themeElements>
+  <a:objectDefaults>
+    <a:spDef>
+      <a:spPr/>
+      <a:bodyPr/>
+      <a:lstStyle/>
+      <a:style>
+        <a:lnRef idx="1">
+          <a:schemeClr val="accent1"/>
+        </a:lnRef>
+        <a:fillRef idx="3">
+          <a:schemeClr val="accent1"/>
+        </a:fillRef>
+        <a:effectRef idx="2">
+          <a:schemeClr val="accent1"/>
+        </a:effectRef>
+        <a:fontRef idx="minor">
+          <a:schemeClr val="lt1"/>
+        </a:fontRef>
+      </a:style>
+    </a:spDef>
+    <a:lnDef>
+      <a:spPr/>
+      <a:bodyPr/>
+      <a:lstStyle/>
+      <a:style>
+        <a:lnRef idx="2">
+          <a:schemeClr val="accent1"/>
+        </a:lnRef>
+        <a:fillRef idx="0">
+          <a:schemeClr val="accent1"/>
+        </a:fillRef>
+        <a:effectRef idx="1">
+          <a:schemeClr val="accent1"/>
+        </a:effectRef>
+        <a:fontRef idx="minor">
+          <a:schemeClr val="tx1"/>
+        </a:fontRef>
+      </a:style>
+    </a:lnDef>
+  </a:objectDefaults>
+  <a:extraClrSchemeLst/>
+</a:theme>
+</file>
+
+<file path=ppt/theme/theme4.xml><?xml version="1.0" encoding="utf-8"?>
+<a:theme xmlns:a="http://schemas.openxmlformats.org/drawingml/2006/main" name="hoe">
+  <a:themeElements>
+    <a:clrScheme name="TU Delft">
+      <a:dk1>
+        <a:sysClr val="windowText" lastClr="000000"/>
+      </a:dk1>
+      <a:lt1>
+        <a:srgbClr val="FFFFFF"/>
+      </a:lt1>
+      <a:dk2>
+        <a:srgbClr val="00A6D6"/>
+      </a:dk2>
+      <a:lt2>
+        <a:srgbClr val="FFFFFF"/>
+      </a:lt2>
+      <a:accent1>
+        <a:srgbClr val="A5CA1A"/>
+      </a:accent1>
+      <a:accent2>
+        <a:srgbClr val="E21A1A"/>
+      </a:accent2>
+      <a:accent3>
+        <a:srgbClr val="6D177F"/>
+      </a:accent3>
+      <a:accent4>
+        <a:srgbClr val="E64616"/>
+      </a:accent4>
+      <a:accent5>
+        <a:srgbClr val="008891"/>
+      </a:accent5>
+      <a:accent6>
+        <a:srgbClr val="6B8689"/>
+      </a:accent6>
+      <a:hlink>
+        <a:srgbClr val="0000FF"/>
+      </a:hlink>
+      <a:folHlink>
+        <a:srgbClr val="800080"/>
+      </a:folHlink>
+    </a:clrScheme>
+    <a:fontScheme name="Office Classic 2">
+      <a:majorFont>
+        <a:latin typeface="Arial"/>
+        <a:ea typeface=""/>
+        <a:cs typeface=""/>
+        <a:font script="Jpan" typeface="ＭＳ Ｐゴシック"/>
+        <a:font script="Hang" typeface="굴림"/>
+        <a:font script="Hans" typeface="黑体"/>
+        <a:font script="Hant" typeface="微軟正黑體"/>
+        <a:font script="Arab" typeface="Arial"/>
+        <a:font script="Hebr" typeface="Arial"/>
+        <a:font script="Thai" typeface="Cordia New"/>
+        <a:font script="Ethi" typeface="Nyala"/>
+        <a:font script="Beng" typeface="Vrinda"/>
+        <a:font script="Gujr" typeface="Shruti"/>
+        <a:font script="Khmr" typeface="DaunPenh"/>
+        <a:font script="Knda" typeface="Tunga"/>
+        <a:font script="Guru" typeface="Raavi"/>
+        <a:font script="Cans" typeface="Euphemia"/>
+        <a:font script="Cher" typeface="Plantagenet Cherokee"/>
+        <a:font script="Yiii" typeface="Microsoft Yi Baiti"/>
+        <a:font script="Tibt" typeface="Microsoft Himalaya"/>
+        <a:font script="Thaa" typeface="MV Boli"/>
+        <a:font script="Deva" typeface="Mangal"/>
+        <a:font script="Telu" typeface="Gautami"/>
+        <a:font script="Taml" typeface="Latha"/>
+        <a:font script="Syrc" typeface="Estrangelo Edessa"/>
+        <a:font script="Orya" typeface="Kalinga"/>
+        <a:font script="Mlym" typeface="Kartika"/>
+        <a:font script="Laoo" typeface="DokChampa"/>
+        <a:font script="Sinh" typeface="Iskoola Pota"/>
+        <a:font script="Mong" typeface="Mongolian Baiti"/>
+        <a:font script="Viet" typeface="Arial"/>
+        <a:font script="Uigh" typeface="Microsoft Uighur"/>
+      </a:majorFont>
+      <a:minorFont>
+        <a:latin typeface="Arial"/>
+        <a:ea typeface=""/>
+        <a:cs typeface=""/>
+        <a:font script="Jpan" typeface="ＭＳ Ｐゴシック"/>
+        <a:font script="Hang" typeface="굴림"/>
+        <a:font script="Hans" typeface="黑体"/>
+        <a:font script="Hant" typeface="微軟正黑體"/>
+        <a:font script="Arab" typeface="Arial"/>
+        <a:font script="Hebr" typeface="Arial"/>
+        <a:font script="Thai" typeface="Cordia New"/>
+        <a:font script="Ethi" typeface="Nyala"/>
+        <a:font script="Beng" typeface="Vrinda"/>
+        <a:font script="Gujr" typeface="Shruti"/>
+        <a:font script="Khmr" typeface="DaunPenh"/>
+        <a:font script="Knda" typeface="Tunga"/>
+        <a:font script="Guru" typeface="Raavi"/>
+        <a:font script="Cans" typeface="Euphemia"/>
+        <a:font script="Cher" typeface="Plantagenet Cherokee"/>
+        <a:font script="Yiii" typeface="Microsoft Yi Baiti"/>
+        <a:font script="Tibt" typeface="Microsoft Himalaya"/>
+        <a:font script="Thaa" typeface="MV Boli"/>
+        <a:font script="Deva" typeface="Mangal"/>
+        <a:font script="Telu" typeface="Gautami"/>
+        <a:font script="Taml" typeface="Latha"/>
+        <a:font script="Syrc" typeface="Estrangelo Edessa"/>
+        <a:font script="Orya" typeface="Kalinga"/>
+        <a:font script="Mlym" typeface="Kartika"/>
+        <a:font script="Laoo" typeface="DokChampa"/>
+        <a:font script="Sinh" typeface="Iskoola Pota"/>
+        <a:font script="Mong" typeface="Mongolian Baiti"/>
+        <a:font script="Viet" typeface="Arial"/>
+        <a:font script="Uigh" typeface="Microsoft Uighur"/>
+      </a:minorFont>
+    </a:fontScheme>
+    <a:fmtScheme name="Office">
+      <a:fillStyleLst>
+        <a:solidFill>
+          <a:schemeClr val="phClr"/>
+        </a:solidFill>
+        <a:gradFill rotWithShape="1">
+          <a:gsLst>
+            <a:gs pos="0">
+              <a:schemeClr val="phClr">
+                <a:tint val="50000"/>
+                <a:satMod val="300000"/>
+              </a:schemeClr>
+            </a:gs>
+            <a:gs pos="35000">
+              <a:schemeClr val="phClr">
+                <a:tint val="37000"/>
+                <a:satMod val="300000"/>
+              </a:schemeClr>
+            </a:gs>
+            <a:gs pos="100000">
+              <a:schemeClr val="phClr">
+                <a:tint val="15000"/>
+                <a:satMod val="350000"/>
+              </a:schemeClr>
+            </a:gs>
+          </a:gsLst>
+          <a:lin ang="16200000" scaled="1"/>
+        </a:gradFill>
+        <a:gradFill rotWithShape="1">
+          <a:gsLst>
+            <a:gs pos="0">
+              <a:schemeClr val="phClr">
+                <a:tint val="100000"/>
+                <a:shade val="100000"/>
+                <a:satMod val="130000"/>
+              </a:schemeClr>
+            </a:gs>
+            <a:gs pos="100000">
+              <a:schemeClr val="phClr">
+                <a:tint val="50000"/>
+                <a:shade val="100000"/>
+                <a:satMod val="350000"/>
+              </a:schemeClr>
+            </a:gs>
+          </a:gsLst>
+          <a:lin ang="16200000" scaled="0"/>
+        </a:gradFill>
+      </a:fillStyleLst>
+      <a:lnStyleLst>
+        <a:ln w="9525" cap="flat" cmpd="sng" algn="ctr">
+          <a:solidFill>
+            <a:schemeClr val="phClr">
+              <a:shade val="95000"/>
+              <a:satMod val="105000"/>
+            </a:schemeClr>
+          </a:solidFill>
+          <a:prstDash val="solid"/>
+        </a:ln>
+        <a:ln w="25400" cap="flat" cmpd="sng" algn="ctr">
+          <a:solidFill>
+            <a:schemeClr val="phClr"/>
+          </a:solidFill>
+          <a:prstDash val="solid"/>
+        </a:ln>
+        <a:ln w="38100" cap="flat" cmpd="sng" algn="ctr">
+          <a:solidFill>
+            <a:schemeClr val="phClr"/>
+          </a:solidFill>
+          <a:prstDash val="solid"/>
+        </a:ln>
+      </a:lnStyleLst>
+      <a:effectStyleLst>
+        <a:effectStyle>
+          <a:effectLst>
+            <a:outerShdw blurRad="40000" dist="20000" dir="5400000" rotWithShape="0">
+              <a:srgbClr val="000000">
+                <a:alpha val="38000"/>
+              </a:srgbClr>
+            </a:outerShdw>
+          </a:effectLst>
+        </a:effectStyle>
+        <a:effectStyle>
+          <a:effectLst>
+            <a:outerShdw blurRad="40000" dist="23000" dir="5400000" rotWithShape="0">
+              <a:srgbClr val="000000">
+                <a:alpha val="35000"/>
+              </a:srgbClr>
+            </a:outerShdw>
+          </a:effectLst>
+        </a:effectStyle>
+        <a:effectStyle>
+          <a:effectLst>
+            <a:outerShdw blurRad="40000" dist="23000" dir="5400000" rotWithShape="0">
+              <a:srgbClr val="000000">
+                <a:alpha val="35000"/>
+              </a:srgbClr>
+            </a:outerShdw>
+          </a:effectLst>
+          <a:scene3d>
+            <a:camera prst="orthographicFront">
+              <a:rot lat="0" lon="0" rev="0"/>
+            </a:camera>
+            <a:lightRig rig="threePt" dir="t">
+              <a:rot lat="0" lon="0" rev="1200000"/>
+            </a:lightRig>
+          </a:scene3d>
+          <a:sp3d>
+            <a:bevelT w="63500" h="25400"/>
+          </a:sp3d>
+        </a:effectStyle>
+      </a:effectStyleLst>
+      <a:bgFillStyleLst>
+        <a:solidFill>
+          <a:schemeClr val="phClr"/>
+        </a:solidFill>
+        <a:gradFill rotWithShape="1">
+          <a:gsLst>
+            <a:gs pos="0">
+              <a:schemeClr val="phClr">
+                <a:tint val="40000"/>
+                <a:satMod val="350000"/>
+              </a:schemeClr>
+            </a:gs>
+            <a:gs pos="40000">
+              <a:schemeClr val="phClr">
+                <a:tint val="45000"/>
+                <a:shade val="99000"/>
+                <a:satMod val="350000"/>
+              </a:schemeClr>
+            </a:gs>
+            <a:gs pos="100000">
+              <a:schemeClr val="phClr">
+                <a:shade val="20000"/>
+                <a:satMod val="255000"/>
+              </a:schemeClr>
+            </a:gs>
+          </a:gsLst>
+          <a:path path="circle">
+            <a:fillToRect l="50000" t="-80000" r="50000" b="180000"/>
+          </a:path>
+        </a:gradFill>
+        <a:gradFill rotWithShape="1">
+          <a:gsLst>
+            <a:gs pos="0">
+              <a:schemeClr val="phClr">
+                <a:tint val="80000"/>
+                <a:satMod val="300000"/>
+              </a:schemeClr>
+            </a:gs>
+            <a:gs pos="100000">
+              <a:schemeClr val="phClr">
+                <a:shade val="30000"/>
+                <a:satMod val="200000"/>
+              </a:schemeClr>
+            </a:gs>
+          </a:gsLst>
+          <a:path path="circle">
+            <a:fillToRect l="50000" t="50000" r="50000" b="50000"/>
+          </a:path>
+        </a:gradFill>
+      </a:bgFillStyleLst>
+    </a:fmtScheme>
+  </a:themeElements>
+  <a:objectDefaults>
+    <a:spDef>
+      <a:spPr/>
+      <a:bodyPr/>
+      <a:lstStyle/>
+      <a:style>
+        <a:lnRef idx="1">
+          <a:schemeClr val="accent1"/>
+        </a:lnRef>
+        <a:fillRef idx="3">
+          <a:schemeClr val="accent1"/>
+        </a:fillRef>
+        <a:effectRef idx="2">
+          <a:schemeClr val="accent1"/>
+        </a:effectRef>
+        <a:fontRef idx="minor">
+          <a:schemeClr val="lt1"/>
+        </a:fontRef>
+      </a:style>
+    </a:spDef>
+    <a:lnDef>
+      <a:spPr/>
+      <a:bodyPr/>
+      <a:lstStyle/>
+      <a:style>
+        <a:lnRef idx="2">
+          <a:schemeClr val="accent1"/>
+        </a:lnRef>
+        <a:fillRef idx="0">
+          <a:schemeClr val="accent1"/>
+        </a:fillRef>
+        <a:effectRef idx="1">
+          <a:schemeClr val="accent1"/>
+        </a:effectRef>
+        <a:fontRef idx="minor">
+          <a:schemeClr val="tx1"/>
+        </a:fontRef>
+      </a:style>
+    </a:lnDef>
+  </a:objectDefaults>
+  <a:extraClrSchemeLst/>
+</a:theme>
+</file>
+
+<file path=ppt/theme/theme5.xml><?xml version="1.0" encoding="utf-8"?>
+<a:theme xmlns:a="http://schemas.openxmlformats.org/drawingml/2006/main" name="voor- en nadelen">
+  <a:themeElements>
+    <a:clrScheme name="TU Delft">
+      <a:dk1>
+        <a:sysClr val="windowText" lastClr="000000"/>
+      </a:dk1>
+      <a:lt1>
+        <a:srgbClr val="FFFFFF"/>
+      </a:lt1>
+      <a:dk2>
+        <a:srgbClr val="00A6D6"/>
+      </a:dk2>
+      <a:lt2>
+        <a:srgbClr val="FFFFFF"/>
+      </a:lt2>
+      <a:accent1>
+        <a:srgbClr val="A5CA1A"/>
+      </a:accent1>
+      <a:accent2>
+        <a:srgbClr val="E21A1A"/>
+      </a:accent2>
+      <a:accent3>
+        <a:srgbClr val="6D177F"/>
+      </a:accent3>
+      <a:accent4>
+        <a:srgbClr val="E64616"/>
+      </a:accent4>
+      <a:accent5>
+        <a:srgbClr val="008891"/>
+      </a:accent5>
+      <a:accent6>
+        <a:srgbClr val="6B8689"/>
+      </a:accent6>
+      <a:hlink>
+        <a:srgbClr val="0000FF"/>
+      </a:hlink>
+      <a:folHlink>
+        <a:srgbClr val="800080"/>
+      </a:folHlink>
+    </a:clrScheme>
+    <a:fontScheme name="Office Classic 2">
+      <a:majorFont>
+        <a:latin typeface="Arial"/>
+        <a:ea typeface=""/>
+        <a:cs typeface=""/>
+        <a:font script="Jpan" typeface="ＭＳ Ｐゴシック"/>
+        <a:font script="Hang" typeface="굴림"/>
+        <a:font script="Hans" typeface="黑体"/>
+        <a:font script="Hant" typeface="微軟正黑體"/>
+        <a:font script="Arab" typeface="Arial"/>
+        <a:font script="Hebr" typeface="Arial"/>
+        <a:font script="Thai" typeface="Cordia New"/>
+        <a:font script="Ethi" typeface="Nyala"/>
+        <a:font script="Beng" typeface="Vrinda"/>
+        <a:font script="Gujr" typeface="Shruti"/>
+        <a:font script="Khmr" typeface="DaunPenh"/>
+        <a:font script="Knda" typeface="Tunga"/>
+        <a:font script="Guru" typeface="Raavi"/>
+        <a:font script="Cans" typeface="Euphemia"/>
+        <a:font script="Cher" typeface="Plantagenet Cherokee"/>
+        <a:font script="Yiii" typeface="Microsoft Yi Baiti"/>
+        <a:font script="Tibt" typeface="Microsoft Himalaya"/>
+        <a:font script="Thaa" typeface="MV Boli"/>
+        <a:font script="Deva" typeface="Mangal"/>
+        <a:font script="Telu" typeface="Gautami"/>
+        <a:font script="Taml" typeface="Latha"/>
+        <a:font script="Syrc" typeface="Estrangelo Edessa"/>
+        <a:font script="Orya" typeface="Kalinga"/>
+        <a:font script="Mlym" typeface="Kartika"/>
+        <a:font script="Laoo" typeface="DokChampa"/>
+        <a:font script="Sinh" typeface="Iskoola Pota"/>
+        <a:font script="Mong" typeface="Mongolian Baiti"/>
+        <a:font script="Viet" typeface="Arial"/>
+        <a:font script="Uigh" typeface="Microsoft Uighur"/>
+      </a:majorFont>
+      <a:minorFont>
+        <a:latin typeface="Arial"/>
+        <a:ea typeface=""/>
+        <a:cs typeface=""/>
+        <a:font script="Jpan" typeface="ＭＳ Ｐゴシック"/>
+        <a:font script="Hang" typeface="굴림"/>
+        <a:font script="Hans" typeface="黑体"/>
+        <a:font script="Hant" typeface="微軟正黑體"/>
+        <a:font script="Arab" typeface="Arial"/>
+        <a:font script="Hebr" typeface="Arial"/>
+        <a:font script="Thai" typeface="Cordia New"/>
+        <a:font script="Ethi" typeface="Nyala"/>
+        <a:font script="Beng" typeface="Vrinda"/>
+        <a:font script="Gujr" typeface="Shruti"/>
+        <a:font script="Khmr" typeface="DaunPenh"/>
+        <a:font script="Knda" typeface="Tunga"/>
+        <a:font script="Guru" typeface="Raavi"/>
+        <a:font script="Cans" typeface="Euphemia"/>
+        <a:font script="Cher" typeface="Plantagenet Cherokee"/>
+        <a:font script="Yiii" typeface="Microsoft Yi Baiti"/>
+        <a:font script="Tibt" typeface="Microsoft Himalaya"/>
+        <a:font script="Thaa" typeface="MV Boli"/>
+        <a:font script="Deva" typeface="Mangal"/>
+        <a:font script="Telu" typeface="Gautami"/>
+        <a:font script="Taml" typeface="Latha"/>
+        <a:font script="Syrc" typeface="Estrangelo Edessa"/>
+        <a:font script="Orya" typeface="Kalinga"/>
+        <a:font script="Mlym" typeface="Kartika"/>
+        <a:font script="Laoo" typeface="DokChampa"/>
+        <a:font script="Sinh" typeface="Iskoola Pota"/>
+        <a:font script="Mong" typeface="Mongolian Baiti"/>
+        <a:font script="Viet" typeface="Arial"/>
+        <a:font script="Uigh" typeface="Microsoft Uighur"/>
+      </a:minorFont>
+    </a:fontScheme>
+    <a:fmtScheme name="Office">
+      <a:fillStyleLst>
+        <a:solidFill>
+          <a:schemeClr val="phClr"/>
+        </a:solidFill>
+        <a:gradFill rotWithShape="1">
+          <a:gsLst>
+            <a:gs pos="0">
+              <a:schemeClr val="phClr">
+                <a:tint val="50000"/>
+                <a:satMod val="300000"/>
+              </a:schemeClr>
+            </a:gs>
+            <a:gs pos="35000">
+              <a:schemeClr val="phClr">
+                <a:tint val="37000"/>
+                <a:satMod val="300000"/>
+              </a:schemeClr>
+            </a:gs>
+            <a:gs pos="100000">
+              <a:schemeClr val="phClr">
+                <a:tint val="15000"/>
+                <a:satMod val="350000"/>
+              </a:schemeClr>
+            </a:gs>
+          </a:gsLst>
+          <a:lin ang="16200000" scaled="1"/>
+        </a:gradFill>
+        <a:gradFill rotWithShape="1">
+          <a:gsLst>
+            <a:gs pos="0">
+              <a:schemeClr val="phClr">
+                <a:tint val="100000"/>
+                <a:shade val="100000"/>
+                <a:satMod val="130000"/>
+              </a:schemeClr>
+            </a:gs>
+            <a:gs pos="100000">
+              <a:schemeClr val="phClr">
+                <a:tint val="50000"/>
+                <a:shade val="100000"/>
+                <a:satMod val="350000"/>
+              </a:schemeClr>
+            </a:gs>
+          </a:gsLst>
+          <a:lin ang="16200000" scaled="0"/>
+        </a:gradFill>
+      </a:fillStyleLst>
+      <a:lnStyleLst>
+        <a:ln w="9525" cap="flat" cmpd="sng" algn="ctr">
+          <a:solidFill>
+            <a:schemeClr val="phClr">
+              <a:shade val="95000"/>
+              <a:satMod val="105000"/>
+            </a:schemeClr>
+          </a:solidFill>
+          <a:prstDash val="solid"/>
+        </a:ln>
+        <a:ln w="25400" cap="flat" cmpd="sng" algn="ctr">
+          <a:solidFill>
+            <a:schemeClr val="phClr"/>
+          </a:solidFill>
+          <a:prstDash val="solid"/>
+        </a:ln>
+        <a:ln w="38100" cap="flat" cmpd="sng" algn="ctr">
+          <a:solidFill>
+            <a:schemeClr val="phClr"/>
+          </a:solidFill>
+          <a:prstDash val="solid"/>
+        </a:ln>
+      </a:lnStyleLst>
+      <a:effectStyleLst>
+        <a:effectStyle>
+          <a:effectLst>
+            <a:outerShdw blurRad="40000" dist="20000" dir="5400000" rotWithShape="0">
+              <a:srgbClr val="000000">
+                <a:alpha val="38000"/>
+              </a:srgbClr>
+            </a:outerShdw>
+          </a:effectLst>
+        </a:effectStyle>
+        <a:effectStyle>
+          <a:effectLst>
+            <a:outerShdw blurRad="40000" dist="23000" dir="5400000" rotWithShape="0">
+              <a:srgbClr val="000000">
+                <a:alpha val="35000"/>
+              </a:srgbClr>
+            </a:outerShdw>
+          </a:effectLst>
+        </a:effectStyle>
+        <a:effectStyle>
+          <a:effectLst>
+            <a:outerShdw blurRad="40000" dist="23000" dir="5400000" rotWithShape="0">
+              <a:srgbClr val="000000">
+                <a:alpha val="35000"/>
+              </a:srgbClr>
+            </a:outerShdw>
+          </a:effectLst>
+          <a:scene3d>
+            <a:camera prst="orthographicFront">
+              <a:rot lat="0" lon="0" rev="0"/>
+            </a:camera>
+            <a:lightRig rig="threePt" dir="t">
+              <a:rot lat="0" lon="0" rev="1200000"/>
+            </a:lightRig>
+          </a:scene3d>
+          <a:sp3d>
+            <a:bevelT w="63500" h="25400"/>
+          </a:sp3d>
+        </a:effectStyle>
+      </a:effectStyleLst>
+      <a:bgFillStyleLst>
+        <a:solidFill>
+          <a:schemeClr val="phClr"/>
+        </a:solidFill>
+        <a:gradFill rotWithShape="1">
+          <a:gsLst>
+            <a:gs pos="0">
+              <a:schemeClr val="phClr">
+                <a:tint val="40000"/>
+                <a:satMod val="350000"/>
+              </a:schemeClr>
+            </a:gs>
+            <a:gs pos="40000">
+              <a:schemeClr val="phClr">
+                <a:tint val="45000"/>
+                <a:shade val="99000"/>
+                <a:satMod val="350000"/>
+              </a:schemeClr>
+            </a:gs>
+            <a:gs pos="100000">
+              <a:schemeClr val="phClr">
+                <a:shade val="20000"/>
+                <a:satMod val="255000"/>
+              </a:schemeClr>
+            </a:gs>
+          </a:gsLst>
+          <a:path path="circle">
+            <a:fillToRect l="50000" t="-80000" r="50000" b="180000"/>
+          </a:path>
+        </a:gradFill>
+        <a:gradFill rotWithShape="1">
+          <a:gsLst>
+            <a:gs pos="0">
+              <a:schemeClr val="phClr">
+                <a:tint val="80000"/>
+                <a:satMod val="300000"/>
+              </a:schemeClr>
+            </a:gs>
+            <a:gs pos="100000">
+              <a:schemeClr val="phClr">
+                <a:shade val="30000"/>
+                <a:satMod val="200000"/>
+              </a:schemeClr>
+            </a:gs>
+          </a:gsLst>
+          <a:path path="circle">
+            <a:fillToRect l="50000" t="50000" r="50000" b="50000"/>
+          </a:path>
+        </a:gradFill>
+      </a:bgFillStyleLst>
+    </a:fmtScheme>
+  </a:themeElements>
+  <a:objectDefaults>
+    <a:spDef>
+      <a:spPr/>
+      <a:bodyPr/>
+      <a:lstStyle/>
+      <a:style>
+        <a:lnRef idx="1">
+          <a:schemeClr val="accent1"/>
+        </a:lnRef>
+        <a:fillRef idx="3">
+          <a:schemeClr val="accent1"/>
+        </a:fillRef>
+        <a:effectRef idx="2">
+          <a:schemeClr val="accent1"/>
+        </a:effectRef>
+        <a:fontRef idx="minor">
+          <a:schemeClr val="lt1"/>
+        </a:fontRef>
+      </a:style>
+    </a:spDef>
+    <a:lnDef>
+      <a:spPr/>
+      <a:bodyPr/>
+      <a:lstStyle/>
+      <a:style>
+        <a:lnRef idx="2">
+          <a:schemeClr val="accent1"/>
+        </a:lnRef>
+        <a:fillRef idx="0">
+          <a:schemeClr val="accent1"/>
+        </a:fillRef>
+        <a:effectRef idx="1">
+          <a:schemeClr val="accent1"/>
+        </a:effectRef>
+        <a:fontRef idx="minor">
+          <a:schemeClr val="tx1"/>
+        </a:fontRef>
+      </a:style>
+    </a:lnDef>
+  </a:objectDefaults>
+  <a:extraClrSchemeLst/>
+</a:theme>
+</file>
+
+<file path=ppt/theme/theme6.xml><?xml version="1.0" encoding="utf-8"?>
+<a:theme xmlns:a="http://schemas.openxmlformats.org/drawingml/2006/main" name="conclusie">
+  <a:themeElements>
+    <a:clrScheme name="TU Delft">
+      <a:dk1>
+        <a:sysClr val="windowText" lastClr="000000"/>
+      </a:dk1>
+      <a:lt1>
+        <a:srgbClr val="FFFFFF"/>
+      </a:lt1>
+      <a:dk2>
+        <a:srgbClr val="00A6D6"/>
+      </a:dk2>
+      <a:lt2>
+        <a:srgbClr val="FFFFFF"/>
+      </a:lt2>
+      <a:accent1>
+        <a:srgbClr val="A5CA1A"/>
+      </a:accent1>
+      <a:accent2>
+        <a:srgbClr val="E21A1A"/>
+      </a:accent2>
+      <a:accent3>
+        <a:srgbClr val="6D177F"/>
+      </a:accent3>
+      <a:accent4>
+        <a:srgbClr val="E64616"/>
+      </a:accent4>
+      <a:accent5>
+        <a:srgbClr val="008891"/>
+      </a:accent5>
+      <a:accent6>
+        <a:srgbClr val="6B8689"/>
+      </a:accent6>
+      <a:hlink>
+        <a:srgbClr val="0000FF"/>
+      </a:hlink>
+      <a:folHlink>
+        <a:srgbClr val="800080"/>
+      </a:folHlink>
+    </a:clrScheme>
+    <a:fontScheme name="Office Classic 2">
+      <a:majorFont>
+        <a:latin typeface="Arial"/>
+        <a:ea typeface=""/>
+        <a:cs typeface=""/>
+        <a:font script="Jpan" typeface="ＭＳ Ｐゴシック"/>
+        <a:font script="Hang" typeface="굴림"/>
+        <a:font script="Hans" typeface="黑体"/>
+        <a:font script="Hant" typeface="微軟正黑體"/>
+        <a:font script="Arab" typeface="Arial"/>
+        <a:font script="Hebr" typeface="Arial"/>
+        <a:font script="Thai" typeface="Cordia New"/>
+        <a:font script="Ethi" typeface="Nyala"/>
+        <a:font script="Beng" typeface="Vrinda"/>
+        <a:font script="Gujr" typeface="Shruti"/>
+        <a:font script="Khmr" typeface="DaunPenh"/>
+        <a:font script="Knda" typeface="Tunga"/>
+        <a:font script="Guru" typeface="Raavi"/>
+        <a:font script="Cans" typeface="Euphemia"/>
+        <a:font script="Cher" typeface="Plantagenet Cherokee"/>
+        <a:font script="Yiii" typeface="Microsoft Yi Baiti"/>
+        <a:font script="Tibt" typeface="Microsoft Himalaya"/>
+        <a:font script="Thaa" typeface="MV Boli"/>
+        <a:font script="Deva" typeface="Mangal"/>
+        <a:font script="Telu" typeface="Gautami"/>
+        <a:font script="Taml" typeface="Latha"/>
+        <a:font script="Syrc" typeface="Estrangelo Edessa"/>
+        <a:font script="Orya" typeface="Kalinga"/>
+        <a:font script="Mlym" typeface="Kartika"/>
+        <a:font script="Laoo" typeface="DokChampa"/>
+        <a:font script="Sinh" typeface="Iskoola Pota"/>
+        <a:font script="Mong" typeface="Mongolian Baiti"/>
+        <a:font script="Viet" typeface="Arial"/>
+        <a:font script="Uigh" typeface="Microsoft Uighur"/>
+      </a:majorFont>
+      <a:minorFont>
+        <a:latin typeface="Arial"/>
+        <a:ea typeface=""/>
+        <a:cs typeface=""/>
+        <a:font script="Jpan" typeface="ＭＳ Ｐゴシック"/>
+        <a:font script="Hang" typeface="굴림"/>
+        <a:font script="Hans" typeface="黑体"/>
+        <a:font script="Hant" typeface="微軟正黑體"/>
+        <a:font script="Arab" typeface="Arial"/>
+        <a:font script="Hebr" typeface="Arial"/>
+        <a:font script="Thai" typeface="Cordia New"/>
+        <a:font script="Ethi" typeface="Nyala"/>
+        <a:font script="Beng" typeface="Vrinda"/>
+        <a:font script="Gujr" typeface="Shruti"/>
+        <a:font script="Khmr" typeface="DaunPenh"/>
+        <a:font script="Knda" typeface="Tunga"/>
+        <a:font script="Guru" typeface="Raavi"/>
+        <a:font script="Cans" typeface="Euphemia"/>
+        <a:font script="Cher" typeface="Plantagenet Cherokee"/>
+        <a:font script="Yiii" typeface="Microsoft Yi Baiti"/>
+        <a:font script="Tibt" typeface="Microsoft Himalaya"/>
+        <a:font script="Thaa" typeface="MV Boli"/>
+        <a:font script="Deva" typeface="Mangal"/>
+        <a:font script="Telu" typeface="Gautami"/>
+        <a:font script="Taml" typeface="Latha"/>
+        <a:font script="Syrc" typeface="Estrangelo Edessa"/>
+        <a:font script="Orya" typeface="Kalinga"/>
+        <a:font script="Mlym" typeface="Kartika"/>
+        <a:font script="Laoo" typeface="DokChampa"/>
+        <a:font script="Sinh" typeface="Iskoola Pota"/>
+        <a:font script="Mong" typeface="Mongolian Baiti"/>
+        <a:font script="Viet" typeface="Arial"/>
+        <a:font script="Uigh" typeface="Microsoft Uighur"/>
+      </a:minorFont>
+    </a:fontScheme>
+    <a:fmtScheme name="Office">
+      <a:fillStyleLst>
+        <a:solidFill>
+          <a:schemeClr val="phClr"/>
+        </a:solidFill>
+        <a:gradFill rotWithShape="1">
+          <a:gsLst>
+            <a:gs pos="0">
+              <a:schemeClr val="phClr">
+                <a:tint val="50000"/>
+                <a:satMod val="300000"/>
+              </a:schemeClr>
+            </a:gs>
+            <a:gs pos="35000">
+              <a:schemeClr val="phClr">
+                <a:tint val="37000"/>
+                <a:satMod val="300000"/>
+              </a:schemeClr>
+            </a:gs>
+            <a:gs pos="100000">
+              <a:schemeClr val="phClr">
+                <a:tint val="15000"/>
+                <a:satMod val="350000"/>
+              </a:schemeClr>
+            </a:gs>
+          </a:gsLst>
+          <a:lin ang="16200000" scaled="1"/>
+        </a:gradFill>
+        <a:gradFill rotWithShape="1">
+          <a:gsLst>
+            <a:gs pos="0">
+              <a:schemeClr val="phClr">
+                <a:tint val="100000"/>
+                <a:shade val="100000"/>
+                <a:satMod val="130000"/>
+              </a:schemeClr>
+            </a:gs>
+            <a:gs pos="100000">
+              <a:schemeClr val="phClr">
+                <a:tint val="50000"/>
+                <a:shade val="100000"/>
+                <a:satMod val="350000"/>
+              </a:schemeClr>
+            </a:gs>
+          </a:gsLst>
+          <a:lin ang="16200000" scaled="0"/>
+        </a:gradFill>
+      </a:fillStyleLst>
+      <a:lnStyleLst>
+        <a:ln w="9525" cap="flat" cmpd="sng" algn="ctr">
+          <a:solidFill>
+            <a:schemeClr val="phClr">
+              <a:shade val="95000"/>
+              <a:satMod val="105000"/>
+            </a:schemeClr>
+          </a:solidFill>
+          <a:prstDash val="solid"/>
+        </a:ln>
+        <a:ln w="25400" cap="flat" cmpd="sng" algn="ctr">
+          <a:solidFill>
+            <a:schemeClr val="phClr"/>
+          </a:solidFill>
+          <a:prstDash val="solid"/>
+        </a:ln>
+        <a:ln w="38100" cap="flat" cmpd="sng" algn="ctr">
+          <a:solidFill>
+            <a:schemeClr val="phClr"/>
+          </a:solidFill>
+          <a:prstDash val="solid"/>
+        </a:ln>
+      </a:lnStyleLst>
+      <a:effectStyleLst>
+        <a:effectStyle>
+          <a:effectLst>
+            <a:outerShdw blurRad="40000" dist="20000" dir="5400000" rotWithShape="0">
+              <a:srgbClr val="000000">
+                <a:alpha val="38000"/>
+              </a:srgbClr>
+            </a:outerShdw>
+          </a:effectLst>
+        </a:effectStyle>
+        <a:effectStyle>
+          <a:effectLst>
+            <a:outerShdw blurRad="40000" dist="23000" dir="5400000" rotWithShape="0">
+              <a:srgbClr val="000000">
+                <a:alpha val="35000"/>
+              </a:srgbClr>
+            </a:outerShdw>
+          </a:effectLst>
+        </a:effectStyle>
+        <a:effectStyle>
+          <a:effectLst>
+            <a:outerShdw blurRad="40000" dist="23000" dir="5400000" rotWithShape="0">
+              <a:srgbClr val="000000">
+                <a:alpha val="35000"/>
+              </a:srgbClr>
+            </a:outerShdw>
+          </a:effectLst>
+          <a:scene3d>
+            <a:camera prst="orthographicFront">
+              <a:rot lat="0" lon="0" rev="0"/>
+            </a:camera>
+            <a:lightRig rig="threePt" dir="t">
+              <a:rot lat="0" lon="0" rev="1200000"/>
+            </a:lightRig>
+          </a:scene3d>
+          <a:sp3d>
+            <a:bevelT w="63500" h="25400"/>
+          </a:sp3d>
+        </a:effectStyle>
+      </a:effectStyleLst>
+      <a:bgFillStyleLst>
+        <a:solidFill>
+          <a:schemeClr val="phClr"/>
+        </a:solidFill>
+        <a:gradFill rotWithShape="1">
+          <a:gsLst>
+            <a:gs pos="0">
+              <a:schemeClr val="phClr">
+                <a:tint val="40000"/>
+                <a:satMod val="350000"/>
+              </a:schemeClr>
+            </a:gs>
+            <a:gs pos="40000">
+              <a:schemeClr val="phClr">
+                <a:tint val="45000"/>
+                <a:shade val="99000"/>
+                <a:satMod val="350000"/>
+              </a:schemeClr>
+            </a:gs>
+            <a:gs pos="100000">
+              <a:schemeClr val="phClr">
+                <a:shade val="20000"/>
+                <a:satMod val="255000"/>
+              </a:schemeClr>
+            </a:gs>
+          </a:gsLst>
+          <a:path path="circle">
+            <a:fillToRect l="50000" t="-80000" r="50000" b="180000"/>
+          </a:path>
+        </a:gradFill>
+        <a:gradFill rotWithShape="1">
+          <a:gsLst>
+            <a:gs pos="0">
+              <a:schemeClr val="phClr">
+                <a:tint val="80000"/>
+                <a:satMod val="300000"/>
+              </a:schemeClr>
+            </a:gs>
+            <a:gs pos="100000">
+              <a:schemeClr val="phClr">
+                <a:shade val="30000"/>
+                <a:satMod val="200000"/>
+              </a:schemeClr>
+            </a:gs>
+          </a:gsLst>
+          <a:path path="circle">
+            <a:fillToRect l="50000" t="50000" r="50000" b="50000"/>
+          </a:path>
+        </a:gradFill>
+      </a:bgFillStyleLst>
+    </a:fmtScheme>
+  </a:themeElements>
+  <a:objectDefaults>
+    <a:spDef>
+      <a:spPr/>
+      <a:bodyPr/>
+      <a:lstStyle/>
+      <a:style>
+        <a:lnRef idx="1">
+          <a:schemeClr val="accent1"/>
+        </a:lnRef>
+        <a:fillRef idx="3">
+          <a:schemeClr val="accent1"/>
+        </a:fillRef>
+        <a:effectRef idx="2">
+          <a:schemeClr val="accent1"/>
+        </a:effectRef>
+        <a:fontRef idx="minor">
+          <a:schemeClr val="lt1"/>
+        </a:fontRef>
+      </a:style>
+    </a:spDef>
+    <a:lnDef>
+      <a:spPr/>
+      <a:bodyPr/>
+      <a:lstStyle/>
+      <a:style>
+        <a:lnRef idx="2">
+          <a:schemeClr val="accent1"/>
+        </a:lnRef>
+        <a:fillRef idx="0">
+          <a:schemeClr val="accent1"/>
+        </a:fillRef>
+        <a:effectRef idx="1">
+          <a:schemeClr val="accent1"/>
+        </a:effectRef>
+        <a:fontRef idx="minor">
+          <a:schemeClr val="tx1"/>
+        </a:fontRef>
+      </a:style>
+    </a:lnDef>
+  </a:objectDefaults>
+  <a:extraClrSchemeLst/>
+</a:theme>
+</file>
+
+<file path=ppt/theme/theme7.xml><?xml version="1.0" encoding="utf-8"?>
+<a:theme xmlns:a="http://schemas.openxmlformats.org/drawingml/2006/main" name="vragenronde">
+  <a:themeElements>
+    <a:clrScheme name="TU Delft">
+      <a:dk1>
+        <a:sysClr val="windowText" lastClr="000000"/>
+      </a:dk1>
+      <a:lt1>
+        <a:srgbClr val="FFFFFF"/>
+      </a:lt1>
+      <a:dk2>
+        <a:srgbClr val="00A6D6"/>
+      </a:dk2>
+      <a:lt2>
+        <a:srgbClr val="FFFFFF"/>
+      </a:lt2>
+      <a:accent1>
+        <a:srgbClr val="A5CA1A"/>
+      </a:accent1>
+      <a:accent2>
+        <a:srgbClr val="E21A1A"/>
+      </a:accent2>
+      <a:accent3>
+        <a:srgbClr val="6D177F"/>
+      </a:accent3>
+      <a:accent4>
+        <a:srgbClr val="E64616"/>
+      </a:accent4>
+      <a:accent5>
+        <a:srgbClr val="008891"/>
+      </a:accent5>
+      <a:accent6>
+        <a:srgbClr val="6B8689"/>
+      </a:accent6>
+      <a:hlink>
+        <a:srgbClr val="0000FF"/>
+      </a:hlink>
+      <a:folHlink>
+        <a:srgbClr val="800080"/>
+      </a:folHlink>
+    </a:clrScheme>
+    <a:fontScheme name="Office Classic 2">
+      <a:majorFont>
+        <a:latin typeface="Arial"/>
+        <a:ea typeface=""/>
+        <a:cs typeface=""/>
+        <a:font script="Jpan" typeface="ＭＳ Ｐゴシック"/>
+        <a:font script="Hang" typeface="굴림"/>
+        <a:font script="Hans" typeface="黑体"/>
+        <a:font script="Hant" typeface="微軟正黑體"/>
+        <a:font script="Arab" typeface="Arial"/>
+        <a:font script="Hebr" typeface="Arial"/>
+        <a:font script="Thai" typeface="Cordia New"/>
+        <a:font script="Ethi" typeface="Nyala"/>
+        <a:font script="Beng" typeface="Vrinda"/>
+        <a:font script="Gujr" typeface="Shruti"/>
+        <a:font script="Khmr" typeface="DaunPenh"/>
+        <a:font script="Knda" typeface="Tunga"/>
+        <a:font script="Guru" typeface="Raavi"/>
+        <a:font script="Cans" typeface="Euphemia"/>
+        <a:font script="Cher" typeface="Plantagenet Cherokee"/>
+        <a:font script="Yiii" typeface="Microsoft Yi Baiti"/>
+        <a:font script="Tibt" typeface="Microsoft Himalaya"/>
+        <a:font script="Thaa" typeface="MV Boli"/>
+        <a:font script="Deva" typeface="Mangal"/>
+        <a:font script="Telu" typeface="Gautami"/>
+        <a:font script="Taml" typeface="Latha"/>
+        <a:font script="Syrc" typeface="Estrangelo Edessa"/>
+        <a:font script="Orya" typeface="Kalinga"/>
+        <a:font script="Mlym" typeface="Kartika"/>
+        <a:font script="Laoo" typeface="DokChampa"/>
+        <a:font script="Sinh" typeface="Iskoola Pota"/>
+        <a:font script="Mong" typeface="Mongolian Baiti"/>
+        <a:font script="Viet" typeface="Arial"/>
+        <a:font script="Uigh" typeface="Microsoft Uighur"/>
+      </a:majorFont>
+      <a:minorFont>
+        <a:latin typeface="Arial"/>
+        <a:ea typeface=""/>
+        <a:cs typeface=""/>
+        <a:font script="Jpan" typeface="ＭＳ Ｐゴシック"/>
+        <a:font script="Hang" typeface="굴림"/>
+        <a:font script="Hans" typeface="黑体"/>
+        <a:font script="Hant" typeface="微軟正黑體"/>
+        <a:font script="Arab" typeface="Arial"/>
+        <a:font script="Hebr" typeface="Arial"/>
+        <a:font script="Thai" typeface="Cordia New"/>
+        <a:font script="Ethi" typeface="Nyala"/>
+        <a:font script="Beng" typeface="Vrinda"/>
+        <a:font script="Gujr" typeface="Shruti"/>
+        <a:font script="Khmr" typeface="DaunPenh"/>
+        <a:font script="Knda" typeface="Tunga"/>
+        <a:font script="Guru" typeface="Raavi"/>
+        <a:font script="Cans" typeface="Euphemia"/>
+        <a:font script="Cher" typeface="Plantagenet Cherokee"/>
+        <a:font script="Yiii" typeface="Microsoft Yi Baiti"/>
+        <a:font script="Tibt" typeface="Microsoft Himalaya"/>
+        <a:font script="Thaa" typeface="MV Boli"/>
+        <a:font script="Deva" typeface="Mangal"/>
+        <a:font script="Telu" typeface="Gautami"/>
+        <a:font script="Taml" typeface="Latha"/>
+        <a:font script="Syrc" typeface="Estrangelo Edessa"/>
+        <a:font script="Orya" typeface="Kalinga"/>
+        <a:font script="Mlym" typeface="Kartika"/>
+        <a:font script="Laoo" typeface="DokChampa"/>
+        <a:font script="Sinh" typeface="Iskoola Pota"/>
+        <a:font script="Mong" typeface="Mongolian Baiti"/>
+        <a:font script="Viet" typeface="Arial"/>
+        <a:font script="Uigh" typeface="Microsoft Uighur"/>
+      </a:minorFont>
+    </a:fontScheme>
+    <a:fmtScheme name="Office">
+      <a:fillStyleLst>
+        <a:solidFill>
+          <a:schemeClr val="phClr"/>
+        </a:solidFill>
+        <a:gradFill rotWithShape="1">
+          <a:gsLst>
+            <a:gs pos="0">
+              <a:schemeClr val="phClr">
+                <a:tint val="50000"/>
+                <a:satMod val="300000"/>
+              </a:schemeClr>
+            </a:gs>
+            <a:gs pos="35000">
+              <a:schemeClr val="phClr">
+                <a:tint val="37000"/>
+                <a:satMod val="300000"/>
+              </a:schemeClr>
+            </a:gs>
+            <a:gs pos="100000">
+              <a:schemeClr val="phClr">
+                <a:tint val="15000"/>
+                <a:satMod val="350000"/>
+              </a:schemeClr>
+            </a:gs>
+          </a:gsLst>
+          <a:lin ang="16200000" scaled="1"/>
+        </a:gradFill>
+        <a:gradFill rotWithShape="1">
+          <a:gsLst>
+            <a:gs pos="0">
+              <a:schemeClr val="phClr">
+                <a:tint val="100000"/>
+                <a:shade val="100000"/>
+                <a:satMod val="130000"/>
+              </a:schemeClr>
+            </a:gs>
+            <a:gs pos="100000">
+              <a:schemeClr val="phClr">
+                <a:tint val="50000"/>
+                <a:shade val="100000"/>
+                <a:satMod val="350000"/>
+              </a:schemeClr>
+            </a:gs>
+          </a:gsLst>
+          <a:lin ang="16200000" scaled="0"/>
+        </a:gradFill>
+      </a:fillStyleLst>
+      <a:lnStyleLst>
+        <a:ln w="9525" cap="flat" cmpd="sng" algn="ctr">
+          <a:solidFill>
+            <a:schemeClr val="phClr">
+              <a:shade val="95000"/>
+              <a:satMod val="105000"/>
+            </a:schemeClr>
+          </a:solidFill>
+          <a:prstDash val="solid"/>
+        </a:ln>
+        <a:ln w="25400" cap="flat" cmpd="sng" algn="ctr">
+          <a:solidFill>
+            <a:schemeClr val="phClr"/>
+          </a:solidFill>
+          <a:prstDash val="solid"/>
+        </a:ln>
+        <a:ln w="38100" cap="flat" cmpd="sng" algn="ctr">
+          <a:solidFill>
+            <a:schemeClr val="phClr"/>
+          </a:solidFill>
+          <a:prstDash val="solid"/>
+        </a:ln>
+      </a:lnStyleLst>
+      <a:effectStyleLst>
+        <a:effectStyle>
+          <a:effectLst>
+            <a:outerShdw blurRad="40000" dist="20000" dir="5400000" rotWithShape="0">
+              <a:srgbClr val="000000">
+                <a:alpha val="38000"/>
+              </a:srgbClr>
+            </a:outerShdw>
+          </a:effectLst>
+        </a:effectStyle>
+        <a:effectStyle>
+          <a:effectLst>
+            <a:outerShdw blurRad="40000" dist="23000" dir="5400000" rotWithShape="0">
+              <a:srgbClr val="000000">
+                <a:alpha val="35000"/>
+              </a:srgbClr>
+            </a:outerShdw>
+          </a:effectLst>
+        </a:effectStyle>
+        <a:effectStyle>
+          <a:effectLst>
+            <a:outerShdw blurRad="40000" dist="23000" dir="5400000" rotWithShape="0">
+              <a:srgbClr val="000000">
+                <a:alpha val="35000"/>
+              </a:srgbClr>
+            </a:outerShdw>
+          </a:effectLst>
+          <a:scene3d>
+            <a:camera prst="orthographicFront">
+              <a:rot lat="0" lon="0" rev="0"/>
+            </a:camera>
+            <a:lightRig rig="threePt" dir="t">
+              <a:rot lat="0" lon="0" rev="1200000"/>
+            </a:lightRig>
+          </a:scene3d>
+          <a:sp3d>
+            <a:bevelT w="63500" h="25400"/>
+          </a:sp3d>
+        </a:effectStyle>
+      </a:effectStyleLst>
+      <a:bgFillStyleLst>
+        <a:solidFill>
+          <a:schemeClr val="phClr"/>
+        </a:solidFill>
+        <a:gradFill rotWithShape="1">
+          <a:gsLst>
+            <a:gs pos="0">
+              <a:schemeClr val="phClr">
+                <a:tint val="40000"/>
+                <a:satMod val="350000"/>
+              </a:schemeClr>
+            </a:gs>
+            <a:gs pos="40000">
+              <a:schemeClr val="phClr">
+                <a:tint val="45000"/>
+                <a:shade val="99000"/>
+                <a:satMod val="350000"/>
+              </a:schemeClr>
+            </a:gs>
+            <a:gs pos="100000">
+              <a:schemeClr val="phClr">
+                <a:shade val="20000"/>
+                <a:satMod val="255000"/>
+              </a:schemeClr>
+            </a:gs>
+          </a:gsLst>
+          <a:path path="circle">
+            <a:fillToRect l="50000" t="-80000" r="50000" b="180000"/>
+          </a:path>
+        </a:gradFill>
+        <a:gradFill rotWithShape="1">
+          <a:gsLst>
+            <a:gs pos="0">
+              <a:schemeClr val="phClr">
+                <a:tint val="80000"/>
+                <a:satMod val="300000"/>
+              </a:schemeClr>
+            </a:gs>
+            <a:gs pos="100000">
+              <a:schemeClr val="phClr">
+                <a:shade val="30000"/>
+                <a:satMod val="200000"/>
+              </a:schemeClr>
+            </a:gs>
+          </a:gsLst>
+          <a:path path="circle">
+            <a:fillToRect l="50000" t="50000" r="50000" b="50000"/>
+          </a:path>
+        </a:gradFill>
+      </a:bgFillStyleLst>
+    </a:fmtScheme>
+  </a:themeElements>
+  <a:objectDefaults>
+    <a:spDef>
+      <a:spPr/>
+      <a:bodyPr/>
+      <a:lstStyle/>
+      <a:style>
+        <a:lnRef idx="1">
+          <a:schemeClr val="accent1"/>
+        </a:lnRef>
+        <a:fillRef idx="3">
+          <a:schemeClr val="accent1"/>
+        </a:fillRef>
+        <a:effectRef idx="2">
+          <a:schemeClr val="accent1"/>
+        </a:effectRef>
+        <a:fontRef idx="minor">
+          <a:schemeClr val="lt1"/>
+        </a:fontRef>
+      </a:style>
+    </a:spDef>
+    <a:lnDef>
+      <a:spPr/>
+      <a:bodyPr/>
+      <a:lstStyle/>
+      <a:style>
+        <a:lnRef idx="2">
+          <a:schemeClr val="accent1"/>
+        </a:lnRef>
+        <a:fillRef idx="0">
+          <a:schemeClr val="accent1"/>
+        </a:fillRef>
+        <a:effectRef idx="1">
+          <a:schemeClr val="accent1"/>
+        </a:effectRef>
+        <a:fontRef idx="minor">
+          <a:schemeClr val="tx1"/>
+        </a:fontRef>
+      </a:style>
+    </a:lnDef>
+  </a:objectDefaults>
+  <a:extraClrSchemeLst/>
+</a:theme>
+</file>
+
+<file path=ppt/theme/theme8.xml><?xml version="1.0" encoding="utf-8"?>
 <a:theme xmlns:a="http://schemas.openxmlformats.org/drawingml/2006/main" name="Custom Design">
   <a:themeElements>
     <a:clrScheme name="Office">
@@ -3444,7 +12553,7 @@
 </a:theme>
 </file>
 
-<file path=ppt/theme/theme3.xml><?xml version="1.0" encoding="utf-8"?>
+<file path=ppt/theme/theme9.xml><?xml version="1.0" encoding="utf-8"?>
 <a:theme xmlns:a="http://schemas.openxmlformats.org/drawingml/2006/main" name="Office Theme">
   <a:themeElements>
     <a:clrScheme name="Office">

--- a/Presentatie/Presentatie.pptx
+++ b/Presentatie/Presentatie.pptx
@@ -12,7 +12,7 @@
     <p:sldMasterId id="2147483660" r:id="rId8"/>
   </p:sldMasterIdLst>
   <p:handoutMasterIdLst>
-    <p:handoutMasterId r:id="rId19"/>
+    <p:handoutMasterId r:id="rId28"/>
   </p:handoutMasterIdLst>
   <p:sldIdLst>
     <p:sldId id="256" r:id="rId9"/>
@@ -20,11 +20,20 @@
     <p:sldId id="257" r:id="rId11"/>
     <p:sldId id="259" r:id="rId12"/>
     <p:sldId id="260" r:id="rId13"/>
-    <p:sldId id="261" r:id="rId14"/>
-    <p:sldId id="262" r:id="rId15"/>
-    <p:sldId id="263" r:id="rId16"/>
-    <p:sldId id="264" r:id="rId17"/>
-    <p:sldId id="265" r:id="rId18"/>
+    <p:sldId id="266" r:id="rId14"/>
+    <p:sldId id="261" r:id="rId15"/>
+    <p:sldId id="267" r:id="rId16"/>
+    <p:sldId id="268" r:id="rId17"/>
+    <p:sldId id="269" r:id="rId18"/>
+    <p:sldId id="270" r:id="rId19"/>
+    <p:sldId id="271" r:id="rId20"/>
+    <p:sldId id="272" r:id="rId21"/>
+    <p:sldId id="262" r:id="rId22"/>
+    <p:sldId id="273" r:id="rId23"/>
+    <p:sldId id="274" r:id="rId24"/>
+    <p:sldId id="263" r:id="rId25"/>
+    <p:sldId id="264" r:id="rId26"/>
+    <p:sldId id="265" r:id="rId27"/>
   </p:sldIdLst>
   <p:sldSz cx="9144000" cy="5143500" type="screen16x9"/>
   <p:notesSz cx="6858000" cy="9144000"/>
@@ -8583,6 +8592,2162 @@
 </file>
 
 <file path=ppt/slides/slide10.xml><?xml version="1.0" encoding="utf-8"?>
+<p:sld xmlns:a="http://schemas.openxmlformats.org/drawingml/2006/main" xmlns:r="http://schemas.openxmlformats.org/officeDocument/2006/relationships" xmlns:p="http://schemas.openxmlformats.org/presentationml/2006/main">
+  <p:cSld>
+    <p:spTree>
+      <p:nvGrpSpPr>
+        <p:cNvPr id="1" name=""/>
+        <p:cNvGrpSpPr/>
+        <p:nvPr/>
+      </p:nvGrpSpPr>
+      <p:grpSpPr>
+        <a:xfrm>
+          <a:off x="0" y="0"/>
+          <a:ext cx="0" cy="0"/>
+          <a:chOff x="0" y="0"/>
+          <a:chExt cx="0" cy="0"/>
+        </a:xfrm>
+      </p:grpSpPr>
+      <p:sp>
+        <p:nvSpPr>
+          <p:cNvPr id="2" name="Titel 1">
+            <a:extLst>
+              <a:ext uri="{FF2B5EF4-FFF2-40B4-BE49-F238E27FC236}">
+                <a16:creationId xmlns:a16="http://schemas.microsoft.com/office/drawing/2014/main" id="{4C4F8611-B65A-406C-920B-E98F8E46F7F5}"/>
+              </a:ext>
+            </a:extLst>
+          </p:cNvPr>
+          <p:cNvSpPr>
+            <a:spLocks noGrp="1"/>
+          </p:cNvSpPr>
+          <p:nvPr>
+            <p:ph type="title"/>
+          </p:nvPr>
+        </p:nvSpPr>
+        <p:spPr/>
+        <p:txBody>
+          <a:bodyPr/>
+          <a:lstStyle/>
+          <a:p>
+            <a:r>
+              <a:rPr lang="nl-NL" dirty="0"/>
+              <a:t>Hoe werkt de watervalmethode</a:t>
+            </a:r>
+          </a:p>
+        </p:txBody>
+      </p:sp>
+      <p:sp>
+        <p:nvSpPr>
+          <p:cNvPr id="3" name="Tijdelijke aanduiding voor inhoud 2">
+            <a:extLst>
+              <a:ext uri="{FF2B5EF4-FFF2-40B4-BE49-F238E27FC236}">
+                <a16:creationId xmlns:a16="http://schemas.microsoft.com/office/drawing/2014/main" id="{A7B989A6-14F2-4834-9AE7-90502430CE99}"/>
+              </a:ext>
+            </a:extLst>
+          </p:cNvPr>
+          <p:cNvSpPr>
+            <a:spLocks noGrp="1"/>
+          </p:cNvSpPr>
+          <p:nvPr>
+            <p:ph idx="1"/>
+          </p:nvPr>
+        </p:nvSpPr>
+        <p:spPr/>
+        <p:txBody>
+          <a:bodyPr/>
+          <a:lstStyle/>
+          <a:p>
+            <a:r>
+              <a:rPr lang="nl-NL" dirty="0"/>
+              <a:t>Stap 4</a:t>
+            </a:r>
+          </a:p>
+          <a:p>
+            <a:pPr marL="457200" lvl="1" indent="0">
+              <a:buNone/>
+            </a:pPr>
+            <a:r>
+              <a:rPr lang="nl-NL" dirty="0"/>
+              <a:t>Program design</a:t>
+            </a:r>
+          </a:p>
+        </p:txBody>
+      </p:sp>
+      <p:sp>
+        <p:nvSpPr>
+          <p:cNvPr id="4" name="Tekstvak 3">
+            <a:extLst>
+              <a:ext uri="{FF2B5EF4-FFF2-40B4-BE49-F238E27FC236}">
+                <a16:creationId xmlns:a16="http://schemas.microsoft.com/office/drawing/2014/main" id="{2C58AA9F-BFAC-4215-A0B7-643FAD4DBB45}"/>
+              </a:ext>
+            </a:extLst>
+          </p:cNvPr>
+          <p:cNvSpPr txBox="1"/>
+          <p:nvPr/>
+        </p:nvSpPr>
+        <p:spPr>
+          <a:xfrm>
+            <a:off x="6909683" y="1200150"/>
+            <a:ext cx="1959887" cy="2031325"/>
+          </a:xfrm>
+          <a:prstGeom prst="rect">
+            <a:avLst/>
+          </a:prstGeom>
+          <a:noFill/>
+          <a:ln>
+            <a:solidFill>
+              <a:schemeClr val="tx1"/>
+            </a:solidFill>
+          </a:ln>
+        </p:spPr>
+        <p:txBody>
+          <a:bodyPr wrap="square" rtlCol="0">
+            <a:spAutoFit/>
+          </a:bodyPr>
+          <a:lstStyle/>
+          <a:p>
+            <a:pPr marL="514350" indent="-514350">
+              <a:buFont typeface="+mj-lt"/>
+              <a:buAutoNum type="arabicPeriod"/>
+            </a:pPr>
+            <a:r>
+              <a:rPr lang="nl-NL" sz="1400" dirty="0"/>
+              <a:t>System </a:t>
+            </a:r>
+            <a:r>
+              <a:rPr lang="nl-NL" sz="1400" dirty="0" err="1"/>
+              <a:t>requirements</a:t>
+            </a:r>
+            <a:endParaRPr lang="nl-NL" sz="1400" dirty="0"/>
+          </a:p>
+          <a:p>
+            <a:pPr marL="514350" indent="-514350">
+              <a:buFont typeface="+mj-lt"/>
+              <a:buAutoNum type="arabicPeriod"/>
+            </a:pPr>
+            <a:r>
+              <a:rPr lang="nl-NL" sz="1400" dirty="0"/>
+              <a:t>Software </a:t>
+            </a:r>
+            <a:r>
+              <a:rPr lang="nl-NL" sz="1400" dirty="0" err="1"/>
+              <a:t>requirements</a:t>
+            </a:r>
+            <a:endParaRPr lang="nl-NL" sz="1400" dirty="0"/>
+          </a:p>
+          <a:p>
+            <a:pPr marL="514350" indent="-514350">
+              <a:buFont typeface="+mj-lt"/>
+              <a:buAutoNum type="arabicPeriod"/>
+            </a:pPr>
+            <a:r>
+              <a:rPr lang="nl-NL" sz="1400" dirty="0"/>
+              <a:t>Analysis</a:t>
+            </a:r>
+          </a:p>
+          <a:p>
+            <a:pPr marL="514350" indent="-514350">
+              <a:buFont typeface="+mj-lt"/>
+              <a:buAutoNum type="arabicPeriod"/>
+            </a:pPr>
+            <a:r>
+              <a:rPr lang="nl-NL" sz="1400" dirty="0"/>
+              <a:t>Program design</a:t>
+            </a:r>
+          </a:p>
+          <a:p>
+            <a:pPr marL="514350" indent="-514350">
+              <a:buFont typeface="+mj-lt"/>
+              <a:buAutoNum type="arabicPeriod"/>
+            </a:pPr>
+            <a:r>
+              <a:rPr lang="nl-NL" sz="1400" dirty="0" err="1"/>
+              <a:t>Coding</a:t>
+            </a:r>
+            <a:endParaRPr lang="nl-NL" sz="1400" dirty="0"/>
+          </a:p>
+          <a:p>
+            <a:pPr marL="514350" indent="-514350">
+              <a:buFont typeface="+mj-lt"/>
+              <a:buAutoNum type="arabicPeriod"/>
+            </a:pPr>
+            <a:r>
+              <a:rPr lang="nl-NL" sz="1400" dirty="0" err="1"/>
+              <a:t>Testing</a:t>
+            </a:r>
+            <a:endParaRPr lang="nl-NL" sz="1400" dirty="0"/>
+          </a:p>
+          <a:p>
+            <a:pPr marL="514350" indent="-514350">
+              <a:buFont typeface="+mj-lt"/>
+              <a:buAutoNum type="arabicPeriod"/>
+            </a:pPr>
+            <a:r>
+              <a:rPr lang="nl-NL" sz="1400" dirty="0" err="1"/>
+              <a:t>Operation</a:t>
+            </a:r>
+            <a:endParaRPr lang="nl-NL" sz="1400" dirty="0"/>
+          </a:p>
+        </p:txBody>
+      </p:sp>
+    </p:spTree>
+    <p:extLst>
+      <p:ext uri="{BB962C8B-B14F-4D97-AF65-F5344CB8AC3E}">
+        <p14:creationId xmlns:p14="http://schemas.microsoft.com/office/powerpoint/2010/main" val="3303207265"/>
+      </p:ext>
+    </p:extLst>
+  </p:cSld>
+  <p:clrMapOvr>
+    <a:masterClrMapping/>
+  </p:clrMapOvr>
+</p:sld>
+</file>
+
+<file path=ppt/slides/slide11.xml><?xml version="1.0" encoding="utf-8"?>
+<p:sld xmlns:a="http://schemas.openxmlformats.org/drawingml/2006/main" xmlns:r="http://schemas.openxmlformats.org/officeDocument/2006/relationships" xmlns:p="http://schemas.openxmlformats.org/presentationml/2006/main">
+  <p:cSld>
+    <p:spTree>
+      <p:nvGrpSpPr>
+        <p:cNvPr id="1" name=""/>
+        <p:cNvGrpSpPr/>
+        <p:nvPr/>
+      </p:nvGrpSpPr>
+      <p:grpSpPr>
+        <a:xfrm>
+          <a:off x="0" y="0"/>
+          <a:ext cx="0" cy="0"/>
+          <a:chOff x="0" y="0"/>
+          <a:chExt cx="0" cy="0"/>
+        </a:xfrm>
+      </p:grpSpPr>
+      <p:sp>
+        <p:nvSpPr>
+          <p:cNvPr id="2" name="Titel 1">
+            <a:extLst>
+              <a:ext uri="{FF2B5EF4-FFF2-40B4-BE49-F238E27FC236}">
+                <a16:creationId xmlns:a16="http://schemas.microsoft.com/office/drawing/2014/main" id="{4C4F8611-B65A-406C-920B-E98F8E46F7F5}"/>
+              </a:ext>
+            </a:extLst>
+          </p:cNvPr>
+          <p:cNvSpPr>
+            <a:spLocks noGrp="1"/>
+          </p:cNvSpPr>
+          <p:nvPr>
+            <p:ph type="title"/>
+          </p:nvPr>
+        </p:nvSpPr>
+        <p:spPr/>
+        <p:txBody>
+          <a:bodyPr/>
+          <a:lstStyle/>
+          <a:p>
+            <a:r>
+              <a:rPr lang="nl-NL" dirty="0"/>
+              <a:t>Hoe werkt de watervalmethode</a:t>
+            </a:r>
+          </a:p>
+        </p:txBody>
+      </p:sp>
+      <p:sp>
+        <p:nvSpPr>
+          <p:cNvPr id="3" name="Tijdelijke aanduiding voor inhoud 2">
+            <a:extLst>
+              <a:ext uri="{FF2B5EF4-FFF2-40B4-BE49-F238E27FC236}">
+                <a16:creationId xmlns:a16="http://schemas.microsoft.com/office/drawing/2014/main" id="{A7B989A6-14F2-4834-9AE7-90502430CE99}"/>
+              </a:ext>
+            </a:extLst>
+          </p:cNvPr>
+          <p:cNvSpPr>
+            <a:spLocks noGrp="1"/>
+          </p:cNvSpPr>
+          <p:nvPr>
+            <p:ph idx="1"/>
+          </p:nvPr>
+        </p:nvSpPr>
+        <p:spPr/>
+        <p:txBody>
+          <a:bodyPr/>
+          <a:lstStyle/>
+          <a:p>
+            <a:r>
+              <a:rPr lang="nl-NL" dirty="0"/>
+              <a:t>Stap 5</a:t>
+            </a:r>
+          </a:p>
+          <a:p>
+            <a:pPr marL="457200" lvl="1" indent="0">
+              <a:buNone/>
+            </a:pPr>
+            <a:r>
+              <a:rPr lang="nl-NL" dirty="0" err="1"/>
+              <a:t>Coding</a:t>
+            </a:r>
+            <a:endParaRPr lang="nl-NL" dirty="0"/>
+          </a:p>
+        </p:txBody>
+      </p:sp>
+      <p:sp>
+        <p:nvSpPr>
+          <p:cNvPr id="4" name="Tekstvak 3">
+            <a:extLst>
+              <a:ext uri="{FF2B5EF4-FFF2-40B4-BE49-F238E27FC236}">
+                <a16:creationId xmlns:a16="http://schemas.microsoft.com/office/drawing/2014/main" id="{2C58AA9F-BFAC-4215-A0B7-643FAD4DBB45}"/>
+              </a:ext>
+            </a:extLst>
+          </p:cNvPr>
+          <p:cNvSpPr txBox="1"/>
+          <p:nvPr/>
+        </p:nvSpPr>
+        <p:spPr>
+          <a:xfrm>
+            <a:off x="6909683" y="1200150"/>
+            <a:ext cx="1959887" cy="2031325"/>
+          </a:xfrm>
+          <a:prstGeom prst="rect">
+            <a:avLst/>
+          </a:prstGeom>
+          <a:noFill/>
+          <a:ln>
+            <a:solidFill>
+              <a:schemeClr val="tx1"/>
+            </a:solidFill>
+          </a:ln>
+        </p:spPr>
+        <p:txBody>
+          <a:bodyPr wrap="square" rtlCol="0">
+            <a:spAutoFit/>
+          </a:bodyPr>
+          <a:lstStyle/>
+          <a:p>
+            <a:pPr marL="514350" indent="-514350">
+              <a:buFont typeface="+mj-lt"/>
+              <a:buAutoNum type="arabicPeriod"/>
+            </a:pPr>
+            <a:r>
+              <a:rPr lang="nl-NL" sz="1400" dirty="0"/>
+              <a:t>System </a:t>
+            </a:r>
+            <a:r>
+              <a:rPr lang="nl-NL" sz="1400" dirty="0" err="1"/>
+              <a:t>requirements</a:t>
+            </a:r>
+            <a:endParaRPr lang="nl-NL" sz="1400" dirty="0"/>
+          </a:p>
+          <a:p>
+            <a:pPr marL="514350" indent="-514350">
+              <a:buFont typeface="+mj-lt"/>
+              <a:buAutoNum type="arabicPeriod"/>
+            </a:pPr>
+            <a:r>
+              <a:rPr lang="nl-NL" sz="1400" dirty="0"/>
+              <a:t>Software </a:t>
+            </a:r>
+            <a:r>
+              <a:rPr lang="nl-NL" sz="1400" dirty="0" err="1"/>
+              <a:t>requirements</a:t>
+            </a:r>
+            <a:endParaRPr lang="nl-NL" sz="1400" dirty="0"/>
+          </a:p>
+          <a:p>
+            <a:pPr marL="514350" indent="-514350">
+              <a:buFont typeface="+mj-lt"/>
+              <a:buAutoNum type="arabicPeriod"/>
+            </a:pPr>
+            <a:r>
+              <a:rPr lang="nl-NL" sz="1400" dirty="0"/>
+              <a:t>Analysis</a:t>
+            </a:r>
+          </a:p>
+          <a:p>
+            <a:pPr marL="514350" indent="-514350">
+              <a:buFont typeface="+mj-lt"/>
+              <a:buAutoNum type="arabicPeriod"/>
+            </a:pPr>
+            <a:r>
+              <a:rPr lang="nl-NL" sz="1400" dirty="0"/>
+              <a:t>Program design</a:t>
+            </a:r>
+          </a:p>
+          <a:p>
+            <a:pPr marL="514350" indent="-514350">
+              <a:buFont typeface="+mj-lt"/>
+              <a:buAutoNum type="arabicPeriod"/>
+            </a:pPr>
+            <a:r>
+              <a:rPr lang="nl-NL" sz="1400" dirty="0" err="1"/>
+              <a:t>Coding</a:t>
+            </a:r>
+            <a:endParaRPr lang="nl-NL" sz="1400" dirty="0"/>
+          </a:p>
+          <a:p>
+            <a:pPr marL="514350" indent="-514350">
+              <a:buFont typeface="+mj-lt"/>
+              <a:buAutoNum type="arabicPeriod"/>
+            </a:pPr>
+            <a:r>
+              <a:rPr lang="nl-NL" sz="1400" dirty="0" err="1"/>
+              <a:t>Testing</a:t>
+            </a:r>
+            <a:endParaRPr lang="nl-NL" sz="1400" dirty="0"/>
+          </a:p>
+          <a:p>
+            <a:pPr marL="514350" indent="-514350">
+              <a:buFont typeface="+mj-lt"/>
+              <a:buAutoNum type="arabicPeriod"/>
+            </a:pPr>
+            <a:r>
+              <a:rPr lang="nl-NL" sz="1400" dirty="0" err="1"/>
+              <a:t>Operation</a:t>
+            </a:r>
+            <a:endParaRPr lang="nl-NL" sz="1400" dirty="0"/>
+          </a:p>
+        </p:txBody>
+      </p:sp>
+    </p:spTree>
+    <p:extLst>
+      <p:ext uri="{BB962C8B-B14F-4D97-AF65-F5344CB8AC3E}">
+        <p14:creationId xmlns:p14="http://schemas.microsoft.com/office/powerpoint/2010/main" val="3581530411"/>
+      </p:ext>
+    </p:extLst>
+  </p:cSld>
+  <p:clrMapOvr>
+    <a:masterClrMapping/>
+  </p:clrMapOvr>
+</p:sld>
+</file>
+
+<file path=ppt/slides/slide12.xml><?xml version="1.0" encoding="utf-8"?>
+<p:sld xmlns:a="http://schemas.openxmlformats.org/drawingml/2006/main" xmlns:r="http://schemas.openxmlformats.org/officeDocument/2006/relationships" xmlns:p="http://schemas.openxmlformats.org/presentationml/2006/main">
+  <p:cSld>
+    <p:spTree>
+      <p:nvGrpSpPr>
+        <p:cNvPr id="1" name=""/>
+        <p:cNvGrpSpPr/>
+        <p:nvPr/>
+      </p:nvGrpSpPr>
+      <p:grpSpPr>
+        <a:xfrm>
+          <a:off x="0" y="0"/>
+          <a:ext cx="0" cy="0"/>
+          <a:chOff x="0" y="0"/>
+          <a:chExt cx="0" cy="0"/>
+        </a:xfrm>
+      </p:grpSpPr>
+      <p:sp>
+        <p:nvSpPr>
+          <p:cNvPr id="2" name="Titel 1">
+            <a:extLst>
+              <a:ext uri="{FF2B5EF4-FFF2-40B4-BE49-F238E27FC236}">
+                <a16:creationId xmlns:a16="http://schemas.microsoft.com/office/drawing/2014/main" id="{4C4F8611-B65A-406C-920B-E98F8E46F7F5}"/>
+              </a:ext>
+            </a:extLst>
+          </p:cNvPr>
+          <p:cNvSpPr>
+            <a:spLocks noGrp="1"/>
+          </p:cNvSpPr>
+          <p:nvPr>
+            <p:ph type="title"/>
+          </p:nvPr>
+        </p:nvSpPr>
+        <p:spPr/>
+        <p:txBody>
+          <a:bodyPr/>
+          <a:lstStyle/>
+          <a:p>
+            <a:r>
+              <a:rPr lang="nl-NL" dirty="0"/>
+              <a:t>Hoe werkt de watervalmethode</a:t>
+            </a:r>
+          </a:p>
+        </p:txBody>
+      </p:sp>
+      <p:sp>
+        <p:nvSpPr>
+          <p:cNvPr id="3" name="Tijdelijke aanduiding voor inhoud 2">
+            <a:extLst>
+              <a:ext uri="{FF2B5EF4-FFF2-40B4-BE49-F238E27FC236}">
+                <a16:creationId xmlns:a16="http://schemas.microsoft.com/office/drawing/2014/main" id="{A7B989A6-14F2-4834-9AE7-90502430CE99}"/>
+              </a:ext>
+            </a:extLst>
+          </p:cNvPr>
+          <p:cNvSpPr>
+            <a:spLocks noGrp="1"/>
+          </p:cNvSpPr>
+          <p:nvPr>
+            <p:ph idx="1"/>
+          </p:nvPr>
+        </p:nvSpPr>
+        <p:spPr/>
+        <p:txBody>
+          <a:bodyPr/>
+          <a:lstStyle/>
+          <a:p>
+            <a:r>
+              <a:rPr lang="nl-NL" dirty="0"/>
+              <a:t>Stap 6</a:t>
+            </a:r>
+          </a:p>
+          <a:p>
+            <a:pPr marL="457200" lvl="1" indent="0">
+              <a:buNone/>
+            </a:pPr>
+            <a:r>
+              <a:rPr lang="nl-NL" dirty="0" err="1"/>
+              <a:t>Testing</a:t>
+            </a:r>
+            <a:endParaRPr lang="nl-NL" dirty="0"/>
+          </a:p>
+        </p:txBody>
+      </p:sp>
+      <p:sp>
+        <p:nvSpPr>
+          <p:cNvPr id="4" name="Tekstvak 3">
+            <a:extLst>
+              <a:ext uri="{FF2B5EF4-FFF2-40B4-BE49-F238E27FC236}">
+                <a16:creationId xmlns:a16="http://schemas.microsoft.com/office/drawing/2014/main" id="{2C58AA9F-BFAC-4215-A0B7-643FAD4DBB45}"/>
+              </a:ext>
+            </a:extLst>
+          </p:cNvPr>
+          <p:cNvSpPr txBox="1"/>
+          <p:nvPr/>
+        </p:nvSpPr>
+        <p:spPr>
+          <a:xfrm>
+            <a:off x="6909683" y="1200150"/>
+            <a:ext cx="1959887" cy="2031325"/>
+          </a:xfrm>
+          <a:prstGeom prst="rect">
+            <a:avLst/>
+          </a:prstGeom>
+          <a:noFill/>
+          <a:ln>
+            <a:solidFill>
+              <a:schemeClr val="tx1"/>
+            </a:solidFill>
+          </a:ln>
+        </p:spPr>
+        <p:txBody>
+          <a:bodyPr wrap="square" rtlCol="0">
+            <a:spAutoFit/>
+          </a:bodyPr>
+          <a:lstStyle/>
+          <a:p>
+            <a:pPr marL="514350" indent="-514350">
+              <a:buFont typeface="+mj-lt"/>
+              <a:buAutoNum type="arabicPeriod"/>
+            </a:pPr>
+            <a:r>
+              <a:rPr lang="nl-NL" sz="1400" dirty="0"/>
+              <a:t>System </a:t>
+            </a:r>
+            <a:r>
+              <a:rPr lang="nl-NL" sz="1400" dirty="0" err="1"/>
+              <a:t>requirements</a:t>
+            </a:r>
+            <a:endParaRPr lang="nl-NL" sz="1400" dirty="0"/>
+          </a:p>
+          <a:p>
+            <a:pPr marL="514350" indent="-514350">
+              <a:buFont typeface="+mj-lt"/>
+              <a:buAutoNum type="arabicPeriod"/>
+            </a:pPr>
+            <a:r>
+              <a:rPr lang="nl-NL" sz="1400" dirty="0"/>
+              <a:t>Software </a:t>
+            </a:r>
+            <a:r>
+              <a:rPr lang="nl-NL" sz="1400" dirty="0" err="1"/>
+              <a:t>requirements</a:t>
+            </a:r>
+            <a:endParaRPr lang="nl-NL" sz="1400" dirty="0"/>
+          </a:p>
+          <a:p>
+            <a:pPr marL="514350" indent="-514350">
+              <a:buFont typeface="+mj-lt"/>
+              <a:buAutoNum type="arabicPeriod"/>
+            </a:pPr>
+            <a:r>
+              <a:rPr lang="nl-NL" sz="1400" dirty="0"/>
+              <a:t>Analysis</a:t>
+            </a:r>
+          </a:p>
+          <a:p>
+            <a:pPr marL="514350" indent="-514350">
+              <a:buFont typeface="+mj-lt"/>
+              <a:buAutoNum type="arabicPeriod"/>
+            </a:pPr>
+            <a:r>
+              <a:rPr lang="nl-NL" sz="1400" dirty="0"/>
+              <a:t>Program design</a:t>
+            </a:r>
+          </a:p>
+          <a:p>
+            <a:pPr marL="514350" indent="-514350">
+              <a:buFont typeface="+mj-lt"/>
+              <a:buAutoNum type="arabicPeriod"/>
+            </a:pPr>
+            <a:r>
+              <a:rPr lang="nl-NL" sz="1400" dirty="0" err="1"/>
+              <a:t>Coding</a:t>
+            </a:r>
+            <a:endParaRPr lang="nl-NL" sz="1400" dirty="0"/>
+          </a:p>
+          <a:p>
+            <a:pPr marL="514350" indent="-514350">
+              <a:buFont typeface="+mj-lt"/>
+              <a:buAutoNum type="arabicPeriod"/>
+            </a:pPr>
+            <a:r>
+              <a:rPr lang="nl-NL" sz="1400" dirty="0" err="1"/>
+              <a:t>Testing</a:t>
+            </a:r>
+            <a:endParaRPr lang="nl-NL" sz="1400" dirty="0"/>
+          </a:p>
+          <a:p>
+            <a:pPr marL="514350" indent="-514350">
+              <a:buFont typeface="+mj-lt"/>
+              <a:buAutoNum type="arabicPeriod"/>
+            </a:pPr>
+            <a:r>
+              <a:rPr lang="nl-NL" sz="1400" dirty="0" err="1"/>
+              <a:t>Operation</a:t>
+            </a:r>
+            <a:endParaRPr lang="nl-NL" sz="1400" dirty="0"/>
+          </a:p>
+        </p:txBody>
+      </p:sp>
+    </p:spTree>
+    <p:extLst>
+      <p:ext uri="{BB962C8B-B14F-4D97-AF65-F5344CB8AC3E}">
+        <p14:creationId xmlns:p14="http://schemas.microsoft.com/office/powerpoint/2010/main" val="3412562249"/>
+      </p:ext>
+    </p:extLst>
+  </p:cSld>
+  <p:clrMapOvr>
+    <a:masterClrMapping/>
+  </p:clrMapOvr>
+</p:sld>
+</file>
+
+<file path=ppt/slides/slide13.xml><?xml version="1.0" encoding="utf-8"?>
+<p:sld xmlns:a="http://schemas.openxmlformats.org/drawingml/2006/main" xmlns:r="http://schemas.openxmlformats.org/officeDocument/2006/relationships" xmlns:p="http://schemas.openxmlformats.org/presentationml/2006/main">
+  <p:cSld>
+    <p:spTree>
+      <p:nvGrpSpPr>
+        <p:cNvPr id="1" name=""/>
+        <p:cNvGrpSpPr/>
+        <p:nvPr/>
+      </p:nvGrpSpPr>
+      <p:grpSpPr>
+        <a:xfrm>
+          <a:off x="0" y="0"/>
+          <a:ext cx="0" cy="0"/>
+          <a:chOff x="0" y="0"/>
+          <a:chExt cx="0" cy="0"/>
+        </a:xfrm>
+      </p:grpSpPr>
+      <p:sp>
+        <p:nvSpPr>
+          <p:cNvPr id="2" name="Titel 1">
+            <a:extLst>
+              <a:ext uri="{FF2B5EF4-FFF2-40B4-BE49-F238E27FC236}">
+                <a16:creationId xmlns:a16="http://schemas.microsoft.com/office/drawing/2014/main" id="{4C4F8611-B65A-406C-920B-E98F8E46F7F5}"/>
+              </a:ext>
+            </a:extLst>
+          </p:cNvPr>
+          <p:cNvSpPr>
+            <a:spLocks noGrp="1"/>
+          </p:cNvSpPr>
+          <p:nvPr>
+            <p:ph type="title"/>
+          </p:nvPr>
+        </p:nvSpPr>
+        <p:spPr/>
+        <p:txBody>
+          <a:bodyPr/>
+          <a:lstStyle/>
+          <a:p>
+            <a:r>
+              <a:rPr lang="nl-NL" dirty="0"/>
+              <a:t>Hoe werkt de watervalmethode</a:t>
+            </a:r>
+          </a:p>
+        </p:txBody>
+      </p:sp>
+      <p:sp>
+        <p:nvSpPr>
+          <p:cNvPr id="3" name="Tijdelijke aanduiding voor inhoud 2">
+            <a:extLst>
+              <a:ext uri="{FF2B5EF4-FFF2-40B4-BE49-F238E27FC236}">
+                <a16:creationId xmlns:a16="http://schemas.microsoft.com/office/drawing/2014/main" id="{A7B989A6-14F2-4834-9AE7-90502430CE99}"/>
+              </a:ext>
+            </a:extLst>
+          </p:cNvPr>
+          <p:cNvSpPr>
+            <a:spLocks noGrp="1"/>
+          </p:cNvSpPr>
+          <p:nvPr>
+            <p:ph idx="1"/>
+          </p:nvPr>
+        </p:nvSpPr>
+        <p:spPr/>
+        <p:txBody>
+          <a:bodyPr/>
+          <a:lstStyle/>
+          <a:p>
+            <a:r>
+              <a:rPr lang="nl-NL" dirty="0"/>
+              <a:t>Stap 7</a:t>
+            </a:r>
+          </a:p>
+          <a:p>
+            <a:pPr marL="457200" lvl="1" indent="0">
+              <a:buNone/>
+            </a:pPr>
+            <a:r>
+              <a:rPr lang="nl-NL" dirty="0" err="1"/>
+              <a:t>Operation</a:t>
+            </a:r>
+            <a:endParaRPr lang="nl-NL" dirty="0"/>
+          </a:p>
+        </p:txBody>
+      </p:sp>
+      <p:sp>
+        <p:nvSpPr>
+          <p:cNvPr id="4" name="Tekstvak 3">
+            <a:extLst>
+              <a:ext uri="{FF2B5EF4-FFF2-40B4-BE49-F238E27FC236}">
+                <a16:creationId xmlns:a16="http://schemas.microsoft.com/office/drawing/2014/main" id="{2C58AA9F-BFAC-4215-A0B7-643FAD4DBB45}"/>
+              </a:ext>
+            </a:extLst>
+          </p:cNvPr>
+          <p:cNvSpPr txBox="1"/>
+          <p:nvPr/>
+        </p:nvSpPr>
+        <p:spPr>
+          <a:xfrm>
+            <a:off x="6909683" y="1200150"/>
+            <a:ext cx="1959887" cy="2031325"/>
+          </a:xfrm>
+          <a:prstGeom prst="rect">
+            <a:avLst/>
+          </a:prstGeom>
+          <a:noFill/>
+          <a:ln>
+            <a:solidFill>
+              <a:schemeClr val="tx1"/>
+            </a:solidFill>
+          </a:ln>
+        </p:spPr>
+        <p:txBody>
+          <a:bodyPr wrap="square" rtlCol="0">
+            <a:spAutoFit/>
+          </a:bodyPr>
+          <a:lstStyle/>
+          <a:p>
+            <a:pPr marL="514350" indent="-514350">
+              <a:buFont typeface="+mj-lt"/>
+              <a:buAutoNum type="arabicPeriod"/>
+            </a:pPr>
+            <a:r>
+              <a:rPr lang="nl-NL" sz="1400" dirty="0"/>
+              <a:t>System </a:t>
+            </a:r>
+            <a:r>
+              <a:rPr lang="nl-NL" sz="1400" dirty="0" err="1"/>
+              <a:t>requirements</a:t>
+            </a:r>
+            <a:endParaRPr lang="nl-NL" sz="1400" dirty="0"/>
+          </a:p>
+          <a:p>
+            <a:pPr marL="514350" indent="-514350">
+              <a:buFont typeface="+mj-lt"/>
+              <a:buAutoNum type="arabicPeriod"/>
+            </a:pPr>
+            <a:r>
+              <a:rPr lang="nl-NL" sz="1400" dirty="0"/>
+              <a:t>Software </a:t>
+            </a:r>
+            <a:r>
+              <a:rPr lang="nl-NL" sz="1400" dirty="0" err="1"/>
+              <a:t>requirements</a:t>
+            </a:r>
+            <a:endParaRPr lang="nl-NL" sz="1400" dirty="0"/>
+          </a:p>
+          <a:p>
+            <a:pPr marL="514350" indent="-514350">
+              <a:buFont typeface="+mj-lt"/>
+              <a:buAutoNum type="arabicPeriod"/>
+            </a:pPr>
+            <a:r>
+              <a:rPr lang="nl-NL" sz="1400" dirty="0"/>
+              <a:t>Analysis</a:t>
+            </a:r>
+          </a:p>
+          <a:p>
+            <a:pPr marL="514350" indent="-514350">
+              <a:buFont typeface="+mj-lt"/>
+              <a:buAutoNum type="arabicPeriod"/>
+            </a:pPr>
+            <a:r>
+              <a:rPr lang="nl-NL" sz="1400" dirty="0"/>
+              <a:t>Program design</a:t>
+            </a:r>
+          </a:p>
+          <a:p>
+            <a:pPr marL="514350" indent="-514350">
+              <a:buFont typeface="+mj-lt"/>
+              <a:buAutoNum type="arabicPeriod"/>
+            </a:pPr>
+            <a:r>
+              <a:rPr lang="nl-NL" sz="1400" dirty="0" err="1"/>
+              <a:t>Coding</a:t>
+            </a:r>
+            <a:endParaRPr lang="nl-NL" sz="1400" dirty="0"/>
+          </a:p>
+          <a:p>
+            <a:pPr marL="514350" indent="-514350">
+              <a:buFont typeface="+mj-lt"/>
+              <a:buAutoNum type="arabicPeriod"/>
+            </a:pPr>
+            <a:r>
+              <a:rPr lang="nl-NL" sz="1400" dirty="0" err="1"/>
+              <a:t>Testing</a:t>
+            </a:r>
+            <a:endParaRPr lang="nl-NL" sz="1400" dirty="0"/>
+          </a:p>
+          <a:p>
+            <a:pPr marL="514350" indent="-514350">
+              <a:buFont typeface="+mj-lt"/>
+              <a:buAutoNum type="arabicPeriod"/>
+            </a:pPr>
+            <a:r>
+              <a:rPr lang="nl-NL" sz="1400" dirty="0" err="1"/>
+              <a:t>Operation</a:t>
+            </a:r>
+            <a:endParaRPr lang="nl-NL" sz="1400" dirty="0"/>
+          </a:p>
+        </p:txBody>
+      </p:sp>
+    </p:spTree>
+    <p:extLst>
+      <p:ext uri="{BB962C8B-B14F-4D97-AF65-F5344CB8AC3E}">
+        <p14:creationId xmlns:p14="http://schemas.microsoft.com/office/powerpoint/2010/main" val="1049753603"/>
+      </p:ext>
+    </p:extLst>
+  </p:cSld>
+  <p:clrMapOvr>
+    <a:masterClrMapping/>
+  </p:clrMapOvr>
+</p:sld>
+</file>
+
+<file path=ppt/slides/slide14.xml><?xml version="1.0" encoding="utf-8"?>
+<p:sld xmlns:a="http://schemas.openxmlformats.org/drawingml/2006/main" xmlns:r="http://schemas.openxmlformats.org/officeDocument/2006/relationships" xmlns:p="http://schemas.openxmlformats.org/presentationml/2006/main">
+  <p:cSld>
+    <p:spTree>
+      <p:nvGrpSpPr>
+        <p:cNvPr id="1" name=""/>
+        <p:cNvGrpSpPr/>
+        <p:nvPr/>
+      </p:nvGrpSpPr>
+      <p:grpSpPr>
+        <a:xfrm>
+          <a:off x="0" y="0"/>
+          <a:ext cx="0" cy="0"/>
+          <a:chOff x="0" y="0"/>
+          <a:chExt cx="0" cy="0"/>
+        </a:xfrm>
+      </p:grpSpPr>
+      <p:sp>
+        <p:nvSpPr>
+          <p:cNvPr id="2" name="Titel 1">
+            <a:extLst>
+              <a:ext uri="{FF2B5EF4-FFF2-40B4-BE49-F238E27FC236}">
+                <a16:creationId xmlns:a16="http://schemas.microsoft.com/office/drawing/2014/main" id="{24622E5F-AB14-420D-A875-FCB2AD2CAC5F}"/>
+              </a:ext>
+            </a:extLst>
+          </p:cNvPr>
+          <p:cNvSpPr>
+            <a:spLocks noGrp="1"/>
+          </p:cNvSpPr>
+          <p:nvPr>
+            <p:ph type="title"/>
+          </p:nvPr>
+        </p:nvSpPr>
+        <p:spPr/>
+        <p:txBody>
+          <a:bodyPr/>
+          <a:lstStyle/>
+          <a:p>
+            <a:r>
+              <a:rPr lang="nl-NL" dirty="0"/>
+              <a:t>Voor- en nadelen</a:t>
+            </a:r>
+          </a:p>
+        </p:txBody>
+      </p:sp>
+      <p:sp>
+        <p:nvSpPr>
+          <p:cNvPr id="3" name="Tijdelijke aanduiding voor inhoud 2">
+            <a:extLst>
+              <a:ext uri="{FF2B5EF4-FFF2-40B4-BE49-F238E27FC236}">
+                <a16:creationId xmlns:a16="http://schemas.microsoft.com/office/drawing/2014/main" id="{82F10BC3-CA9D-415C-84B2-8A0A04570278}"/>
+              </a:ext>
+            </a:extLst>
+          </p:cNvPr>
+          <p:cNvSpPr>
+            <a:spLocks noGrp="1"/>
+          </p:cNvSpPr>
+          <p:nvPr>
+            <p:ph idx="1"/>
+          </p:nvPr>
+        </p:nvSpPr>
+        <p:spPr/>
+        <p:txBody>
+          <a:bodyPr/>
+          <a:lstStyle/>
+          <a:p>
+            <a:r>
+              <a:rPr lang="nl-NL" dirty="0"/>
+              <a:t>Vaak geassocieerd als een slechte methode</a:t>
+            </a:r>
+          </a:p>
+          <a:p>
+            <a:endParaRPr lang="nl-NL" dirty="0"/>
+          </a:p>
+        </p:txBody>
+      </p:sp>
+    </p:spTree>
+    <p:extLst>
+      <p:ext uri="{BB962C8B-B14F-4D97-AF65-F5344CB8AC3E}">
+        <p14:creationId xmlns:p14="http://schemas.microsoft.com/office/powerpoint/2010/main" val="631230111"/>
+      </p:ext>
+    </p:extLst>
+  </p:cSld>
+  <p:clrMapOvr>
+    <a:masterClrMapping/>
+  </p:clrMapOvr>
+  <p:timing>
+    <p:tnLst>
+      <p:par>
+        <p:cTn id="1" dur="indefinite" restart="never" nodeType="tmRoot">
+          <p:childTnLst>
+            <p:seq concurrent="1" nextAc="seek">
+              <p:cTn id="2" dur="indefinite" nodeType="mainSeq">
+                <p:childTnLst>
+                  <p:par>
+                    <p:cTn id="3" fill="hold">
+                      <p:stCondLst>
+                        <p:cond delay="indefinite"/>
+                      </p:stCondLst>
+                      <p:childTnLst>
+                        <p:par>
+                          <p:cTn id="4" fill="hold">
+                            <p:stCondLst>
+                              <p:cond delay="0"/>
+                            </p:stCondLst>
+                            <p:childTnLst>
+                              <p:par>
+                                <p:cTn id="5" presetID="1" presetClass="entr" presetSubtype="0" fill="hold" grpId="0" nodeType="clickEffect">
+                                  <p:stCondLst>
+                                    <p:cond delay="0"/>
+                                  </p:stCondLst>
+                                  <p:childTnLst>
+                                    <p:set>
+                                      <p:cBhvr>
+                                        <p:cTn id="6" dur="1" fill="hold">
+                                          <p:stCondLst>
+                                            <p:cond delay="0"/>
+                                          </p:stCondLst>
+                                        </p:cTn>
+                                        <p:tgtEl>
+                                          <p:spTgt spid="3">
+                                            <p:txEl>
+                                              <p:pRg st="0" end="0"/>
+                                            </p:txEl>
+                                          </p:spTgt>
+                                        </p:tgtEl>
+                                        <p:attrNameLst>
+                                          <p:attrName>style.visibility</p:attrName>
+                                        </p:attrNameLst>
+                                      </p:cBhvr>
+                                      <p:to>
+                                        <p:strVal val="visible"/>
+                                      </p:to>
+                                    </p:set>
+                                  </p:childTnLst>
+                                </p:cTn>
+                              </p:par>
+                            </p:childTnLst>
+                          </p:cTn>
+                        </p:par>
+                      </p:childTnLst>
+                    </p:cTn>
+                  </p:par>
+                </p:childTnLst>
+              </p:cTn>
+              <p:prevCondLst>
+                <p:cond evt="onPrev" delay="0">
+                  <p:tgtEl>
+                    <p:sldTgt/>
+                  </p:tgtEl>
+                </p:cond>
+              </p:prevCondLst>
+              <p:nextCondLst>
+                <p:cond evt="onNext" delay="0">
+                  <p:tgtEl>
+                    <p:sldTgt/>
+                  </p:tgtEl>
+                </p:cond>
+              </p:nextCondLst>
+            </p:seq>
+          </p:childTnLst>
+        </p:cTn>
+      </p:par>
+    </p:tnLst>
+    <p:bldLst>
+      <p:bldP spid="3" grpId="0" build="p"/>
+    </p:bldLst>
+  </p:timing>
+</p:sld>
+</file>
+
+<file path=ppt/slides/slide15.xml><?xml version="1.0" encoding="utf-8"?>
+<p:sld xmlns:a="http://schemas.openxmlformats.org/drawingml/2006/main" xmlns:r="http://schemas.openxmlformats.org/officeDocument/2006/relationships" xmlns:p="http://schemas.openxmlformats.org/presentationml/2006/main">
+  <p:cSld>
+    <p:spTree>
+      <p:nvGrpSpPr>
+        <p:cNvPr id="1" name=""/>
+        <p:cNvGrpSpPr/>
+        <p:nvPr/>
+      </p:nvGrpSpPr>
+      <p:grpSpPr>
+        <a:xfrm>
+          <a:off x="0" y="0"/>
+          <a:ext cx="0" cy="0"/>
+          <a:chOff x="0" y="0"/>
+          <a:chExt cx="0" cy="0"/>
+        </a:xfrm>
+      </p:grpSpPr>
+      <p:sp>
+        <p:nvSpPr>
+          <p:cNvPr id="2" name="Titel 1">
+            <a:extLst>
+              <a:ext uri="{FF2B5EF4-FFF2-40B4-BE49-F238E27FC236}">
+                <a16:creationId xmlns:a16="http://schemas.microsoft.com/office/drawing/2014/main" id="{5279324A-D81F-4FB1-A92E-899704008CB7}"/>
+              </a:ext>
+            </a:extLst>
+          </p:cNvPr>
+          <p:cNvSpPr>
+            <a:spLocks noGrp="1"/>
+          </p:cNvSpPr>
+          <p:nvPr>
+            <p:ph type="title"/>
+          </p:nvPr>
+        </p:nvSpPr>
+        <p:spPr/>
+        <p:txBody>
+          <a:bodyPr/>
+          <a:lstStyle/>
+          <a:p>
+            <a:r>
+              <a:rPr lang="nl-NL" dirty="0"/>
+              <a:t>Voordelen</a:t>
+            </a:r>
+          </a:p>
+        </p:txBody>
+      </p:sp>
+      <p:sp>
+        <p:nvSpPr>
+          <p:cNvPr id="3" name="Tijdelijke aanduiding voor inhoud 2">
+            <a:extLst>
+              <a:ext uri="{FF2B5EF4-FFF2-40B4-BE49-F238E27FC236}">
+                <a16:creationId xmlns:a16="http://schemas.microsoft.com/office/drawing/2014/main" id="{BAE6FD4C-6FB5-4133-84C0-D6ED92217983}"/>
+              </a:ext>
+            </a:extLst>
+          </p:cNvPr>
+          <p:cNvSpPr>
+            <a:spLocks noGrp="1"/>
+          </p:cNvSpPr>
+          <p:nvPr>
+            <p:ph idx="1"/>
+          </p:nvPr>
+        </p:nvSpPr>
+        <p:spPr/>
+        <p:txBody>
+          <a:bodyPr>
+            <a:normAutofit/>
+          </a:bodyPr>
+          <a:lstStyle/>
+          <a:p>
+            <a:r>
+              <a:rPr lang="nl-NL" sz="2400" dirty="0"/>
+              <a:t>Duidelijk, iedereen weet waar hij/zij aan toe is.</a:t>
+            </a:r>
+          </a:p>
+          <a:p>
+            <a:r>
+              <a:rPr lang="nl-NL" sz="2400" dirty="0"/>
+              <a:t>Duidelijke voortgang. Pas naar de volgende stap wanneer de vorige stap goed afgerond is.</a:t>
+            </a:r>
+          </a:p>
+          <a:p>
+            <a:r>
+              <a:rPr lang="nl-NL" sz="2400" dirty="0"/>
+              <a:t>Wijkt niet af van het oorspronkelijke doel</a:t>
+            </a:r>
+          </a:p>
+          <a:p>
+            <a:r>
+              <a:rPr lang="nl-NL" sz="2400" dirty="0"/>
+              <a:t>Risico mijden op het flink uitlopen van projecten</a:t>
+            </a:r>
+          </a:p>
+        </p:txBody>
+      </p:sp>
+    </p:spTree>
+    <p:extLst>
+      <p:ext uri="{BB962C8B-B14F-4D97-AF65-F5344CB8AC3E}">
+        <p14:creationId xmlns:p14="http://schemas.microsoft.com/office/powerpoint/2010/main" val="1308060853"/>
+      </p:ext>
+    </p:extLst>
+  </p:cSld>
+  <p:clrMapOvr>
+    <a:masterClrMapping/>
+  </p:clrMapOvr>
+  <p:timing>
+    <p:tnLst>
+      <p:par>
+        <p:cTn id="1" dur="indefinite" restart="never" nodeType="tmRoot">
+          <p:childTnLst>
+            <p:seq concurrent="1" nextAc="seek">
+              <p:cTn id="2" dur="indefinite" nodeType="mainSeq">
+                <p:childTnLst>
+                  <p:par>
+                    <p:cTn id="3" fill="hold">
+                      <p:stCondLst>
+                        <p:cond delay="indefinite"/>
+                      </p:stCondLst>
+                      <p:childTnLst>
+                        <p:par>
+                          <p:cTn id="4" fill="hold">
+                            <p:stCondLst>
+                              <p:cond delay="0"/>
+                            </p:stCondLst>
+                            <p:childTnLst>
+                              <p:par>
+                                <p:cTn id="5" presetID="1" presetClass="entr" presetSubtype="0" fill="hold" grpId="0" nodeType="clickEffect">
+                                  <p:stCondLst>
+                                    <p:cond delay="0"/>
+                                  </p:stCondLst>
+                                  <p:childTnLst>
+                                    <p:set>
+                                      <p:cBhvr>
+                                        <p:cTn id="6" dur="1" fill="hold">
+                                          <p:stCondLst>
+                                            <p:cond delay="0"/>
+                                          </p:stCondLst>
+                                        </p:cTn>
+                                        <p:tgtEl>
+                                          <p:spTgt spid="3">
+                                            <p:txEl>
+                                              <p:pRg st="0" end="0"/>
+                                            </p:txEl>
+                                          </p:spTgt>
+                                        </p:tgtEl>
+                                        <p:attrNameLst>
+                                          <p:attrName>style.visibility</p:attrName>
+                                        </p:attrNameLst>
+                                      </p:cBhvr>
+                                      <p:to>
+                                        <p:strVal val="visible"/>
+                                      </p:to>
+                                    </p:set>
+                                  </p:childTnLst>
+                                </p:cTn>
+                              </p:par>
+                            </p:childTnLst>
+                          </p:cTn>
+                        </p:par>
+                      </p:childTnLst>
+                    </p:cTn>
+                  </p:par>
+                  <p:par>
+                    <p:cTn id="7" fill="hold">
+                      <p:stCondLst>
+                        <p:cond delay="indefinite"/>
+                      </p:stCondLst>
+                      <p:childTnLst>
+                        <p:par>
+                          <p:cTn id="8" fill="hold">
+                            <p:stCondLst>
+                              <p:cond delay="0"/>
+                            </p:stCondLst>
+                            <p:childTnLst>
+                              <p:par>
+                                <p:cTn id="9" presetID="1" presetClass="entr" presetSubtype="0" fill="hold" grpId="0" nodeType="clickEffect">
+                                  <p:stCondLst>
+                                    <p:cond delay="0"/>
+                                  </p:stCondLst>
+                                  <p:childTnLst>
+                                    <p:set>
+                                      <p:cBhvr>
+                                        <p:cTn id="10" dur="1" fill="hold">
+                                          <p:stCondLst>
+                                            <p:cond delay="0"/>
+                                          </p:stCondLst>
+                                        </p:cTn>
+                                        <p:tgtEl>
+                                          <p:spTgt spid="3">
+                                            <p:txEl>
+                                              <p:pRg st="1" end="1"/>
+                                            </p:txEl>
+                                          </p:spTgt>
+                                        </p:tgtEl>
+                                        <p:attrNameLst>
+                                          <p:attrName>style.visibility</p:attrName>
+                                        </p:attrNameLst>
+                                      </p:cBhvr>
+                                      <p:to>
+                                        <p:strVal val="visible"/>
+                                      </p:to>
+                                    </p:set>
+                                  </p:childTnLst>
+                                </p:cTn>
+                              </p:par>
+                            </p:childTnLst>
+                          </p:cTn>
+                        </p:par>
+                      </p:childTnLst>
+                    </p:cTn>
+                  </p:par>
+                  <p:par>
+                    <p:cTn id="11" fill="hold">
+                      <p:stCondLst>
+                        <p:cond delay="indefinite"/>
+                      </p:stCondLst>
+                      <p:childTnLst>
+                        <p:par>
+                          <p:cTn id="12" fill="hold">
+                            <p:stCondLst>
+                              <p:cond delay="0"/>
+                            </p:stCondLst>
+                            <p:childTnLst>
+                              <p:par>
+                                <p:cTn id="13" presetID="1" presetClass="entr" presetSubtype="0" fill="hold" grpId="0" nodeType="clickEffect">
+                                  <p:stCondLst>
+                                    <p:cond delay="0"/>
+                                  </p:stCondLst>
+                                  <p:childTnLst>
+                                    <p:set>
+                                      <p:cBhvr>
+                                        <p:cTn id="14" dur="1" fill="hold">
+                                          <p:stCondLst>
+                                            <p:cond delay="0"/>
+                                          </p:stCondLst>
+                                        </p:cTn>
+                                        <p:tgtEl>
+                                          <p:spTgt spid="3">
+                                            <p:txEl>
+                                              <p:pRg st="2" end="2"/>
+                                            </p:txEl>
+                                          </p:spTgt>
+                                        </p:tgtEl>
+                                        <p:attrNameLst>
+                                          <p:attrName>style.visibility</p:attrName>
+                                        </p:attrNameLst>
+                                      </p:cBhvr>
+                                      <p:to>
+                                        <p:strVal val="visible"/>
+                                      </p:to>
+                                    </p:set>
+                                  </p:childTnLst>
+                                </p:cTn>
+                              </p:par>
+                            </p:childTnLst>
+                          </p:cTn>
+                        </p:par>
+                      </p:childTnLst>
+                    </p:cTn>
+                  </p:par>
+                  <p:par>
+                    <p:cTn id="15" fill="hold">
+                      <p:stCondLst>
+                        <p:cond delay="indefinite"/>
+                      </p:stCondLst>
+                      <p:childTnLst>
+                        <p:par>
+                          <p:cTn id="16" fill="hold">
+                            <p:stCondLst>
+                              <p:cond delay="0"/>
+                            </p:stCondLst>
+                            <p:childTnLst>
+                              <p:par>
+                                <p:cTn id="17" presetID="1" presetClass="entr" presetSubtype="0" fill="hold" grpId="0" nodeType="clickEffect">
+                                  <p:stCondLst>
+                                    <p:cond delay="0"/>
+                                  </p:stCondLst>
+                                  <p:childTnLst>
+                                    <p:set>
+                                      <p:cBhvr>
+                                        <p:cTn id="18" dur="1" fill="hold">
+                                          <p:stCondLst>
+                                            <p:cond delay="0"/>
+                                          </p:stCondLst>
+                                        </p:cTn>
+                                        <p:tgtEl>
+                                          <p:spTgt spid="3">
+                                            <p:txEl>
+                                              <p:pRg st="3" end="3"/>
+                                            </p:txEl>
+                                          </p:spTgt>
+                                        </p:tgtEl>
+                                        <p:attrNameLst>
+                                          <p:attrName>style.visibility</p:attrName>
+                                        </p:attrNameLst>
+                                      </p:cBhvr>
+                                      <p:to>
+                                        <p:strVal val="visible"/>
+                                      </p:to>
+                                    </p:set>
+                                  </p:childTnLst>
+                                </p:cTn>
+                              </p:par>
+                            </p:childTnLst>
+                          </p:cTn>
+                        </p:par>
+                      </p:childTnLst>
+                    </p:cTn>
+                  </p:par>
+                </p:childTnLst>
+              </p:cTn>
+              <p:prevCondLst>
+                <p:cond evt="onPrev" delay="0">
+                  <p:tgtEl>
+                    <p:sldTgt/>
+                  </p:tgtEl>
+                </p:cond>
+              </p:prevCondLst>
+              <p:nextCondLst>
+                <p:cond evt="onNext" delay="0">
+                  <p:tgtEl>
+                    <p:sldTgt/>
+                  </p:tgtEl>
+                </p:cond>
+              </p:nextCondLst>
+            </p:seq>
+          </p:childTnLst>
+        </p:cTn>
+      </p:par>
+    </p:tnLst>
+    <p:bldLst>
+      <p:bldP spid="3" grpId="0" build="p"/>
+    </p:bldLst>
+  </p:timing>
+</p:sld>
+</file>
+
+<file path=ppt/slides/slide16.xml><?xml version="1.0" encoding="utf-8"?>
+<p:sld xmlns:a="http://schemas.openxmlformats.org/drawingml/2006/main" xmlns:r="http://schemas.openxmlformats.org/officeDocument/2006/relationships" xmlns:p="http://schemas.openxmlformats.org/presentationml/2006/main">
+  <p:cSld>
+    <p:spTree>
+      <p:nvGrpSpPr>
+        <p:cNvPr id="1" name=""/>
+        <p:cNvGrpSpPr/>
+        <p:nvPr/>
+      </p:nvGrpSpPr>
+      <p:grpSpPr>
+        <a:xfrm>
+          <a:off x="0" y="0"/>
+          <a:ext cx="0" cy="0"/>
+          <a:chOff x="0" y="0"/>
+          <a:chExt cx="0" cy="0"/>
+        </a:xfrm>
+      </p:grpSpPr>
+      <p:sp>
+        <p:nvSpPr>
+          <p:cNvPr id="2" name="Titel 1">
+            <a:extLst>
+              <a:ext uri="{FF2B5EF4-FFF2-40B4-BE49-F238E27FC236}">
+                <a16:creationId xmlns:a16="http://schemas.microsoft.com/office/drawing/2014/main" id="{A71ABB88-92A3-4B3C-9F19-D934A3B7732D}"/>
+              </a:ext>
+            </a:extLst>
+          </p:cNvPr>
+          <p:cNvSpPr>
+            <a:spLocks noGrp="1"/>
+          </p:cNvSpPr>
+          <p:nvPr>
+            <p:ph type="title"/>
+          </p:nvPr>
+        </p:nvSpPr>
+        <p:spPr/>
+        <p:txBody>
+          <a:bodyPr/>
+          <a:lstStyle/>
+          <a:p>
+            <a:r>
+              <a:rPr lang="nl-NL" dirty="0"/>
+              <a:t>Nadelen</a:t>
+            </a:r>
+          </a:p>
+        </p:txBody>
+      </p:sp>
+      <p:sp>
+        <p:nvSpPr>
+          <p:cNvPr id="3" name="Tijdelijke aanduiding voor inhoud 2">
+            <a:extLst>
+              <a:ext uri="{FF2B5EF4-FFF2-40B4-BE49-F238E27FC236}">
+                <a16:creationId xmlns:a16="http://schemas.microsoft.com/office/drawing/2014/main" id="{9E2C1DB0-010D-4180-AB2F-31ED23A9ADF3}"/>
+              </a:ext>
+            </a:extLst>
+          </p:cNvPr>
+          <p:cNvSpPr>
+            <a:spLocks noGrp="1"/>
+          </p:cNvSpPr>
+          <p:nvPr>
+            <p:ph idx="1"/>
+          </p:nvPr>
+        </p:nvSpPr>
+        <p:spPr/>
+        <p:txBody>
+          <a:bodyPr/>
+          <a:lstStyle/>
+          <a:p>
+            <a:r>
+              <a:rPr lang="nl-NL" sz="2400" dirty="0"/>
+              <a:t>In het begin is het lastig om alle details vast te leggen in </a:t>
+            </a:r>
+            <a:r>
+              <a:rPr lang="nl-NL" sz="2400" dirty="0" err="1"/>
+              <a:t>requirements</a:t>
+            </a:r>
+            <a:r>
+              <a:rPr lang="nl-NL" sz="2400" dirty="0"/>
+              <a:t> voor het eindresultaat.</a:t>
+            </a:r>
+          </a:p>
+          <a:p>
+            <a:r>
+              <a:rPr lang="nl-NL" sz="2400" dirty="0">
+                <a:solidFill>
+                  <a:srgbClr val="FF0000"/>
+                </a:solidFill>
+              </a:rPr>
+              <a:t>Oplevering?</a:t>
+            </a:r>
+            <a:endParaRPr lang="nl-NL" sz="2400" dirty="0"/>
+          </a:p>
+          <a:p>
+            <a:r>
+              <a:rPr lang="nl-NL" sz="2400" dirty="0"/>
+              <a:t>Weinig flexibiliteit</a:t>
+            </a:r>
+          </a:p>
+        </p:txBody>
+      </p:sp>
+    </p:spTree>
+    <p:extLst>
+      <p:ext uri="{BB962C8B-B14F-4D97-AF65-F5344CB8AC3E}">
+        <p14:creationId xmlns:p14="http://schemas.microsoft.com/office/powerpoint/2010/main" val="1698791398"/>
+      </p:ext>
+    </p:extLst>
+  </p:cSld>
+  <p:clrMapOvr>
+    <a:masterClrMapping/>
+  </p:clrMapOvr>
+</p:sld>
+</file>
+
+<file path=ppt/slides/slide17.xml><?xml version="1.0" encoding="utf-8"?>
+<p:sld xmlns:a="http://schemas.openxmlformats.org/drawingml/2006/main" xmlns:r="http://schemas.openxmlformats.org/officeDocument/2006/relationships" xmlns:p="http://schemas.openxmlformats.org/presentationml/2006/main">
+  <p:cSld>
+    <p:spTree>
+      <p:nvGrpSpPr>
+        <p:cNvPr id="1" name=""/>
+        <p:cNvGrpSpPr/>
+        <p:nvPr/>
+      </p:nvGrpSpPr>
+      <p:grpSpPr>
+        <a:xfrm>
+          <a:off x="0" y="0"/>
+          <a:ext cx="0" cy="0"/>
+          <a:chOff x="0" y="0"/>
+          <a:chExt cx="0" cy="0"/>
+        </a:xfrm>
+      </p:grpSpPr>
+      <p:sp>
+        <p:nvSpPr>
+          <p:cNvPr id="2" name="Titel 1">
+            <a:extLst>
+              <a:ext uri="{FF2B5EF4-FFF2-40B4-BE49-F238E27FC236}">
+                <a16:creationId xmlns:a16="http://schemas.microsoft.com/office/drawing/2014/main" id="{3DB30706-0C2A-4E12-AE88-FBCE0A6F12AF}"/>
+              </a:ext>
+            </a:extLst>
+          </p:cNvPr>
+          <p:cNvSpPr>
+            <a:spLocks noGrp="1"/>
+          </p:cNvSpPr>
+          <p:nvPr>
+            <p:ph type="title"/>
+          </p:nvPr>
+        </p:nvSpPr>
+        <p:spPr/>
+        <p:txBody>
+          <a:bodyPr/>
+          <a:lstStyle/>
+          <a:p>
+            <a:r>
+              <a:rPr lang="nl-NL" dirty="0"/>
+              <a:t>Conclusie</a:t>
+            </a:r>
+          </a:p>
+        </p:txBody>
+      </p:sp>
+      <p:sp>
+        <p:nvSpPr>
+          <p:cNvPr id="3" name="Tijdelijke aanduiding voor inhoud 2">
+            <a:extLst>
+              <a:ext uri="{FF2B5EF4-FFF2-40B4-BE49-F238E27FC236}">
+                <a16:creationId xmlns:a16="http://schemas.microsoft.com/office/drawing/2014/main" id="{A3926FDD-007B-4A7C-9C71-252BAC20C994}"/>
+              </a:ext>
+            </a:extLst>
+          </p:cNvPr>
+          <p:cNvSpPr>
+            <a:spLocks noGrp="1"/>
+          </p:cNvSpPr>
+          <p:nvPr>
+            <p:ph idx="1"/>
+          </p:nvPr>
+        </p:nvSpPr>
+        <p:spPr/>
+        <p:txBody>
+          <a:bodyPr>
+            <a:normAutofit fontScale="92500" lnSpcReduction="20000"/>
+          </a:bodyPr>
+          <a:lstStyle/>
+          <a:p>
+            <a:r>
+              <a:rPr lang="nl-NL" dirty="0"/>
+              <a:t>Wanneer wel de watervalmethode?</a:t>
+            </a:r>
+          </a:p>
+          <a:p>
+            <a:pPr lvl="1"/>
+            <a:r>
+              <a:rPr lang="nl-NL" dirty="0"/>
+              <a:t>Concrete projecten met een vast budget, tijd en scope</a:t>
+            </a:r>
+          </a:p>
+          <a:p>
+            <a:pPr lvl="1"/>
+            <a:r>
+              <a:rPr lang="nl-NL" dirty="0"/>
+              <a:t>Collega’s op afstand</a:t>
+            </a:r>
+          </a:p>
+          <a:p>
+            <a:pPr lvl="1"/>
+            <a:r>
+              <a:rPr lang="nl-NL" dirty="0"/>
+              <a:t>Cliënt weinig beschikbaar</a:t>
+            </a:r>
+          </a:p>
+          <a:p>
+            <a:pPr lvl="1"/>
+            <a:r>
+              <a:rPr lang="nl-NL" dirty="0">
+                <a:solidFill>
+                  <a:srgbClr val="FF0000"/>
+                </a:solidFill>
+              </a:rPr>
+              <a:t>Duidelijke tussentijdse mijlpalen</a:t>
+            </a:r>
+          </a:p>
+          <a:p>
+            <a:r>
+              <a:rPr lang="nl-NL" dirty="0"/>
+              <a:t>Wanneer niet de watervalmethode?</a:t>
+            </a:r>
+          </a:p>
+          <a:p>
+            <a:pPr lvl="1"/>
+            <a:r>
+              <a:rPr lang="nl-NL" dirty="0"/>
+              <a:t>Complexere projecten</a:t>
+            </a:r>
+          </a:p>
+          <a:p>
+            <a:pPr lvl="1"/>
+            <a:r>
+              <a:rPr lang="nl-NL" dirty="0"/>
+              <a:t>Eindresultaat nog niet duidelijk voor ogen</a:t>
+            </a:r>
+          </a:p>
+          <a:p>
+            <a:pPr lvl="1"/>
+            <a:r>
+              <a:rPr lang="nl-NL" dirty="0"/>
+              <a:t>Flexibelere omgeving (actoren, middelen)</a:t>
+            </a:r>
+          </a:p>
+        </p:txBody>
+      </p:sp>
+    </p:spTree>
+    <p:extLst>
+      <p:ext uri="{BB962C8B-B14F-4D97-AF65-F5344CB8AC3E}">
+        <p14:creationId xmlns:p14="http://schemas.microsoft.com/office/powerpoint/2010/main" val="3294166645"/>
+      </p:ext>
+    </p:extLst>
+  </p:cSld>
+  <p:clrMapOvr>
+    <a:masterClrMapping/>
+  </p:clrMapOvr>
+  <p:timing>
+    <p:tnLst>
+      <p:par>
+        <p:cTn id="1" dur="indefinite" restart="never" nodeType="tmRoot">
+          <p:childTnLst>
+            <p:seq concurrent="1" nextAc="seek">
+              <p:cTn id="2" dur="indefinite" nodeType="mainSeq">
+                <p:childTnLst>
+                  <p:par>
+                    <p:cTn id="3" fill="hold">
+                      <p:stCondLst>
+                        <p:cond delay="indefinite"/>
+                      </p:stCondLst>
+                      <p:childTnLst>
+                        <p:par>
+                          <p:cTn id="4" fill="hold">
+                            <p:stCondLst>
+                              <p:cond delay="0"/>
+                            </p:stCondLst>
+                            <p:childTnLst>
+                              <p:par>
+                                <p:cTn id="5" presetID="1" presetClass="entr" presetSubtype="0" fill="hold" nodeType="clickEffect">
+                                  <p:stCondLst>
+                                    <p:cond delay="0"/>
+                                  </p:stCondLst>
+                                  <p:childTnLst>
+                                    <p:set>
+                                      <p:cBhvr>
+                                        <p:cTn id="6" dur="1" fill="hold">
+                                          <p:stCondLst>
+                                            <p:cond delay="0"/>
+                                          </p:stCondLst>
+                                        </p:cTn>
+                                        <p:tgtEl>
+                                          <p:spTgt spid="3">
+                                            <p:txEl>
+                                              <p:pRg st="1" end="1"/>
+                                            </p:txEl>
+                                          </p:spTgt>
+                                        </p:tgtEl>
+                                        <p:attrNameLst>
+                                          <p:attrName>style.visibility</p:attrName>
+                                        </p:attrNameLst>
+                                      </p:cBhvr>
+                                      <p:to>
+                                        <p:strVal val="visible"/>
+                                      </p:to>
+                                    </p:set>
+                                  </p:childTnLst>
+                                </p:cTn>
+                              </p:par>
+                            </p:childTnLst>
+                          </p:cTn>
+                        </p:par>
+                      </p:childTnLst>
+                    </p:cTn>
+                  </p:par>
+                  <p:par>
+                    <p:cTn id="7" fill="hold">
+                      <p:stCondLst>
+                        <p:cond delay="indefinite"/>
+                      </p:stCondLst>
+                      <p:childTnLst>
+                        <p:par>
+                          <p:cTn id="8" fill="hold">
+                            <p:stCondLst>
+                              <p:cond delay="0"/>
+                            </p:stCondLst>
+                            <p:childTnLst>
+                              <p:par>
+                                <p:cTn id="9" presetID="1" presetClass="entr" presetSubtype="0" fill="hold" nodeType="clickEffect">
+                                  <p:stCondLst>
+                                    <p:cond delay="0"/>
+                                  </p:stCondLst>
+                                  <p:childTnLst>
+                                    <p:set>
+                                      <p:cBhvr>
+                                        <p:cTn id="10" dur="1" fill="hold">
+                                          <p:stCondLst>
+                                            <p:cond delay="0"/>
+                                          </p:stCondLst>
+                                        </p:cTn>
+                                        <p:tgtEl>
+                                          <p:spTgt spid="3">
+                                            <p:txEl>
+                                              <p:pRg st="2" end="2"/>
+                                            </p:txEl>
+                                          </p:spTgt>
+                                        </p:tgtEl>
+                                        <p:attrNameLst>
+                                          <p:attrName>style.visibility</p:attrName>
+                                        </p:attrNameLst>
+                                      </p:cBhvr>
+                                      <p:to>
+                                        <p:strVal val="visible"/>
+                                      </p:to>
+                                    </p:set>
+                                  </p:childTnLst>
+                                </p:cTn>
+                              </p:par>
+                            </p:childTnLst>
+                          </p:cTn>
+                        </p:par>
+                      </p:childTnLst>
+                    </p:cTn>
+                  </p:par>
+                  <p:par>
+                    <p:cTn id="11" fill="hold">
+                      <p:stCondLst>
+                        <p:cond delay="indefinite"/>
+                      </p:stCondLst>
+                      <p:childTnLst>
+                        <p:par>
+                          <p:cTn id="12" fill="hold">
+                            <p:stCondLst>
+                              <p:cond delay="0"/>
+                            </p:stCondLst>
+                            <p:childTnLst>
+                              <p:par>
+                                <p:cTn id="13" presetID="1" presetClass="entr" presetSubtype="0" fill="hold" nodeType="clickEffect">
+                                  <p:stCondLst>
+                                    <p:cond delay="0"/>
+                                  </p:stCondLst>
+                                  <p:childTnLst>
+                                    <p:set>
+                                      <p:cBhvr>
+                                        <p:cTn id="14" dur="1" fill="hold">
+                                          <p:stCondLst>
+                                            <p:cond delay="0"/>
+                                          </p:stCondLst>
+                                        </p:cTn>
+                                        <p:tgtEl>
+                                          <p:spTgt spid="3">
+                                            <p:txEl>
+                                              <p:pRg st="3" end="3"/>
+                                            </p:txEl>
+                                          </p:spTgt>
+                                        </p:tgtEl>
+                                        <p:attrNameLst>
+                                          <p:attrName>style.visibility</p:attrName>
+                                        </p:attrNameLst>
+                                      </p:cBhvr>
+                                      <p:to>
+                                        <p:strVal val="visible"/>
+                                      </p:to>
+                                    </p:set>
+                                  </p:childTnLst>
+                                </p:cTn>
+                              </p:par>
+                            </p:childTnLst>
+                          </p:cTn>
+                        </p:par>
+                      </p:childTnLst>
+                    </p:cTn>
+                  </p:par>
+                  <p:par>
+                    <p:cTn id="15" fill="hold">
+                      <p:stCondLst>
+                        <p:cond delay="indefinite"/>
+                      </p:stCondLst>
+                      <p:childTnLst>
+                        <p:par>
+                          <p:cTn id="16" fill="hold">
+                            <p:stCondLst>
+                              <p:cond delay="0"/>
+                            </p:stCondLst>
+                            <p:childTnLst>
+                              <p:par>
+                                <p:cTn id="17" presetID="1" presetClass="entr" presetSubtype="0" fill="hold" nodeType="clickEffect">
+                                  <p:stCondLst>
+                                    <p:cond delay="0"/>
+                                  </p:stCondLst>
+                                  <p:childTnLst>
+                                    <p:set>
+                                      <p:cBhvr>
+                                        <p:cTn id="18" dur="1" fill="hold">
+                                          <p:stCondLst>
+                                            <p:cond delay="0"/>
+                                          </p:stCondLst>
+                                        </p:cTn>
+                                        <p:tgtEl>
+                                          <p:spTgt spid="3">
+                                            <p:txEl>
+                                              <p:pRg st="4" end="4"/>
+                                            </p:txEl>
+                                          </p:spTgt>
+                                        </p:tgtEl>
+                                        <p:attrNameLst>
+                                          <p:attrName>style.visibility</p:attrName>
+                                        </p:attrNameLst>
+                                      </p:cBhvr>
+                                      <p:to>
+                                        <p:strVal val="visible"/>
+                                      </p:to>
+                                    </p:set>
+                                  </p:childTnLst>
+                                </p:cTn>
+                              </p:par>
+                            </p:childTnLst>
+                          </p:cTn>
+                        </p:par>
+                      </p:childTnLst>
+                    </p:cTn>
+                  </p:par>
+                  <p:par>
+                    <p:cTn id="19" fill="hold">
+                      <p:stCondLst>
+                        <p:cond delay="indefinite"/>
+                      </p:stCondLst>
+                      <p:childTnLst>
+                        <p:par>
+                          <p:cTn id="20" fill="hold">
+                            <p:stCondLst>
+                              <p:cond delay="0"/>
+                            </p:stCondLst>
+                            <p:childTnLst>
+                              <p:par>
+                                <p:cTn id="21" presetID="1" presetClass="entr" presetSubtype="0" fill="hold" nodeType="clickEffect">
+                                  <p:stCondLst>
+                                    <p:cond delay="0"/>
+                                  </p:stCondLst>
+                                  <p:childTnLst>
+                                    <p:set>
+                                      <p:cBhvr>
+                                        <p:cTn id="22" dur="1" fill="hold">
+                                          <p:stCondLst>
+                                            <p:cond delay="0"/>
+                                          </p:stCondLst>
+                                        </p:cTn>
+                                        <p:tgtEl>
+                                          <p:spTgt spid="3">
+                                            <p:txEl>
+                                              <p:pRg st="6" end="6"/>
+                                            </p:txEl>
+                                          </p:spTgt>
+                                        </p:tgtEl>
+                                        <p:attrNameLst>
+                                          <p:attrName>style.visibility</p:attrName>
+                                        </p:attrNameLst>
+                                      </p:cBhvr>
+                                      <p:to>
+                                        <p:strVal val="visible"/>
+                                      </p:to>
+                                    </p:set>
+                                  </p:childTnLst>
+                                </p:cTn>
+                              </p:par>
+                            </p:childTnLst>
+                          </p:cTn>
+                        </p:par>
+                      </p:childTnLst>
+                    </p:cTn>
+                  </p:par>
+                  <p:par>
+                    <p:cTn id="23" fill="hold">
+                      <p:stCondLst>
+                        <p:cond delay="indefinite"/>
+                      </p:stCondLst>
+                      <p:childTnLst>
+                        <p:par>
+                          <p:cTn id="24" fill="hold">
+                            <p:stCondLst>
+                              <p:cond delay="0"/>
+                            </p:stCondLst>
+                            <p:childTnLst>
+                              <p:par>
+                                <p:cTn id="25" presetID="1" presetClass="entr" presetSubtype="0" fill="hold" nodeType="clickEffect">
+                                  <p:stCondLst>
+                                    <p:cond delay="0"/>
+                                  </p:stCondLst>
+                                  <p:childTnLst>
+                                    <p:set>
+                                      <p:cBhvr>
+                                        <p:cTn id="26" dur="1" fill="hold">
+                                          <p:stCondLst>
+                                            <p:cond delay="0"/>
+                                          </p:stCondLst>
+                                        </p:cTn>
+                                        <p:tgtEl>
+                                          <p:spTgt spid="3">
+                                            <p:txEl>
+                                              <p:pRg st="7" end="7"/>
+                                            </p:txEl>
+                                          </p:spTgt>
+                                        </p:tgtEl>
+                                        <p:attrNameLst>
+                                          <p:attrName>style.visibility</p:attrName>
+                                        </p:attrNameLst>
+                                      </p:cBhvr>
+                                      <p:to>
+                                        <p:strVal val="visible"/>
+                                      </p:to>
+                                    </p:set>
+                                  </p:childTnLst>
+                                </p:cTn>
+                              </p:par>
+                            </p:childTnLst>
+                          </p:cTn>
+                        </p:par>
+                      </p:childTnLst>
+                    </p:cTn>
+                  </p:par>
+                  <p:par>
+                    <p:cTn id="27" fill="hold">
+                      <p:stCondLst>
+                        <p:cond delay="indefinite"/>
+                      </p:stCondLst>
+                      <p:childTnLst>
+                        <p:par>
+                          <p:cTn id="28" fill="hold">
+                            <p:stCondLst>
+                              <p:cond delay="0"/>
+                            </p:stCondLst>
+                            <p:childTnLst>
+                              <p:par>
+                                <p:cTn id="29" presetID="1" presetClass="entr" presetSubtype="0" fill="hold" nodeType="clickEffect">
+                                  <p:stCondLst>
+                                    <p:cond delay="0"/>
+                                  </p:stCondLst>
+                                  <p:childTnLst>
+                                    <p:set>
+                                      <p:cBhvr>
+                                        <p:cTn id="30" dur="1" fill="hold">
+                                          <p:stCondLst>
+                                            <p:cond delay="0"/>
+                                          </p:stCondLst>
+                                        </p:cTn>
+                                        <p:tgtEl>
+                                          <p:spTgt spid="3">
+                                            <p:txEl>
+                                              <p:pRg st="8" end="8"/>
+                                            </p:txEl>
+                                          </p:spTgt>
+                                        </p:tgtEl>
+                                        <p:attrNameLst>
+                                          <p:attrName>style.visibility</p:attrName>
+                                        </p:attrNameLst>
+                                      </p:cBhvr>
+                                      <p:to>
+                                        <p:strVal val="visible"/>
+                                      </p:to>
+                                    </p:set>
+                                  </p:childTnLst>
+                                </p:cTn>
+                              </p:par>
+                            </p:childTnLst>
+                          </p:cTn>
+                        </p:par>
+                      </p:childTnLst>
+                    </p:cTn>
+                  </p:par>
+                </p:childTnLst>
+              </p:cTn>
+              <p:prevCondLst>
+                <p:cond evt="onPrev" delay="0">
+                  <p:tgtEl>
+                    <p:sldTgt/>
+                  </p:tgtEl>
+                </p:cond>
+              </p:prevCondLst>
+              <p:nextCondLst>
+                <p:cond evt="onNext" delay="0">
+                  <p:tgtEl>
+                    <p:sldTgt/>
+                  </p:tgtEl>
+                </p:cond>
+              </p:nextCondLst>
+            </p:seq>
+          </p:childTnLst>
+        </p:cTn>
+      </p:par>
+    </p:tnLst>
+  </p:timing>
+</p:sld>
+</file>
+
+<file path=ppt/slides/slide18.xml><?xml version="1.0" encoding="utf-8"?>
+<p:sld xmlns:a="http://schemas.openxmlformats.org/drawingml/2006/main" xmlns:r="http://schemas.openxmlformats.org/officeDocument/2006/relationships" xmlns:p="http://schemas.openxmlformats.org/presentationml/2006/main">
+  <p:cSld>
+    <p:spTree>
+      <p:nvGrpSpPr>
+        <p:cNvPr id="1" name=""/>
+        <p:cNvGrpSpPr/>
+        <p:nvPr/>
+      </p:nvGrpSpPr>
+      <p:grpSpPr>
+        <a:xfrm>
+          <a:off x="0" y="0"/>
+          <a:ext cx="0" cy="0"/>
+          <a:chOff x="0" y="0"/>
+          <a:chExt cx="0" cy="0"/>
+        </a:xfrm>
+      </p:grpSpPr>
+      <p:sp>
+        <p:nvSpPr>
+          <p:cNvPr id="2" name="Titel 1">
+            <a:extLst>
+              <a:ext uri="{FF2B5EF4-FFF2-40B4-BE49-F238E27FC236}">
+                <a16:creationId xmlns:a16="http://schemas.microsoft.com/office/drawing/2014/main" id="{AB23A34D-7647-4FB8-B73A-677650500427}"/>
+              </a:ext>
+            </a:extLst>
+          </p:cNvPr>
+          <p:cNvSpPr>
+            <a:spLocks noGrp="1"/>
+          </p:cNvSpPr>
+          <p:nvPr>
+            <p:ph type="title"/>
+          </p:nvPr>
+        </p:nvSpPr>
+        <p:spPr/>
+        <p:txBody>
+          <a:bodyPr/>
+          <a:lstStyle/>
+          <a:p>
+            <a:r>
+              <a:rPr lang="nl-NL" dirty="0"/>
+              <a:t>Vragenronde</a:t>
+            </a:r>
+          </a:p>
+        </p:txBody>
+      </p:sp>
+      <p:sp>
+        <p:nvSpPr>
+          <p:cNvPr id="3" name="Tijdelijke aanduiding voor inhoud 2">
+            <a:extLst>
+              <a:ext uri="{FF2B5EF4-FFF2-40B4-BE49-F238E27FC236}">
+                <a16:creationId xmlns:a16="http://schemas.microsoft.com/office/drawing/2014/main" id="{0DDF1218-48D6-43CD-9141-58C76ABB6F1B}"/>
+              </a:ext>
+            </a:extLst>
+          </p:cNvPr>
+          <p:cNvSpPr>
+            <a:spLocks noGrp="1"/>
+          </p:cNvSpPr>
+          <p:nvPr>
+            <p:ph idx="1"/>
+          </p:nvPr>
+        </p:nvSpPr>
+        <p:spPr/>
+        <p:txBody>
+          <a:bodyPr/>
+          <a:lstStyle/>
+          <a:p>
+            <a:r>
+              <a:rPr lang="nl-NL" dirty="0"/>
+              <a:t>Bedankt!</a:t>
+            </a:r>
+          </a:p>
+        </p:txBody>
+      </p:sp>
+    </p:spTree>
+    <p:extLst>
+      <p:ext uri="{BB962C8B-B14F-4D97-AF65-F5344CB8AC3E}">
+        <p14:creationId xmlns:p14="http://schemas.microsoft.com/office/powerpoint/2010/main" val="2699800056"/>
+      </p:ext>
+    </p:extLst>
+  </p:cSld>
+  <p:clrMapOvr>
+    <a:masterClrMapping/>
+  </p:clrMapOvr>
+  <p:timing>
+    <p:tnLst>
+      <p:par>
+        <p:cTn id="1" dur="indefinite" restart="never" nodeType="tmRoot">
+          <p:childTnLst>
+            <p:seq concurrent="1" nextAc="seek">
+              <p:cTn id="2" dur="indefinite" nodeType="mainSeq">
+                <p:childTnLst>
+                  <p:par>
+                    <p:cTn id="3" fill="hold">
+                      <p:stCondLst>
+                        <p:cond delay="indefinite"/>
+                      </p:stCondLst>
+                      <p:childTnLst>
+                        <p:par>
+                          <p:cTn id="4" fill="hold">
+                            <p:stCondLst>
+                              <p:cond delay="0"/>
+                            </p:stCondLst>
+                            <p:childTnLst>
+                              <p:par>
+                                <p:cTn id="5" presetID="1" presetClass="entr" presetSubtype="0" fill="hold" grpId="0" nodeType="clickEffect">
+                                  <p:stCondLst>
+                                    <p:cond delay="0"/>
+                                  </p:stCondLst>
+                                  <p:childTnLst>
+                                    <p:set>
+                                      <p:cBhvr>
+                                        <p:cTn id="6" dur="1" fill="hold">
+                                          <p:stCondLst>
+                                            <p:cond delay="0"/>
+                                          </p:stCondLst>
+                                        </p:cTn>
+                                        <p:tgtEl>
+                                          <p:spTgt spid="3">
+                                            <p:txEl>
+                                              <p:pRg st="0" end="0"/>
+                                            </p:txEl>
+                                          </p:spTgt>
+                                        </p:tgtEl>
+                                        <p:attrNameLst>
+                                          <p:attrName>style.visibility</p:attrName>
+                                        </p:attrNameLst>
+                                      </p:cBhvr>
+                                      <p:to>
+                                        <p:strVal val="visible"/>
+                                      </p:to>
+                                    </p:set>
+                                  </p:childTnLst>
+                                </p:cTn>
+                              </p:par>
+                            </p:childTnLst>
+                          </p:cTn>
+                        </p:par>
+                      </p:childTnLst>
+                    </p:cTn>
+                  </p:par>
+                </p:childTnLst>
+              </p:cTn>
+              <p:prevCondLst>
+                <p:cond evt="onPrev" delay="0">
+                  <p:tgtEl>
+                    <p:sldTgt/>
+                  </p:tgtEl>
+                </p:cond>
+              </p:prevCondLst>
+              <p:nextCondLst>
+                <p:cond evt="onNext" delay="0">
+                  <p:tgtEl>
+                    <p:sldTgt/>
+                  </p:tgtEl>
+                </p:cond>
+              </p:nextCondLst>
+            </p:seq>
+          </p:childTnLst>
+        </p:cTn>
+      </p:par>
+    </p:tnLst>
+    <p:bldLst>
+      <p:bldP spid="3" grpId="0" build="p"/>
+    </p:bldLst>
+  </p:timing>
+</p:sld>
+</file>
+
+<file path=ppt/slides/slide19.xml><?xml version="1.0" encoding="utf-8"?>
 <p:sld xmlns:a="http://schemas.openxmlformats.org/drawingml/2006/main" xmlns:r="http://schemas.openxmlformats.org/officeDocument/2006/relationships" xmlns:p="http://schemas.openxmlformats.org/presentationml/2006/main">
   <p:cSld>
     <p:spTree>
@@ -9557,7 +11722,10 @@
           <a:bodyPr/>
           <a:lstStyle/>
           <a:p>
-            <a:endParaRPr lang="nl-NL"/>
+            <a:r>
+              <a:rPr lang="nl-NL" dirty="0"/>
+              <a:t>Historie</a:t>
+            </a:r>
           </a:p>
         </p:txBody>
       </p:sp>
@@ -9582,7 +11750,30 @@
           <a:bodyPr/>
           <a:lstStyle/>
           <a:p>
-            <a:endParaRPr lang="nl-NL"/>
+            <a:r>
+              <a:rPr lang="nl-NL" dirty="0"/>
+              <a:t>1970</a:t>
+            </a:r>
+          </a:p>
+          <a:p>
+            <a:r>
+              <a:rPr lang="nl-NL" dirty="0"/>
+              <a:t>Winston </a:t>
+            </a:r>
+            <a:r>
+              <a:rPr lang="nl-NL" dirty="0" err="1"/>
+              <a:t>Royce</a:t>
+            </a:r>
+            <a:endParaRPr lang="nl-NL" dirty="0"/>
+          </a:p>
+          <a:p>
+            <a:r>
+              <a:rPr lang="nl-NL" dirty="0"/>
+              <a:t>2 Stappen te weinig voor grote of complexe projecten</a:t>
+            </a:r>
+          </a:p>
+          <a:p>
+            <a:endParaRPr lang="nl-NL" dirty="0"/>
           </a:p>
         </p:txBody>
       </p:sp>
@@ -9590,332 +11781,6 @@
     <p:extLst>
       <p:ext uri="{BB962C8B-B14F-4D97-AF65-F5344CB8AC3E}">
         <p14:creationId xmlns:p14="http://schemas.microsoft.com/office/powerpoint/2010/main" val="3891033663"/>
-      </p:ext>
-    </p:extLst>
-  </p:cSld>
-  <p:clrMapOvr>
-    <a:masterClrMapping/>
-  </p:clrMapOvr>
-</p:sld>
-</file>
-
-<file path=ppt/slides/slide6.xml><?xml version="1.0" encoding="utf-8"?>
-<p:sld xmlns:a="http://schemas.openxmlformats.org/drawingml/2006/main" xmlns:r="http://schemas.openxmlformats.org/officeDocument/2006/relationships" xmlns:p="http://schemas.openxmlformats.org/presentationml/2006/main">
-  <p:cSld>
-    <p:spTree>
-      <p:nvGrpSpPr>
-        <p:cNvPr id="1" name=""/>
-        <p:cNvGrpSpPr/>
-        <p:nvPr/>
-      </p:nvGrpSpPr>
-      <p:grpSpPr>
-        <a:xfrm>
-          <a:off x="0" y="0"/>
-          <a:ext cx="0" cy="0"/>
-          <a:chOff x="0" y="0"/>
-          <a:chExt cx="0" cy="0"/>
-        </a:xfrm>
-      </p:grpSpPr>
-      <p:sp>
-        <p:nvSpPr>
-          <p:cNvPr id="2" name="Titel 1">
-            <a:extLst>
-              <a:ext uri="{FF2B5EF4-FFF2-40B4-BE49-F238E27FC236}">
-                <a16:creationId xmlns:a16="http://schemas.microsoft.com/office/drawing/2014/main" id="{8007CE81-0BFC-49E1-8286-B1154E607AAE}"/>
-              </a:ext>
-            </a:extLst>
-          </p:cNvPr>
-          <p:cNvSpPr>
-            <a:spLocks noGrp="1"/>
-          </p:cNvSpPr>
-          <p:nvPr>
-            <p:ph type="title"/>
-          </p:nvPr>
-        </p:nvSpPr>
-        <p:spPr/>
-        <p:txBody>
-          <a:bodyPr/>
-          <a:lstStyle/>
-          <a:p>
-            <a:endParaRPr lang="nl-NL"/>
-          </a:p>
-        </p:txBody>
-      </p:sp>
-      <p:sp>
-        <p:nvSpPr>
-          <p:cNvPr id="3" name="Tijdelijke aanduiding voor inhoud 2">
-            <a:extLst>
-              <a:ext uri="{FF2B5EF4-FFF2-40B4-BE49-F238E27FC236}">
-                <a16:creationId xmlns:a16="http://schemas.microsoft.com/office/drawing/2014/main" id="{5E6E195F-1D7C-43D1-99B1-1AE54EE5BDE7}"/>
-              </a:ext>
-            </a:extLst>
-          </p:cNvPr>
-          <p:cNvSpPr>
-            <a:spLocks noGrp="1"/>
-          </p:cNvSpPr>
-          <p:nvPr>
-            <p:ph idx="1"/>
-          </p:nvPr>
-        </p:nvSpPr>
-        <p:spPr/>
-        <p:txBody>
-          <a:bodyPr/>
-          <a:lstStyle/>
-          <a:p>
-            <a:endParaRPr lang="nl-NL"/>
-          </a:p>
-        </p:txBody>
-      </p:sp>
-    </p:spTree>
-    <p:extLst>
-      <p:ext uri="{BB962C8B-B14F-4D97-AF65-F5344CB8AC3E}">
-        <p14:creationId xmlns:p14="http://schemas.microsoft.com/office/powerpoint/2010/main" val="3172344857"/>
-      </p:ext>
-    </p:extLst>
-  </p:cSld>
-  <p:clrMapOvr>
-    <a:masterClrMapping/>
-  </p:clrMapOvr>
-</p:sld>
-</file>
-
-<file path=ppt/slides/slide7.xml><?xml version="1.0" encoding="utf-8"?>
-<p:sld xmlns:a="http://schemas.openxmlformats.org/drawingml/2006/main" xmlns:r="http://schemas.openxmlformats.org/officeDocument/2006/relationships" xmlns:p="http://schemas.openxmlformats.org/presentationml/2006/main">
-  <p:cSld>
-    <p:spTree>
-      <p:nvGrpSpPr>
-        <p:cNvPr id="1" name=""/>
-        <p:cNvGrpSpPr/>
-        <p:nvPr/>
-      </p:nvGrpSpPr>
-      <p:grpSpPr>
-        <a:xfrm>
-          <a:off x="0" y="0"/>
-          <a:ext cx="0" cy="0"/>
-          <a:chOff x="0" y="0"/>
-          <a:chExt cx="0" cy="0"/>
-        </a:xfrm>
-      </p:grpSpPr>
-      <p:sp>
-        <p:nvSpPr>
-          <p:cNvPr id="2" name="Titel 1">
-            <a:extLst>
-              <a:ext uri="{FF2B5EF4-FFF2-40B4-BE49-F238E27FC236}">
-                <a16:creationId xmlns:a16="http://schemas.microsoft.com/office/drawing/2014/main" id="{24622E5F-AB14-420D-A875-FCB2AD2CAC5F}"/>
-              </a:ext>
-            </a:extLst>
-          </p:cNvPr>
-          <p:cNvSpPr>
-            <a:spLocks noGrp="1"/>
-          </p:cNvSpPr>
-          <p:nvPr>
-            <p:ph type="title"/>
-          </p:nvPr>
-        </p:nvSpPr>
-        <p:spPr/>
-        <p:txBody>
-          <a:bodyPr/>
-          <a:lstStyle/>
-          <a:p>
-            <a:endParaRPr lang="nl-NL"/>
-          </a:p>
-        </p:txBody>
-      </p:sp>
-      <p:sp>
-        <p:nvSpPr>
-          <p:cNvPr id="3" name="Tijdelijke aanduiding voor inhoud 2">
-            <a:extLst>
-              <a:ext uri="{FF2B5EF4-FFF2-40B4-BE49-F238E27FC236}">
-                <a16:creationId xmlns:a16="http://schemas.microsoft.com/office/drawing/2014/main" id="{82F10BC3-CA9D-415C-84B2-8A0A04570278}"/>
-              </a:ext>
-            </a:extLst>
-          </p:cNvPr>
-          <p:cNvSpPr>
-            <a:spLocks noGrp="1"/>
-          </p:cNvSpPr>
-          <p:nvPr>
-            <p:ph idx="1"/>
-          </p:nvPr>
-        </p:nvSpPr>
-        <p:spPr/>
-        <p:txBody>
-          <a:bodyPr/>
-          <a:lstStyle/>
-          <a:p>
-            <a:endParaRPr lang="nl-NL"/>
-          </a:p>
-        </p:txBody>
-      </p:sp>
-    </p:spTree>
-    <p:extLst>
-      <p:ext uri="{BB962C8B-B14F-4D97-AF65-F5344CB8AC3E}">
-        <p14:creationId xmlns:p14="http://schemas.microsoft.com/office/powerpoint/2010/main" val="631230111"/>
-      </p:ext>
-    </p:extLst>
-  </p:cSld>
-  <p:clrMapOvr>
-    <a:masterClrMapping/>
-  </p:clrMapOvr>
-</p:sld>
-</file>
-
-<file path=ppt/slides/slide8.xml><?xml version="1.0" encoding="utf-8"?>
-<p:sld xmlns:a="http://schemas.openxmlformats.org/drawingml/2006/main" xmlns:r="http://schemas.openxmlformats.org/officeDocument/2006/relationships" xmlns:p="http://schemas.openxmlformats.org/presentationml/2006/main">
-  <p:cSld>
-    <p:spTree>
-      <p:nvGrpSpPr>
-        <p:cNvPr id="1" name=""/>
-        <p:cNvGrpSpPr/>
-        <p:nvPr/>
-      </p:nvGrpSpPr>
-      <p:grpSpPr>
-        <a:xfrm>
-          <a:off x="0" y="0"/>
-          <a:ext cx="0" cy="0"/>
-          <a:chOff x="0" y="0"/>
-          <a:chExt cx="0" cy="0"/>
-        </a:xfrm>
-      </p:grpSpPr>
-      <p:sp>
-        <p:nvSpPr>
-          <p:cNvPr id="2" name="Titel 1">
-            <a:extLst>
-              <a:ext uri="{FF2B5EF4-FFF2-40B4-BE49-F238E27FC236}">
-                <a16:creationId xmlns:a16="http://schemas.microsoft.com/office/drawing/2014/main" id="{3DB30706-0C2A-4E12-AE88-FBCE0A6F12AF}"/>
-              </a:ext>
-            </a:extLst>
-          </p:cNvPr>
-          <p:cNvSpPr>
-            <a:spLocks noGrp="1"/>
-          </p:cNvSpPr>
-          <p:nvPr>
-            <p:ph type="title"/>
-          </p:nvPr>
-        </p:nvSpPr>
-        <p:spPr/>
-        <p:txBody>
-          <a:bodyPr/>
-          <a:lstStyle/>
-          <a:p>
-            <a:endParaRPr lang="nl-NL"/>
-          </a:p>
-        </p:txBody>
-      </p:sp>
-      <p:sp>
-        <p:nvSpPr>
-          <p:cNvPr id="3" name="Tijdelijke aanduiding voor inhoud 2">
-            <a:extLst>
-              <a:ext uri="{FF2B5EF4-FFF2-40B4-BE49-F238E27FC236}">
-                <a16:creationId xmlns:a16="http://schemas.microsoft.com/office/drawing/2014/main" id="{A3926FDD-007B-4A7C-9C71-252BAC20C994}"/>
-              </a:ext>
-            </a:extLst>
-          </p:cNvPr>
-          <p:cNvSpPr>
-            <a:spLocks noGrp="1"/>
-          </p:cNvSpPr>
-          <p:nvPr>
-            <p:ph idx="1"/>
-          </p:nvPr>
-        </p:nvSpPr>
-        <p:spPr/>
-        <p:txBody>
-          <a:bodyPr/>
-          <a:lstStyle/>
-          <a:p>
-            <a:endParaRPr lang="nl-NL"/>
-          </a:p>
-        </p:txBody>
-      </p:sp>
-    </p:spTree>
-    <p:extLst>
-      <p:ext uri="{BB962C8B-B14F-4D97-AF65-F5344CB8AC3E}">
-        <p14:creationId xmlns:p14="http://schemas.microsoft.com/office/powerpoint/2010/main" val="3294166645"/>
-      </p:ext>
-    </p:extLst>
-  </p:cSld>
-  <p:clrMapOvr>
-    <a:masterClrMapping/>
-  </p:clrMapOvr>
-</p:sld>
-</file>
-
-<file path=ppt/slides/slide9.xml><?xml version="1.0" encoding="utf-8"?>
-<p:sld xmlns:a="http://schemas.openxmlformats.org/drawingml/2006/main" xmlns:r="http://schemas.openxmlformats.org/officeDocument/2006/relationships" xmlns:p="http://schemas.openxmlformats.org/presentationml/2006/main">
-  <p:cSld>
-    <p:spTree>
-      <p:nvGrpSpPr>
-        <p:cNvPr id="1" name=""/>
-        <p:cNvGrpSpPr/>
-        <p:nvPr/>
-      </p:nvGrpSpPr>
-      <p:grpSpPr>
-        <a:xfrm>
-          <a:off x="0" y="0"/>
-          <a:ext cx="0" cy="0"/>
-          <a:chOff x="0" y="0"/>
-          <a:chExt cx="0" cy="0"/>
-        </a:xfrm>
-      </p:grpSpPr>
-      <p:sp>
-        <p:nvSpPr>
-          <p:cNvPr id="2" name="Titel 1">
-            <a:extLst>
-              <a:ext uri="{FF2B5EF4-FFF2-40B4-BE49-F238E27FC236}">
-                <a16:creationId xmlns:a16="http://schemas.microsoft.com/office/drawing/2014/main" id="{AB23A34D-7647-4FB8-B73A-677650500427}"/>
-              </a:ext>
-            </a:extLst>
-          </p:cNvPr>
-          <p:cNvSpPr>
-            <a:spLocks noGrp="1"/>
-          </p:cNvSpPr>
-          <p:nvPr>
-            <p:ph type="title"/>
-          </p:nvPr>
-        </p:nvSpPr>
-        <p:spPr/>
-        <p:txBody>
-          <a:bodyPr/>
-          <a:lstStyle/>
-          <a:p>
-            <a:r>
-              <a:rPr lang="nl-NL" dirty="0"/>
-              <a:t>Vragenronde</a:t>
-            </a:r>
-          </a:p>
-        </p:txBody>
-      </p:sp>
-      <p:sp>
-        <p:nvSpPr>
-          <p:cNvPr id="3" name="Tijdelijke aanduiding voor inhoud 2">
-            <a:extLst>
-              <a:ext uri="{FF2B5EF4-FFF2-40B4-BE49-F238E27FC236}">
-                <a16:creationId xmlns:a16="http://schemas.microsoft.com/office/drawing/2014/main" id="{0DDF1218-48D6-43CD-9141-58C76ABB6F1B}"/>
-              </a:ext>
-            </a:extLst>
-          </p:cNvPr>
-          <p:cNvSpPr>
-            <a:spLocks noGrp="1"/>
-          </p:cNvSpPr>
-          <p:nvPr>
-            <p:ph idx="1"/>
-          </p:nvPr>
-        </p:nvSpPr>
-        <p:spPr/>
-        <p:txBody>
-          <a:bodyPr/>
-          <a:lstStyle/>
-          <a:p>
-            <a:r>
-              <a:rPr lang="nl-NL" dirty="0"/>
-              <a:t>Bedankt!</a:t>
-            </a:r>
-          </a:p>
-        </p:txBody>
-      </p:sp>
-    </p:spTree>
-    <p:extLst>
-      <p:ext uri="{BB962C8B-B14F-4D97-AF65-F5344CB8AC3E}">
-        <p14:creationId xmlns:p14="http://schemas.microsoft.com/office/powerpoint/2010/main" val="2699800056"/>
       </p:ext>
     </p:extLst>
   </p:cSld>
@@ -9979,6 +11844,104 @@
                       </p:childTnLst>
                     </p:cTn>
                   </p:par>
+                  <p:par>
+                    <p:cTn id="7" fill="hold">
+                      <p:stCondLst>
+                        <p:cond delay="indefinite"/>
+                      </p:stCondLst>
+                      <p:childTnLst>
+                        <p:par>
+                          <p:cTn id="8" fill="hold">
+                            <p:stCondLst>
+                              <p:cond delay="0"/>
+                            </p:stCondLst>
+                            <p:childTnLst>
+                              <p:par>
+                                <p:cTn id="9" presetID="1" presetClass="entr" presetSubtype="0" fill="hold" grpId="0" nodeType="clickEffect">
+                                  <p:stCondLst>
+                                    <p:cond delay="0"/>
+                                  </p:stCondLst>
+                                  <p:childTnLst>
+                                    <p:set>
+                                      <p:cBhvr>
+                                        <p:cTn id="10" dur="1" fill="hold">
+                                          <p:stCondLst>
+                                            <p:cond delay="0"/>
+                                          </p:stCondLst>
+                                        </p:cTn>
+                                        <p:tgtEl>
+                                          <p:spTgt spid="3">
+                                            <p:txEl>
+                                              <p:pRg st="1" end="1"/>
+                                            </p:txEl>
+                                          </p:spTgt>
+                                        </p:tgtEl>
+                                        <p:attrNameLst>
+                                          <p:attrName>style.visibility</p:attrName>
+                                        </p:attrNameLst>
+                                      </p:cBhvr>
+                                      <p:to>
+                                        <p:strVal val="visible"/>
+                                      </p:to>
+                                    </p:set>
+                                  </p:childTnLst>
+                                </p:cTn>
+                              </p:par>
+                            </p:childTnLst>
+                          </p:cTn>
+                        </p:par>
+                      </p:childTnLst>
+                    </p:cTn>
+                  </p:par>
+                  <p:par>
+                    <p:cTn id="11" fill="hold">
+                      <p:stCondLst>
+                        <p:cond delay="indefinite"/>
+                      </p:stCondLst>
+                      <p:childTnLst>
+                        <p:par>
+                          <p:cTn id="12" fill="hold">
+                            <p:stCondLst>
+                              <p:cond delay="0"/>
+                            </p:stCondLst>
+                            <p:childTnLst>
+                              <p:par>
+                                <p:cTn id="13" presetID="1" presetClass="entr" presetSubtype="0" fill="hold" grpId="0" nodeType="clickEffect">
+                                  <p:stCondLst>
+                                    <p:cond delay="0"/>
+                                  </p:stCondLst>
+                                  <p:childTnLst>
+                                    <p:set>
+                                      <p:cBhvr>
+                                        <p:cTn id="14" dur="1" fill="hold">
+                                          <p:stCondLst>
+                                            <p:cond delay="0"/>
+                                          </p:stCondLst>
+                                        </p:cTn>
+                                        <p:tgtEl>
+                                          <p:spTgt spid="3">
+                                            <p:txEl>
+                                              <p:pRg st="2" end="2"/>
+                                            </p:txEl>
+                                          </p:spTgt>
+                                        </p:tgtEl>
+                                        <p:attrNameLst>
+                                          <p:attrName>style.visibility</p:attrName>
+                                        </p:attrNameLst>
+                                      </p:cBhvr>
+                                      <p:to>
+                                        <p:strVal val="visible"/>
+                                      </p:to>
+                                    </p:set>
+                                  </p:childTnLst>
+                                </p:cTn>
+                              </p:par>
+                            </p:childTnLst>
+                          </p:cTn>
+                        </p:par>
+                      </p:childTnLst>
+                    </p:cTn>
+                  </p:par>
                 </p:childTnLst>
               </p:cTn>
               <p:prevCondLst>
@@ -10004,6 +11967,1383 @@
       <p:bldP spid="3" grpId="0" build="p"/>
     </p:bldLst>
   </p:timing>
+</p:sld>
+</file>
+
+<file path=ppt/slides/slide6.xml><?xml version="1.0" encoding="utf-8"?>
+<p:sld xmlns:a="http://schemas.openxmlformats.org/drawingml/2006/main" xmlns:r="http://schemas.openxmlformats.org/officeDocument/2006/relationships" xmlns:p="http://schemas.openxmlformats.org/presentationml/2006/main">
+  <p:cSld>
+    <p:spTree>
+      <p:nvGrpSpPr>
+        <p:cNvPr id="1" name=""/>
+        <p:cNvGrpSpPr/>
+        <p:nvPr/>
+      </p:nvGrpSpPr>
+      <p:grpSpPr>
+        <a:xfrm>
+          <a:off x="0" y="0"/>
+          <a:ext cx="0" cy="0"/>
+          <a:chOff x="0" y="0"/>
+          <a:chExt cx="0" cy="0"/>
+        </a:xfrm>
+      </p:grpSpPr>
+      <p:sp>
+        <p:nvSpPr>
+          <p:cNvPr id="2" name="Titel 1">
+            <a:extLst>
+              <a:ext uri="{FF2B5EF4-FFF2-40B4-BE49-F238E27FC236}">
+                <a16:creationId xmlns:a16="http://schemas.microsoft.com/office/drawing/2014/main" id="{558C8C6B-104D-46C3-8685-0623AE89B1D1}"/>
+              </a:ext>
+            </a:extLst>
+          </p:cNvPr>
+          <p:cNvSpPr>
+            <a:spLocks noGrp="1"/>
+          </p:cNvSpPr>
+          <p:nvPr>
+            <p:ph type="title"/>
+          </p:nvPr>
+        </p:nvSpPr>
+        <p:spPr/>
+        <p:txBody>
+          <a:bodyPr/>
+          <a:lstStyle/>
+          <a:p>
+            <a:r>
+              <a:rPr lang="nl-NL" dirty="0"/>
+              <a:t>Historie</a:t>
+            </a:r>
+          </a:p>
+        </p:txBody>
+      </p:sp>
+      <p:sp>
+        <p:nvSpPr>
+          <p:cNvPr id="3" name="Tijdelijke aanduiding voor inhoud 2">
+            <a:extLst>
+              <a:ext uri="{FF2B5EF4-FFF2-40B4-BE49-F238E27FC236}">
+                <a16:creationId xmlns:a16="http://schemas.microsoft.com/office/drawing/2014/main" id="{49A01D8A-3777-4A66-BCA3-6EDEB50787F7}"/>
+              </a:ext>
+            </a:extLst>
+          </p:cNvPr>
+          <p:cNvSpPr>
+            <a:spLocks noGrp="1"/>
+          </p:cNvSpPr>
+          <p:nvPr>
+            <p:ph idx="1"/>
+          </p:nvPr>
+        </p:nvSpPr>
+        <p:spPr/>
+        <p:txBody>
+          <a:bodyPr>
+            <a:normAutofit fontScale="92500" lnSpcReduction="20000"/>
+          </a:bodyPr>
+          <a:lstStyle/>
+          <a:p>
+            <a:pPr marL="0" indent="0">
+              <a:buNone/>
+            </a:pPr>
+            <a:r>
+              <a:rPr lang="nl-NL" dirty="0"/>
+              <a:t>7 stappen:</a:t>
+            </a:r>
+          </a:p>
+          <a:p>
+            <a:pPr marL="514350" indent="-514350">
+              <a:buFont typeface="+mj-lt"/>
+              <a:buAutoNum type="arabicPeriod"/>
+            </a:pPr>
+            <a:r>
+              <a:rPr lang="nl-NL" dirty="0"/>
+              <a:t>System </a:t>
+            </a:r>
+            <a:r>
+              <a:rPr lang="nl-NL" dirty="0" err="1"/>
+              <a:t>requirements</a:t>
+            </a:r>
+            <a:endParaRPr lang="nl-NL" dirty="0"/>
+          </a:p>
+          <a:p>
+            <a:pPr marL="514350" indent="-514350">
+              <a:buFont typeface="+mj-lt"/>
+              <a:buAutoNum type="arabicPeriod"/>
+            </a:pPr>
+            <a:r>
+              <a:rPr lang="nl-NL" dirty="0"/>
+              <a:t>Software </a:t>
+            </a:r>
+            <a:r>
+              <a:rPr lang="nl-NL" dirty="0" err="1"/>
+              <a:t>requirements</a:t>
+            </a:r>
+            <a:endParaRPr lang="nl-NL" dirty="0"/>
+          </a:p>
+          <a:p>
+            <a:pPr marL="514350" indent="-514350">
+              <a:buFont typeface="+mj-lt"/>
+              <a:buAutoNum type="arabicPeriod"/>
+            </a:pPr>
+            <a:r>
+              <a:rPr lang="nl-NL" dirty="0"/>
+              <a:t>Analysis</a:t>
+            </a:r>
+          </a:p>
+          <a:p>
+            <a:pPr marL="514350" indent="-514350">
+              <a:buFont typeface="+mj-lt"/>
+              <a:buAutoNum type="arabicPeriod"/>
+            </a:pPr>
+            <a:r>
+              <a:rPr lang="nl-NL" dirty="0"/>
+              <a:t>Program design</a:t>
+            </a:r>
+          </a:p>
+          <a:p>
+            <a:pPr marL="514350" indent="-514350">
+              <a:buFont typeface="+mj-lt"/>
+              <a:buAutoNum type="arabicPeriod"/>
+            </a:pPr>
+            <a:r>
+              <a:rPr lang="nl-NL" dirty="0" err="1"/>
+              <a:t>Coding</a:t>
+            </a:r>
+            <a:endParaRPr lang="nl-NL" dirty="0"/>
+          </a:p>
+          <a:p>
+            <a:pPr marL="514350" indent="-514350">
+              <a:buFont typeface="+mj-lt"/>
+              <a:buAutoNum type="arabicPeriod"/>
+            </a:pPr>
+            <a:r>
+              <a:rPr lang="nl-NL" dirty="0" err="1"/>
+              <a:t>Testing</a:t>
+            </a:r>
+            <a:endParaRPr lang="nl-NL" dirty="0"/>
+          </a:p>
+          <a:p>
+            <a:pPr marL="514350" indent="-514350">
+              <a:buFont typeface="+mj-lt"/>
+              <a:buAutoNum type="arabicPeriod"/>
+            </a:pPr>
+            <a:r>
+              <a:rPr lang="nl-NL" dirty="0" err="1"/>
+              <a:t>Operation</a:t>
+            </a:r>
+            <a:endParaRPr lang="nl-NL" dirty="0"/>
+          </a:p>
+          <a:p>
+            <a:endParaRPr lang="nl-NL" dirty="0"/>
+          </a:p>
+        </p:txBody>
+      </p:sp>
+    </p:spTree>
+    <p:extLst>
+      <p:ext uri="{BB962C8B-B14F-4D97-AF65-F5344CB8AC3E}">
+        <p14:creationId xmlns:p14="http://schemas.microsoft.com/office/powerpoint/2010/main" val="2103723083"/>
+      </p:ext>
+    </p:extLst>
+  </p:cSld>
+  <p:clrMapOvr>
+    <a:masterClrMapping/>
+  </p:clrMapOvr>
+  <p:timing>
+    <p:tnLst>
+      <p:par>
+        <p:cTn id="1" dur="indefinite" restart="never" nodeType="tmRoot">
+          <p:childTnLst>
+            <p:seq concurrent="1" nextAc="seek">
+              <p:cTn id="2" dur="indefinite" nodeType="mainSeq">
+                <p:childTnLst>
+                  <p:par>
+                    <p:cTn id="3" fill="hold">
+                      <p:stCondLst>
+                        <p:cond delay="indefinite"/>
+                      </p:stCondLst>
+                      <p:childTnLst>
+                        <p:par>
+                          <p:cTn id="4" fill="hold">
+                            <p:stCondLst>
+                              <p:cond delay="0"/>
+                            </p:stCondLst>
+                            <p:childTnLst>
+                              <p:par>
+                                <p:cTn id="5" presetID="1" presetClass="entr" presetSubtype="0" fill="hold" grpId="0" nodeType="clickEffect">
+                                  <p:stCondLst>
+                                    <p:cond delay="0"/>
+                                  </p:stCondLst>
+                                  <p:childTnLst>
+                                    <p:set>
+                                      <p:cBhvr>
+                                        <p:cTn id="6" dur="1" fill="hold">
+                                          <p:stCondLst>
+                                            <p:cond delay="0"/>
+                                          </p:stCondLst>
+                                        </p:cTn>
+                                        <p:tgtEl>
+                                          <p:spTgt spid="3">
+                                            <p:txEl>
+                                              <p:pRg st="0" end="0"/>
+                                            </p:txEl>
+                                          </p:spTgt>
+                                        </p:tgtEl>
+                                        <p:attrNameLst>
+                                          <p:attrName>style.visibility</p:attrName>
+                                        </p:attrNameLst>
+                                      </p:cBhvr>
+                                      <p:to>
+                                        <p:strVal val="visible"/>
+                                      </p:to>
+                                    </p:set>
+                                  </p:childTnLst>
+                                </p:cTn>
+                              </p:par>
+                            </p:childTnLst>
+                          </p:cTn>
+                        </p:par>
+                      </p:childTnLst>
+                    </p:cTn>
+                  </p:par>
+                  <p:par>
+                    <p:cTn id="7" fill="hold">
+                      <p:stCondLst>
+                        <p:cond delay="indefinite"/>
+                      </p:stCondLst>
+                      <p:childTnLst>
+                        <p:par>
+                          <p:cTn id="8" fill="hold">
+                            <p:stCondLst>
+                              <p:cond delay="0"/>
+                            </p:stCondLst>
+                            <p:childTnLst>
+                              <p:par>
+                                <p:cTn id="9" presetID="1" presetClass="entr" presetSubtype="0" fill="hold" grpId="0" nodeType="clickEffect">
+                                  <p:stCondLst>
+                                    <p:cond delay="0"/>
+                                  </p:stCondLst>
+                                  <p:childTnLst>
+                                    <p:set>
+                                      <p:cBhvr>
+                                        <p:cTn id="10" dur="1" fill="hold">
+                                          <p:stCondLst>
+                                            <p:cond delay="0"/>
+                                          </p:stCondLst>
+                                        </p:cTn>
+                                        <p:tgtEl>
+                                          <p:spTgt spid="3">
+                                            <p:txEl>
+                                              <p:pRg st="1" end="1"/>
+                                            </p:txEl>
+                                          </p:spTgt>
+                                        </p:tgtEl>
+                                        <p:attrNameLst>
+                                          <p:attrName>style.visibility</p:attrName>
+                                        </p:attrNameLst>
+                                      </p:cBhvr>
+                                      <p:to>
+                                        <p:strVal val="visible"/>
+                                      </p:to>
+                                    </p:set>
+                                  </p:childTnLst>
+                                </p:cTn>
+                              </p:par>
+                            </p:childTnLst>
+                          </p:cTn>
+                        </p:par>
+                      </p:childTnLst>
+                    </p:cTn>
+                  </p:par>
+                  <p:par>
+                    <p:cTn id="11" fill="hold">
+                      <p:stCondLst>
+                        <p:cond delay="indefinite"/>
+                      </p:stCondLst>
+                      <p:childTnLst>
+                        <p:par>
+                          <p:cTn id="12" fill="hold">
+                            <p:stCondLst>
+                              <p:cond delay="0"/>
+                            </p:stCondLst>
+                            <p:childTnLst>
+                              <p:par>
+                                <p:cTn id="13" presetID="1" presetClass="entr" presetSubtype="0" fill="hold" grpId="0" nodeType="clickEffect">
+                                  <p:stCondLst>
+                                    <p:cond delay="0"/>
+                                  </p:stCondLst>
+                                  <p:childTnLst>
+                                    <p:set>
+                                      <p:cBhvr>
+                                        <p:cTn id="14" dur="1" fill="hold">
+                                          <p:stCondLst>
+                                            <p:cond delay="0"/>
+                                          </p:stCondLst>
+                                        </p:cTn>
+                                        <p:tgtEl>
+                                          <p:spTgt spid="3">
+                                            <p:txEl>
+                                              <p:pRg st="2" end="2"/>
+                                            </p:txEl>
+                                          </p:spTgt>
+                                        </p:tgtEl>
+                                        <p:attrNameLst>
+                                          <p:attrName>style.visibility</p:attrName>
+                                        </p:attrNameLst>
+                                      </p:cBhvr>
+                                      <p:to>
+                                        <p:strVal val="visible"/>
+                                      </p:to>
+                                    </p:set>
+                                  </p:childTnLst>
+                                </p:cTn>
+                              </p:par>
+                            </p:childTnLst>
+                          </p:cTn>
+                        </p:par>
+                      </p:childTnLst>
+                    </p:cTn>
+                  </p:par>
+                  <p:par>
+                    <p:cTn id="15" fill="hold">
+                      <p:stCondLst>
+                        <p:cond delay="indefinite"/>
+                      </p:stCondLst>
+                      <p:childTnLst>
+                        <p:par>
+                          <p:cTn id="16" fill="hold">
+                            <p:stCondLst>
+                              <p:cond delay="0"/>
+                            </p:stCondLst>
+                            <p:childTnLst>
+                              <p:par>
+                                <p:cTn id="17" presetID="1" presetClass="entr" presetSubtype="0" fill="hold" grpId="0" nodeType="clickEffect">
+                                  <p:stCondLst>
+                                    <p:cond delay="0"/>
+                                  </p:stCondLst>
+                                  <p:childTnLst>
+                                    <p:set>
+                                      <p:cBhvr>
+                                        <p:cTn id="18" dur="1" fill="hold">
+                                          <p:stCondLst>
+                                            <p:cond delay="0"/>
+                                          </p:stCondLst>
+                                        </p:cTn>
+                                        <p:tgtEl>
+                                          <p:spTgt spid="3">
+                                            <p:txEl>
+                                              <p:pRg st="3" end="3"/>
+                                            </p:txEl>
+                                          </p:spTgt>
+                                        </p:tgtEl>
+                                        <p:attrNameLst>
+                                          <p:attrName>style.visibility</p:attrName>
+                                        </p:attrNameLst>
+                                      </p:cBhvr>
+                                      <p:to>
+                                        <p:strVal val="visible"/>
+                                      </p:to>
+                                    </p:set>
+                                  </p:childTnLst>
+                                </p:cTn>
+                              </p:par>
+                            </p:childTnLst>
+                          </p:cTn>
+                        </p:par>
+                      </p:childTnLst>
+                    </p:cTn>
+                  </p:par>
+                  <p:par>
+                    <p:cTn id="19" fill="hold">
+                      <p:stCondLst>
+                        <p:cond delay="indefinite"/>
+                      </p:stCondLst>
+                      <p:childTnLst>
+                        <p:par>
+                          <p:cTn id="20" fill="hold">
+                            <p:stCondLst>
+                              <p:cond delay="0"/>
+                            </p:stCondLst>
+                            <p:childTnLst>
+                              <p:par>
+                                <p:cTn id="21" presetID="1" presetClass="entr" presetSubtype="0" fill="hold" grpId="0" nodeType="clickEffect">
+                                  <p:stCondLst>
+                                    <p:cond delay="0"/>
+                                  </p:stCondLst>
+                                  <p:childTnLst>
+                                    <p:set>
+                                      <p:cBhvr>
+                                        <p:cTn id="22" dur="1" fill="hold">
+                                          <p:stCondLst>
+                                            <p:cond delay="0"/>
+                                          </p:stCondLst>
+                                        </p:cTn>
+                                        <p:tgtEl>
+                                          <p:spTgt spid="3">
+                                            <p:txEl>
+                                              <p:pRg st="4" end="4"/>
+                                            </p:txEl>
+                                          </p:spTgt>
+                                        </p:tgtEl>
+                                        <p:attrNameLst>
+                                          <p:attrName>style.visibility</p:attrName>
+                                        </p:attrNameLst>
+                                      </p:cBhvr>
+                                      <p:to>
+                                        <p:strVal val="visible"/>
+                                      </p:to>
+                                    </p:set>
+                                  </p:childTnLst>
+                                </p:cTn>
+                              </p:par>
+                            </p:childTnLst>
+                          </p:cTn>
+                        </p:par>
+                      </p:childTnLst>
+                    </p:cTn>
+                  </p:par>
+                  <p:par>
+                    <p:cTn id="23" fill="hold">
+                      <p:stCondLst>
+                        <p:cond delay="indefinite"/>
+                      </p:stCondLst>
+                      <p:childTnLst>
+                        <p:par>
+                          <p:cTn id="24" fill="hold">
+                            <p:stCondLst>
+                              <p:cond delay="0"/>
+                            </p:stCondLst>
+                            <p:childTnLst>
+                              <p:par>
+                                <p:cTn id="25" presetID="1" presetClass="entr" presetSubtype="0" fill="hold" grpId="0" nodeType="clickEffect">
+                                  <p:stCondLst>
+                                    <p:cond delay="0"/>
+                                  </p:stCondLst>
+                                  <p:childTnLst>
+                                    <p:set>
+                                      <p:cBhvr>
+                                        <p:cTn id="26" dur="1" fill="hold">
+                                          <p:stCondLst>
+                                            <p:cond delay="0"/>
+                                          </p:stCondLst>
+                                        </p:cTn>
+                                        <p:tgtEl>
+                                          <p:spTgt spid="3">
+                                            <p:txEl>
+                                              <p:pRg st="5" end="5"/>
+                                            </p:txEl>
+                                          </p:spTgt>
+                                        </p:tgtEl>
+                                        <p:attrNameLst>
+                                          <p:attrName>style.visibility</p:attrName>
+                                        </p:attrNameLst>
+                                      </p:cBhvr>
+                                      <p:to>
+                                        <p:strVal val="visible"/>
+                                      </p:to>
+                                    </p:set>
+                                  </p:childTnLst>
+                                </p:cTn>
+                              </p:par>
+                            </p:childTnLst>
+                          </p:cTn>
+                        </p:par>
+                      </p:childTnLst>
+                    </p:cTn>
+                  </p:par>
+                  <p:par>
+                    <p:cTn id="27" fill="hold">
+                      <p:stCondLst>
+                        <p:cond delay="indefinite"/>
+                      </p:stCondLst>
+                      <p:childTnLst>
+                        <p:par>
+                          <p:cTn id="28" fill="hold">
+                            <p:stCondLst>
+                              <p:cond delay="0"/>
+                            </p:stCondLst>
+                            <p:childTnLst>
+                              <p:par>
+                                <p:cTn id="29" presetID="1" presetClass="entr" presetSubtype="0" fill="hold" grpId="0" nodeType="clickEffect">
+                                  <p:stCondLst>
+                                    <p:cond delay="0"/>
+                                  </p:stCondLst>
+                                  <p:childTnLst>
+                                    <p:set>
+                                      <p:cBhvr>
+                                        <p:cTn id="30" dur="1" fill="hold">
+                                          <p:stCondLst>
+                                            <p:cond delay="0"/>
+                                          </p:stCondLst>
+                                        </p:cTn>
+                                        <p:tgtEl>
+                                          <p:spTgt spid="3">
+                                            <p:txEl>
+                                              <p:pRg st="6" end="6"/>
+                                            </p:txEl>
+                                          </p:spTgt>
+                                        </p:tgtEl>
+                                        <p:attrNameLst>
+                                          <p:attrName>style.visibility</p:attrName>
+                                        </p:attrNameLst>
+                                      </p:cBhvr>
+                                      <p:to>
+                                        <p:strVal val="visible"/>
+                                      </p:to>
+                                    </p:set>
+                                  </p:childTnLst>
+                                </p:cTn>
+                              </p:par>
+                            </p:childTnLst>
+                          </p:cTn>
+                        </p:par>
+                      </p:childTnLst>
+                    </p:cTn>
+                  </p:par>
+                  <p:par>
+                    <p:cTn id="31" fill="hold">
+                      <p:stCondLst>
+                        <p:cond delay="indefinite"/>
+                      </p:stCondLst>
+                      <p:childTnLst>
+                        <p:par>
+                          <p:cTn id="32" fill="hold">
+                            <p:stCondLst>
+                              <p:cond delay="0"/>
+                            </p:stCondLst>
+                            <p:childTnLst>
+                              <p:par>
+                                <p:cTn id="33" presetID="1" presetClass="entr" presetSubtype="0" fill="hold" grpId="0" nodeType="clickEffect">
+                                  <p:stCondLst>
+                                    <p:cond delay="0"/>
+                                  </p:stCondLst>
+                                  <p:childTnLst>
+                                    <p:set>
+                                      <p:cBhvr>
+                                        <p:cTn id="34" dur="1" fill="hold">
+                                          <p:stCondLst>
+                                            <p:cond delay="0"/>
+                                          </p:stCondLst>
+                                        </p:cTn>
+                                        <p:tgtEl>
+                                          <p:spTgt spid="3">
+                                            <p:txEl>
+                                              <p:pRg st="7" end="7"/>
+                                            </p:txEl>
+                                          </p:spTgt>
+                                        </p:tgtEl>
+                                        <p:attrNameLst>
+                                          <p:attrName>style.visibility</p:attrName>
+                                        </p:attrNameLst>
+                                      </p:cBhvr>
+                                      <p:to>
+                                        <p:strVal val="visible"/>
+                                      </p:to>
+                                    </p:set>
+                                  </p:childTnLst>
+                                </p:cTn>
+                              </p:par>
+                            </p:childTnLst>
+                          </p:cTn>
+                        </p:par>
+                      </p:childTnLst>
+                    </p:cTn>
+                  </p:par>
+                </p:childTnLst>
+              </p:cTn>
+              <p:prevCondLst>
+                <p:cond evt="onPrev" delay="0">
+                  <p:tgtEl>
+                    <p:sldTgt/>
+                  </p:tgtEl>
+                </p:cond>
+              </p:prevCondLst>
+              <p:nextCondLst>
+                <p:cond evt="onNext" delay="0">
+                  <p:tgtEl>
+                    <p:sldTgt/>
+                  </p:tgtEl>
+                </p:cond>
+              </p:nextCondLst>
+            </p:seq>
+          </p:childTnLst>
+        </p:cTn>
+      </p:par>
+    </p:tnLst>
+    <p:bldLst>
+      <p:bldP spid="3" grpId="0" build="p"/>
+    </p:bldLst>
+  </p:timing>
+</p:sld>
+</file>
+
+<file path=ppt/slides/slide7.xml><?xml version="1.0" encoding="utf-8"?>
+<p:sld xmlns:a="http://schemas.openxmlformats.org/drawingml/2006/main" xmlns:r="http://schemas.openxmlformats.org/officeDocument/2006/relationships" xmlns:p="http://schemas.openxmlformats.org/presentationml/2006/main">
+  <p:cSld>
+    <p:spTree>
+      <p:nvGrpSpPr>
+        <p:cNvPr id="1" name=""/>
+        <p:cNvGrpSpPr/>
+        <p:nvPr/>
+      </p:nvGrpSpPr>
+      <p:grpSpPr>
+        <a:xfrm>
+          <a:off x="0" y="0"/>
+          <a:ext cx="0" cy="0"/>
+          <a:chOff x="0" y="0"/>
+          <a:chExt cx="0" cy="0"/>
+        </a:xfrm>
+      </p:grpSpPr>
+      <p:sp>
+        <p:nvSpPr>
+          <p:cNvPr id="2" name="Titel 1">
+            <a:extLst>
+              <a:ext uri="{FF2B5EF4-FFF2-40B4-BE49-F238E27FC236}">
+                <a16:creationId xmlns:a16="http://schemas.microsoft.com/office/drawing/2014/main" id="{8007CE81-0BFC-49E1-8286-B1154E607AAE}"/>
+              </a:ext>
+            </a:extLst>
+          </p:cNvPr>
+          <p:cNvSpPr>
+            <a:spLocks noGrp="1"/>
+          </p:cNvSpPr>
+          <p:nvPr>
+            <p:ph type="title"/>
+          </p:nvPr>
+        </p:nvSpPr>
+        <p:spPr/>
+        <p:txBody>
+          <a:bodyPr/>
+          <a:lstStyle/>
+          <a:p>
+            <a:r>
+              <a:rPr lang="nl-NL" dirty="0"/>
+              <a:t>Hoe werkt de watervalmethode?</a:t>
+            </a:r>
+          </a:p>
+        </p:txBody>
+      </p:sp>
+      <p:sp>
+        <p:nvSpPr>
+          <p:cNvPr id="3" name="Tijdelijke aanduiding voor inhoud 2">
+            <a:extLst>
+              <a:ext uri="{FF2B5EF4-FFF2-40B4-BE49-F238E27FC236}">
+                <a16:creationId xmlns:a16="http://schemas.microsoft.com/office/drawing/2014/main" id="{5E6E195F-1D7C-43D1-99B1-1AE54EE5BDE7}"/>
+              </a:ext>
+            </a:extLst>
+          </p:cNvPr>
+          <p:cNvSpPr>
+            <a:spLocks noGrp="1"/>
+          </p:cNvSpPr>
+          <p:nvPr>
+            <p:ph idx="1"/>
+          </p:nvPr>
+        </p:nvSpPr>
+        <p:spPr/>
+        <p:txBody>
+          <a:bodyPr/>
+          <a:lstStyle/>
+          <a:p>
+            <a:r>
+              <a:rPr lang="nl-NL" dirty="0"/>
+              <a:t>Stapsgewijs proces</a:t>
+            </a:r>
+          </a:p>
+          <a:p>
+            <a:r>
+              <a:rPr lang="nl-NL" dirty="0"/>
+              <a:t>Begineisen zijn eindeisen</a:t>
+            </a:r>
+          </a:p>
+          <a:p>
+            <a:endParaRPr lang="nl-NL" dirty="0">
+              <a:solidFill>
+                <a:srgbClr val="FF0000"/>
+              </a:solidFill>
+            </a:endParaRPr>
+          </a:p>
+          <a:p>
+            <a:endParaRPr lang="nl-NL" dirty="0"/>
+          </a:p>
+        </p:txBody>
+      </p:sp>
+      <p:sp>
+        <p:nvSpPr>
+          <p:cNvPr id="4" name="Tekstvak 3">
+            <a:extLst>
+              <a:ext uri="{FF2B5EF4-FFF2-40B4-BE49-F238E27FC236}">
+                <a16:creationId xmlns:a16="http://schemas.microsoft.com/office/drawing/2014/main" id="{0F10956D-A327-401F-A73B-B3E78EC9532A}"/>
+              </a:ext>
+            </a:extLst>
+          </p:cNvPr>
+          <p:cNvSpPr txBox="1"/>
+          <p:nvPr/>
+        </p:nvSpPr>
+        <p:spPr>
+          <a:xfrm>
+            <a:off x="6909683" y="1200150"/>
+            <a:ext cx="1959887" cy="2031325"/>
+          </a:xfrm>
+          <a:prstGeom prst="rect">
+            <a:avLst/>
+          </a:prstGeom>
+          <a:noFill/>
+          <a:ln>
+            <a:solidFill>
+              <a:schemeClr val="tx1"/>
+            </a:solidFill>
+          </a:ln>
+        </p:spPr>
+        <p:txBody>
+          <a:bodyPr wrap="square" rtlCol="0">
+            <a:spAutoFit/>
+          </a:bodyPr>
+          <a:lstStyle/>
+          <a:p>
+            <a:pPr marL="514350" indent="-514350">
+              <a:buFont typeface="+mj-lt"/>
+              <a:buAutoNum type="arabicPeriod"/>
+            </a:pPr>
+            <a:r>
+              <a:rPr lang="nl-NL" sz="1400" dirty="0"/>
+              <a:t>System </a:t>
+            </a:r>
+            <a:r>
+              <a:rPr lang="nl-NL" sz="1400" dirty="0" err="1"/>
+              <a:t>requirements</a:t>
+            </a:r>
+            <a:endParaRPr lang="nl-NL" sz="1400" dirty="0"/>
+          </a:p>
+          <a:p>
+            <a:pPr marL="514350" indent="-514350">
+              <a:buFont typeface="+mj-lt"/>
+              <a:buAutoNum type="arabicPeriod"/>
+            </a:pPr>
+            <a:r>
+              <a:rPr lang="nl-NL" sz="1400" dirty="0"/>
+              <a:t>Software </a:t>
+            </a:r>
+            <a:r>
+              <a:rPr lang="nl-NL" sz="1400" dirty="0" err="1"/>
+              <a:t>requirements</a:t>
+            </a:r>
+            <a:endParaRPr lang="nl-NL" sz="1400" dirty="0"/>
+          </a:p>
+          <a:p>
+            <a:pPr marL="514350" indent="-514350">
+              <a:buFont typeface="+mj-lt"/>
+              <a:buAutoNum type="arabicPeriod"/>
+            </a:pPr>
+            <a:r>
+              <a:rPr lang="nl-NL" sz="1400" dirty="0"/>
+              <a:t>Analysis</a:t>
+            </a:r>
+          </a:p>
+          <a:p>
+            <a:pPr marL="514350" indent="-514350">
+              <a:buFont typeface="+mj-lt"/>
+              <a:buAutoNum type="arabicPeriod"/>
+            </a:pPr>
+            <a:r>
+              <a:rPr lang="nl-NL" sz="1400" dirty="0"/>
+              <a:t>Program design</a:t>
+            </a:r>
+          </a:p>
+          <a:p>
+            <a:pPr marL="514350" indent="-514350">
+              <a:buFont typeface="+mj-lt"/>
+              <a:buAutoNum type="arabicPeriod"/>
+            </a:pPr>
+            <a:r>
+              <a:rPr lang="nl-NL" sz="1400" dirty="0" err="1"/>
+              <a:t>Coding</a:t>
+            </a:r>
+            <a:endParaRPr lang="nl-NL" sz="1400" dirty="0"/>
+          </a:p>
+          <a:p>
+            <a:pPr marL="514350" indent="-514350">
+              <a:buFont typeface="+mj-lt"/>
+              <a:buAutoNum type="arabicPeriod"/>
+            </a:pPr>
+            <a:r>
+              <a:rPr lang="nl-NL" sz="1400" dirty="0" err="1"/>
+              <a:t>Testing</a:t>
+            </a:r>
+            <a:endParaRPr lang="nl-NL" sz="1400" dirty="0"/>
+          </a:p>
+          <a:p>
+            <a:pPr marL="514350" indent="-514350">
+              <a:buFont typeface="+mj-lt"/>
+              <a:buAutoNum type="arabicPeriod"/>
+            </a:pPr>
+            <a:r>
+              <a:rPr lang="nl-NL" sz="1400" dirty="0" err="1"/>
+              <a:t>Operation</a:t>
+            </a:r>
+            <a:endParaRPr lang="nl-NL" sz="1400" dirty="0"/>
+          </a:p>
+        </p:txBody>
+      </p:sp>
+    </p:spTree>
+    <p:extLst>
+      <p:ext uri="{BB962C8B-B14F-4D97-AF65-F5344CB8AC3E}">
+        <p14:creationId xmlns:p14="http://schemas.microsoft.com/office/powerpoint/2010/main" val="3172344857"/>
+      </p:ext>
+    </p:extLst>
+  </p:cSld>
+  <p:clrMapOvr>
+    <a:masterClrMapping/>
+  </p:clrMapOvr>
+  <p:timing>
+    <p:tnLst>
+      <p:par>
+        <p:cTn id="1" dur="indefinite" restart="never" nodeType="tmRoot">
+          <p:childTnLst>
+            <p:seq concurrent="1" nextAc="seek">
+              <p:cTn id="2" dur="indefinite" nodeType="mainSeq">
+                <p:childTnLst>
+                  <p:par>
+                    <p:cTn id="3" fill="hold">
+                      <p:stCondLst>
+                        <p:cond delay="indefinite"/>
+                      </p:stCondLst>
+                      <p:childTnLst>
+                        <p:par>
+                          <p:cTn id="4" fill="hold">
+                            <p:stCondLst>
+                              <p:cond delay="0"/>
+                            </p:stCondLst>
+                            <p:childTnLst>
+                              <p:par>
+                                <p:cTn id="5" presetID="1" presetClass="entr" presetSubtype="0" fill="hold" grpId="0" nodeType="clickEffect">
+                                  <p:stCondLst>
+                                    <p:cond delay="0"/>
+                                  </p:stCondLst>
+                                  <p:childTnLst>
+                                    <p:set>
+                                      <p:cBhvr>
+                                        <p:cTn id="6" dur="1" fill="hold">
+                                          <p:stCondLst>
+                                            <p:cond delay="0"/>
+                                          </p:stCondLst>
+                                        </p:cTn>
+                                        <p:tgtEl>
+                                          <p:spTgt spid="3">
+                                            <p:txEl>
+                                              <p:pRg st="0" end="0"/>
+                                            </p:txEl>
+                                          </p:spTgt>
+                                        </p:tgtEl>
+                                        <p:attrNameLst>
+                                          <p:attrName>style.visibility</p:attrName>
+                                        </p:attrNameLst>
+                                      </p:cBhvr>
+                                      <p:to>
+                                        <p:strVal val="visible"/>
+                                      </p:to>
+                                    </p:set>
+                                  </p:childTnLst>
+                                </p:cTn>
+                              </p:par>
+                            </p:childTnLst>
+                          </p:cTn>
+                        </p:par>
+                      </p:childTnLst>
+                    </p:cTn>
+                  </p:par>
+                  <p:par>
+                    <p:cTn id="7" fill="hold">
+                      <p:stCondLst>
+                        <p:cond delay="indefinite"/>
+                      </p:stCondLst>
+                      <p:childTnLst>
+                        <p:par>
+                          <p:cTn id="8" fill="hold">
+                            <p:stCondLst>
+                              <p:cond delay="0"/>
+                            </p:stCondLst>
+                            <p:childTnLst>
+                              <p:par>
+                                <p:cTn id="9" presetID="1" presetClass="entr" presetSubtype="0" fill="hold" grpId="0" nodeType="clickEffect">
+                                  <p:stCondLst>
+                                    <p:cond delay="0"/>
+                                  </p:stCondLst>
+                                  <p:childTnLst>
+                                    <p:set>
+                                      <p:cBhvr>
+                                        <p:cTn id="10" dur="1" fill="hold">
+                                          <p:stCondLst>
+                                            <p:cond delay="0"/>
+                                          </p:stCondLst>
+                                        </p:cTn>
+                                        <p:tgtEl>
+                                          <p:spTgt spid="3">
+                                            <p:txEl>
+                                              <p:pRg st="1" end="1"/>
+                                            </p:txEl>
+                                          </p:spTgt>
+                                        </p:tgtEl>
+                                        <p:attrNameLst>
+                                          <p:attrName>style.visibility</p:attrName>
+                                        </p:attrNameLst>
+                                      </p:cBhvr>
+                                      <p:to>
+                                        <p:strVal val="visible"/>
+                                      </p:to>
+                                    </p:set>
+                                  </p:childTnLst>
+                                </p:cTn>
+                              </p:par>
+                            </p:childTnLst>
+                          </p:cTn>
+                        </p:par>
+                      </p:childTnLst>
+                    </p:cTn>
+                  </p:par>
+                </p:childTnLst>
+              </p:cTn>
+              <p:prevCondLst>
+                <p:cond evt="onPrev" delay="0">
+                  <p:tgtEl>
+                    <p:sldTgt/>
+                  </p:tgtEl>
+                </p:cond>
+              </p:prevCondLst>
+              <p:nextCondLst>
+                <p:cond evt="onNext" delay="0">
+                  <p:tgtEl>
+                    <p:sldTgt/>
+                  </p:tgtEl>
+                </p:cond>
+              </p:nextCondLst>
+            </p:seq>
+          </p:childTnLst>
+        </p:cTn>
+      </p:par>
+    </p:tnLst>
+    <p:bldLst>
+      <p:bldP spid="3" grpId="0" build="p"/>
+    </p:bldLst>
+  </p:timing>
+</p:sld>
+</file>
+
+<file path=ppt/slides/slide8.xml><?xml version="1.0" encoding="utf-8"?>
+<p:sld xmlns:a="http://schemas.openxmlformats.org/drawingml/2006/main" xmlns:r="http://schemas.openxmlformats.org/officeDocument/2006/relationships" xmlns:p="http://schemas.openxmlformats.org/presentationml/2006/main">
+  <p:cSld>
+    <p:spTree>
+      <p:nvGrpSpPr>
+        <p:cNvPr id="1" name=""/>
+        <p:cNvGrpSpPr/>
+        <p:nvPr/>
+      </p:nvGrpSpPr>
+      <p:grpSpPr>
+        <a:xfrm>
+          <a:off x="0" y="0"/>
+          <a:ext cx="0" cy="0"/>
+          <a:chOff x="0" y="0"/>
+          <a:chExt cx="0" cy="0"/>
+        </a:xfrm>
+      </p:grpSpPr>
+      <p:sp>
+        <p:nvSpPr>
+          <p:cNvPr id="2" name="Titel 1">
+            <a:extLst>
+              <a:ext uri="{FF2B5EF4-FFF2-40B4-BE49-F238E27FC236}">
+                <a16:creationId xmlns:a16="http://schemas.microsoft.com/office/drawing/2014/main" id="{4C4F8611-B65A-406C-920B-E98F8E46F7F5}"/>
+              </a:ext>
+            </a:extLst>
+          </p:cNvPr>
+          <p:cNvSpPr>
+            <a:spLocks noGrp="1"/>
+          </p:cNvSpPr>
+          <p:nvPr>
+            <p:ph type="title"/>
+          </p:nvPr>
+        </p:nvSpPr>
+        <p:spPr/>
+        <p:txBody>
+          <a:bodyPr/>
+          <a:lstStyle/>
+          <a:p>
+            <a:r>
+              <a:rPr lang="nl-NL" dirty="0"/>
+              <a:t>Hoe werkt de watervalmethode</a:t>
+            </a:r>
+          </a:p>
+        </p:txBody>
+      </p:sp>
+      <p:sp>
+        <p:nvSpPr>
+          <p:cNvPr id="3" name="Tijdelijke aanduiding voor inhoud 2">
+            <a:extLst>
+              <a:ext uri="{FF2B5EF4-FFF2-40B4-BE49-F238E27FC236}">
+                <a16:creationId xmlns:a16="http://schemas.microsoft.com/office/drawing/2014/main" id="{A7B989A6-14F2-4834-9AE7-90502430CE99}"/>
+              </a:ext>
+            </a:extLst>
+          </p:cNvPr>
+          <p:cNvSpPr>
+            <a:spLocks noGrp="1"/>
+          </p:cNvSpPr>
+          <p:nvPr>
+            <p:ph idx="1"/>
+          </p:nvPr>
+        </p:nvSpPr>
+        <p:spPr/>
+        <p:txBody>
+          <a:bodyPr/>
+          <a:lstStyle/>
+          <a:p>
+            <a:r>
+              <a:rPr lang="nl-NL" dirty="0"/>
+              <a:t>Stap 1 &amp; 2</a:t>
+            </a:r>
+          </a:p>
+          <a:p>
+            <a:pPr marL="457200" lvl="1" indent="0">
+              <a:buNone/>
+            </a:pPr>
+            <a:r>
+              <a:rPr lang="nl-NL" dirty="0" err="1"/>
+              <a:t>Requirements</a:t>
+            </a:r>
+            <a:endParaRPr lang="nl-NL" dirty="0"/>
+          </a:p>
+        </p:txBody>
+      </p:sp>
+      <p:sp>
+        <p:nvSpPr>
+          <p:cNvPr id="4" name="Tekstvak 3">
+            <a:extLst>
+              <a:ext uri="{FF2B5EF4-FFF2-40B4-BE49-F238E27FC236}">
+                <a16:creationId xmlns:a16="http://schemas.microsoft.com/office/drawing/2014/main" id="{2C58AA9F-BFAC-4215-A0B7-643FAD4DBB45}"/>
+              </a:ext>
+            </a:extLst>
+          </p:cNvPr>
+          <p:cNvSpPr txBox="1"/>
+          <p:nvPr/>
+        </p:nvSpPr>
+        <p:spPr>
+          <a:xfrm>
+            <a:off x="6909683" y="1200150"/>
+            <a:ext cx="1959887" cy="2031325"/>
+          </a:xfrm>
+          <a:prstGeom prst="rect">
+            <a:avLst/>
+          </a:prstGeom>
+          <a:noFill/>
+          <a:ln>
+            <a:solidFill>
+              <a:schemeClr val="tx1"/>
+            </a:solidFill>
+          </a:ln>
+        </p:spPr>
+        <p:txBody>
+          <a:bodyPr wrap="square" rtlCol="0">
+            <a:spAutoFit/>
+          </a:bodyPr>
+          <a:lstStyle/>
+          <a:p>
+            <a:pPr marL="514350" indent="-514350">
+              <a:buFont typeface="+mj-lt"/>
+              <a:buAutoNum type="arabicPeriod"/>
+            </a:pPr>
+            <a:r>
+              <a:rPr lang="nl-NL" sz="1400" dirty="0"/>
+              <a:t>System </a:t>
+            </a:r>
+            <a:r>
+              <a:rPr lang="nl-NL" sz="1400" dirty="0" err="1"/>
+              <a:t>requirements</a:t>
+            </a:r>
+            <a:endParaRPr lang="nl-NL" sz="1400" dirty="0"/>
+          </a:p>
+          <a:p>
+            <a:pPr marL="514350" indent="-514350">
+              <a:buFont typeface="+mj-lt"/>
+              <a:buAutoNum type="arabicPeriod"/>
+            </a:pPr>
+            <a:r>
+              <a:rPr lang="nl-NL" sz="1400" dirty="0"/>
+              <a:t>Software </a:t>
+            </a:r>
+            <a:r>
+              <a:rPr lang="nl-NL" sz="1400" dirty="0" err="1"/>
+              <a:t>requirements</a:t>
+            </a:r>
+            <a:endParaRPr lang="nl-NL" sz="1400" dirty="0"/>
+          </a:p>
+          <a:p>
+            <a:pPr marL="514350" indent="-514350">
+              <a:buFont typeface="+mj-lt"/>
+              <a:buAutoNum type="arabicPeriod"/>
+            </a:pPr>
+            <a:r>
+              <a:rPr lang="nl-NL" sz="1400" dirty="0"/>
+              <a:t>Analysis</a:t>
+            </a:r>
+          </a:p>
+          <a:p>
+            <a:pPr marL="514350" indent="-514350">
+              <a:buFont typeface="+mj-lt"/>
+              <a:buAutoNum type="arabicPeriod"/>
+            </a:pPr>
+            <a:r>
+              <a:rPr lang="nl-NL" sz="1400" dirty="0"/>
+              <a:t>Program design</a:t>
+            </a:r>
+          </a:p>
+          <a:p>
+            <a:pPr marL="514350" indent="-514350">
+              <a:buFont typeface="+mj-lt"/>
+              <a:buAutoNum type="arabicPeriod"/>
+            </a:pPr>
+            <a:r>
+              <a:rPr lang="nl-NL" sz="1400" dirty="0" err="1"/>
+              <a:t>Coding</a:t>
+            </a:r>
+            <a:endParaRPr lang="nl-NL" sz="1400" dirty="0"/>
+          </a:p>
+          <a:p>
+            <a:pPr marL="514350" indent="-514350">
+              <a:buFont typeface="+mj-lt"/>
+              <a:buAutoNum type="arabicPeriod"/>
+            </a:pPr>
+            <a:r>
+              <a:rPr lang="nl-NL" sz="1400" dirty="0" err="1"/>
+              <a:t>Testing</a:t>
+            </a:r>
+            <a:endParaRPr lang="nl-NL" sz="1400" dirty="0"/>
+          </a:p>
+          <a:p>
+            <a:pPr marL="514350" indent="-514350">
+              <a:buFont typeface="+mj-lt"/>
+              <a:buAutoNum type="arabicPeriod"/>
+            </a:pPr>
+            <a:r>
+              <a:rPr lang="nl-NL" sz="1400" dirty="0" err="1"/>
+              <a:t>Operation</a:t>
+            </a:r>
+            <a:endParaRPr lang="nl-NL" sz="1400" dirty="0"/>
+          </a:p>
+        </p:txBody>
+      </p:sp>
+    </p:spTree>
+    <p:extLst>
+      <p:ext uri="{BB962C8B-B14F-4D97-AF65-F5344CB8AC3E}">
+        <p14:creationId xmlns:p14="http://schemas.microsoft.com/office/powerpoint/2010/main" val="795791098"/>
+      </p:ext>
+    </p:extLst>
+  </p:cSld>
+  <p:clrMapOvr>
+    <a:masterClrMapping/>
+  </p:clrMapOvr>
+</p:sld>
+</file>
+
+<file path=ppt/slides/slide9.xml><?xml version="1.0" encoding="utf-8"?>
+<p:sld xmlns:a="http://schemas.openxmlformats.org/drawingml/2006/main" xmlns:r="http://schemas.openxmlformats.org/officeDocument/2006/relationships" xmlns:p="http://schemas.openxmlformats.org/presentationml/2006/main">
+  <p:cSld>
+    <p:spTree>
+      <p:nvGrpSpPr>
+        <p:cNvPr id="1" name=""/>
+        <p:cNvGrpSpPr/>
+        <p:nvPr/>
+      </p:nvGrpSpPr>
+      <p:grpSpPr>
+        <a:xfrm>
+          <a:off x="0" y="0"/>
+          <a:ext cx="0" cy="0"/>
+          <a:chOff x="0" y="0"/>
+          <a:chExt cx="0" cy="0"/>
+        </a:xfrm>
+      </p:grpSpPr>
+      <p:sp>
+        <p:nvSpPr>
+          <p:cNvPr id="2" name="Titel 1">
+            <a:extLst>
+              <a:ext uri="{FF2B5EF4-FFF2-40B4-BE49-F238E27FC236}">
+                <a16:creationId xmlns:a16="http://schemas.microsoft.com/office/drawing/2014/main" id="{4C4F8611-B65A-406C-920B-E98F8E46F7F5}"/>
+              </a:ext>
+            </a:extLst>
+          </p:cNvPr>
+          <p:cNvSpPr>
+            <a:spLocks noGrp="1"/>
+          </p:cNvSpPr>
+          <p:nvPr>
+            <p:ph type="title"/>
+          </p:nvPr>
+        </p:nvSpPr>
+        <p:spPr/>
+        <p:txBody>
+          <a:bodyPr/>
+          <a:lstStyle/>
+          <a:p>
+            <a:r>
+              <a:rPr lang="nl-NL" dirty="0"/>
+              <a:t>Hoe werkt de watervalmethode</a:t>
+            </a:r>
+          </a:p>
+        </p:txBody>
+      </p:sp>
+      <p:sp>
+        <p:nvSpPr>
+          <p:cNvPr id="3" name="Tijdelijke aanduiding voor inhoud 2">
+            <a:extLst>
+              <a:ext uri="{FF2B5EF4-FFF2-40B4-BE49-F238E27FC236}">
+                <a16:creationId xmlns:a16="http://schemas.microsoft.com/office/drawing/2014/main" id="{A7B989A6-14F2-4834-9AE7-90502430CE99}"/>
+              </a:ext>
+            </a:extLst>
+          </p:cNvPr>
+          <p:cNvSpPr>
+            <a:spLocks noGrp="1"/>
+          </p:cNvSpPr>
+          <p:nvPr>
+            <p:ph idx="1"/>
+          </p:nvPr>
+        </p:nvSpPr>
+        <p:spPr/>
+        <p:txBody>
+          <a:bodyPr/>
+          <a:lstStyle/>
+          <a:p>
+            <a:r>
+              <a:rPr lang="nl-NL" dirty="0"/>
+              <a:t>Stap 3</a:t>
+            </a:r>
+          </a:p>
+          <a:p>
+            <a:pPr marL="457200" lvl="1" indent="0">
+              <a:buNone/>
+            </a:pPr>
+            <a:r>
+              <a:rPr lang="nl-NL" dirty="0"/>
+              <a:t>Analysis</a:t>
+            </a:r>
+          </a:p>
+        </p:txBody>
+      </p:sp>
+      <p:sp>
+        <p:nvSpPr>
+          <p:cNvPr id="4" name="Tekstvak 3">
+            <a:extLst>
+              <a:ext uri="{FF2B5EF4-FFF2-40B4-BE49-F238E27FC236}">
+                <a16:creationId xmlns:a16="http://schemas.microsoft.com/office/drawing/2014/main" id="{2C58AA9F-BFAC-4215-A0B7-643FAD4DBB45}"/>
+              </a:ext>
+            </a:extLst>
+          </p:cNvPr>
+          <p:cNvSpPr txBox="1"/>
+          <p:nvPr/>
+        </p:nvSpPr>
+        <p:spPr>
+          <a:xfrm>
+            <a:off x="6909683" y="1200150"/>
+            <a:ext cx="1959887" cy="2031325"/>
+          </a:xfrm>
+          <a:prstGeom prst="rect">
+            <a:avLst/>
+          </a:prstGeom>
+          <a:noFill/>
+          <a:ln>
+            <a:solidFill>
+              <a:schemeClr val="tx1"/>
+            </a:solidFill>
+          </a:ln>
+        </p:spPr>
+        <p:txBody>
+          <a:bodyPr wrap="square" rtlCol="0">
+            <a:spAutoFit/>
+          </a:bodyPr>
+          <a:lstStyle/>
+          <a:p>
+            <a:pPr marL="514350" indent="-514350">
+              <a:buFont typeface="+mj-lt"/>
+              <a:buAutoNum type="arabicPeriod"/>
+            </a:pPr>
+            <a:r>
+              <a:rPr lang="nl-NL" sz="1400" dirty="0"/>
+              <a:t>System </a:t>
+            </a:r>
+            <a:r>
+              <a:rPr lang="nl-NL" sz="1400" dirty="0" err="1"/>
+              <a:t>requirements</a:t>
+            </a:r>
+            <a:endParaRPr lang="nl-NL" sz="1400" dirty="0"/>
+          </a:p>
+          <a:p>
+            <a:pPr marL="514350" indent="-514350">
+              <a:buFont typeface="+mj-lt"/>
+              <a:buAutoNum type="arabicPeriod"/>
+            </a:pPr>
+            <a:r>
+              <a:rPr lang="nl-NL" sz="1400" dirty="0"/>
+              <a:t>Software </a:t>
+            </a:r>
+            <a:r>
+              <a:rPr lang="nl-NL" sz="1400" dirty="0" err="1"/>
+              <a:t>requirements</a:t>
+            </a:r>
+            <a:endParaRPr lang="nl-NL" sz="1400" dirty="0"/>
+          </a:p>
+          <a:p>
+            <a:pPr marL="514350" indent="-514350">
+              <a:buFont typeface="+mj-lt"/>
+              <a:buAutoNum type="arabicPeriod"/>
+            </a:pPr>
+            <a:r>
+              <a:rPr lang="nl-NL" sz="1400" dirty="0"/>
+              <a:t>Analysis</a:t>
+            </a:r>
+          </a:p>
+          <a:p>
+            <a:pPr marL="514350" indent="-514350">
+              <a:buFont typeface="+mj-lt"/>
+              <a:buAutoNum type="arabicPeriod"/>
+            </a:pPr>
+            <a:r>
+              <a:rPr lang="nl-NL" sz="1400" dirty="0"/>
+              <a:t>Program design</a:t>
+            </a:r>
+          </a:p>
+          <a:p>
+            <a:pPr marL="514350" indent="-514350">
+              <a:buFont typeface="+mj-lt"/>
+              <a:buAutoNum type="arabicPeriod"/>
+            </a:pPr>
+            <a:r>
+              <a:rPr lang="nl-NL" sz="1400" dirty="0" err="1"/>
+              <a:t>Coding</a:t>
+            </a:r>
+            <a:endParaRPr lang="nl-NL" sz="1400" dirty="0"/>
+          </a:p>
+          <a:p>
+            <a:pPr marL="514350" indent="-514350">
+              <a:buFont typeface="+mj-lt"/>
+              <a:buAutoNum type="arabicPeriod"/>
+            </a:pPr>
+            <a:r>
+              <a:rPr lang="nl-NL" sz="1400" dirty="0" err="1"/>
+              <a:t>Testing</a:t>
+            </a:r>
+            <a:endParaRPr lang="nl-NL" sz="1400" dirty="0"/>
+          </a:p>
+          <a:p>
+            <a:pPr marL="514350" indent="-514350">
+              <a:buFont typeface="+mj-lt"/>
+              <a:buAutoNum type="arabicPeriod"/>
+            </a:pPr>
+            <a:r>
+              <a:rPr lang="nl-NL" sz="1400" dirty="0" err="1"/>
+              <a:t>Operation</a:t>
+            </a:r>
+            <a:endParaRPr lang="nl-NL" sz="1400" dirty="0"/>
+          </a:p>
+        </p:txBody>
+      </p:sp>
+    </p:spTree>
+    <p:extLst>
+      <p:ext uri="{BB962C8B-B14F-4D97-AF65-F5344CB8AC3E}">
+        <p14:creationId xmlns:p14="http://schemas.microsoft.com/office/powerpoint/2010/main" val="1398907191"/>
+      </p:ext>
+    </p:extLst>
+  </p:cSld>
+  <p:clrMapOvr>
+    <a:masterClrMapping/>
+  </p:clrMapOvr>
 </p:sld>
 </file>
 

--- a/Presentatie/Presentatie.pptx
+++ b/Presentatie/Presentatie.pptx
@@ -10810,22 +10810,128 @@
         </p:nvSpPr>
         <p:spPr/>
         <p:txBody>
-          <a:bodyPr/>
+          <a:bodyPr>
+            <a:normAutofit/>
+          </a:bodyPr>
           <a:lstStyle/>
           <a:p>
             <a:r>
-              <a:rPr lang="nl-NL" dirty="0"/>
-              <a:t>Boek (..)</a:t>
-            </a:r>
-          </a:p>
-          <a:p>
-            <a:r>
-              <a:rPr lang="nl-NL" dirty="0"/>
-              <a:t>Internet (..)</a:t>
-            </a:r>
-          </a:p>
-          <a:p>
-            <a:endParaRPr lang="nl-NL" dirty="0"/>
+              <a:rPr lang="en-US" sz="1600" dirty="0"/>
+              <a:t>Computer Science: An Overview” by J. Glenn </a:t>
+            </a:r>
+            <a:r>
+              <a:rPr lang="en-US" sz="1600" dirty="0" err="1"/>
+              <a:t>Brookshear</a:t>
+            </a:r>
+            <a:r>
+              <a:rPr lang="en-US" sz="1600" dirty="0"/>
+              <a:t> (</a:t>
+            </a:r>
+            <a:r>
+              <a:rPr lang="en-US" sz="1600" dirty="0" err="1"/>
+              <a:t>Paerson</a:t>
+            </a:r>
+            <a:r>
+              <a:rPr lang="en-US" sz="1600" dirty="0"/>
+              <a:t>)</a:t>
+            </a:r>
+          </a:p>
+          <a:p>
+            <a:pPr marL="0" indent="0">
+              <a:buNone/>
+            </a:pPr>
+            <a:endParaRPr lang="en-US" sz="1600" dirty="0"/>
+          </a:p>
+          <a:p>
+            <a:r>
+              <a:rPr lang="nl-NL" sz="1600" u="sng" dirty="0">
+                <a:hlinkClick r:id="rId2"/>
+              </a:rPr>
+              <a:t>https://www.tutorialspoint.com/sdlc/sdlc_waterfall_model.htm</a:t>
+            </a:r>
+            <a:r>
+              <a:rPr lang="nl-NL" sz="1600" dirty="0"/>
+              <a:t> </a:t>
+            </a:r>
+          </a:p>
+          <a:p>
+            <a:r>
+              <a:rPr lang="nl-NL" sz="1600" u="sng" dirty="0">
+                <a:hlinkClick r:id="rId3"/>
+              </a:rPr>
+              <a:t>https://www.lucidchart.com/blog/waterfall-project-management-methodology</a:t>
+            </a:r>
+            <a:r>
+              <a:rPr lang="nl-NL" sz="1600" dirty="0"/>
+              <a:t> </a:t>
+            </a:r>
+          </a:p>
+          <a:p>
+            <a:r>
+              <a:rPr lang="nl-NL" sz="1600" u="sng" dirty="0">
+                <a:hlinkClick r:id="rId4"/>
+              </a:rPr>
+              <a:t>https://www.ukessays.com/essays/information-technology/the-history-of-the-waterfall-model-inf </a:t>
+            </a:r>
+            <a:r>
+              <a:rPr lang="nl-NL" sz="1600" u="sng" dirty="0" err="1">
+                <a:hlinkClick r:id="rId4"/>
+              </a:rPr>
+              <a:t>mation-technology-essay.php</a:t>
+            </a:r>
+            <a:r>
+              <a:rPr lang="nl-NL" sz="1600" dirty="0"/>
+              <a:t> </a:t>
+            </a:r>
+          </a:p>
+          <a:p>
+            <a:r>
+              <a:rPr lang="nl-NL" sz="1600" u="sng" dirty="0">
+                <a:hlinkClick r:id="rId5"/>
+              </a:rPr>
+              <a:t>http://www.umsl.edu/~hugheyd/is6840/waterfall.html</a:t>
+            </a:r>
+            <a:r>
+              <a:rPr lang="nl-NL" sz="1600" dirty="0"/>
+              <a:t> </a:t>
+            </a:r>
+          </a:p>
+          <a:p>
+            <a:r>
+              <a:rPr lang="nl-NL" sz="1600" u="sng" dirty="0">
+                <a:hlinkClick r:id="rId6"/>
+              </a:rPr>
+              <a:t>https://www.seguetech.com/waterfall-vs-agile-methodology/</a:t>
+            </a:r>
+            <a:r>
+              <a:rPr lang="nl-NL" sz="1600" dirty="0"/>
+              <a:t> </a:t>
+            </a:r>
+          </a:p>
+          <a:p>
+            <a:r>
+              <a:rPr lang="nl-NL" sz="1600" u="sng" dirty="0">
+                <a:hlinkClick r:id="rId7"/>
+              </a:rPr>
+              <a:t>https://thedigitalprojectmanager.com/agile-vs-waterfall/</a:t>
+            </a:r>
+            <a:r>
+              <a:rPr lang="nl-NL" sz="1600" dirty="0"/>
+              <a:t> </a:t>
+            </a:r>
+            <a:endParaRPr lang="en-US" sz="1600" dirty="0"/>
+          </a:p>
+          <a:p>
+            <a:pPr marL="0" indent="0">
+              <a:buNone/>
+            </a:pPr>
+            <a:endParaRPr lang="en-US" sz="1800" dirty="0"/>
+          </a:p>
+          <a:p>
+            <a:pPr marL="0" indent="0">
+              <a:buNone/>
+            </a:pPr>
+            <a:endParaRPr lang="en-US" sz="1800" dirty="0"/>
           </a:p>
         </p:txBody>
       </p:sp>
